--- a/fig/Presentation1.pptx
+++ b/fig/Presentation1.pptx
@@ -291,7 +291,7 @@
           <a:p>
             <a:fld id="{44B15A26-92BA-497A-9014-8A082EA472A1}" type="datetimeFigureOut">
               <a:rPr lang="en-US" smtClean="0"/>
-              <a:t>10/18/2016</a:t>
+              <a:t>10/21/2016</a:t>
             </a:fld>
             <a:endParaRPr lang="en-US"/>
           </a:p>
@@ -461,7 +461,7 @@
           <a:p>
             <a:fld id="{44B15A26-92BA-497A-9014-8A082EA472A1}" type="datetimeFigureOut">
               <a:rPr lang="en-US" smtClean="0"/>
-              <a:t>10/18/2016</a:t>
+              <a:t>10/21/2016</a:t>
             </a:fld>
             <a:endParaRPr lang="en-US"/>
           </a:p>
@@ -641,7 +641,7 @@
           <a:p>
             <a:fld id="{44B15A26-92BA-497A-9014-8A082EA472A1}" type="datetimeFigureOut">
               <a:rPr lang="en-US" smtClean="0"/>
-              <a:t>10/18/2016</a:t>
+              <a:t>10/21/2016</a:t>
             </a:fld>
             <a:endParaRPr lang="en-US"/>
           </a:p>
@@ -811,7 +811,7 @@
           <a:p>
             <a:fld id="{44B15A26-92BA-497A-9014-8A082EA472A1}" type="datetimeFigureOut">
               <a:rPr lang="en-US" smtClean="0"/>
-              <a:t>10/18/2016</a:t>
+              <a:t>10/21/2016</a:t>
             </a:fld>
             <a:endParaRPr lang="en-US"/>
           </a:p>
@@ -1057,7 +1057,7 @@
           <a:p>
             <a:fld id="{44B15A26-92BA-497A-9014-8A082EA472A1}" type="datetimeFigureOut">
               <a:rPr lang="en-US" smtClean="0"/>
-              <a:t>10/18/2016</a:t>
+              <a:t>10/21/2016</a:t>
             </a:fld>
             <a:endParaRPr lang="en-US"/>
           </a:p>
@@ -1345,7 +1345,7 @@
           <a:p>
             <a:fld id="{44B15A26-92BA-497A-9014-8A082EA472A1}" type="datetimeFigureOut">
               <a:rPr lang="en-US" smtClean="0"/>
-              <a:t>10/18/2016</a:t>
+              <a:t>10/21/2016</a:t>
             </a:fld>
             <a:endParaRPr lang="en-US"/>
           </a:p>
@@ -1767,7 +1767,7 @@
           <a:p>
             <a:fld id="{44B15A26-92BA-497A-9014-8A082EA472A1}" type="datetimeFigureOut">
               <a:rPr lang="en-US" smtClean="0"/>
-              <a:t>10/18/2016</a:t>
+              <a:t>10/21/2016</a:t>
             </a:fld>
             <a:endParaRPr lang="en-US"/>
           </a:p>
@@ -1885,7 +1885,7 @@
           <a:p>
             <a:fld id="{44B15A26-92BA-497A-9014-8A082EA472A1}" type="datetimeFigureOut">
               <a:rPr lang="en-US" smtClean="0"/>
-              <a:t>10/18/2016</a:t>
+              <a:t>10/21/2016</a:t>
             </a:fld>
             <a:endParaRPr lang="en-US"/>
           </a:p>
@@ -1980,7 +1980,7 @@
           <a:p>
             <a:fld id="{44B15A26-92BA-497A-9014-8A082EA472A1}" type="datetimeFigureOut">
               <a:rPr lang="en-US" smtClean="0"/>
-              <a:t>10/18/2016</a:t>
+              <a:t>10/21/2016</a:t>
             </a:fld>
             <a:endParaRPr lang="en-US"/>
           </a:p>
@@ -2257,7 +2257,7 @@
           <a:p>
             <a:fld id="{44B15A26-92BA-497A-9014-8A082EA472A1}" type="datetimeFigureOut">
               <a:rPr lang="en-US" smtClean="0"/>
-              <a:t>10/18/2016</a:t>
+              <a:t>10/21/2016</a:t>
             </a:fld>
             <a:endParaRPr lang="en-US"/>
           </a:p>
@@ -2510,7 +2510,7 @@
           <a:p>
             <a:fld id="{44B15A26-92BA-497A-9014-8A082EA472A1}" type="datetimeFigureOut">
               <a:rPr lang="en-US" smtClean="0"/>
-              <a:t>10/18/2016</a:t>
+              <a:t>10/21/2016</a:t>
             </a:fld>
             <a:endParaRPr lang="en-US"/>
           </a:p>
@@ -2723,7 +2723,7 @@
           <a:p>
             <a:fld id="{44B15A26-92BA-497A-9014-8A082EA472A1}" type="datetimeFigureOut">
               <a:rPr lang="en-US" smtClean="0"/>
-              <a:t>10/18/2016</a:t>
+              <a:t>10/21/2016</a:t>
             </a:fld>
             <a:endParaRPr lang="en-US"/>
           </a:p>
@@ -3186,7 +3186,7 @@
             <a:graphicData uri="http://schemas.openxmlformats.org/presentationml/2006/ole">
               <mc:AlternateContent xmlns:mc="http://schemas.openxmlformats.org/markup-compatibility/2006">
                 <mc:Choice xmlns:v="urn:schemas-microsoft-com:vml" Requires="v">
-                  <p:oleObj spid="_x0000_s2125" name="Equation" r:id="rId3" imgW="342720" imgH="228600" progId="Equation.DSMT4">
+                  <p:oleObj spid="_x0000_s2149" name="Equation" r:id="rId3" imgW="342720" imgH="228600" progId="Equation.DSMT4">
                     <p:embed/>
                   </p:oleObj>
                 </mc:Choice>
@@ -3317,7 +3317,7 @@
             <a:graphicData uri="http://schemas.openxmlformats.org/presentationml/2006/ole">
               <mc:AlternateContent xmlns:mc="http://schemas.openxmlformats.org/markup-compatibility/2006">
                 <mc:Choice xmlns:v="urn:schemas-microsoft-com:vml" Requires="v">
-                  <p:oleObj spid="_x0000_s2126" name="Equation" r:id="rId5" imgW="355320" imgH="228600" progId="Equation.DSMT4">
+                  <p:oleObj spid="_x0000_s2150" name="Equation" r:id="rId5" imgW="355320" imgH="228600" progId="Equation.DSMT4">
                     <p:embed/>
                   </p:oleObj>
                 </mc:Choice>
@@ -3440,7 +3440,7 @@
             <a:graphicData uri="http://schemas.openxmlformats.org/presentationml/2006/ole">
               <mc:AlternateContent xmlns:mc="http://schemas.openxmlformats.org/markup-compatibility/2006">
                 <mc:Choice xmlns:v="urn:schemas-microsoft-com:vml" Requires="v">
-                  <p:oleObj spid="_x0000_s2127" name="Equation" r:id="rId7" imgW="241200" imgH="177480" progId="Equation.DSMT4">
+                  <p:oleObj spid="_x0000_s2151" name="Equation" r:id="rId7" imgW="241200" imgH="177480" progId="Equation.DSMT4">
                     <p:embed/>
                   </p:oleObj>
                 </mc:Choice>
@@ -3571,7 +3571,7 @@
             <a:graphicData uri="http://schemas.openxmlformats.org/presentationml/2006/ole">
               <mc:AlternateContent xmlns:mc="http://schemas.openxmlformats.org/markup-compatibility/2006">
                 <mc:Choice xmlns:v="urn:schemas-microsoft-com:vml" Requires="v">
-                  <p:oleObj spid="_x0000_s2128" name="Equation" r:id="rId9" imgW="368280" imgH="228600" progId="Equation.DSMT4">
+                  <p:oleObj spid="_x0000_s2152" name="Equation" r:id="rId9" imgW="368280" imgH="228600" progId="Equation.DSMT4">
                     <p:embed/>
                   </p:oleObj>
                 </mc:Choice>
@@ -3710,7 +3710,7 @@
             <a:graphicData uri="http://schemas.openxmlformats.org/presentationml/2006/ole">
               <mc:AlternateContent xmlns:mc="http://schemas.openxmlformats.org/markup-compatibility/2006">
                 <mc:Choice xmlns:v="urn:schemas-microsoft-com:vml" Requires="v">
-                  <p:oleObj spid="_x0000_s2129" name="Equation" r:id="rId12" imgW="126720" imgH="139680" progId="Equation.DSMT4">
+                  <p:oleObj spid="_x0000_s2153" name="Equation" r:id="rId12" imgW="126720" imgH="139680" progId="Equation.DSMT4">
                     <p:embed/>
                   </p:oleObj>
                 </mc:Choice>
@@ -3775,7 +3775,7 @@
           <a:graphicData uri="http://schemas.openxmlformats.org/presentationml/2006/ole">
             <mc:AlternateContent xmlns:mc="http://schemas.openxmlformats.org/markup-compatibility/2006">
               <mc:Choice xmlns:v="urn:schemas-microsoft-com:vml" Requires="v">
-                <p:oleObj spid="_x0000_s2130" name="Equation" r:id="rId14" imgW="2057400" imgH="291960" progId="Equation.DSMT4">
+                <p:oleObj spid="_x0000_s2154" name="Equation" r:id="rId14" imgW="2057400" imgH="291960" progId="Equation.DSMT4">
                   <p:embed/>
                 </p:oleObj>
               </mc:Choice>
@@ -5077,8 +5077,8 @@
           <a:chExt cx="0" cy="0"/>
         </a:xfrm>
       </p:grpSpPr>
-      <mc:AlternateContent xmlns:mc="http://schemas.openxmlformats.org/markup-compatibility/2006">
-        <mc:Choice xmlns:a14="http://schemas.microsoft.com/office/drawing/2010/main" Requires="a14">
+      <mc:AlternateContent xmlns:mc="http://schemas.openxmlformats.org/markup-compatibility/2006" xmlns:a14="http://schemas.microsoft.com/office/drawing/2010/main">
+        <mc:Choice Requires="a14">
           <p:sp>
             <p:nvSpPr>
               <p:cNvPr id="4" name="Rounded Rectangle 30"/>
@@ -5087,8 +5087,8 @@
             </p:nvSpPr>
             <p:spPr>
               <a:xfrm>
-                <a:off x="3124200" y="2577494"/>
-                <a:ext cx="990600" cy="914399"/>
+                <a:off x="2667000" y="609601"/>
+                <a:ext cx="838200" cy="685799"/>
               </a:xfrm>
               <a:prstGeom prst="roundRect">
                 <a:avLst/>
@@ -5114,53 +5114,103 @@
               <a:lstStyle/>
               <a:p>
                 <a:pPr algn="ctr"/>
-                <a:r>
-                  <a:rPr lang="en-US" altLang="zh-CN" dirty="0" smtClean="0"/>
-                  <a:t>Source</a:t>
-                </a:r>
                 <a14:m>
-                  <m:oMath xmlns:m="http://schemas.openxmlformats.org/officeDocument/2006/math">
-                    <m:sSup>
-                      <m:sSupPr>
-                        <m:ctrlPr>
-                          <a:rPr lang="en-US" altLang="zh-CN" i="1" smtClean="0">
-                            <a:latin typeface="Cambria Math"/>
-                          </a:rPr>
-                        </m:ctrlPr>
-                      </m:sSupPr>
-                      <m:e>
-                        <m:r>
-                          <a:rPr lang="en-US" altLang="zh-CN" i="1">
-                            <a:latin typeface="Cambria Math"/>
-                          </a:rPr>
-                          <m:t>𝑓</m:t>
-                        </m:r>
-                      </m:e>
-                      <m:sup>
-                        <m:r>
-                          <a:rPr lang="en-US" altLang="zh-CN" i="1">
-                            <a:latin typeface="Cambria Math"/>
-                          </a:rPr>
-                          <m:t>′</m:t>
-                        </m:r>
-                      </m:sup>
-                    </m:sSup>
-                    <m:r>
-                      <a:rPr lang="en-US" altLang="zh-CN" b="0" i="1" smtClean="0">
-                        <a:latin typeface="Cambria Math"/>
-                      </a:rPr>
-                      <m:t>∗</m:t>
-                    </m:r>
-                    <m:r>
-                      <a:rPr lang="en-US" altLang="zh-CN" i="1">
-                        <a:latin typeface="Cambria Math"/>
-                        <a:ea typeface="Cambria Math"/>
-                      </a:rPr>
-                      <m:t>𝛽</m:t>
-                    </m:r>
-                  </m:oMath>
+                  <m:oMathPara xmlns:m="http://schemas.openxmlformats.org/officeDocument/2006/math">
+                    <m:oMathParaPr>
+                      <m:jc m:val="centerGroup"/>
+                    </m:oMathParaPr>
+                    <m:oMath xmlns:m="http://schemas.openxmlformats.org/officeDocument/2006/math">
+                      <m:sSub>
+                        <m:sSubPr>
+                          <m:ctrlPr>
+                            <a:rPr lang="en-US" altLang="zh-CN" sz="1200" i="1" smtClean="0">
+                              <a:latin typeface="Cambria Math"/>
+                            </a:rPr>
+                          </m:ctrlPr>
+                        </m:sSubPr>
+                        <m:e>
+                          <m:r>
+                            <a:rPr lang="en-US" altLang="zh-CN" sz="1200" b="0" i="1" smtClean="0">
+                              <a:latin typeface="Cambria Math"/>
+                              <a:ea typeface="Cambria Math"/>
+                            </a:rPr>
+                            <m:t>𝑓</m:t>
+                          </m:r>
+                          <m:r>
+                            <a:rPr lang="en-US" altLang="zh-CN" sz="1200" b="0" i="1" smtClean="0">
+                              <a:latin typeface="Cambria Math"/>
+                              <a:ea typeface="Cambria Math"/>
+                            </a:rPr>
+                            <m:t>′</m:t>
+                          </m:r>
+                          <m:r>
+                            <m:rPr>
+                              <m:nor/>
+                            </m:rPr>
+                            <a:rPr lang="en-US" altLang="zh-CN" sz="1200" dirty="0">
+                              <a:solidFill>
+                                <a:schemeClr val="tx1"/>
+                              </a:solidFill>
+                            </a:rPr>
+                            <m:t> </m:t>
+                          </m:r>
+                        </m:e>
+                        <m:sub>
+                          <m:r>
+                            <a:rPr lang="en-US" altLang="zh-CN" sz="1200" i="1">
+                              <a:latin typeface="Cambria Math"/>
+                            </a:rPr>
+                            <m:t>1</m:t>
+                          </m:r>
+                        </m:sub>
+                      </m:sSub>
+                      <m:r>
+                        <a:rPr lang="en-US" altLang="zh-CN" sz="1200" b="0" i="1" smtClean="0">
+                          <a:latin typeface="Cambria Math"/>
+                        </a:rPr>
+                        <m:t>∗</m:t>
+                      </m:r>
+                      <m:sSub>
+                        <m:sSubPr>
+                          <m:ctrlPr>
+                            <a:rPr lang="en-US" altLang="zh-CN" sz="1200" b="0" i="1" smtClean="0">
+                              <a:latin typeface="Cambria Math"/>
+                            </a:rPr>
+                          </m:ctrlPr>
+                        </m:sSubPr>
+                        <m:e>
+                          <m:r>
+                            <a:rPr lang="en-US" altLang="zh-CN" sz="1200" i="1">
+                              <a:latin typeface="Cambria Math"/>
+                              <a:ea typeface="Cambria Math"/>
+                            </a:rPr>
+                            <m:t>𝛽</m:t>
+                          </m:r>
+                          <m:r>
+                            <m:rPr>
+                              <m:nor/>
+                            </m:rPr>
+                            <a:rPr lang="en-US" altLang="zh-CN" sz="1200" dirty="0">
+                              <a:solidFill>
+                                <a:schemeClr val="tx1"/>
+                              </a:solidFill>
+                            </a:rPr>
+                            <m:t> </m:t>
+                          </m:r>
+                        </m:e>
+                        <m:sub>
+                          <m:r>
+                            <a:rPr lang="en-US" altLang="zh-CN" sz="1200" b="0" i="1" smtClean="0">
+                              <a:latin typeface="Cambria Math"/>
+                            </a:rPr>
+                            <m:t>1</m:t>
+                          </m:r>
+                        </m:sub>
+                      </m:sSub>
+                    </m:oMath>
+                  </m:oMathPara>
                 </a14:m>
-                <a:endParaRPr lang="en-US" altLang="zh-CN" dirty="0">
+                <a:endParaRPr lang="en-US" altLang="zh-CN" sz="1200" dirty="0">
                   <a:solidFill>
                     <a:schemeClr val="tx1"/>
                   </a:solidFill>
@@ -5169,7 +5219,7 @@
             </p:txBody>
           </p:sp>
         </mc:Choice>
-        <mc:Fallback>
+        <mc:Fallback xmlns="">
           <p:sp>
             <p:nvSpPr>
               <p:cNvPr id="4" name="Rounded Rectangle 30"/>
@@ -5180,8 +5230,8 @@
             </p:nvSpPr>
             <p:spPr>
               <a:xfrm>
-                <a:off x="3124200" y="2577494"/>
-                <a:ext cx="990600" cy="914399"/>
+                <a:off x="2667000" y="609601"/>
+                <a:ext cx="838200" cy="685799"/>
               </a:xfrm>
               <a:prstGeom prst="roundRect">
                 <a:avLst/>
@@ -5209,92 +5259,8 @@
           </p:sp>
         </mc:Fallback>
       </mc:AlternateContent>
-      <mc:AlternateContent xmlns:mc="http://schemas.openxmlformats.org/markup-compatibility/2006">
-        <mc:Choice xmlns:a14="http://schemas.microsoft.com/office/drawing/2010/main" Requires="a14">
-          <p:sp>
-            <p:nvSpPr>
-              <p:cNvPr id="7" name="TextBox 6"/>
-              <p:cNvSpPr txBox="1"/>
-              <p:nvPr/>
-            </p:nvSpPr>
-            <p:spPr>
-              <a:xfrm>
-                <a:off x="1676400" y="2209800"/>
-                <a:ext cx="381000" cy="477054"/>
-              </a:xfrm>
-              <a:prstGeom prst="rect">
-                <a:avLst/>
-              </a:prstGeom>
-              <a:noFill/>
-            </p:spPr>
-            <p:txBody>
-              <a:bodyPr wrap="square" rtlCol="0">
-                <a:spAutoFit/>
-              </a:bodyPr>
-              <a:lstStyle/>
-              <a:p>
-                <a:pPr algn="ctr"/>
-                <a14:m>
-                  <m:oMathPara xmlns:m="http://schemas.openxmlformats.org/officeDocument/2006/math">
-                    <m:oMathParaPr>
-                      <m:jc m:val="centerGroup"/>
-                    </m:oMathParaPr>
-                    <m:oMath xmlns:m="http://schemas.openxmlformats.org/officeDocument/2006/math">
-                      <m:r>
-                        <a:rPr lang="en-US" sz="2500" b="0" i="1" smtClean="0">
-                          <a:latin typeface="Cambria Math"/>
-                        </a:rPr>
-                        <m:t>𝑥</m:t>
-                      </m:r>
-                    </m:oMath>
-                  </m:oMathPara>
-                </a14:m>
-                <a:endParaRPr lang="en-US" sz="2500" b="0" dirty="0" smtClean="0"/>
-              </a:p>
-            </p:txBody>
-          </p:sp>
-        </mc:Choice>
-        <mc:Fallback>
-          <p:sp>
-            <p:nvSpPr>
-              <p:cNvPr id="7" name="TextBox 6"/>
-              <p:cNvSpPr txBox="1">
-                <a:spLocks noRot="1" noChangeAspect="1" noMove="1" noResize="1" noEditPoints="1" noAdjustHandles="1" noChangeArrowheads="1" noChangeShapeType="1" noTextEdit="1"/>
-              </p:cNvSpPr>
-              <p:nvPr/>
-            </p:nvSpPr>
-            <p:spPr>
-              <a:xfrm>
-                <a:off x="1676400" y="2209800"/>
-                <a:ext cx="381000" cy="477054"/>
-              </a:xfrm>
-              <a:prstGeom prst="rect">
-                <a:avLst/>
-              </a:prstGeom>
-              <a:blipFill rotWithShape="1">
-                <a:blip r:embed="rId3"/>
-                <a:stretch>
-                  <a:fillRect l="-1587"/>
-                </a:stretch>
-              </a:blipFill>
-            </p:spPr>
-            <p:txBody>
-              <a:bodyPr/>
-              <a:lstStyle/>
-              <a:p>
-                <a:r>
-                  <a:rPr lang="zh-CN" altLang="en-US">
-                    <a:noFill/>
-                  </a:rPr>
-                  <a:t> </a:t>
-                </a:r>
-              </a:p>
-            </p:txBody>
-          </p:sp>
-        </mc:Fallback>
-      </mc:AlternateContent>
-      <mc:AlternateContent xmlns:mc="http://schemas.openxmlformats.org/markup-compatibility/2006">
-        <mc:Choice xmlns:a14="http://schemas.microsoft.com/office/drawing/2010/main" Requires="a14">
+      <mc:AlternateContent xmlns:mc="http://schemas.openxmlformats.org/markup-compatibility/2006" xmlns:a14="http://schemas.microsoft.com/office/drawing/2010/main">
+        <mc:Choice Requires="a14">
           <p:sp>
             <p:nvSpPr>
               <p:cNvPr id="11" name="Rounded Rectangle 30"/>
@@ -5303,7 +5269,7 @@
             </p:nvSpPr>
             <p:spPr>
               <a:xfrm>
-                <a:off x="3124200" y="1371599"/>
+                <a:off x="1143000" y="609601"/>
                 <a:ext cx="990600" cy="914399"/>
               </a:xfrm>
               <a:prstGeom prst="roundRect">
@@ -5353,7 +5319,7 @@
             </p:txBody>
           </p:sp>
         </mc:Choice>
-        <mc:Fallback>
+        <mc:Fallback xmlns="">
           <p:sp>
             <p:nvSpPr>
               <p:cNvPr id="11" name="Rounded Rectangle 30"/>
@@ -5364,8 +5330,1082 @@
             </p:nvSpPr>
             <p:spPr>
               <a:xfrm>
-                <a:off x="3124200" y="1371599"/>
+                <a:off x="1143000" y="609601"/>
                 <a:ext cx="990600" cy="914399"/>
+              </a:xfrm>
+              <a:prstGeom prst="roundRect">
+                <a:avLst/>
+              </a:prstGeom>
+              <a:blipFill rotWithShape="1">
+                <a:blip r:embed="rId3"/>
+                <a:stretch>
+                  <a:fillRect/>
+                </a:stretch>
+              </a:blipFill>
+              <a:ln/>
+            </p:spPr>
+            <p:txBody>
+              <a:bodyPr/>
+              <a:lstStyle/>
+              <a:p>
+                <a:r>
+                  <a:rPr lang="zh-CN" altLang="en-US">
+                    <a:noFill/>
+                  </a:rPr>
+                  <a:t> </a:t>
+                </a:r>
+              </a:p>
+            </p:txBody>
+          </p:sp>
+        </mc:Fallback>
+      </mc:AlternateContent>
+      <p:grpSp>
+        <p:nvGrpSpPr>
+          <p:cNvPr id="5" name="组合 4"/>
+          <p:cNvGrpSpPr/>
+          <p:nvPr/>
+        </p:nvGrpSpPr>
+        <p:grpSpPr>
+          <a:xfrm>
+            <a:off x="3683288" y="2291194"/>
+            <a:ext cx="1927148" cy="1079971"/>
+            <a:chOff x="4602268" y="2743200"/>
+            <a:chExt cx="1417532" cy="628055"/>
+          </a:xfrm>
+        </p:grpSpPr>
+        <p:cxnSp>
+          <p:nvCxnSpPr>
+            <p:cNvPr id="20" name="Straight Arrow Connector 56"/>
+            <p:cNvCxnSpPr/>
+            <p:nvPr/>
+          </p:nvCxnSpPr>
+          <p:spPr>
+            <a:xfrm>
+              <a:off x="4983268" y="3124200"/>
+              <a:ext cx="685800" cy="0"/>
+            </a:xfrm>
+            <a:prstGeom prst="straightConnector1">
+              <a:avLst/>
+            </a:prstGeom>
+            <a:ln>
+              <a:tailEnd type="arrow"/>
+            </a:ln>
+          </p:spPr>
+          <p:style>
+            <a:lnRef idx="2">
+              <a:schemeClr val="accent1"/>
+            </a:lnRef>
+            <a:fillRef idx="0">
+              <a:schemeClr val="accent1"/>
+            </a:fillRef>
+            <a:effectRef idx="1">
+              <a:schemeClr val="accent1"/>
+            </a:effectRef>
+            <a:fontRef idx="minor">
+              <a:schemeClr val="tx1"/>
+            </a:fontRef>
+          </p:style>
+        </p:cxnSp>
+        <p:sp>
+          <p:nvSpPr>
+            <p:cNvPr id="21" name="Rectangle 57"/>
+            <p:cNvSpPr/>
+            <p:nvPr/>
+          </p:nvSpPr>
+          <p:spPr>
+            <a:xfrm>
+              <a:off x="4983268" y="3048000"/>
+              <a:ext cx="76200" cy="76200"/>
+            </a:xfrm>
+            <a:prstGeom prst="rect">
+              <a:avLst/>
+            </a:prstGeom>
+            <a:ln>
+              <a:noFill/>
+            </a:ln>
+          </p:spPr>
+          <p:style>
+            <a:lnRef idx="2">
+              <a:schemeClr val="accent1">
+                <a:shade val="50000"/>
+              </a:schemeClr>
+            </a:lnRef>
+            <a:fillRef idx="1">
+              <a:schemeClr val="accent1"/>
+            </a:fillRef>
+            <a:effectRef idx="0">
+              <a:schemeClr val="accent1"/>
+            </a:effectRef>
+            <a:fontRef idx="minor">
+              <a:schemeClr val="lt1"/>
+            </a:fontRef>
+          </p:style>
+          <p:txBody>
+            <a:bodyPr rtlCol="0" anchor="ctr"/>
+            <a:lstStyle/>
+            <a:p>
+              <a:pPr algn="ctr"/>
+              <a:endParaRPr lang="en-US"/>
+            </a:p>
+          </p:txBody>
+        </p:sp>
+        <p:sp>
+          <p:nvSpPr>
+            <p:cNvPr id="22" name="Rectangle 59"/>
+            <p:cNvSpPr/>
+            <p:nvPr/>
+          </p:nvSpPr>
+          <p:spPr>
+            <a:xfrm>
+              <a:off x="5135668" y="2743200"/>
+              <a:ext cx="76200" cy="381000"/>
+            </a:xfrm>
+            <a:prstGeom prst="rect">
+              <a:avLst/>
+            </a:prstGeom>
+            <a:ln>
+              <a:noFill/>
+            </a:ln>
+          </p:spPr>
+          <p:style>
+            <a:lnRef idx="2">
+              <a:schemeClr val="accent1">
+                <a:shade val="50000"/>
+              </a:schemeClr>
+            </a:lnRef>
+            <a:fillRef idx="1">
+              <a:schemeClr val="accent1"/>
+            </a:fillRef>
+            <a:effectRef idx="0">
+              <a:schemeClr val="accent1"/>
+            </a:effectRef>
+            <a:fontRef idx="minor">
+              <a:schemeClr val="lt1"/>
+            </a:fontRef>
+          </p:style>
+          <p:txBody>
+            <a:bodyPr rtlCol="0" anchor="ctr"/>
+            <a:lstStyle/>
+            <a:p>
+              <a:pPr algn="ctr"/>
+              <a:endParaRPr lang="en-US"/>
+            </a:p>
+          </p:txBody>
+        </p:sp>
+        <p:sp>
+          <p:nvSpPr>
+            <p:cNvPr id="23" name="Rectangle 60"/>
+            <p:cNvSpPr/>
+            <p:nvPr/>
+          </p:nvSpPr>
+          <p:spPr>
+            <a:xfrm>
+              <a:off x="5288068" y="2933700"/>
+              <a:ext cx="76200" cy="190500"/>
+            </a:xfrm>
+            <a:prstGeom prst="rect">
+              <a:avLst/>
+            </a:prstGeom>
+            <a:ln>
+              <a:noFill/>
+            </a:ln>
+          </p:spPr>
+          <p:style>
+            <a:lnRef idx="2">
+              <a:schemeClr val="accent1">
+                <a:shade val="50000"/>
+              </a:schemeClr>
+            </a:lnRef>
+            <a:fillRef idx="1">
+              <a:schemeClr val="accent1"/>
+            </a:fillRef>
+            <a:effectRef idx="0">
+              <a:schemeClr val="accent1"/>
+            </a:effectRef>
+            <a:fontRef idx="minor">
+              <a:schemeClr val="lt1"/>
+            </a:fontRef>
+          </p:style>
+          <p:txBody>
+            <a:bodyPr rtlCol="0" anchor="ctr"/>
+            <a:lstStyle/>
+            <a:p>
+              <a:pPr algn="ctr"/>
+              <a:endParaRPr lang="en-US"/>
+            </a:p>
+          </p:txBody>
+        </p:sp>
+        <p:sp>
+          <p:nvSpPr>
+            <p:cNvPr id="24" name="Rectangle 64"/>
+            <p:cNvSpPr/>
+            <p:nvPr/>
+          </p:nvSpPr>
+          <p:spPr>
+            <a:xfrm>
+              <a:off x="5440468" y="2819400"/>
+              <a:ext cx="76200" cy="304800"/>
+            </a:xfrm>
+            <a:prstGeom prst="rect">
+              <a:avLst/>
+            </a:prstGeom>
+            <a:ln>
+              <a:noFill/>
+            </a:ln>
+          </p:spPr>
+          <p:style>
+            <a:lnRef idx="2">
+              <a:schemeClr val="accent1">
+                <a:shade val="50000"/>
+              </a:schemeClr>
+            </a:lnRef>
+            <a:fillRef idx="1">
+              <a:schemeClr val="accent1"/>
+            </a:fillRef>
+            <a:effectRef idx="0">
+              <a:schemeClr val="accent1"/>
+            </a:effectRef>
+            <a:fontRef idx="minor">
+              <a:schemeClr val="lt1"/>
+            </a:fontRef>
+          </p:style>
+          <p:txBody>
+            <a:bodyPr rtlCol="0" anchor="ctr"/>
+            <a:lstStyle/>
+            <a:p>
+              <a:pPr algn="ctr"/>
+              <a:endParaRPr lang="en-US"/>
+            </a:p>
+          </p:txBody>
+        </p:sp>
+        <p:sp>
+          <p:nvSpPr>
+            <p:cNvPr id="28" name="TextBox 27"/>
+            <p:cNvSpPr txBox="1"/>
+            <p:nvPr/>
+          </p:nvSpPr>
+          <p:spPr>
+            <a:xfrm>
+              <a:off x="4602268" y="3183319"/>
+              <a:ext cx="1417532" cy="187936"/>
+            </a:xfrm>
+            <a:prstGeom prst="rect">
+              <a:avLst/>
+            </a:prstGeom>
+            <a:noFill/>
+          </p:spPr>
+          <p:txBody>
+            <a:bodyPr wrap="square" rtlCol="0">
+              <a:spAutoFit/>
+            </a:bodyPr>
+            <a:lstStyle/>
+            <a:p>
+              <a:pPr algn="ctr"/>
+              <a:r>
+                <a:rPr lang="en-US" altLang="zh-CN" sz="1500" dirty="0" smtClean="0">
+                  <a:solidFill>
+                    <a:schemeClr val="accent1"/>
+                  </a:solidFill>
+                </a:rPr>
+                <a:t>Auxiliary Bias</a:t>
+              </a:r>
+              <a:endParaRPr lang="zh-CN" altLang="en-US" sz="1500" dirty="0">
+                <a:solidFill>
+                  <a:schemeClr val="accent1"/>
+                </a:solidFill>
+              </a:endParaRPr>
+            </a:p>
+          </p:txBody>
+        </p:sp>
+      </p:grpSp>
+      <p:grpSp>
+        <p:nvGrpSpPr>
+          <p:cNvPr id="3" name="组合 2"/>
+          <p:cNvGrpSpPr/>
+          <p:nvPr/>
+        </p:nvGrpSpPr>
+        <p:grpSpPr>
+          <a:xfrm>
+            <a:off x="6156375" y="2073374"/>
+            <a:ext cx="1911960" cy="1279425"/>
+            <a:chOff x="6583468" y="1905000"/>
+            <a:chExt cx="1417532" cy="800015"/>
+          </a:xfrm>
+        </p:grpSpPr>
+        <p:cxnSp>
+          <p:nvCxnSpPr>
+            <p:cNvPr id="36" name="Straight Arrow Connector 35"/>
+            <p:cNvCxnSpPr/>
+            <p:nvPr/>
+          </p:nvCxnSpPr>
+          <p:spPr>
+            <a:xfrm>
+              <a:off x="6964468" y="2438400"/>
+              <a:ext cx="685800" cy="0"/>
+            </a:xfrm>
+            <a:prstGeom prst="straightConnector1">
+              <a:avLst/>
+            </a:prstGeom>
+            <a:ln>
+              <a:tailEnd type="arrow"/>
+            </a:ln>
+          </p:spPr>
+          <p:style>
+            <a:lnRef idx="2">
+              <a:schemeClr val="accent4"/>
+            </a:lnRef>
+            <a:fillRef idx="0">
+              <a:schemeClr val="accent4"/>
+            </a:fillRef>
+            <a:effectRef idx="1">
+              <a:schemeClr val="accent4"/>
+            </a:effectRef>
+            <a:fontRef idx="minor">
+              <a:schemeClr val="tx1"/>
+            </a:fontRef>
+          </p:style>
+        </p:cxnSp>
+        <p:sp>
+          <p:nvSpPr>
+            <p:cNvPr id="37" name="Rectangle 39"/>
+            <p:cNvSpPr/>
+            <p:nvPr/>
+          </p:nvSpPr>
+          <p:spPr>
+            <a:xfrm>
+              <a:off x="6964468" y="2133600"/>
+              <a:ext cx="76200" cy="304800"/>
+            </a:xfrm>
+            <a:prstGeom prst="rect">
+              <a:avLst/>
+            </a:prstGeom>
+            <a:ln>
+              <a:noFill/>
+            </a:ln>
+          </p:spPr>
+          <p:style>
+            <a:lnRef idx="1">
+              <a:schemeClr val="accent4"/>
+            </a:lnRef>
+            <a:fillRef idx="3">
+              <a:schemeClr val="accent4"/>
+            </a:fillRef>
+            <a:effectRef idx="2">
+              <a:schemeClr val="accent4"/>
+            </a:effectRef>
+            <a:fontRef idx="minor">
+              <a:schemeClr val="lt1"/>
+            </a:fontRef>
+          </p:style>
+          <p:txBody>
+            <a:bodyPr rtlCol="0" anchor="ctr"/>
+            <a:lstStyle/>
+            <a:p>
+              <a:pPr algn="ctr"/>
+              <a:endParaRPr lang="en-US"/>
+            </a:p>
+          </p:txBody>
+        </p:sp>
+        <p:sp>
+          <p:nvSpPr>
+            <p:cNvPr id="38" name="Rectangle 41"/>
+            <p:cNvSpPr/>
+            <p:nvPr/>
+          </p:nvSpPr>
+          <p:spPr>
+            <a:xfrm>
+              <a:off x="7116868" y="1905000"/>
+              <a:ext cx="76200" cy="533400"/>
+            </a:xfrm>
+            <a:prstGeom prst="rect">
+              <a:avLst/>
+            </a:prstGeom>
+            <a:ln>
+              <a:noFill/>
+            </a:ln>
+          </p:spPr>
+          <p:style>
+            <a:lnRef idx="1">
+              <a:schemeClr val="accent4"/>
+            </a:lnRef>
+            <a:fillRef idx="3">
+              <a:schemeClr val="accent4"/>
+            </a:fillRef>
+            <a:effectRef idx="2">
+              <a:schemeClr val="accent4"/>
+            </a:effectRef>
+            <a:fontRef idx="minor">
+              <a:schemeClr val="lt1"/>
+            </a:fontRef>
+          </p:style>
+          <p:txBody>
+            <a:bodyPr rtlCol="0" anchor="ctr"/>
+            <a:lstStyle/>
+            <a:p>
+              <a:pPr algn="ctr"/>
+              <a:endParaRPr lang="en-US"/>
+            </a:p>
+          </p:txBody>
+        </p:sp>
+        <p:sp>
+          <p:nvSpPr>
+            <p:cNvPr id="39" name="Rectangle 44"/>
+            <p:cNvSpPr/>
+            <p:nvPr/>
+          </p:nvSpPr>
+          <p:spPr>
+            <a:xfrm>
+              <a:off x="7269268" y="2171700"/>
+              <a:ext cx="76200" cy="266700"/>
+            </a:xfrm>
+            <a:prstGeom prst="rect">
+              <a:avLst/>
+            </a:prstGeom>
+            <a:ln>
+              <a:noFill/>
+            </a:ln>
+          </p:spPr>
+          <p:style>
+            <a:lnRef idx="1">
+              <a:schemeClr val="accent4"/>
+            </a:lnRef>
+            <a:fillRef idx="3">
+              <a:schemeClr val="accent4"/>
+            </a:fillRef>
+            <a:effectRef idx="2">
+              <a:schemeClr val="accent4"/>
+            </a:effectRef>
+            <a:fontRef idx="minor">
+              <a:schemeClr val="lt1"/>
+            </a:fontRef>
+          </p:style>
+          <p:txBody>
+            <a:bodyPr rtlCol="0" anchor="ctr"/>
+            <a:lstStyle/>
+            <a:p>
+              <a:pPr algn="ctr"/>
+              <a:endParaRPr lang="en-US"/>
+            </a:p>
+          </p:txBody>
+        </p:sp>
+        <p:sp>
+          <p:nvSpPr>
+            <p:cNvPr id="40" name="Rectangle 46"/>
+            <p:cNvSpPr/>
+            <p:nvPr/>
+          </p:nvSpPr>
+          <p:spPr>
+            <a:xfrm>
+              <a:off x="7421668" y="2133600"/>
+              <a:ext cx="76200" cy="304800"/>
+            </a:xfrm>
+            <a:prstGeom prst="rect">
+              <a:avLst/>
+            </a:prstGeom>
+            <a:ln>
+              <a:noFill/>
+            </a:ln>
+          </p:spPr>
+          <p:style>
+            <a:lnRef idx="1">
+              <a:schemeClr val="accent4"/>
+            </a:lnRef>
+            <a:fillRef idx="3">
+              <a:schemeClr val="accent4"/>
+            </a:fillRef>
+            <a:effectRef idx="2">
+              <a:schemeClr val="accent4"/>
+            </a:effectRef>
+            <a:fontRef idx="minor">
+              <a:schemeClr val="lt1"/>
+            </a:fontRef>
+          </p:style>
+          <p:txBody>
+            <a:bodyPr rtlCol="0" anchor="ctr"/>
+            <a:lstStyle/>
+            <a:p>
+              <a:pPr algn="ctr"/>
+              <a:endParaRPr lang="en-US"/>
+            </a:p>
+          </p:txBody>
+        </p:sp>
+        <p:sp>
+          <p:nvSpPr>
+            <p:cNvPr id="41" name="TextBox 40"/>
+            <p:cNvSpPr txBox="1"/>
+            <p:nvPr/>
+          </p:nvSpPr>
+          <p:spPr>
+            <a:xfrm>
+              <a:off x="6583468" y="2502942"/>
+              <a:ext cx="1417532" cy="202073"/>
+            </a:xfrm>
+            <a:prstGeom prst="rect">
+              <a:avLst/>
+            </a:prstGeom>
+            <a:noFill/>
+            <a:ln>
+              <a:noFill/>
+            </a:ln>
+          </p:spPr>
+          <p:style>
+            <a:lnRef idx="2">
+              <a:schemeClr val="accent4"/>
+            </a:lnRef>
+            <a:fillRef idx="1">
+              <a:schemeClr val="lt1"/>
+            </a:fillRef>
+            <a:effectRef idx="0">
+              <a:schemeClr val="accent4"/>
+            </a:effectRef>
+            <a:fontRef idx="minor">
+              <a:schemeClr val="dk1"/>
+            </a:fontRef>
+          </p:style>
+          <p:txBody>
+            <a:bodyPr wrap="square" rtlCol="0">
+              <a:spAutoFit/>
+            </a:bodyPr>
+            <a:lstStyle/>
+            <a:p>
+              <a:pPr algn="ctr"/>
+              <a:r>
+                <a:rPr lang="en-US" altLang="zh-CN" sz="1500" dirty="0" smtClean="0">
+                  <a:solidFill>
+                    <a:srgbClr val="7030A0"/>
+                  </a:solidFill>
+                </a:rPr>
+                <a:t>Final </a:t>
+              </a:r>
+              <a:r>
+                <a:rPr lang="en-US" altLang="zh-CN" sz="1500" dirty="0" smtClean="0">
+                  <a:solidFill>
+                    <a:srgbClr val="7030A0"/>
+                  </a:solidFill>
+                </a:rPr>
+                <a:t>Prediction</a:t>
+              </a:r>
+              <a:endParaRPr lang="zh-CN" altLang="en-US" sz="1500" dirty="0">
+                <a:solidFill>
+                  <a:srgbClr val="7030A0"/>
+                </a:solidFill>
+              </a:endParaRPr>
+            </a:p>
+          </p:txBody>
+        </p:sp>
+      </p:grpSp>
+      <p:grpSp>
+        <p:nvGrpSpPr>
+          <p:cNvPr id="2" name="组合 1"/>
+          <p:cNvGrpSpPr/>
+          <p:nvPr/>
+        </p:nvGrpSpPr>
+        <p:grpSpPr>
+          <a:xfrm>
+            <a:off x="838200" y="2190750"/>
+            <a:ext cx="1801911" cy="1390650"/>
+            <a:chOff x="4678468" y="1524000"/>
+            <a:chExt cx="1241622" cy="838200"/>
+          </a:xfrm>
+        </p:grpSpPr>
+        <p:sp>
+          <p:nvSpPr>
+            <p:cNvPr id="27" name="TextBox 26"/>
+            <p:cNvSpPr txBox="1"/>
+            <p:nvPr/>
+          </p:nvSpPr>
+          <p:spPr>
+            <a:xfrm>
+              <a:off x="4678468" y="2039035"/>
+              <a:ext cx="1241622" cy="323165"/>
+            </a:xfrm>
+            <a:prstGeom prst="rect">
+              <a:avLst/>
+            </a:prstGeom>
+            <a:noFill/>
+          </p:spPr>
+          <p:txBody>
+            <a:bodyPr wrap="none" rtlCol="0">
+              <a:spAutoFit/>
+            </a:bodyPr>
+            <a:lstStyle/>
+            <a:p>
+              <a:pPr algn="ctr"/>
+              <a:r>
+                <a:rPr lang="en-US" altLang="zh-CN" sz="1500" dirty="0" smtClean="0">
+                  <a:solidFill>
+                    <a:schemeClr val="accent2"/>
+                  </a:solidFill>
+                </a:rPr>
+                <a:t>Target output</a:t>
+              </a:r>
+              <a:endParaRPr lang="zh-CN" altLang="en-US" sz="1500" dirty="0">
+                <a:solidFill>
+                  <a:schemeClr val="accent2"/>
+                </a:solidFill>
+              </a:endParaRPr>
+            </a:p>
+          </p:txBody>
+        </p:sp>
+        <p:cxnSp>
+          <p:nvCxnSpPr>
+            <p:cNvPr id="50" name="Straight Arrow Connector 35"/>
+            <p:cNvCxnSpPr/>
+            <p:nvPr/>
+          </p:nvCxnSpPr>
+          <p:spPr>
+            <a:xfrm>
+              <a:off x="4983268" y="1981200"/>
+              <a:ext cx="685800" cy="0"/>
+            </a:xfrm>
+            <a:prstGeom prst="straightConnector1">
+              <a:avLst/>
+            </a:prstGeom>
+            <a:ln>
+              <a:tailEnd type="arrow"/>
+            </a:ln>
+          </p:spPr>
+          <p:style>
+            <a:lnRef idx="2">
+              <a:schemeClr val="accent2"/>
+            </a:lnRef>
+            <a:fillRef idx="0">
+              <a:schemeClr val="accent2"/>
+            </a:fillRef>
+            <a:effectRef idx="1">
+              <a:schemeClr val="accent2"/>
+            </a:effectRef>
+            <a:fontRef idx="minor">
+              <a:schemeClr val="tx1"/>
+            </a:fontRef>
+          </p:style>
+        </p:cxnSp>
+        <p:sp>
+          <p:nvSpPr>
+            <p:cNvPr id="51" name="Rectangle 39"/>
+            <p:cNvSpPr/>
+            <p:nvPr/>
+          </p:nvSpPr>
+          <p:spPr>
+            <a:xfrm>
+              <a:off x="4983268" y="1676400"/>
+              <a:ext cx="76200" cy="304800"/>
+            </a:xfrm>
+            <a:prstGeom prst="rect">
+              <a:avLst/>
+            </a:prstGeom>
+            <a:solidFill>
+              <a:schemeClr val="accent2"/>
+            </a:solidFill>
+            <a:ln>
+              <a:noFill/>
+            </a:ln>
+          </p:spPr>
+          <p:style>
+            <a:lnRef idx="2">
+              <a:schemeClr val="accent1">
+                <a:shade val="50000"/>
+              </a:schemeClr>
+            </a:lnRef>
+            <a:fillRef idx="1">
+              <a:schemeClr val="accent1"/>
+            </a:fillRef>
+            <a:effectRef idx="0">
+              <a:schemeClr val="accent1"/>
+            </a:effectRef>
+            <a:fontRef idx="minor">
+              <a:schemeClr val="lt1"/>
+            </a:fontRef>
+          </p:style>
+          <p:txBody>
+            <a:bodyPr rtlCol="0" anchor="ctr"/>
+            <a:lstStyle/>
+            <a:p>
+              <a:pPr algn="ctr"/>
+              <a:endParaRPr lang="en-US"/>
+            </a:p>
+          </p:txBody>
+        </p:sp>
+        <p:sp>
+          <p:nvSpPr>
+            <p:cNvPr id="52" name="Rectangle 41"/>
+            <p:cNvSpPr/>
+            <p:nvPr/>
+          </p:nvSpPr>
+          <p:spPr>
+            <a:xfrm>
+              <a:off x="5135668" y="1524000"/>
+              <a:ext cx="76200" cy="457200"/>
+            </a:xfrm>
+            <a:prstGeom prst="rect">
+              <a:avLst/>
+            </a:prstGeom>
+            <a:solidFill>
+              <a:schemeClr val="accent2"/>
+            </a:solidFill>
+            <a:ln>
+              <a:noFill/>
+            </a:ln>
+          </p:spPr>
+          <p:style>
+            <a:lnRef idx="2">
+              <a:schemeClr val="accent1">
+                <a:shade val="50000"/>
+              </a:schemeClr>
+            </a:lnRef>
+            <a:fillRef idx="1">
+              <a:schemeClr val="accent1"/>
+            </a:fillRef>
+            <a:effectRef idx="0">
+              <a:schemeClr val="accent1"/>
+            </a:effectRef>
+            <a:fontRef idx="minor">
+              <a:schemeClr val="lt1"/>
+            </a:fontRef>
+          </p:style>
+          <p:txBody>
+            <a:bodyPr rtlCol="0" anchor="ctr"/>
+            <a:lstStyle/>
+            <a:p>
+              <a:pPr algn="ctr"/>
+              <a:endParaRPr lang="en-US"/>
+            </a:p>
+          </p:txBody>
+        </p:sp>
+        <p:sp>
+          <p:nvSpPr>
+            <p:cNvPr id="53" name="Rectangle 44"/>
+            <p:cNvSpPr/>
+            <p:nvPr/>
+          </p:nvSpPr>
+          <p:spPr>
+            <a:xfrm>
+              <a:off x="5288068" y="1676400"/>
+              <a:ext cx="76200" cy="304800"/>
+            </a:xfrm>
+            <a:prstGeom prst="rect">
+              <a:avLst/>
+            </a:prstGeom>
+            <a:solidFill>
+              <a:schemeClr val="accent2"/>
+            </a:solidFill>
+            <a:ln>
+              <a:noFill/>
+            </a:ln>
+          </p:spPr>
+          <p:style>
+            <a:lnRef idx="2">
+              <a:schemeClr val="accent1">
+                <a:shade val="50000"/>
+              </a:schemeClr>
+            </a:lnRef>
+            <a:fillRef idx="1">
+              <a:schemeClr val="accent1"/>
+            </a:fillRef>
+            <a:effectRef idx="0">
+              <a:schemeClr val="accent1"/>
+            </a:effectRef>
+            <a:fontRef idx="minor">
+              <a:schemeClr val="lt1"/>
+            </a:fontRef>
+          </p:style>
+          <p:txBody>
+            <a:bodyPr rtlCol="0" anchor="ctr"/>
+            <a:lstStyle/>
+            <a:p>
+              <a:pPr algn="ctr"/>
+              <a:endParaRPr lang="en-US"/>
+            </a:p>
+          </p:txBody>
+        </p:sp>
+        <p:sp>
+          <p:nvSpPr>
+            <p:cNvPr id="54" name="Rectangle 46"/>
+            <p:cNvSpPr/>
+            <p:nvPr/>
+          </p:nvSpPr>
+          <p:spPr>
+            <a:xfrm>
+              <a:off x="5440468" y="1828800"/>
+              <a:ext cx="76200" cy="152400"/>
+            </a:xfrm>
+            <a:prstGeom prst="rect">
+              <a:avLst/>
+            </a:prstGeom>
+            <a:solidFill>
+              <a:schemeClr val="accent2"/>
+            </a:solidFill>
+            <a:ln>
+              <a:noFill/>
+            </a:ln>
+          </p:spPr>
+          <p:style>
+            <a:lnRef idx="2">
+              <a:schemeClr val="accent1">
+                <a:shade val="50000"/>
+              </a:schemeClr>
+            </a:lnRef>
+            <a:fillRef idx="1">
+              <a:schemeClr val="accent1"/>
+            </a:fillRef>
+            <a:effectRef idx="0">
+              <a:schemeClr val="accent1"/>
+            </a:effectRef>
+            <a:fontRef idx="minor">
+              <a:schemeClr val="lt1"/>
+            </a:fontRef>
+          </p:style>
+          <p:txBody>
+            <a:bodyPr rtlCol="0" anchor="ctr"/>
+            <a:lstStyle/>
+            <a:p>
+              <a:pPr algn="ctr"/>
+              <a:endParaRPr lang="en-US"/>
+            </a:p>
+          </p:txBody>
+        </p:sp>
+      </p:grpSp>
+      <p:sp>
+        <p:nvSpPr>
+          <p:cNvPr id="55" name="右箭头 54"/>
+          <p:cNvSpPr/>
+          <p:nvPr/>
+        </p:nvSpPr>
+        <p:spPr>
+          <a:xfrm rot="5400000">
+            <a:off x="1470766" y="1752600"/>
+            <a:ext cx="335068" cy="304800"/>
+          </a:xfrm>
+          <a:prstGeom prst="rightArrow">
+            <a:avLst/>
+          </a:prstGeom>
+          <a:ln>
+            <a:noFill/>
+          </a:ln>
+        </p:spPr>
+        <p:style>
+          <a:lnRef idx="2">
+            <a:schemeClr val="accent2">
+              <a:shade val="50000"/>
+            </a:schemeClr>
+          </a:lnRef>
+          <a:fillRef idx="1">
+            <a:schemeClr val="accent2"/>
+          </a:fillRef>
+          <a:effectRef idx="0">
+            <a:schemeClr val="accent2"/>
+          </a:effectRef>
+          <a:fontRef idx="minor">
+            <a:schemeClr val="lt1"/>
+          </a:fontRef>
+        </p:style>
+        <p:txBody>
+          <a:bodyPr rtlCol="0" anchor="ctr"/>
+          <a:lstStyle/>
+          <a:p>
+            <a:pPr algn="ctr"/>
+            <a:endParaRPr lang="zh-CN" altLang="en-US"/>
+          </a:p>
+        </p:txBody>
+      </p:sp>
+      <p:sp>
+        <p:nvSpPr>
+          <p:cNvPr id="56" name="右箭头 55"/>
+          <p:cNvSpPr/>
+          <p:nvPr/>
+        </p:nvSpPr>
+        <p:spPr>
+          <a:xfrm rot="5400000">
+            <a:off x="4106968" y="1468144"/>
+            <a:ext cx="335068" cy="304800"/>
+          </a:xfrm>
+          <a:prstGeom prst="rightArrow">
+            <a:avLst/>
+          </a:prstGeom>
+          <a:ln>
+            <a:noFill/>
+          </a:ln>
+        </p:spPr>
+        <p:style>
+          <a:lnRef idx="2">
+            <a:schemeClr val="accent1">
+              <a:shade val="50000"/>
+            </a:schemeClr>
+          </a:lnRef>
+          <a:fillRef idx="1">
+            <a:schemeClr val="accent1"/>
+          </a:fillRef>
+          <a:effectRef idx="0">
+            <a:schemeClr val="accent1"/>
+          </a:effectRef>
+          <a:fontRef idx="minor">
+            <a:schemeClr val="lt1"/>
+          </a:fontRef>
+        </p:style>
+        <p:txBody>
+          <a:bodyPr rtlCol="0" anchor="ctr"/>
+          <a:lstStyle/>
+          <a:p>
+            <a:pPr algn="ctr"/>
+            <a:endParaRPr lang="zh-CN" altLang="en-US"/>
+          </a:p>
+        </p:txBody>
+      </p:sp>
+      <mc:AlternateContent xmlns:mc="http://schemas.openxmlformats.org/markup-compatibility/2006" xmlns:a14="http://schemas.microsoft.com/office/drawing/2010/main">
+        <mc:Choice Requires="a14">
+          <p:sp>
+            <p:nvSpPr>
+              <p:cNvPr id="30" name="Rounded Rectangle 30"/>
+              <p:cNvSpPr/>
+              <p:nvPr/>
+            </p:nvSpPr>
+            <p:spPr>
+              <a:xfrm>
+                <a:off x="3710834" y="609601"/>
+                <a:ext cx="838200" cy="685799"/>
+              </a:xfrm>
+              <a:prstGeom prst="roundRect">
+                <a:avLst/>
+              </a:prstGeom>
+              <a:ln/>
+            </p:spPr>
+            <p:style>
+              <a:lnRef idx="1">
+                <a:schemeClr val="accent1"/>
+              </a:lnRef>
+              <a:fillRef idx="3">
+                <a:schemeClr val="accent1"/>
+              </a:fillRef>
+              <a:effectRef idx="2">
+                <a:schemeClr val="accent1"/>
+              </a:effectRef>
+              <a:fontRef idx="minor">
+                <a:schemeClr val="lt1"/>
+              </a:fontRef>
+            </p:style>
+            <p:txBody>
+              <a:bodyPr rtlCol="0" anchor="ctr"/>
+              <a:lstStyle/>
+              <a:p>
+                <a:pPr algn="ctr"/>
+                <a14:m>
+                  <m:oMathPara xmlns:m="http://schemas.openxmlformats.org/officeDocument/2006/math">
+                    <m:oMathParaPr>
+                      <m:jc m:val="centerGroup"/>
+                    </m:oMathParaPr>
+                    <m:oMath xmlns:m="http://schemas.openxmlformats.org/officeDocument/2006/math">
+                      <m:sSub>
+                        <m:sSubPr>
+                          <m:ctrlPr>
+                            <a:rPr lang="en-US" altLang="zh-CN" sz="1200" i="1" smtClean="0">
+                              <a:latin typeface="Cambria Math"/>
+                            </a:rPr>
+                          </m:ctrlPr>
+                        </m:sSubPr>
+                        <m:e>
+                          <m:r>
+                            <a:rPr lang="en-US" altLang="zh-CN" sz="1200" b="0" i="1" smtClean="0">
+                              <a:latin typeface="Cambria Math"/>
+                              <a:ea typeface="Cambria Math"/>
+                            </a:rPr>
+                            <m:t>𝑓</m:t>
+                          </m:r>
+                          <m:r>
+                            <a:rPr lang="en-US" altLang="zh-CN" sz="1200" b="0" i="1" smtClean="0">
+                              <a:latin typeface="Cambria Math"/>
+                              <a:ea typeface="Cambria Math"/>
+                            </a:rPr>
+                            <m:t>′</m:t>
+                          </m:r>
+                          <m:r>
+                            <m:rPr>
+                              <m:nor/>
+                            </m:rPr>
+                            <a:rPr lang="en-US" altLang="zh-CN" sz="1200" dirty="0">
+                              <a:solidFill>
+                                <a:schemeClr val="tx1"/>
+                              </a:solidFill>
+                            </a:rPr>
+                            <m:t> </m:t>
+                          </m:r>
+                        </m:e>
+                        <m:sub>
+                          <m:r>
+                            <a:rPr lang="en-US" altLang="zh-CN" sz="1200" b="0" i="1" smtClean="0">
+                              <a:latin typeface="Cambria Math"/>
+                            </a:rPr>
+                            <m:t>2</m:t>
+                          </m:r>
+                        </m:sub>
+                      </m:sSub>
+                      <m:r>
+                        <a:rPr lang="en-US" altLang="zh-CN" sz="1200" b="0" i="1" smtClean="0">
+                          <a:latin typeface="Cambria Math"/>
+                        </a:rPr>
+                        <m:t>∗</m:t>
+                      </m:r>
+                      <m:sSub>
+                        <m:sSubPr>
+                          <m:ctrlPr>
+                            <a:rPr lang="en-US" altLang="zh-CN" sz="1200" b="0" i="1" smtClean="0">
+                              <a:latin typeface="Cambria Math"/>
+                            </a:rPr>
+                          </m:ctrlPr>
+                        </m:sSubPr>
+                        <m:e>
+                          <m:r>
+                            <a:rPr lang="en-US" altLang="zh-CN" sz="1200" i="1">
+                              <a:latin typeface="Cambria Math"/>
+                              <a:ea typeface="Cambria Math"/>
+                            </a:rPr>
+                            <m:t>𝛽</m:t>
+                          </m:r>
+                          <m:r>
+                            <m:rPr>
+                              <m:nor/>
+                            </m:rPr>
+                            <a:rPr lang="en-US" altLang="zh-CN" sz="1200" dirty="0">
+                              <a:solidFill>
+                                <a:schemeClr val="tx1"/>
+                              </a:solidFill>
+                            </a:rPr>
+                            <m:t> </m:t>
+                          </m:r>
+                        </m:e>
+                        <m:sub>
+                          <m:r>
+                            <a:rPr lang="en-US" altLang="zh-CN" sz="1200" b="0" i="1" smtClean="0">
+                              <a:latin typeface="Cambria Math"/>
+                            </a:rPr>
+                            <m:t>2</m:t>
+                          </m:r>
+                        </m:sub>
+                      </m:sSub>
+                    </m:oMath>
+                  </m:oMathPara>
+                </a14:m>
+                <a:endParaRPr lang="en-US" altLang="zh-CN" sz="1200" dirty="0">
+                  <a:solidFill>
+                    <a:schemeClr val="tx1"/>
+                  </a:solidFill>
+                </a:endParaRPr>
+              </a:p>
+            </p:txBody>
+          </p:sp>
+        </mc:Choice>
+        <mc:Fallback xmlns="">
+          <p:sp>
+            <p:nvSpPr>
+              <p:cNvPr id="30" name="Rounded Rectangle 30"/>
+              <p:cNvSpPr>
+                <a:spLocks noRot="1" noChangeAspect="1" noMove="1" noResize="1" noEditPoints="1" noAdjustHandles="1" noChangeArrowheads="1" noChangeShapeType="1" noTextEdit="1"/>
+              </p:cNvSpPr>
+              <p:nvPr/>
+            </p:nvSpPr>
+            <p:spPr>
+              <a:xfrm>
+                <a:off x="3710834" y="609601"/>
+                <a:ext cx="838200" cy="685799"/>
               </a:xfrm>
               <a:prstGeom prst="roundRect">
                 <a:avLst/>
@@ -5393,914 +6433,379 @@
           </p:sp>
         </mc:Fallback>
       </mc:AlternateContent>
-      <p:cxnSp>
-        <p:nvCxnSpPr>
-          <p:cNvPr id="20" name="Straight Arrow Connector 56"/>
-          <p:cNvCxnSpPr/>
-          <p:nvPr/>
-        </p:nvCxnSpPr>
-        <p:spPr>
-          <a:xfrm>
-            <a:off x="4983268" y="3124200"/>
-            <a:ext cx="685800" cy="0"/>
-          </a:xfrm>
-          <a:prstGeom prst="straightConnector1">
-            <a:avLst/>
-          </a:prstGeom>
-          <a:ln>
-            <a:tailEnd type="arrow"/>
-          </a:ln>
-        </p:spPr>
-        <p:style>
-          <a:lnRef idx="2">
-            <a:schemeClr val="accent1"/>
-          </a:lnRef>
-          <a:fillRef idx="0">
-            <a:schemeClr val="accent1"/>
-          </a:fillRef>
-          <a:effectRef idx="1">
-            <a:schemeClr val="accent1"/>
-          </a:effectRef>
-          <a:fontRef idx="minor">
-            <a:schemeClr val="tx1"/>
-          </a:fontRef>
-        </p:style>
-      </p:cxnSp>
-      <p:sp>
-        <p:nvSpPr>
-          <p:cNvPr id="21" name="Rectangle 57"/>
+      <mc:AlternateContent xmlns:mc="http://schemas.openxmlformats.org/markup-compatibility/2006" xmlns:a14="http://schemas.microsoft.com/office/drawing/2010/main">
+        <mc:Choice Requires="a14">
+          <p:sp>
+            <p:nvSpPr>
+              <p:cNvPr id="31" name="Rounded Rectangle 30"/>
+              <p:cNvSpPr/>
+              <p:nvPr/>
+            </p:nvSpPr>
+            <p:spPr>
+              <a:xfrm>
+                <a:off x="4702386" y="609601"/>
+                <a:ext cx="838200" cy="685799"/>
+              </a:xfrm>
+              <a:prstGeom prst="roundRect">
+                <a:avLst/>
+              </a:prstGeom>
+              <a:ln/>
+            </p:spPr>
+            <p:style>
+              <a:lnRef idx="1">
+                <a:schemeClr val="accent1"/>
+              </a:lnRef>
+              <a:fillRef idx="3">
+                <a:schemeClr val="accent1"/>
+              </a:fillRef>
+              <a:effectRef idx="2">
+                <a:schemeClr val="accent1"/>
+              </a:effectRef>
+              <a:fontRef idx="minor">
+                <a:schemeClr val="lt1"/>
+              </a:fontRef>
+            </p:style>
+            <p:txBody>
+              <a:bodyPr rtlCol="0" anchor="ctr"/>
+              <a:lstStyle/>
+              <a:p>
+                <a:pPr algn="ctr"/>
+                <a14:m>
+                  <m:oMathPara xmlns:m="http://schemas.openxmlformats.org/officeDocument/2006/math">
+                    <m:oMathParaPr>
+                      <m:jc m:val="centerGroup"/>
+                    </m:oMathParaPr>
+                    <m:oMath xmlns:m="http://schemas.openxmlformats.org/officeDocument/2006/math">
+                      <m:sSub>
+                        <m:sSubPr>
+                          <m:ctrlPr>
+                            <a:rPr lang="en-US" altLang="zh-CN" sz="1200" i="1" smtClean="0">
+                              <a:latin typeface="Cambria Math"/>
+                            </a:rPr>
+                          </m:ctrlPr>
+                        </m:sSubPr>
+                        <m:e>
+                          <m:r>
+                            <a:rPr lang="en-US" altLang="zh-CN" sz="1200" b="0" i="1" smtClean="0">
+                              <a:latin typeface="Cambria Math"/>
+                              <a:ea typeface="Cambria Math"/>
+                            </a:rPr>
+                            <m:t>𝑓</m:t>
+                          </m:r>
+                          <m:r>
+                            <a:rPr lang="en-US" altLang="zh-CN" sz="1200" b="0" i="1" smtClean="0">
+                              <a:latin typeface="Cambria Math"/>
+                              <a:ea typeface="Cambria Math"/>
+                            </a:rPr>
+                            <m:t>′</m:t>
+                          </m:r>
+                          <m:r>
+                            <m:rPr>
+                              <m:nor/>
+                            </m:rPr>
+                            <a:rPr lang="en-US" altLang="zh-CN" sz="1200" dirty="0">
+                              <a:solidFill>
+                                <a:schemeClr val="tx1"/>
+                              </a:solidFill>
+                            </a:rPr>
+                            <m:t> </m:t>
+                          </m:r>
+                        </m:e>
+                        <m:sub>
+                          <m:r>
+                            <a:rPr lang="en-US" altLang="zh-CN" sz="1200" b="0" i="1" smtClean="0">
+                              <a:latin typeface="Cambria Math"/>
+                            </a:rPr>
+                            <m:t>3</m:t>
+                          </m:r>
+                        </m:sub>
+                      </m:sSub>
+                      <m:r>
+                        <a:rPr lang="en-US" altLang="zh-CN" sz="1200" b="0" i="1" smtClean="0">
+                          <a:latin typeface="Cambria Math"/>
+                        </a:rPr>
+                        <m:t>∗</m:t>
+                      </m:r>
+                      <m:sSub>
+                        <m:sSubPr>
+                          <m:ctrlPr>
+                            <a:rPr lang="en-US" altLang="zh-CN" sz="1200" b="0" i="1" smtClean="0">
+                              <a:latin typeface="Cambria Math"/>
+                            </a:rPr>
+                          </m:ctrlPr>
+                        </m:sSubPr>
+                        <m:e>
+                          <m:r>
+                            <a:rPr lang="en-US" altLang="zh-CN" sz="1200" i="1">
+                              <a:latin typeface="Cambria Math"/>
+                              <a:ea typeface="Cambria Math"/>
+                            </a:rPr>
+                            <m:t>𝛽</m:t>
+                          </m:r>
+                          <m:r>
+                            <m:rPr>
+                              <m:nor/>
+                            </m:rPr>
+                            <a:rPr lang="en-US" altLang="zh-CN" sz="1200" dirty="0">
+                              <a:solidFill>
+                                <a:schemeClr val="tx1"/>
+                              </a:solidFill>
+                            </a:rPr>
+                            <m:t> </m:t>
+                          </m:r>
+                        </m:e>
+                        <m:sub>
+                          <m:r>
+                            <a:rPr lang="en-US" altLang="zh-CN" sz="1200" b="0" i="1" smtClean="0">
+                              <a:latin typeface="Cambria Math"/>
+                            </a:rPr>
+                            <m:t>3</m:t>
+                          </m:r>
+                        </m:sub>
+                      </m:sSub>
+                    </m:oMath>
+                  </m:oMathPara>
+                </a14:m>
+                <a:endParaRPr lang="en-US" altLang="zh-CN" sz="1200" dirty="0">
+                  <a:solidFill>
+                    <a:schemeClr val="tx1"/>
+                  </a:solidFill>
+                </a:endParaRPr>
+              </a:p>
+            </p:txBody>
+          </p:sp>
+        </mc:Choice>
+        <mc:Fallback xmlns="">
+          <p:sp>
+            <p:nvSpPr>
+              <p:cNvPr id="31" name="Rounded Rectangle 30"/>
+              <p:cNvSpPr>
+                <a:spLocks noRot="1" noChangeAspect="1" noMove="1" noResize="1" noEditPoints="1" noAdjustHandles="1" noChangeArrowheads="1" noChangeShapeType="1" noTextEdit="1"/>
+              </p:cNvSpPr>
+              <p:nvPr/>
+            </p:nvSpPr>
+            <p:spPr>
+              <a:xfrm>
+                <a:off x="4702386" y="609601"/>
+                <a:ext cx="838200" cy="685799"/>
+              </a:xfrm>
+              <a:prstGeom prst="roundRect">
+                <a:avLst/>
+              </a:prstGeom>
+              <a:blipFill rotWithShape="1">
+                <a:blip r:embed="rId5"/>
+                <a:stretch>
+                  <a:fillRect/>
+                </a:stretch>
+              </a:blipFill>
+              <a:ln/>
+            </p:spPr>
+            <p:txBody>
+              <a:bodyPr/>
+              <a:lstStyle/>
+              <a:p>
+                <a:r>
+                  <a:rPr lang="zh-CN" altLang="en-US">
+                    <a:noFill/>
+                  </a:rPr>
+                  <a:t> </a:t>
+                </a:r>
+              </a:p>
+            </p:txBody>
+          </p:sp>
+        </mc:Fallback>
+      </mc:AlternateContent>
+      <mc:AlternateContent xmlns:mc="http://schemas.openxmlformats.org/markup-compatibility/2006" xmlns:a14="http://schemas.microsoft.com/office/drawing/2010/main">
+        <mc:Choice Requires="a14">
+          <p:sp>
+            <p:nvSpPr>
+              <p:cNvPr id="32" name="Rounded Rectangle 30"/>
+              <p:cNvSpPr/>
+              <p:nvPr/>
+            </p:nvSpPr>
+            <p:spPr>
+              <a:xfrm>
+                <a:off x="5707168" y="609601"/>
+                <a:ext cx="838200" cy="685799"/>
+              </a:xfrm>
+              <a:prstGeom prst="roundRect">
+                <a:avLst/>
+              </a:prstGeom>
+              <a:ln/>
+            </p:spPr>
+            <p:style>
+              <a:lnRef idx="1">
+                <a:schemeClr val="accent1"/>
+              </a:lnRef>
+              <a:fillRef idx="3">
+                <a:schemeClr val="accent1"/>
+              </a:fillRef>
+              <a:effectRef idx="2">
+                <a:schemeClr val="accent1"/>
+              </a:effectRef>
+              <a:fontRef idx="minor">
+                <a:schemeClr val="lt1"/>
+              </a:fontRef>
+            </p:style>
+            <p:txBody>
+              <a:bodyPr rtlCol="0" anchor="ctr"/>
+              <a:lstStyle/>
+              <a:p>
+                <a:pPr algn="ctr"/>
+                <a14:m>
+                  <m:oMathPara xmlns:m="http://schemas.openxmlformats.org/officeDocument/2006/math">
+                    <m:oMathParaPr>
+                      <m:jc m:val="centerGroup"/>
+                    </m:oMathParaPr>
+                    <m:oMath xmlns:m="http://schemas.openxmlformats.org/officeDocument/2006/math">
+                      <m:sSub>
+                        <m:sSubPr>
+                          <m:ctrlPr>
+                            <a:rPr lang="en-US" altLang="zh-CN" sz="1200" i="1" smtClean="0">
+                              <a:latin typeface="Cambria Math"/>
+                            </a:rPr>
+                          </m:ctrlPr>
+                        </m:sSubPr>
+                        <m:e>
+                          <m:r>
+                            <a:rPr lang="en-US" altLang="zh-CN" sz="1200" b="0" i="1" smtClean="0">
+                              <a:latin typeface="Cambria Math"/>
+                              <a:ea typeface="Cambria Math"/>
+                            </a:rPr>
+                            <m:t>𝑓</m:t>
+                          </m:r>
+                          <m:r>
+                            <a:rPr lang="en-US" altLang="zh-CN" sz="1200" b="0" i="1" smtClean="0">
+                              <a:latin typeface="Cambria Math"/>
+                              <a:ea typeface="Cambria Math"/>
+                            </a:rPr>
+                            <m:t>′</m:t>
+                          </m:r>
+                          <m:r>
+                            <m:rPr>
+                              <m:nor/>
+                            </m:rPr>
+                            <a:rPr lang="en-US" altLang="zh-CN" sz="1200" dirty="0">
+                              <a:solidFill>
+                                <a:schemeClr val="tx1"/>
+                              </a:solidFill>
+                            </a:rPr>
+                            <m:t> </m:t>
+                          </m:r>
+                        </m:e>
+                        <m:sub>
+                          <m:r>
+                            <a:rPr lang="en-US" altLang="zh-CN" sz="1200" b="0" i="1" smtClean="0">
+                              <a:latin typeface="Cambria Math"/>
+                            </a:rPr>
+                            <m:t>4</m:t>
+                          </m:r>
+                        </m:sub>
+                      </m:sSub>
+                      <m:r>
+                        <a:rPr lang="en-US" altLang="zh-CN" sz="1200" b="0" i="1" smtClean="0">
+                          <a:latin typeface="Cambria Math"/>
+                        </a:rPr>
+                        <m:t>∗</m:t>
+                      </m:r>
+                      <m:sSub>
+                        <m:sSubPr>
+                          <m:ctrlPr>
+                            <a:rPr lang="en-US" altLang="zh-CN" sz="1200" b="0" i="1" smtClean="0">
+                              <a:latin typeface="Cambria Math"/>
+                            </a:rPr>
+                          </m:ctrlPr>
+                        </m:sSubPr>
+                        <m:e>
+                          <m:r>
+                            <a:rPr lang="en-US" altLang="zh-CN" sz="1200" i="1">
+                              <a:latin typeface="Cambria Math"/>
+                              <a:ea typeface="Cambria Math"/>
+                            </a:rPr>
+                            <m:t>𝛽</m:t>
+                          </m:r>
+                          <m:r>
+                            <m:rPr>
+                              <m:nor/>
+                            </m:rPr>
+                            <a:rPr lang="en-US" altLang="zh-CN" sz="1200" dirty="0">
+                              <a:solidFill>
+                                <a:schemeClr val="tx1"/>
+                              </a:solidFill>
+                            </a:rPr>
+                            <m:t> </m:t>
+                          </m:r>
+                        </m:e>
+                        <m:sub>
+                          <m:r>
+                            <a:rPr lang="en-US" altLang="zh-CN" sz="1200" b="0" i="1" smtClean="0">
+                              <a:latin typeface="Cambria Math"/>
+                            </a:rPr>
+                            <m:t>4</m:t>
+                          </m:r>
+                        </m:sub>
+                      </m:sSub>
+                    </m:oMath>
+                  </m:oMathPara>
+                </a14:m>
+                <a:endParaRPr lang="en-US" altLang="zh-CN" sz="1200" dirty="0">
+                  <a:solidFill>
+                    <a:schemeClr val="tx1"/>
+                  </a:solidFill>
+                </a:endParaRPr>
+              </a:p>
+            </p:txBody>
+          </p:sp>
+        </mc:Choice>
+        <mc:Fallback xmlns="">
+          <p:sp>
+            <p:nvSpPr>
+              <p:cNvPr id="32" name="Rounded Rectangle 30"/>
+              <p:cNvSpPr>
+                <a:spLocks noRot="1" noChangeAspect="1" noMove="1" noResize="1" noEditPoints="1" noAdjustHandles="1" noChangeArrowheads="1" noChangeShapeType="1" noTextEdit="1"/>
+              </p:cNvSpPr>
+              <p:nvPr/>
+            </p:nvSpPr>
+            <p:spPr>
+              <a:xfrm>
+                <a:off x="5707168" y="609601"/>
+                <a:ext cx="838200" cy="685799"/>
+              </a:xfrm>
+              <a:prstGeom prst="roundRect">
+                <a:avLst/>
+              </a:prstGeom>
+              <a:blipFill rotWithShape="1">
+                <a:blip r:embed="rId6"/>
+                <a:stretch>
+                  <a:fillRect/>
+                </a:stretch>
+              </a:blipFill>
+              <a:ln/>
+            </p:spPr>
+            <p:txBody>
+              <a:bodyPr/>
+              <a:lstStyle/>
+              <a:p>
+                <a:r>
+                  <a:rPr lang="zh-CN" altLang="en-US">
+                    <a:noFill/>
+                  </a:rPr>
+                  <a:t> </a:t>
+                </a:r>
+              </a:p>
+            </p:txBody>
+          </p:sp>
+        </mc:Fallback>
+      </mc:AlternateContent>
+      <p:sp>
+        <p:nvSpPr>
+          <p:cNvPr id="34" name="右箭头 33"/>
           <p:cNvSpPr/>
           <p:nvPr/>
         </p:nvSpPr>
         <p:spPr>
-          <a:xfrm>
-            <a:off x="4983268" y="3048000"/>
-            <a:ext cx="76200" cy="76200"/>
-          </a:xfrm>
-          <a:prstGeom prst="rect">
-            <a:avLst/>
-          </a:prstGeom>
-          <a:ln>
-            <a:noFill/>
-          </a:ln>
-        </p:spPr>
-        <p:style>
-          <a:lnRef idx="2">
-            <a:schemeClr val="accent1">
-              <a:shade val="50000"/>
-            </a:schemeClr>
-          </a:lnRef>
-          <a:fillRef idx="1">
-            <a:schemeClr val="accent1"/>
-          </a:fillRef>
-          <a:effectRef idx="0">
-            <a:schemeClr val="accent1"/>
-          </a:effectRef>
-          <a:fontRef idx="minor">
-            <a:schemeClr val="lt1"/>
-          </a:fontRef>
-        </p:style>
-        <p:txBody>
-          <a:bodyPr rtlCol="0" anchor="ctr"/>
-          <a:lstStyle/>
-          <a:p>
-            <a:pPr algn="ctr"/>
-            <a:endParaRPr lang="en-US"/>
-          </a:p>
-        </p:txBody>
-      </p:sp>
-      <p:sp>
-        <p:nvSpPr>
-          <p:cNvPr id="22" name="Rectangle 59"/>
-          <p:cNvSpPr/>
-          <p:nvPr/>
-        </p:nvSpPr>
-        <p:spPr>
-          <a:xfrm>
-            <a:off x="5135668" y="2743200"/>
-            <a:ext cx="76200" cy="381000"/>
-          </a:xfrm>
-          <a:prstGeom prst="rect">
-            <a:avLst/>
-          </a:prstGeom>
-          <a:ln>
-            <a:noFill/>
-          </a:ln>
-        </p:spPr>
-        <p:style>
-          <a:lnRef idx="2">
-            <a:schemeClr val="accent1">
-              <a:shade val="50000"/>
-            </a:schemeClr>
-          </a:lnRef>
-          <a:fillRef idx="1">
-            <a:schemeClr val="accent1"/>
-          </a:fillRef>
-          <a:effectRef idx="0">
-            <a:schemeClr val="accent1"/>
-          </a:effectRef>
-          <a:fontRef idx="minor">
-            <a:schemeClr val="lt1"/>
-          </a:fontRef>
-        </p:style>
-        <p:txBody>
-          <a:bodyPr rtlCol="0" anchor="ctr"/>
-          <a:lstStyle/>
-          <a:p>
-            <a:pPr algn="ctr"/>
-            <a:endParaRPr lang="en-US"/>
-          </a:p>
-        </p:txBody>
-      </p:sp>
-      <p:sp>
-        <p:nvSpPr>
-          <p:cNvPr id="23" name="Rectangle 60"/>
-          <p:cNvSpPr/>
-          <p:nvPr/>
-        </p:nvSpPr>
-        <p:spPr>
-          <a:xfrm>
-            <a:off x="5288068" y="2933700"/>
-            <a:ext cx="76200" cy="190500"/>
-          </a:xfrm>
-          <a:prstGeom prst="rect">
-            <a:avLst/>
-          </a:prstGeom>
-          <a:ln>
-            <a:noFill/>
-          </a:ln>
-        </p:spPr>
-        <p:style>
-          <a:lnRef idx="2">
-            <a:schemeClr val="accent1">
-              <a:shade val="50000"/>
-            </a:schemeClr>
-          </a:lnRef>
-          <a:fillRef idx="1">
-            <a:schemeClr val="accent1"/>
-          </a:fillRef>
-          <a:effectRef idx="0">
-            <a:schemeClr val="accent1"/>
-          </a:effectRef>
-          <a:fontRef idx="minor">
-            <a:schemeClr val="lt1"/>
-          </a:fontRef>
-        </p:style>
-        <p:txBody>
-          <a:bodyPr rtlCol="0" anchor="ctr"/>
-          <a:lstStyle/>
-          <a:p>
-            <a:pPr algn="ctr"/>
-            <a:endParaRPr lang="en-US"/>
-          </a:p>
-        </p:txBody>
-      </p:sp>
-      <p:sp>
-        <p:nvSpPr>
-          <p:cNvPr id="24" name="Rectangle 64"/>
-          <p:cNvSpPr/>
-          <p:nvPr/>
-        </p:nvSpPr>
-        <p:spPr>
-          <a:xfrm>
-            <a:off x="5440468" y="2819400"/>
-            <a:ext cx="76200" cy="304800"/>
-          </a:xfrm>
-          <a:prstGeom prst="rect">
-            <a:avLst/>
-          </a:prstGeom>
-          <a:ln>
-            <a:noFill/>
-          </a:ln>
-        </p:spPr>
-        <p:style>
-          <a:lnRef idx="2">
-            <a:schemeClr val="accent1">
-              <a:shade val="50000"/>
-            </a:schemeClr>
-          </a:lnRef>
-          <a:fillRef idx="1">
-            <a:schemeClr val="accent1"/>
-          </a:fillRef>
-          <a:effectRef idx="0">
-            <a:schemeClr val="accent1"/>
-          </a:effectRef>
-          <a:fontRef idx="minor">
-            <a:schemeClr val="lt1"/>
-          </a:fontRef>
-        </p:style>
-        <p:txBody>
-          <a:bodyPr rtlCol="0" anchor="ctr"/>
-          <a:lstStyle/>
-          <a:p>
-            <a:pPr algn="ctr"/>
-            <a:endParaRPr lang="en-US"/>
-          </a:p>
-        </p:txBody>
-      </p:sp>
-      <p:sp>
-        <p:nvSpPr>
-          <p:cNvPr id="27" name="TextBox 26"/>
-          <p:cNvSpPr txBox="1"/>
-          <p:nvPr/>
-        </p:nvSpPr>
-        <p:spPr>
-          <a:xfrm>
-            <a:off x="4678468" y="2039035"/>
-            <a:ext cx="1241622" cy="323165"/>
-          </a:xfrm>
-          <a:prstGeom prst="rect">
-            <a:avLst/>
-          </a:prstGeom>
-          <a:noFill/>
-        </p:spPr>
-        <p:txBody>
-          <a:bodyPr wrap="none" rtlCol="0">
-            <a:spAutoFit/>
-          </a:bodyPr>
-          <a:lstStyle/>
-          <a:p>
-            <a:pPr algn="ctr"/>
-            <a:r>
-              <a:rPr lang="en-US" altLang="zh-CN" sz="1500" dirty="0" smtClean="0">
-                <a:solidFill>
-                  <a:schemeClr val="accent2"/>
-                </a:solidFill>
-              </a:rPr>
-              <a:t>Target output</a:t>
-            </a:r>
-            <a:endParaRPr lang="zh-CN" altLang="en-US" sz="1500" dirty="0">
-              <a:solidFill>
-                <a:schemeClr val="accent2"/>
-              </a:solidFill>
-            </a:endParaRPr>
-          </a:p>
-        </p:txBody>
-      </p:sp>
-      <p:sp>
-        <p:nvSpPr>
-          <p:cNvPr id="28" name="TextBox 27"/>
-          <p:cNvSpPr txBox="1"/>
-          <p:nvPr/>
-        </p:nvSpPr>
-        <p:spPr>
-          <a:xfrm>
-            <a:off x="4602268" y="3258979"/>
-            <a:ext cx="1417532" cy="323165"/>
-          </a:xfrm>
-          <a:prstGeom prst="rect">
-            <a:avLst/>
-          </a:prstGeom>
-          <a:noFill/>
-        </p:spPr>
-        <p:txBody>
-          <a:bodyPr wrap="square" rtlCol="0">
-            <a:spAutoFit/>
-          </a:bodyPr>
-          <a:lstStyle/>
-          <a:p>
-            <a:pPr algn="ctr"/>
-            <a:r>
-              <a:rPr lang="en-US" altLang="zh-CN" sz="1500" dirty="0" smtClean="0">
-                <a:solidFill>
-                  <a:schemeClr val="accent1"/>
-                </a:solidFill>
-              </a:rPr>
-              <a:t>Source Bias</a:t>
-            </a:r>
-            <a:endParaRPr lang="zh-CN" altLang="en-US" sz="1500" dirty="0">
-              <a:solidFill>
-                <a:schemeClr val="accent1"/>
-              </a:solidFill>
-            </a:endParaRPr>
-          </a:p>
-        </p:txBody>
-      </p:sp>
-      <p:sp>
-        <p:nvSpPr>
-          <p:cNvPr id="35" name="右大括号 34"/>
-          <p:cNvSpPr/>
-          <p:nvPr/>
-        </p:nvSpPr>
-        <p:spPr>
-          <a:xfrm>
-            <a:off x="5873007" y="1676400"/>
-            <a:ext cx="481861" cy="1371600"/>
-          </a:xfrm>
-          <a:prstGeom prst="rightBrace">
-            <a:avLst/>
-          </a:prstGeom>
-        </p:spPr>
-        <p:style>
-          <a:lnRef idx="1">
-            <a:schemeClr val="accent2"/>
-          </a:lnRef>
-          <a:fillRef idx="0">
-            <a:schemeClr val="accent2"/>
-          </a:fillRef>
-          <a:effectRef idx="0">
-            <a:schemeClr val="accent2"/>
-          </a:effectRef>
-          <a:fontRef idx="minor">
-            <a:schemeClr val="tx1"/>
-          </a:fontRef>
-        </p:style>
-        <p:txBody>
-          <a:bodyPr rtlCol="0" anchor="ctr"/>
-          <a:lstStyle/>
-          <a:p>
-            <a:pPr algn="ctr"/>
-            <a:endParaRPr lang="zh-CN" altLang="en-US"/>
-          </a:p>
-        </p:txBody>
-      </p:sp>
-      <p:cxnSp>
-        <p:nvCxnSpPr>
-          <p:cNvPr id="36" name="Straight Arrow Connector 35"/>
-          <p:cNvCxnSpPr/>
-          <p:nvPr/>
-        </p:nvCxnSpPr>
-        <p:spPr>
-          <a:xfrm>
-            <a:off x="6964468" y="2438400"/>
-            <a:ext cx="685800" cy="0"/>
-          </a:xfrm>
-          <a:prstGeom prst="straightConnector1">
-            <a:avLst/>
-          </a:prstGeom>
-          <a:ln>
-            <a:tailEnd type="arrow"/>
-          </a:ln>
-        </p:spPr>
-        <p:style>
-          <a:lnRef idx="2">
-            <a:schemeClr val="dk1"/>
-          </a:lnRef>
-          <a:fillRef idx="0">
-            <a:schemeClr val="dk1"/>
-          </a:fillRef>
-          <a:effectRef idx="1">
-            <a:schemeClr val="dk1"/>
-          </a:effectRef>
-          <a:fontRef idx="minor">
-            <a:schemeClr val="tx1"/>
-          </a:fontRef>
-        </p:style>
-      </p:cxnSp>
-      <p:sp>
-        <p:nvSpPr>
-          <p:cNvPr id="37" name="Rectangle 39"/>
-          <p:cNvSpPr/>
-          <p:nvPr/>
-        </p:nvSpPr>
-        <p:spPr>
-          <a:xfrm>
-            <a:off x="6964468" y="2133600"/>
-            <a:ext cx="76200" cy="304800"/>
-          </a:xfrm>
-          <a:prstGeom prst="rect">
-            <a:avLst/>
-          </a:prstGeom>
-          <a:solidFill>
-            <a:schemeClr val="tx1"/>
-          </a:solidFill>
-          <a:ln>
-            <a:noFill/>
-          </a:ln>
-        </p:spPr>
-        <p:style>
-          <a:lnRef idx="2">
-            <a:schemeClr val="accent1">
-              <a:shade val="50000"/>
-            </a:schemeClr>
-          </a:lnRef>
-          <a:fillRef idx="1">
-            <a:schemeClr val="accent1"/>
-          </a:fillRef>
-          <a:effectRef idx="0">
-            <a:schemeClr val="accent1"/>
-          </a:effectRef>
-          <a:fontRef idx="minor">
-            <a:schemeClr val="lt1"/>
-          </a:fontRef>
-        </p:style>
-        <p:txBody>
-          <a:bodyPr rtlCol="0" anchor="ctr"/>
-          <a:lstStyle/>
-          <a:p>
-            <a:pPr algn="ctr"/>
-            <a:endParaRPr lang="en-US"/>
-          </a:p>
-        </p:txBody>
-      </p:sp>
-      <p:sp>
-        <p:nvSpPr>
-          <p:cNvPr id="38" name="Rectangle 41"/>
-          <p:cNvSpPr/>
-          <p:nvPr/>
-        </p:nvSpPr>
-        <p:spPr>
-          <a:xfrm>
-            <a:off x="7116868" y="1905000"/>
-            <a:ext cx="76200" cy="533400"/>
-          </a:xfrm>
-          <a:prstGeom prst="rect">
-            <a:avLst/>
-          </a:prstGeom>
-          <a:solidFill>
-            <a:schemeClr val="tx1"/>
-          </a:solidFill>
-          <a:ln>
-            <a:noFill/>
-          </a:ln>
-        </p:spPr>
-        <p:style>
-          <a:lnRef idx="2">
-            <a:schemeClr val="accent1">
-              <a:shade val="50000"/>
-            </a:schemeClr>
-          </a:lnRef>
-          <a:fillRef idx="1">
-            <a:schemeClr val="accent1"/>
-          </a:fillRef>
-          <a:effectRef idx="0">
-            <a:schemeClr val="accent1"/>
-          </a:effectRef>
-          <a:fontRef idx="minor">
-            <a:schemeClr val="lt1"/>
-          </a:fontRef>
-        </p:style>
-        <p:txBody>
-          <a:bodyPr rtlCol="0" anchor="ctr"/>
-          <a:lstStyle/>
-          <a:p>
-            <a:pPr algn="ctr"/>
-            <a:endParaRPr lang="en-US"/>
-          </a:p>
-        </p:txBody>
-      </p:sp>
-      <p:sp>
-        <p:nvSpPr>
-          <p:cNvPr id="39" name="Rectangle 44"/>
-          <p:cNvSpPr/>
-          <p:nvPr/>
-        </p:nvSpPr>
-        <p:spPr>
-          <a:xfrm>
-            <a:off x="7269268" y="2171700"/>
-            <a:ext cx="76200" cy="266700"/>
-          </a:xfrm>
-          <a:prstGeom prst="rect">
-            <a:avLst/>
-          </a:prstGeom>
-          <a:solidFill>
-            <a:schemeClr val="tx1"/>
-          </a:solidFill>
-          <a:ln>
-            <a:noFill/>
-          </a:ln>
-        </p:spPr>
-        <p:style>
-          <a:lnRef idx="2">
-            <a:schemeClr val="accent1">
-              <a:shade val="50000"/>
-            </a:schemeClr>
-          </a:lnRef>
-          <a:fillRef idx="1">
-            <a:schemeClr val="accent1"/>
-          </a:fillRef>
-          <a:effectRef idx="0">
-            <a:schemeClr val="accent1"/>
-          </a:effectRef>
-          <a:fontRef idx="minor">
-            <a:schemeClr val="lt1"/>
-          </a:fontRef>
-        </p:style>
-        <p:txBody>
-          <a:bodyPr rtlCol="0" anchor="ctr"/>
-          <a:lstStyle/>
-          <a:p>
-            <a:pPr algn="ctr"/>
-            <a:endParaRPr lang="en-US"/>
-          </a:p>
-        </p:txBody>
-      </p:sp>
-      <p:sp>
-        <p:nvSpPr>
-          <p:cNvPr id="40" name="Rectangle 46"/>
-          <p:cNvSpPr/>
-          <p:nvPr/>
-        </p:nvSpPr>
-        <p:spPr>
-          <a:xfrm>
-            <a:off x="7421668" y="2133600"/>
-            <a:ext cx="76200" cy="304800"/>
-          </a:xfrm>
-          <a:prstGeom prst="rect">
-            <a:avLst/>
-          </a:prstGeom>
-          <a:solidFill>
-            <a:schemeClr val="tx1"/>
-          </a:solidFill>
-          <a:ln>
-            <a:noFill/>
-          </a:ln>
-        </p:spPr>
-        <p:style>
-          <a:lnRef idx="2">
-            <a:schemeClr val="accent1">
-              <a:shade val="50000"/>
-            </a:schemeClr>
-          </a:lnRef>
-          <a:fillRef idx="1">
-            <a:schemeClr val="accent1"/>
-          </a:fillRef>
-          <a:effectRef idx="0">
-            <a:schemeClr val="accent1"/>
-          </a:effectRef>
-          <a:fontRef idx="minor">
-            <a:schemeClr val="lt1"/>
-          </a:fontRef>
-        </p:style>
-        <p:txBody>
-          <a:bodyPr rtlCol="0" anchor="ctr"/>
-          <a:lstStyle/>
-          <a:p>
-            <a:pPr algn="ctr"/>
-            <a:endParaRPr lang="en-US"/>
-          </a:p>
-        </p:txBody>
-      </p:sp>
-      <p:sp>
-        <p:nvSpPr>
-          <p:cNvPr id="41" name="TextBox 40"/>
-          <p:cNvSpPr txBox="1"/>
-          <p:nvPr/>
-        </p:nvSpPr>
-        <p:spPr>
-          <a:xfrm>
-            <a:off x="6583468" y="2620089"/>
-            <a:ext cx="1417532" cy="323165"/>
-          </a:xfrm>
-          <a:prstGeom prst="rect">
-            <a:avLst/>
-          </a:prstGeom>
-          <a:noFill/>
-        </p:spPr>
-        <p:txBody>
-          <a:bodyPr wrap="square" rtlCol="0">
-            <a:spAutoFit/>
-          </a:bodyPr>
-          <a:lstStyle/>
-          <a:p>
-            <a:pPr algn="ctr"/>
-            <a:r>
-              <a:rPr lang="en-US" altLang="zh-CN" sz="1500" dirty="0" smtClean="0"/>
-              <a:t>Final Output</a:t>
-            </a:r>
-            <a:endParaRPr lang="zh-CN" altLang="en-US" sz="1500" dirty="0"/>
-          </a:p>
-        </p:txBody>
-      </p:sp>
-      <p:cxnSp>
-        <p:nvCxnSpPr>
-          <p:cNvPr id="43" name="直接箭头连接符 42"/>
-          <p:cNvCxnSpPr>
-            <a:endCxn id="11" idx="1"/>
-          </p:cNvCxnSpPr>
-          <p:nvPr/>
-        </p:nvCxnSpPr>
-        <p:spPr>
-          <a:xfrm flipV="1">
-            <a:off x="2209800" y="1828799"/>
-            <a:ext cx="914400" cy="669524"/>
-          </a:xfrm>
-          <a:prstGeom prst="straightConnector1">
-            <a:avLst/>
-          </a:prstGeom>
-          <a:ln>
-            <a:tailEnd type="arrow"/>
-          </a:ln>
-        </p:spPr>
-        <p:style>
-          <a:lnRef idx="3">
-            <a:schemeClr val="dk1"/>
-          </a:lnRef>
-          <a:fillRef idx="0">
-            <a:schemeClr val="dk1"/>
-          </a:fillRef>
-          <a:effectRef idx="2">
-            <a:schemeClr val="dk1"/>
-          </a:effectRef>
-          <a:fontRef idx="minor">
-            <a:schemeClr val="tx1"/>
-          </a:fontRef>
-        </p:style>
-      </p:cxnSp>
-      <p:cxnSp>
-        <p:nvCxnSpPr>
-          <p:cNvPr id="45" name="直接箭头连接符 44"/>
-          <p:cNvCxnSpPr>
-            <a:endCxn id="4" idx="1"/>
-          </p:cNvCxnSpPr>
-          <p:nvPr/>
-        </p:nvCxnSpPr>
-        <p:spPr>
-          <a:xfrm>
-            <a:off x="2209800" y="2504673"/>
-            <a:ext cx="914400" cy="530021"/>
-          </a:xfrm>
-          <a:prstGeom prst="straightConnector1">
-            <a:avLst/>
-          </a:prstGeom>
-          <a:ln>
-            <a:tailEnd type="arrow"/>
-          </a:ln>
-        </p:spPr>
-        <p:style>
-          <a:lnRef idx="3">
-            <a:schemeClr val="dk1"/>
-          </a:lnRef>
-          <a:fillRef idx="0">
-            <a:schemeClr val="dk1"/>
-          </a:fillRef>
-          <a:effectRef idx="2">
-            <a:schemeClr val="dk1"/>
-          </a:effectRef>
-          <a:fontRef idx="minor">
-            <a:schemeClr val="tx1"/>
-          </a:fontRef>
-        </p:style>
-      </p:cxnSp>
-      <p:cxnSp>
-        <p:nvCxnSpPr>
-          <p:cNvPr id="50" name="Straight Arrow Connector 35"/>
-          <p:cNvCxnSpPr/>
-          <p:nvPr/>
-        </p:nvCxnSpPr>
-        <p:spPr>
-          <a:xfrm>
-            <a:off x="4983268" y="1981200"/>
-            <a:ext cx="685800" cy="0"/>
-          </a:xfrm>
-          <a:prstGeom prst="straightConnector1">
-            <a:avLst/>
-          </a:prstGeom>
-          <a:ln>
-            <a:tailEnd type="arrow"/>
-          </a:ln>
-        </p:spPr>
-        <p:style>
-          <a:lnRef idx="2">
-            <a:schemeClr val="accent2"/>
-          </a:lnRef>
-          <a:fillRef idx="0">
-            <a:schemeClr val="accent2"/>
-          </a:fillRef>
-          <a:effectRef idx="1">
-            <a:schemeClr val="accent2"/>
-          </a:effectRef>
-          <a:fontRef idx="minor">
-            <a:schemeClr val="tx1"/>
-          </a:fontRef>
-        </p:style>
-      </p:cxnSp>
-      <p:sp>
-        <p:nvSpPr>
-          <p:cNvPr id="51" name="Rectangle 39"/>
-          <p:cNvSpPr/>
-          <p:nvPr/>
-        </p:nvSpPr>
-        <p:spPr>
-          <a:xfrm>
-            <a:off x="4983268" y="1676400"/>
-            <a:ext cx="76200" cy="304800"/>
-          </a:xfrm>
-          <a:prstGeom prst="rect">
-            <a:avLst/>
-          </a:prstGeom>
-          <a:solidFill>
-            <a:schemeClr val="accent2"/>
-          </a:solidFill>
-          <a:ln>
-            <a:noFill/>
-          </a:ln>
-        </p:spPr>
-        <p:style>
-          <a:lnRef idx="2">
-            <a:schemeClr val="accent1">
-              <a:shade val="50000"/>
-            </a:schemeClr>
-          </a:lnRef>
-          <a:fillRef idx="1">
-            <a:schemeClr val="accent1"/>
-          </a:fillRef>
-          <a:effectRef idx="0">
-            <a:schemeClr val="accent1"/>
-          </a:effectRef>
-          <a:fontRef idx="minor">
-            <a:schemeClr val="lt1"/>
-          </a:fontRef>
-        </p:style>
-        <p:txBody>
-          <a:bodyPr rtlCol="0" anchor="ctr"/>
-          <a:lstStyle/>
-          <a:p>
-            <a:pPr algn="ctr"/>
-            <a:endParaRPr lang="en-US"/>
-          </a:p>
-        </p:txBody>
-      </p:sp>
-      <p:sp>
-        <p:nvSpPr>
-          <p:cNvPr id="52" name="Rectangle 41"/>
-          <p:cNvSpPr/>
-          <p:nvPr/>
-        </p:nvSpPr>
-        <p:spPr>
-          <a:xfrm>
-            <a:off x="5135668" y="1524000"/>
-            <a:ext cx="76200" cy="457200"/>
-          </a:xfrm>
-          <a:prstGeom prst="rect">
-            <a:avLst/>
-          </a:prstGeom>
-          <a:solidFill>
-            <a:schemeClr val="accent2"/>
-          </a:solidFill>
-          <a:ln>
-            <a:noFill/>
-          </a:ln>
-        </p:spPr>
-        <p:style>
-          <a:lnRef idx="2">
-            <a:schemeClr val="accent1">
-              <a:shade val="50000"/>
-            </a:schemeClr>
-          </a:lnRef>
-          <a:fillRef idx="1">
-            <a:schemeClr val="accent1"/>
-          </a:fillRef>
-          <a:effectRef idx="0">
-            <a:schemeClr val="accent1"/>
-          </a:effectRef>
-          <a:fontRef idx="minor">
-            <a:schemeClr val="lt1"/>
-          </a:fontRef>
-        </p:style>
-        <p:txBody>
-          <a:bodyPr rtlCol="0" anchor="ctr"/>
-          <a:lstStyle/>
-          <a:p>
-            <a:pPr algn="ctr"/>
-            <a:endParaRPr lang="en-US"/>
-          </a:p>
-        </p:txBody>
-      </p:sp>
-      <p:sp>
-        <p:nvSpPr>
-          <p:cNvPr id="53" name="Rectangle 44"/>
-          <p:cNvSpPr/>
-          <p:nvPr/>
-        </p:nvSpPr>
-        <p:spPr>
-          <a:xfrm>
-            <a:off x="5288068" y="1676400"/>
-            <a:ext cx="76200" cy="304800"/>
-          </a:xfrm>
-          <a:prstGeom prst="rect">
-            <a:avLst/>
-          </a:prstGeom>
-          <a:solidFill>
-            <a:schemeClr val="accent2"/>
-          </a:solidFill>
-          <a:ln>
-            <a:noFill/>
-          </a:ln>
-        </p:spPr>
-        <p:style>
-          <a:lnRef idx="2">
-            <a:schemeClr val="accent1">
-              <a:shade val="50000"/>
-            </a:schemeClr>
-          </a:lnRef>
-          <a:fillRef idx="1">
-            <a:schemeClr val="accent1"/>
-          </a:fillRef>
-          <a:effectRef idx="0">
-            <a:schemeClr val="accent1"/>
-          </a:effectRef>
-          <a:fontRef idx="minor">
-            <a:schemeClr val="lt1"/>
-          </a:fontRef>
-        </p:style>
-        <p:txBody>
-          <a:bodyPr rtlCol="0" anchor="ctr"/>
-          <a:lstStyle/>
-          <a:p>
-            <a:pPr algn="ctr"/>
-            <a:endParaRPr lang="en-US"/>
-          </a:p>
-        </p:txBody>
-      </p:sp>
-      <p:sp>
-        <p:nvSpPr>
-          <p:cNvPr id="54" name="Rectangle 46"/>
-          <p:cNvSpPr/>
-          <p:nvPr/>
-        </p:nvSpPr>
-        <p:spPr>
-          <a:xfrm>
-            <a:off x="5440468" y="1828800"/>
-            <a:ext cx="76200" cy="152400"/>
-          </a:xfrm>
-          <a:prstGeom prst="rect">
-            <a:avLst/>
-          </a:prstGeom>
-          <a:solidFill>
-            <a:schemeClr val="accent2"/>
-          </a:solidFill>
-          <a:ln>
-            <a:noFill/>
-          </a:ln>
-        </p:spPr>
-        <p:style>
-          <a:lnRef idx="2">
-            <a:schemeClr val="accent1">
-              <a:shade val="50000"/>
-            </a:schemeClr>
-          </a:lnRef>
-          <a:fillRef idx="1">
-            <a:schemeClr val="accent1"/>
-          </a:fillRef>
-          <a:effectRef idx="0">
-            <a:schemeClr val="accent1"/>
-          </a:effectRef>
-          <a:fontRef idx="minor">
-            <a:schemeClr val="lt1"/>
-          </a:fontRef>
-        </p:style>
-        <p:txBody>
-          <a:bodyPr rtlCol="0" anchor="ctr"/>
-          <a:lstStyle/>
-          <a:p>
-            <a:pPr algn="ctr"/>
-            <a:endParaRPr lang="en-US"/>
-          </a:p>
-        </p:txBody>
-      </p:sp>
-      <p:sp>
-        <p:nvSpPr>
-          <p:cNvPr id="55" name="右箭头 54"/>
-          <p:cNvSpPr/>
-          <p:nvPr/>
-        </p:nvSpPr>
-        <p:spPr>
-          <a:xfrm>
-            <a:off x="4267200" y="1676400"/>
-            <a:ext cx="335068" cy="304800"/>
-          </a:xfrm>
-          <a:prstGeom prst="rightArrow">
-            <a:avLst/>
-          </a:prstGeom>
-          <a:ln>
-            <a:noFill/>
-          </a:ln>
-        </p:spPr>
-        <p:style>
-          <a:lnRef idx="2">
-            <a:schemeClr val="accent2">
-              <a:shade val="50000"/>
-            </a:schemeClr>
-          </a:lnRef>
-          <a:fillRef idx="1">
-            <a:schemeClr val="accent2"/>
-          </a:fillRef>
-          <a:effectRef idx="0">
-            <a:schemeClr val="accent2"/>
-          </a:effectRef>
-          <a:fontRef idx="minor">
-            <a:schemeClr val="lt1"/>
-          </a:fontRef>
-        </p:style>
-        <p:txBody>
-          <a:bodyPr rtlCol="0" anchor="ctr"/>
-          <a:lstStyle/>
-          <a:p>
-            <a:pPr algn="ctr"/>
-            <a:endParaRPr lang="zh-CN" altLang="en-US"/>
-          </a:p>
-        </p:txBody>
-      </p:sp>
-      <p:sp>
-        <p:nvSpPr>
-          <p:cNvPr id="56" name="右箭头 55"/>
-          <p:cNvSpPr/>
-          <p:nvPr/>
-        </p:nvSpPr>
-        <p:spPr>
-          <a:xfrm>
-            <a:off x="4267200" y="2819400"/>
+          <a:xfrm rot="3124438">
+            <a:off x="3266878" y="1526776"/>
             <a:ext cx="335068" cy="304800"/>
           </a:xfrm>
           <a:prstGeom prst="rightArrow">
@@ -6332,6 +6837,204 @@
           <a:p>
             <a:pPr algn="ctr"/>
             <a:endParaRPr lang="zh-CN" altLang="en-US"/>
+          </a:p>
+        </p:txBody>
+      </p:sp>
+      <p:sp>
+        <p:nvSpPr>
+          <p:cNvPr id="42" name="右箭头 41"/>
+          <p:cNvSpPr/>
+          <p:nvPr/>
+        </p:nvSpPr>
+        <p:spPr>
+          <a:xfrm rot="8047006">
+            <a:off x="5925502" y="1453962"/>
+            <a:ext cx="335068" cy="304800"/>
+          </a:xfrm>
+          <a:prstGeom prst="rightArrow">
+            <a:avLst/>
+          </a:prstGeom>
+          <a:ln>
+            <a:noFill/>
+          </a:ln>
+        </p:spPr>
+        <p:style>
+          <a:lnRef idx="2">
+            <a:schemeClr val="accent1">
+              <a:shade val="50000"/>
+            </a:schemeClr>
+          </a:lnRef>
+          <a:fillRef idx="1">
+            <a:schemeClr val="accent1"/>
+          </a:fillRef>
+          <a:effectRef idx="0">
+            <a:schemeClr val="accent1"/>
+          </a:effectRef>
+          <a:fontRef idx="minor">
+            <a:schemeClr val="lt1"/>
+          </a:fontRef>
+        </p:style>
+        <p:txBody>
+          <a:bodyPr rtlCol="0" anchor="ctr"/>
+          <a:lstStyle/>
+          <a:p>
+            <a:pPr algn="ctr"/>
+            <a:endParaRPr lang="zh-CN" altLang="en-US"/>
+          </a:p>
+        </p:txBody>
+      </p:sp>
+      <p:sp>
+        <p:nvSpPr>
+          <p:cNvPr id="44" name="右箭头 43"/>
+          <p:cNvSpPr/>
+          <p:nvPr/>
+        </p:nvSpPr>
+        <p:spPr>
+          <a:xfrm rot="5400000">
+            <a:off x="4953952" y="1464228"/>
+            <a:ext cx="335068" cy="304800"/>
+          </a:xfrm>
+          <a:prstGeom prst="rightArrow">
+            <a:avLst/>
+          </a:prstGeom>
+          <a:ln>
+            <a:noFill/>
+          </a:ln>
+        </p:spPr>
+        <p:style>
+          <a:lnRef idx="2">
+            <a:schemeClr val="accent1">
+              <a:shade val="50000"/>
+            </a:schemeClr>
+          </a:lnRef>
+          <a:fillRef idx="1">
+            <a:schemeClr val="accent1"/>
+          </a:fillRef>
+          <a:effectRef idx="0">
+            <a:schemeClr val="accent1"/>
+          </a:effectRef>
+          <a:fontRef idx="minor">
+            <a:schemeClr val="lt1"/>
+          </a:fontRef>
+        </p:style>
+        <p:txBody>
+          <a:bodyPr rtlCol="0" anchor="ctr"/>
+          <a:lstStyle/>
+          <a:p>
+            <a:pPr algn="ctr"/>
+            <a:endParaRPr lang="zh-CN" altLang="en-US"/>
+          </a:p>
+        </p:txBody>
+      </p:sp>
+      <p:sp>
+        <p:nvSpPr>
+          <p:cNvPr id="6" name="加号 5"/>
+          <p:cNvSpPr/>
+          <p:nvPr/>
+        </p:nvSpPr>
+        <p:spPr>
+          <a:xfrm>
+            <a:off x="2890188" y="2286000"/>
+            <a:ext cx="538812" cy="482817"/>
+          </a:xfrm>
+          <a:prstGeom prst="mathPlus">
+            <a:avLst/>
+          </a:prstGeom>
+          <a:ln>
+            <a:noFill/>
+          </a:ln>
+        </p:spPr>
+        <p:style>
+          <a:lnRef idx="2">
+            <a:schemeClr val="accent4">
+              <a:shade val="50000"/>
+            </a:schemeClr>
+          </a:lnRef>
+          <a:fillRef idx="1">
+            <a:schemeClr val="accent4"/>
+          </a:fillRef>
+          <a:effectRef idx="0">
+            <a:schemeClr val="accent4"/>
+          </a:effectRef>
+          <a:fontRef idx="minor">
+            <a:schemeClr val="lt1"/>
+          </a:fontRef>
+        </p:style>
+        <p:txBody>
+          <a:bodyPr rtlCol="0" anchor="ctr"/>
+          <a:lstStyle/>
+          <a:p>
+            <a:pPr algn="ctr"/>
+            <a:endParaRPr lang="zh-CN" altLang="en-US"/>
+          </a:p>
+        </p:txBody>
+      </p:sp>
+      <p:sp>
+        <p:nvSpPr>
+          <p:cNvPr id="46" name="右箭头 45"/>
+          <p:cNvSpPr/>
+          <p:nvPr/>
+        </p:nvSpPr>
+        <p:spPr>
+          <a:xfrm>
+            <a:off x="5677852" y="2458729"/>
+            <a:ext cx="493948" cy="304800"/>
+          </a:xfrm>
+          <a:prstGeom prst="rightArrow">
+            <a:avLst/>
+          </a:prstGeom>
+          <a:ln/>
+        </p:spPr>
+        <p:style>
+          <a:lnRef idx="1">
+            <a:schemeClr val="accent4"/>
+          </a:lnRef>
+          <a:fillRef idx="3">
+            <a:schemeClr val="accent4"/>
+          </a:fillRef>
+          <a:effectRef idx="2">
+            <a:schemeClr val="accent4"/>
+          </a:effectRef>
+          <a:fontRef idx="minor">
+            <a:schemeClr val="lt1"/>
+          </a:fontRef>
+        </p:style>
+        <p:txBody>
+          <a:bodyPr rtlCol="0" anchor="ctr"/>
+          <a:lstStyle/>
+          <a:p>
+            <a:pPr algn="ctr"/>
+            <a:endParaRPr lang="zh-CN" altLang="en-US"/>
+          </a:p>
+        </p:txBody>
+      </p:sp>
+      <p:sp>
+        <p:nvSpPr>
+          <p:cNvPr id="8" name="TextBox 7"/>
+          <p:cNvSpPr txBox="1"/>
+          <p:nvPr/>
+        </p:nvSpPr>
+        <p:spPr>
+          <a:xfrm>
+            <a:off x="3570556" y="152400"/>
+            <a:ext cx="2208618" cy="369332"/>
+          </a:xfrm>
+          <a:prstGeom prst="rect">
+            <a:avLst/>
+          </a:prstGeom>
+          <a:noFill/>
+        </p:spPr>
+        <p:txBody>
+          <a:bodyPr wrap="none" rtlCol="0">
+            <a:spAutoFit/>
+          </a:bodyPr>
+          <a:lstStyle/>
+          <a:p>
+            <a:r>
+              <a:rPr lang="en-US" altLang="zh-CN" dirty="0" smtClean="0"/>
+              <a:t>Binary Source Models</a:t>
+            </a:r>
+            <a:endParaRPr lang="zh-CN" altLang="en-US" dirty="0"/>
           </a:p>
         </p:txBody>
       </p:sp>

--- a/fig/Presentation1.pptx
+++ b/fig/Presentation1.pptx
@@ -8,7 +8,7 @@
     <p:sldId id="258" r:id="rId2"/>
     <p:sldId id="259" r:id="rId3"/>
     <p:sldId id="260" r:id="rId4"/>
-    <p:sldId id="261" r:id="rId5"/>
+    <p:sldId id="262" r:id="rId5"/>
   </p:sldIdLst>
   <p:sldSz cx="9144000" cy="6858000" type="screen4x3"/>
   <p:notesSz cx="6858000" cy="9144000"/>
@@ -291,7 +291,7 @@
           <a:p>
             <a:fld id="{44B15A26-92BA-497A-9014-8A082EA472A1}" type="datetimeFigureOut">
               <a:rPr lang="en-US" smtClean="0"/>
-              <a:t>10/21/2016</a:t>
+              <a:t>10/27/2016</a:t>
             </a:fld>
             <a:endParaRPr lang="en-US"/>
           </a:p>
@@ -461,7 +461,7 @@
           <a:p>
             <a:fld id="{44B15A26-92BA-497A-9014-8A082EA472A1}" type="datetimeFigureOut">
               <a:rPr lang="en-US" smtClean="0"/>
-              <a:t>10/21/2016</a:t>
+              <a:t>10/27/2016</a:t>
             </a:fld>
             <a:endParaRPr lang="en-US"/>
           </a:p>
@@ -641,7 +641,7 @@
           <a:p>
             <a:fld id="{44B15A26-92BA-497A-9014-8A082EA472A1}" type="datetimeFigureOut">
               <a:rPr lang="en-US" smtClean="0"/>
-              <a:t>10/21/2016</a:t>
+              <a:t>10/27/2016</a:t>
             </a:fld>
             <a:endParaRPr lang="en-US"/>
           </a:p>
@@ -811,7 +811,7 @@
           <a:p>
             <a:fld id="{44B15A26-92BA-497A-9014-8A082EA472A1}" type="datetimeFigureOut">
               <a:rPr lang="en-US" smtClean="0"/>
-              <a:t>10/21/2016</a:t>
+              <a:t>10/27/2016</a:t>
             </a:fld>
             <a:endParaRPr lang="en-US"/>
           </a:p>
@@ -1057,7 +1057,7 @@
           <a:p>
             <a:fld id="{44B15A26-92BA-497A-9014-8A082EA472A1}" type="datetimeFigureOut">
               <a:rPr lang="en-US" smtClean="0"/>
-              <a:t>10/21/2016</a:t>
+              <a:t>10/27/2016</a:t>
             </a:fld>
             <a:endParaRPr lang="en-US"/>
           </a:p>
@@ -1345,7 +1345,7 @@
           <a:p>
             <a:fld id="{44B15A26-92BA-497A-9014-8A082EA472A1}" type="datetimeFigureOut">
               <a:rPr lang="en-US" smtClean="0"/>
-              <a:t>10/21/2016</a:t>
+              <a:t>10/27/2016</a:t>
             </a:fld>
             <a:endParaRPr lang="en-US"/>
           </a:p>
@@ -1767,7 +1767,7 @@
           <a:p>
             <a:fld id="{44B15A26-92BA-497A-9014-8A082EA472A1}" type="datetimeFigureOut">
               <a:rPr lang="en-US" smtClean="0"/>
-              <a:t>10/21/2016</a:t>
+              <a:t>10/27/2016</a:t>
             </a:fld>
             <a:endParaRPr lang="en-US"/>
           </a:p>
@@ -1885,7 +1885,7 @@
           <a:p>
             <a:fld id="{44B15A26-92BA-497A-9014-8A082EA472A1}" type="datetimeFigureOut">
               <a:rPr lang="en-US" smtClean="0"/>
-              <a:t>10/21/2016</a:t>
+              <a:t>10/27/2016</a:t>
             </a:fld>
             <a:endParaRPr lang="en-US"/>
           </a:p>
@@ -1980,7 +1980,7 @@
           <a:p>
             <a:fld id="{44B15A26-92BA-497A-9014-8A082EA472A1}" type="datetimeFigureOut">
               <a:rPr lang="en-US" smtClean="0"/>
-              <a:t>10/21/2016</a:t>
+              <a:t>10/27/2016</a:t>
             </a:fld>
             <a:endParaRPr lang="en-US"/>
           </a:p>
@@ -2257,7 +2257,7 @@
           <a:p>
             <a:fld id="{44B15A26-92BA-497A-9014-8A082EA472A1}" type="datetimeFigureOut">
               <a:rPr lang="en-US" smtClean="0"/>
-              <a:t>10/21/2016</a:t>
+              <a:t>10/27/2016</a:t>
             </a:fld>
             <a:endParaRPr lang="en-US"/>
           </a:p>
@@ -2510,7 +2510,7 @@
           <a:p>
             <a:fld id="{44B15A26-92BA-497A-9014-8A082EA472A1}" type="datetimeFigureOut">
               <a:rPr lang="en-US" smtClean="0"/>
-              <a:t>10/21/2016</a:t>
+              <a:t>10/27/2016</a:t>
             </a:fld>
             <a:endParaRPr lang="en-US"/>
           </a:p>
@@ -2723,7 +2723,7 @@
           <a:p>
             <a:fld id="{44B15A26-92BA-497A-9014-8A082EA472A1}" type="datetimeFigureOut">
               <a:rPr lang="en-US" smtClean="0"/>
-              <a:t>10/21/2016</a:t>
+              <a:t>10/27/2016</a:t>
             </a:fld>
             <a:endParaRPr lang="en-US"/>
           </a:p>
@@ -3186,7 +3186,7 @@
             <a:graphicData uri="http://schemas.openxmlformats.org/presentationml/2006/ole">
               <mc:AlternateContent xmlns:mc="http://schemas.openxmlformats.org/markup-compatibility/2006">
                 <mc:Choice xmlns:v="urn:schemas-microsoft-com:vml" Requires="v">
-                  <p:oleObj spid="_x0000_s2149" name="Equation" r:id="rId3" imgW="342720" imgH="228600" progId="Equation.DSMT4">
+                  <p:oleObj spid="_x0000_s2173" name="Equation" r:id="rId3" imgW="342720" imgH="228600" progId="Equation.DSMT4">
                     <p:embed/>
                   </p:oleObj>
                 </mc:Choice>
@@ -3317,7 +3317,7 @@
             <a:graphicData uri="http://schemas.openxmlformats.org/presentationml/2006/ole">
               <mc:AlternateContent xmlns:mc="http://schemas.openxmlformats.org/markup-compatibility/2006">
                 <mc:Choice xmlns:v="urn:schemas-microsoft-com:vml" Requires="v">
-                  <p:oleObj spid="_x0000_s2150" name="Equation" r:id="rId5" imgW="355320" imgH="228600" progId="Equation.DSMT4">
+                  <p:oleObj spid="_x0000_s2174" name="Equation" r:id="rId5" imgW="355320" imgH="228600" progId="Equation.DSMT4">
                     <p:embed/>
                   </p:oleObj>
                 </mc:Choice>
@@ -3440,7 +3440,7 @@
             <a:graphicData uri="http://schemas.openxmlformats.org/presentationml/2006/ole">
               <mc:AlternateContent xmlns:mc="http://schemas.openxmlformats.org/markup-compatibility/2006">
                 <mc:Choice xmlns:v="urn:schemas-microsoft-com:vml" Requires="v">
-                  <p:oleObj spid="_x0000_s2151" name="Equation" r:id="rId7" imgW="241200" imgH="177480" progId="Equation.DSMT4">
+                  <p:oleObj spid="_x0000_s2175" name="Equation" r:id="rId7" imgW="241200" imgH="177480" progId="Equation.DSMT4">
                     <p:embed/>
                   </p:oleObj>
                 </mc:Choice>
@@ -3571,7 +3571,7 @@
             <a:graphicData uri="http://schemas.openxmlformats.org/presentationml/2006/ole">
               <mc:AlternateContent xmlns:mc="http://schemas.openxmlformats.org/markup-compatibility/2006">
                 <mc:Choice xmlns:v="urn:schemas-microsoft-com:vml" Requires="v">
-                  <p:oleObj spid="_x0000_s2152" name="Equation" r:id="rId9" imgW="368280" imgH="228600" progId="Equation.DSMT4">
+                  <p:oleObj spid="_x0000_s2176" name="Equation" r:id="rId9" imgW="368280" imgH="228600" progId="Equation.DSMT4">
                     <p:embed/>
                   </p:oleObj>
                 </mc:Choice>
@@ -3710,7 +3710,7 @@
             <a:graphicData uri="http://schemas.openxmlformats.org/presentationml/2006/ole">
               <mc:AlternateContent xmlns:mc="http://schemas.openxmlformats.org/markup-compatibility/2006">
                 <mc:Choice xmlns:v="urn:schemas-microsoft-com:vml" Requires="v">
-                  <p:oleObj spid="_x0000_s2153" name="Equation" r:id="rId12" imgW="126720" imgH="139680" progId="Equation.DSMT4">
+                  <p:oleObj spid="_x0000_s2177" name="Equation" r:id="rId12" imgW="126720" imgH="139680" progId="Equation.DSMT4">
                     <p:embed/>
                   </p:oleObj>
                 </mc:Choice>
@@ -3775,7 +3775,7 @@
           <a:graphicData uri="http://schemas.openxmlformats.org/presentationml/2006/ole">
             <mc:AlternateContent xmlns:mc="http://schemas.openxmlformats.org/markup-compatibility/2006">
               <mc:Choice xmlns:v="urn:schemas-microsoft-com:vml" Requires="v">
-                <p:oleObj spid="_x0000_s2154" name="Equation" r:id="rId14" imgW="2057400" imgH="291960" progId="Equation.DSMT4">
+                <p:oleObj spid="_x0000_s2178" name="Equation" r:id="rId14" imgW="2057400" imgH="291960" progId="Equation.DSMT4">
                   <p:embed/>
                 </p:oleObj>
               </mc:Choice>
@@ -5875,15 +5875,7 @@
                     <a:srgbClr val="7030A0"/>
                   </a:solidFill>
                 </a:rPr>
-                <a:t>Final </a:t>
-              </a:r>
-              <a:r>
-                <a:rPr lang="en-US" altLang="zh-CN" sz="1500" dirty="0" smtClean="0">
-                  <a:solidFill>
-                    <a:srgbClr val="7030A0"/>
-                  </a:solidFill>
-                </a:rPr>
-                <a:t>Prediction</a:t>
+                <a:t>Final Prediction</a:t>
               </a:r>
               <a:endParaRPr lang="zh-CN" altLang="en-US" sz="1500" dirty="0">
                 <a:solidFill>
@@ -7068,31 +7060,983 @@
           <a:chExt cx="0" cy="0"/>
         </a:xfrm>
       </p:grpSpPr>
+      <mc:AlternateContent xmlns:mc="http://schemas.openxmlformats.org/markup-compatibility/2006">
+        <mc:Choice xmlns:a14="http://schemas.microsoft.com/office/drawing/2010/main" Requires="a14">
+          <p:graphicFrame>
+            <p:nvGraphicFramePr>
+              <p:cNvPr id="4" name="表格 3"/>
+              <p:cNvGraphicFramePr>
+                <a:graphicFrameLocks noGrp="1"/>
+              </p:cNvGraphicFramePr>
+              <p:nvPr>
+                <p:extLst>
+                  <p:ext uri="{D42A27DB-BD31-4B8C-83A1-F6EECF244321}">
+                    <p14:modId xmlns:p14="http://schemas.microsoft.com/office/powerpoint/2010/main" val="775878609"/>
+                  </p:ext>
+                </p:extLst>
+              </p:nvPr>
+            </p:nvGraphicFramePr>
+            <p:xfrm>
+              <a:off x="990600" y="1397000"/>
+              <a:ext cx="3276600" cy="365760"/>
+            </p:xfrm>
+            <a:graphic>
+              <a:graphicData uri="http://schemas.openxmlformats.org/drawingml/2006/table">
+                <a:tbl>
+                  <a:tblPr firstRow="1" bandRow="1">
+                    <a:tableStyleId>{2D5ABB26-0587-4C30-8999-92F81FD0307C}</a:tableStyleId>
+                  </a:tblPr>
+                  <a:tblGrid>
+                    <a:gridCol w="819150"/>
+                    <a:gridCol w="819150"/>
+                    <a:gridCol w="819150"/>
+                    <a:gridCol w="819150"/>
+                  </a:tblGrid>
+                  <a:tr h="355600">
+                    <a:tc>
+                      <a:txBody>
+                        <a:bodyPr/>
+                        <a:lstStyle/>
+                        <a:p>
+                          <a:pPr algn="ctr"/>
+                          <a14:m>
+                            <m:oMathPara xmlns:m="http://schemas.openxmlformats.org/officeDocument/2006/math">
+                              <m:oMathParaPr>
+                                <m:jc m:val="centerGroup"/>
+                              </m:oMathParaPr>
+                              <m:oMath xmlns:m="http://schemas.openxmlformats.org/officeDocument/2006/math">
+                                <m:r>
+                                  <a:rPr lang="en-US" altLang="zh-CN" b="0" i="1" smtClean="0">
+                                    <a:latin typeface="Cambria Math"/>
+                                  </a:rPr>
+                                  <m:t>𝑥</m:t>
+                                </m:r>
+                              </m:oMath>
+                            </m:oMathPara>
+                          </a14:m>
+                          <a:endParaRPr lang="zh-CN" altLang="en-US" dirty="0"/>
+                        </a:p>
+                      </a:txBody>
+                      <a:tcPr>
+                        <a:lnL w="12700" cap="flat" cmpd="sng" algn="ctr">
+                          <a:solidFill>
+                            <a:schemeClr val="tx1"/>
+                          </a:solidFill>
+                          <a:prstDash val="solid"/>
+                          <a:round/>
+                          <a:headEnd type="none" w="med" len="med"/>
+                          <a:tailEnd type="none" w="med" len="med"/>
+                        </a:lnL>
+                        <a:lnR w="12700" cap="flat" cmpd="sng" algn="ctr">
+                          <a:solidFill>
+                            <a:schemeClr val="tx1"/>
+                          </a:solidFill>
+                          <a:prstDash val="solid"/>
+                          <a:round/>
+                          <a:headEnd type="none" w="med" len="med"/>
+                          <a:tailEnd type="none" w="med" len="med"/>
+                        </a:lnR>
+                        <a:lnT w="12700" cap="flat" cmpd="sng" algn="ctr">
+                          <a:solidFill>
+                            <a:schemeClr val="tx1"/>
+                          </a:solidFill>
+                          <a:prstDash val="solid"/>
+                          <a:round/>
+                          <a:headEnd type="none" w="med" len="med"/>
+                          <a:tailEnd type="none" w="med" len="med"/>
+                        </a:lnT>
+                        <a:lnB w="12700" cap="flat" cmpd="sng" algn="ctr">
+                          <a:solidFill>
+                            <a:schemeClr val="tx1"/>
+                          </a:solidFill>
+                          <a:prstDash val="solid"/>
+                          <a:round/>
+                          <a:headEnd type="none" w="med" len="med"/>
+                          <a:tailEnd type="none" w="med" len="med"/>
+                        </a:lnB>
+                      </a:tcPr>
+                    </a:tc>
+                    <a:tc>
+                      <a:txBody>
+                        <a:bodyPr/>
+                        <a:lstStyle/>
+                        <a:p>
+                          <a:pPr algn="ctr"/>
+                          <a14:m>
+                            <m:oMathPara xmlns:m="http://schemas.openxmlformats.org/officeDocument/2006/math">
+                              <m:oMathParaPr>
+                                <m:jc m:val="centerGroup"/>
+                              </m:oMathParaPr>
+                              <m:oMath xmlns:m="http://schemas.openxmlformats.org/officeDocument/2006/math">
+                                <m:sSub>
+                                  <m:sSubPr>
+                                    <m:ctrlPr>
+                                      <a:rPr lang="en-US" altLang="zh-CN" b="0" i="1" smtClean="0">
+                                        <a:latin typeface="Cambria Math"/>
+                                      </a:rPr>
+                                    </m:ctrlPr>
+                                  </m:sSubPr>
+                                  <m:e>
+                                    <m:r>
+                                      <a:rPr lang="en-US" altLang="zh-CN" b="0" i="1" smtClean="0">
+                                        <a:latin typeface="Cambria Math"/>
+                                      </a:rPr>
+                                      <m:t>𝑓</m:t>
+                                    </m:r>
+                                    <m:r>
+                                      <a:rPr lang="en-US" altLang="zh-CN" b="0" i="1" smtClean="0">
+                                        <a:latin typeface="Cambria Math"/>
+                                      </a:rPr>
+                                      <m:t>′</m:t>
+                                    </m:r>
+                                  </m:e>
+                                  <m:sub>
+                                    <m:r>
+                                      <a:rPr lang="en-US" altLang="zh-CN" b="0" i="1" smtClean="0">
+                                        <a:latin typeface="Cambria Math"/>
+                                      </a:rPr>
+                                      <m:t>1</m:t>
+                                    </m:r>
+                                  </m:sub>
+                                </m:sSub>
+                                <m:sSub>
+                                  <m:sSubPr>
+                                    <m:ctrlPr>
+                                      <a:rPr lang="en-US" altLang="zh-CN" b="0" i="1" smtClean="0">
+                                        <a:latin typeface="Cambria Math"/>
+                                      </a:rPr>
+                                    </m:ctrlPr>
+                                  </m:sSubPr>
+                                  <m:e>
+                                    <m:r>
+                                      <a:rPr lang="zh-CN" altLang="en-US" b="0" i="1" smtClean="0">
+                                        <a:latin typeface="Cambria Math"/>
+                                      </a:rPr>
+                                      <m:t>𝛽</m:t>
+                                    </m:r>
+                                  </m:e>
+                                  <m:sub>
+                                    <m:r>
+                                      <a:rPr lang="en-US" altLang="zh-CN" b="0" i="1" smtClean="0">
+                                        <a:latin typeface="Cambria Math"/>
+                                      </a:rPr>
+                                      <m:t>1</m:t>
+                                    </m:r>
+                                    <m:r>
+                                      <a:rPr lang="en-US" altLang="zh-CN" b="0" i="1" smtClean="0">
+                                        <a:latin typeface="Cambria Math"/>
+                                      </a:rPr>
+                                      <m:t>1</m:t>
+                                    </m:r>
+                                  </m:sub>
+                                </m:sSub>
+                              </m:oMath>
+                            </m:oMathPara>
+                          </a14:m>
+                          <a:endParaRPr lang="zh-CN" altLang="en-US" dirty="0"/>
+                        </a:p>
+                      </a:txBody>
+                      <a:tcPr>
+                        <a:lnL w="12700" cap="flat" cmpd="sng" algn="ctr">
+                          <a:solidFill>
+                            <a:schemeClr val="tx1"/>
+                          </a:solidFill>
+                          <a:prstDash val="solid"/>
+                          <a:round/>
+                          <a:headEnd type="none" w="med" len="med"/>
+                          <a:tailEnd type="none" w="med" len="med"/>
+                        </a:lnL>
+                        <a:lnR w="12700" cap="flat" cmpd="sng" algn="ctr">
+                          <a:solidFill>
+                            <a:schemeClr val="tx1"/>
+                          </a:solidFill>
+                          <a:prstDash val="solid"/>
+                          <a:round/>
+                          <a:headEnd type="none" w="med" len="med"/>
+                          <a:tailEnd type="none" w="med" len="med"/>
+                        </a:lnR>
+                        <a:lnT w="12700" cap="flat" cmpd="sng" algn="ctr">
+                          <a:solidFill>
+                            <a:schemeClr val="tx1"/>
+                          </a:solidFill>
+                          <a:prstDash val="solid"/>
+                          <a:round/>
+                          <a:headEnd type="none" w="med" len="med"/>
+                          <a:tailEnd type="none" w="med" len="med"/>
+                        </a:lnT>
+                        <a:lnB w="12700" cap="flat" cmpd="sng" algn="ctr">
+                          <a:solidFill>
+                            <a:schemeClr val="tx1"/>
+                          </a:solidFill>
+                          <a:prstDash val="solid"/>
+                          <a:round/>
+                          <a:headEnd type="none" w="med" len="med"/>
+                          <a:tailEnd type="none" w="med" len="med"/>
+                        </a:lnB>
+                      </a:tcPr>
+                    </a:tc>
+                    <a:tc>
+                      <a:txBody>
+                        <a:bodyPr/>
+                        <a:lstStyle/>
+                        <a:p>
+                          <a:pPr algn="ctr"/>
+                          <a14:m>
+                            <m:oMathPara xmlns:m="http://schemas.openxmlformats.org/officeDocument/2006/math">
+                              <m:oMathParaPr>
+                                <m:jc m:val="centerGroup"/>
+                              </m:oMathParaPr>
+                              <m:oMath xmlns:m="http://schemas.openxmlformats.org/officeDocument/2006/math">
+                                <m:sSub>
+                                  <m:sSubPr>
+                                    <m:ctrlPr>
+                                      <a:rPr lang="en-US" altLang="zh-CN" b="0" i="1" smtClean="0">
+                                        <a:latin typeface="Cambria Math"/>
+                                      </a:rPr>
+                                    </m:ctrlPr>
+                                  </m:sSubPr>
+                                  <m:e>
+                                    <m:r>
+                                      <a:rPr lang="en-US" altLang="zh-CN" b="0" i="1" smtClean="0">
+                                        <a:latin typeface="Cambria Math"/>
+                                      </a:rPr>
+                                      <m:t>𝑓</m:t>
+                                    </m:r>
+                                    <m:r>
+                                      <a:rPr lang="en-US" altLang="zh-CN" b="0" i="1" smtClean="0">
+                                        <a:latin typeface="Cambria Math"/>
+                                      </a:rPr>
+                                      <m:t>′</m:t>
+                                    </m:r>
+                                  </m:e>
+                                  <m:sub>
+                                    <m:r>
+                                      <a:rPr lang="en-US" altLang="zh-CN" b="0" i="1" smtClean="0">
+                                        <a:latin typeface="Cambria Math"/>
+                                      </a:rPr>
+                                      <m:t>2</m:t>
+                                    </m:r>
+                                  </m:sub>
+                                </m:sSub>
+                                <m:sSub>
+                                  <m:sSubPr>
+                                    <m:ctrlPr>
+                                      <a:rPr lang="en-US" altLang="zh-CN" b="0" i="1" smtClean="0">
+                                        <a:latin typeface="Cambria Math"/>
+                                      </a:rPr>
+                                    </m:ctrlPr>
+                                  </m:sSubPr>
+                                  <m:e>
+                                    <m:r>
+                                      <a:rPr lang="zh-CN" altLang="en-US" b="0" i="1" smtClean="0">
+                                        <a:latin typeface="Cambria Math"/>
+                                      </a:rPr>
+                                      <m:t>𝛽</m:t>
+                                    </m:r>
+                                  </m:e>
+                                  <m:sub>
+                                    <m:r>
+                                      <a:rPr lang="en-US" altLang="zh-CN" b="0" i="1" smtClean="0">
+                                        <a:latin typeface="Cambria Math"/>
+                                      </a:rPr>
+                                      <m:t>1</m:t>
+                                    </m:r>
+                                    <m:r>
+                                      <a:rPr lang="en-US" altLang="zh-CN" b="0" i="1" smtClean="0">
+                                        <a:latin typeface="Cambria Math"/>
+                                      </a:rPr>
+                                      <m:t>2</m:t>
+                                    </m:r>
+                                  </m:sub>
+                                </m:sSub>
+                              </m:oMath>
+                            </m:oMathPara>
+                          </a14:m>
+                          <a:endParaRPr lang="zh-CN" altLang="en-US" dirty="0"/>
+                        </a:p>
+                      </a:txBody>
+                      <a:tcPr>
+                        <a:lnL w="12700" cap="flat" cmpd="sng" algn="ctr">
+                          <a:solidFill>
+                            <a:schemeClr val="tx1"/>
+                          </a:solidFill>
+                          <a:prstDash val="solid"/>
+                          <a:round/>
+                          <a:headEnd type="none" w="med" len="med"/>
+                          <a:tailEnd type="none" w="med" len="med"/>
+                        </a:lnL>
+                        <a:lnR w="12700" cap="flat" cmpd="sng" algn="ctr">
+                          <a:solidFill>
+                            <a:schemeClr val="tx1"/>
+                          </a:solidFill>
+                          <a:prstDash val="solid"/>
+                          <a:round/>
+                          <a:headEnd type="none" w="med" len="med"/>
+                          <a:tailEnd type="none" w="med" len="med"/>
+                        </a:lnR>
+                        <a:lnT w="12700" cap="flat" cmpd="sng" algn="ctr">
+                          <a:solidFill>
+                            <a:schemeClr val="tx1"/>
+                          </a:solidFill>
+                          <a:prstDash val="solid"/>
+                          <a:round/>
+                          <a:headEnd type="none" w="med" len="med"/>
+                          <a:tailEnd type="none" w="med" len="med"/>
+                        </a:lnT>
+                        <a:lnB w="12700" cap="flat" cmpd="sng" algn="ctr">
+                          <a:solidFill>
+                            <a:schemeClr val="tx1"/>
+                          </a:solidFill>
+                          <a:prstDash val="solid"/>
+                          <a:round/>
+                          <a:headEnd type="none" w="med" len="med"/>
+                          <a:tailEnd type="none" w="med" len="med"/>
+                        </a:lnB>
+                      </a:tcPr>
+                    </a:tc>
+                    <a:tc>
+                      <a:txBody>
+                        <a:bodyPr/>
+                        <a:lstStyle/>
+                        <a:p>
+                          <a:pPr algn="ctr"/>
+                          <a14:m>
+                            <m:oMathPara xmlns:m="http://schemas.openxmlformats.org/officeDocument/2006/math">
+                              <m:oMathParaPr>
+                                <m:jc m:val="centerGroup"/>
+                              </m:oMathParaPr>
+                              <m:oMath xmlns:m="http://schemas.openxmlformats.org/officeDocument/2006/math">
+                                <m:sSub>
+                                  <m:sSubPr>
+                                    <m:ctrlPr>
+                                      <a:rPr lang="en-US" altLang="zh-CN" b="0" i="1" smtClean="0">
+                                        <a:latin typeface="Cambria Math"/>
+                                      </a:rPr>
+                                    </m:ctrlPr>
+                                  </m:sSubPr>
+                                  <m:e>
+                                    <m:r>
+                                      <a:rPr lang="en-US" altLang="zh-CN" b="0" i="1" smtClean="0">
+                                        <a:latin typeface="Cambria Math"/>
+                                      </a:rPr>
+                                      <m:t>𝑓</m:t>
+                                    </m:r>
+                                    <m:r>
+                                      <a:rPr lang="en-US" altLang="zh-CN" b="0" i="1" smtClean="0">
+                                        <a:latin typeface="Cambria Math"/>
+                                      </a:rPr>
+                                      <m:t>′</m:t>
+                                    </m:r>
+                                  </m:e>
+                                  <m:sub>
+                                    <m:r>
+                                      <a:rPr lang="en-US" altLang="zh-CN" b="0" i="1" smtClean="0">
+                                        <a:latin typeface="Cambria Math"/>
+                                      </a:rPr>
+                                      <m:t>3</m:t>
+                                    </m:r>
+                                  </m:sub>
+                                </m:sSub>
+                                <m:sSub>
+                                  <m:sSubPr>
+                                    <m:ctrlPr>
+                                      <a:rPr lang="en-US" altLang="zh-CN" b="0" i="1" smtClean="0">
+                                        <a:latin typeface="Cambria Math"/>
+                                      </a:rPr>
+                                    </m:ctrlPr>
+                                  </m:sSubPr>
+                                  <m:e>
+                                    <m:r>
+                                      <a:rPr lang="zh-CN" altLang="en-US" b="0" i="1" smtClean="0">
+                                        <a:latin typeface="Cambria Math"/>
+                                      </a:rPr>
+                                      <m:t>𝛽</m:t>
+                                    </m:r>
+                                  </m:e>
+                                  <m:sub>
+                                    <m:r>
+                                      <a:rPr lang="en-US" altLang="zh-CN" b="0" i="1" smtClean="0">
+                                        <a:latin typeface="Cambria Math"/>
+                                      </a:rPr>
+                                      <m:t>1</m:t>
+                                    </m:r>
+                                    <m:r>
+                                      <a:rPr lang="en-US" altLang="zh-CN" b="0" i="1" smtClean="0">
+                                        <a:latin typeface="Cambria Math"/>
+                                      </a:rPr>
+                                      <m:t>3</m:t>
+                                    </m:r>
+                                  </m:sub>
+                                </m:sSub>
+                              </m:oMath>
+                            </m:oMathPara>
+                          </a14:m>
+                          <a:endParaRPr lang="zh-CN" altLang="en-US" dirty="0"/>
+                        </a:p>
+                      </a:txBody>
+                      <a:tcPr>
+                        <a:lnL w="12700" cap="flat" cmpd="sng" algn="ctr">
+                          <a:solidFill>
+                            <a:schemeClr val="tx1"/>
+                          </a:solidFill>
+                          <a:prstDash val="solid"/>
+                          <a:round/>
+                          <a:headEnd type="none" w="med" len="med"/>
+                          <a:tailEnd type="none" w="med" len="med"/>
+                        </a:lnL>
+                        <a:lnR w="12700" cap="flat" cmpd="sng" algn="ctr">
+                          <a:solidFill>
+                            <a:schemeClr val="tx1"/>
+                          </a:solidFill>
+                          <a:prstDash val="solid"/>
+                          <a:round/>
+                          <a:headEnd type="none" w="med" len="med"/>
+                          <a:tailEnd type="none" w="med" len="med"/>
+                        </a:lnR>
+                        <a:lnT w="12700" cap="flat" cmpd="sng" algn="ctr">
+                          <a:solidFill>
+                            <a:schemeClr val="tx1"/>
+                          </a:solidFill>
+                          <a:prstDash val="solid"/>
+                          <a:round/>
+                          <a:headEnd type="none" w="med" len="med"/>
+                          <a:tailEnd type="none" w="med" len="med"/>
+                        </a:lnT>
+                        <a:lnB w="12700" cap="flat" cmpd="sng" algn="ctr">
+                          <a:solidFill>
+                            <a:schemeClr val="tx1"/>
+                          </a:solidFill>
+                          <a:prstDash val="solid"/>
+                          <a:round/>
+                          <a:headEnd type="none" w="med" len="med"/>
+                          <a:tailEnd type="none" w="med" len="med"/>
+                        </a:lnB>
+                      </a:tcPr>
+                    </a:tc>
+                  </a:tr>
+                </a:tbl>
+              </a:graphicData>
+            </a:graphic>
+          </p:graphicFrame>
+        </mc:Choice>
+        <mc:Fallback>
+          <p:graphicFrame>
+            <p:nvGraphicFramePr>
+              <p:cNvPr id="4" name="表格 3"/>
+              <p:cNvGraphicFramePr>
+                <a:graphicFrameLocks noGrp="1"/>
+              </p:cNvGraphicFramePr>
+              <p:nvPr>
+                <p:extLst>
+                  <p:ext uri="{D42A27DB-BD31-4B8C-83A1-F6EECF244321}">
+                    <p14:modId xmlns:p14="http://schemas.microsoft.com/office/powerpoint/2010/main" val="775878609"/>
+                  </p:ext>
+                </p:extLst>
+              </p:nvPr>
+            </p:nvGraphicFramePr>
+            <p:xfrm>
+              <a:off x="990600" y="1397000"/>
+              <a:ext cx="3276600" cy="365760"/>
+            </p:xfrm>
+            <a:graphic>
+              <a:graphicData uri="http://schemas.openxmlformats.org/drawingml/2006/table">
+                <a:tbl>
+                  <a:tblPr firstRow="1" bandRow="1">
+                    <a:tableStyleId>{2D5ABB26-0587-4C30-8999-92F81FD0307C}</a:tableStyleId>
+                  </a:tblPr>
+                  <a:tblGrid>
+                    <a:gridCol w="819150"/>
+                    <a:gridCol w="819150"/>
+                    <a:gridCol w="819150"/>
+                    <a:gridCol w="819150"/>
+                  </a:tblGrid>
+                  <a:tr h="365760">
+                    <a:tc>
+                      <a:txBody>
+                        <a:bodyPr/>
+                        <a:lstStyle/>
+                        <a:p>
+                          <a:endParaRPr lang="zh-CN"/>
+                        </a:p>
+                      </a:txBody>
+                      <a:tcPr>
+                        <a:lnL w="12700" cap="flat" cmpd="sng" algn="ctr">
+                          <a:solidFill>
+                            <a:schemeClr val="tx1"/>
+                          </a:solidFill>
+                          <a:prstDash val="solid"/>
+                          <a:round/>
+                          <a:headEnd type="none" w="med" len="med"/>
+                          <a:tailEnd type="none" w="med" len="med"/>
+                        </a:lnL>
+                        <a:lnR w="12700" cap="flat" cmpd="sng" algn="ctr">
+                          <a:solidFill>
+                            <a:schemeClr val="tx1"/>
+                          </a:solidFill>
+                          <a:prstDash val="solid"/>
+                          <a:round/>
+                          <a:headEnd type="none" w="med" len="med"/>
+                          <a:tailEnd type="none" w="med" len="med"/>
+                        </a:lnR>
+                        <a:lnT w="12700" cap="flat" cmpd="sng" algn="ctr">
+                          <a:solidFill>
+                            <a:schemeClr val="tx1"/>
+                          </a:solidFill>
+                          <a:prstDash val="solid"/>
+                          <a:round/>
+                          <a:headEnd type="none" w="med" len="med"/>
+                          <a:tailEnd type="none" w="med" len="med"/>
+                        </a:lnT>
+                        <a:lnB w="12700" cap="flat" cmpd="sng" algn="ctr">
+                          <a:solidFill>
+                            <a:schemeClr val="tx1"/>
+                          </a:solidFill>
+                          <a:prstDash val="solid"/>
+                          <a:round/>
+                          <a:headEnd type="none" w="med" len="med"/>
+                          <a:tailEnd type="none" w="med" len="med"/>
+                        </a:lnB>
+                        <a:blipFill rotWithShape="1">
+                          <a:blip r:embed="rId2"/>
+                          <a:stretch>
+                            <a:fillRect l="-746" r="-300746" b="-15000"/>
+                          </a:stretch>
+                        </a:blipFill>
+                      </a:tcPr>
+                    </a:tc>
+                    <a:tc>
+                      <a:txBody>
+                        <a:bodyPr/>
+                        <a:lstStyle/>
+                        <a:p>
+                          <a:endParaRPr lang="zh-CN"/>
+                        </a:p>
+                      </a:txBody>
+                      <a:tcPr>
+                        <a:lnL w="12700" cap="flat" cmpd="sng" algn="ctr">
+                          <a:solidFill>
+                            <a:schemeClr val="tx1"/>
+                          </a:solidFill>
+                          <a:prstDash val="solid"/>
+                          <a:round/>
+                          <a:headEnd type="none" w="med" len="med"/>
+                          <a:tailEnd type="none" w="med" len="med"/>
+                        </a:lnL>
+                        <a:lnR w="12700" cap="flat" cmpd="sng" algn="ctr">
+                          <a:solidFill>
+                            <a:schemeClr val="tx1"/>
+                          </a:solidFill>
+                          <a:prstDash val="solid"/>
+                          <a:round/>
+                          <a:headEnd type="none" w="med" len="med"/>
+                          <a:tailEnd type="none" w="med" len="med"/>
+                        </a:lnR>
+                        <a:lnT w="12700" cap="flat" cmpd="sng" algn="ctr">
+                          <a:solidFill>
+                            <a:schemeClr val="tx1"/>
+                          </a:solidFill>
+                          <a:prstDash val="solid"/>
+                          <a:round/>
+                          <a:headEnd type="none" w="med" len="med"/>
+                          <a:tailEnd type="none" w="med" len="med"/>
+                        </a:lnT>
+                        <a:lnB w="12700" cap="flat" cmpd="sng" algn="ctr">
+                          <a:solidFill>
+                            <a:schemeClr val="tx1"/>
+                          </a:solidFill>
+                          <a:prstDash val="solid"/>
+                          <a:round/>
+                          <a:headEnd type="none" w="med" len="med"/>
+                          <a:tailEnd type="none" w="med" len="med"/>
+                        </a:lnB>
+                        <a:blipFill rotWithShape="1">
+                          <a:blip r:embed="rId2"/>
+                          <a:stretch>
+                            <a:fillRect l="-100000" r="-198519" b="-15000"/>
+                          </a:stretch>
+                        </a:blipFill>
+                      </a:tcPr>
+                    </a:tc>
+                    <a:tc>
+                      <a:txBody>
+                        <a:bodyPr/>
+                        <a:lstStyle/>
+                        <a:p>
+                          <a:endParaRPr lang="zh-CN"/>
+                        </a:p>
+                      </a:txBody>
+                      <a:tcPr>
+                        <a:lnL w="12700" cap="flat" cmpd="sng" algn="ctr">
+                          <a:solidFill>
+                            <a:schemeClr val="tx1"/>
+                          </a:solidFill>
+                          <a:prstDash val="solid"/>
+                          <a:round/>
+                          <a:headEnd type="none" w="med" len="med"/>
+                          <a:tailEnd type="none" w="med" len="med"/>
+                        </a:lnL>
+                        <a:lnR w="12700" cap="flat" cmpd="sng" algn="ctr">
+                          <a:solidFill>
+                            <a:schemeClr val="tx1"/>
+                          </a:solidFill>
+                          <a:prstDash val="solid"/>
+                          <a:round/>
+                          <a:headEnd type="none" w="med" len="med"/>
+                          <a:tailEnd type="none" w="med" len="med"/>
+                        </a:lnR>
+                        <a:lnT w="12700" cap="flat" cmpd="sng" algn="ctr">
+                          <a:solidFill>
+                            <a:schemeClr val="tx1"/>
+                          </a:solidFill>
+                          <a:prstDash val="solid"/>
+                          <a:round/>
+                          <a:headEnd type="none" w="med" len="med"/>
+                          <a:tailEnd type="none" w="med" len="med"/>
+                        </a:lnT>
+                        <a:lnB w="12700" cap="flat" cmpd="sng" algn="ctr">
+                          <a:solidFill>
+                            <a:schemeClr val="tx1"/>
+                          </a:solidFill>
+                          <a:prstDash val="solid"/>
+                          <a:round/>
+                          <a:headEnd type="none" w="med" len="med"/>
+                          <a:tailEnd type="none" w="med" len="med"/>
+                        </a:lnB>
+                        <a:blipFill rotWithShape="1">
+                          <a:blip r:embed="rId2"/>
+                          <a:stretch>
+                            <a:fillRect l="-201493" r="-100000" b="-15000"/>
+                          </a:stretch>
+                        </a:blipFill>
+                      </a:tcPr>
+                    </a:tc>
+                    <a:tc>
+                      <a:txBody>
+                        <a:bodyPr/>
+                        <a:lstStyle/>
+                        <a:p>
+                          <a:endParaRPr lang="zh-CN"/>
+                        </a:p>
+                      </a:txBody>
+                      <a:tcPr>
+                        <a:lnL w="12700" cap="flat" cmpd="sng" algn="ctr">
+                          <a:solidFill>
+                            <a:schemeClr val="tx1"/>
+                          </a:solidFill>
+                          <a:prstDash val="solid"/>
+                          <a:round/>
+                          <a:headEnd type="none" w="med" len="med"/>
+                          <a:tailEnd type="none" w="med" len="med"/>
+                        </a:lnL>
+                        <a:lnR w="12700" cap="flat" cmpd="sng" algn="ctr">
+                          <a:solidFill>
+                            <a:schemeClr val="tx1"/>
+                          </a:solidFill>
+                          <a:prstDash val="solid"/>
+                          <a:round/>
+                          <a:headEnd type="none" w="med" len="med"/>
+                          <a:tailEnd type="none" w="med" len="med"/>
+                        </a:lnR>
+                        <a:lnT w="12700" cap="flat" cmpd="sng" algn="ctr">
+                          <a:solidFill>
+                            <a:schemeClr val="tx1"/>
+                          </a:solidFill>
+                          <a:prstDash val="solid"/>
+                          <a:round/>
+                          <a:headEnd type="none" w="med" len="med"/>
+                          <a:tailEnd type="none" w="med" len="med"/>
+                        </a:lnT>
+                        <a:lnB w="12700" cap="flat" cmpd="sng" algn="ctr">
+                          <a:solidFill>
+                            <a:schemeClr val="tx1"/>
+                          </a:solidFill>
+                          <a:prstDash val="solid"/>
+                          <a:round/>
+                          <a:headEnd type="none" w="med" len="med"/>
+                          <a:tailEnd type="none" w="med" len="med"/>
+                        </a:lnB>
+                        <a:blipFill rotWithShape="1">
+                          <a:blip r:embed="rId2"/>
+                          <a:stretch>
+                            <a:fillRect l="-301493" b="-15000"/>
+                          </a:stretch>
+                        </a:blipFill>
+                      </a:tcPr>
+                    </a:tc>
+                  </a:tr>
+                </a:tbl>
+              </a:graphicData>
+            </a:graphic>
+          </p:graphicFrame>
+        </mc:Fallback>
+      </mc:AlternateContent>
+      <mc:AlternateContent xmlns:mc="http://schemas.openxmlformats.org/markup-compatibility/2006">
+        <mc:Choice xmlns:a14="http://schemas.microsoft.com/office/drawing/2010/main" Requires="a14">
+          <p:graphicFrame>
+            <p:nvGraphicFramePr>
+              <p:cNvPr id="9" name="表格 8"/>
+              <p:cNvGraphicFramePr>
+                <a:graphicFrameLocks noGrp="1"/>
+              </p:cNvGraphicFramePr>
+              <p:nvPr>
+                <p:extLst>
+                  <p:ext uri="{D42A27DB-BD31-4B8C-83A1-F6EECF244321}">
+                    <p14:modId xmlns:p14="http://schemas.microsoft.com/office/powerpoint/2010/main" val="3252671211"/>
+                  </p:ext>
+                </p:extLst>
+              </p:nvPr>
+            </p:nvGraphicFramePr>
+            <p:xfrm>
+              <a:off x="4953000" y="1386840"/>
+              <a:ext cx="819150" cy="365760"/>
+            </p:xfrm>
+            <a:graphic>
+              <a:graphicData uri="http://schemas.openxmlformats.org/drawingml/2006/table">
+                <a:tbl>
+                  <a:tblPr firstRow="1" bandRow="1">
+                    <a:tableStyleId>{2D5ABB26-0587-4C30-8999-92F81FD0307C}</a:tableStyleId>
+                  </a:tblPr>
+                  <a:tblGrid>
+                    <a:gridCol w="819150"/>
+                  </a:tblGrid>
+                  <a:tr h="355600">
+                    <a:tc>
+                      <a:txBody>
+                        <a:bodyPr/>
+                        <a:lstStyle/>
+                        <a:p>
+                          <a:pPr marL="0" marR="0" indent="0" algn="ctr" defTabSz="914400" rtl="0" eaLnBrk="1" fontAlgn="auto" latinLnBrk="0" hangingPunct="1">
+                            <a:lnSpc>
+                              <a:spcPct val="100000"/>
+                            </a:lnSpc>
+                            <a:spcBef>
+                              <a:spcPts val="0"/>
+                            </a:spcBef>
+                            <a:spcAft>
+                              <a:spcPts val="0"/>
+                            </a:spcAft>
+                            <a:buClrTx/>
+                            <a:buSzTx/>
+                            <a:buFontTx/>
+                            <a:buNone/>
+                            <a:tabLst/>
+                            <a:defRPr/>
+                          </a:pPr>
+                          <a14:m>
+                            <m:oMathPara xmlns:m="http://schemas.openxmlformats.org/officeDocument/2006/math">
+                              <m:oMathParaPr>
+                                <m:jc m:val="centerGroup"/>
+                              </m:oMathParaPr>
+                              <m:oMath xmlns:m="http://schemas.openxmlformats.org/officeDocument/2006/math">
+                                <m:sSub>
+                                  <m:sSubPr>
+                                    <m:ctrlPr>
+                                      <a:rPr lang="en-US" altLang="zh-CN" i="1" smtClean="0">
+                                        <a:latin typeface="Cambria Math"/>
+                                      </a:rPr>
+                                    </m:ctrlPr>
+                                  </m:sSubPr>
+                                  <m:e>
+                                    <m:r>
+                                      <a:rPr lang="zh-CN" altLang="en-US" i="1">
+                                        <a:latin typeface="Cambria Math"/>
+                                      </a:rPr>
+                                      <m:t>𝜙</m:t>
+                                    </m:r>
+                                  </m:e>
+                                  <m:sub>
+                                    <m:r>
+                                      <a:rPr lang="en-US" altLang="zh-CN" b="0" i="1" smtClean="0">
+                                        <a:latin typeface="Cambria Math"/>
+                                      </a:rPr>
+                                      <m:t>1</m:t>
+                                    </m:r>
+                                  </m:sub>
+                                </m:sSub>
+                                <m:r>
+                                  <a:rPr lang="en-US" altLang="zh-CN" b="0" i="1" smtClean="0">
+                                    <a:latin typeface="Cambria Math"/>
+                                  </a:rPr>
+                                  <m:t>(</m:t>
+                                </m:r>
+                                <m:r>
+                                  <a:rPr lang="en-US" altLang="zh-CN" i="1" smtClean="0">
+                                    <a:latin typeface="Cambria Math"/>
+                                  </a:rPr>
+                                  <m:t>𝑥</m:t>
+                                </m:r>
+                                <m:r>
+                                  <a:rPr lang="en-US" altLang="zh-CN" b="0" i="1" smtClean="0">
+                                    <a:latin typeface="Cambria Math"/>
+                                  </a:rPr>
+                                  <m:t>)</m:t>
+                                </m:r>
+                              </m:oMath>
+                            </m:oMathPara>
+                          </a14:m>
+                          <a:endParaRPr lang="zh-CN" altLang="en-US" dirty="0"/>
+                        </a:p>
+                      </a:txBody>
+                      <a:tcPr>
+                        <a:lnL w="12700" cap="flat" cmpd="sng" algn="ctr">
+                          <a:solidFill>
+                            <a:schemeClr val="tx1"/>
+                          </a:solidFill>
+                          <a:prstDash val="solid"/>
+                          <a:round/>
+                          <a:headEnd type="none" w="med" len="med"/>
+                          <a:tailEnd type="none" w="med" len="med"/>
+                        </a:lnL>
+                        <a:lnR w="12700" cap="flat" cmpd="sng" algn="ctr">
+                          <a:solidFill>
+                            <a:schemeClr val="tx1"/>
+                          </a:solidFill>
+                          <a:prstDash val="solid"/>
+                          <a:round/>
+                          <a:headEnd type="none" w="med" len="med"/>
+                          <a:tailEnd type="none" w="med" len="med"/>
+                        </a:lnR>
+                        <a:lnT w="12700" cap="flat" cmpd="sng" algn="ctr">
+                          <a:solidFill>
+                            <a:schemeClr val="tx1"/>
+                          </a:solidFill>
+                          <a:prstDash val="solid"/>
+                          <a:round/>
+                          <a:headEnd type="none" w="med" len="med"/>
+                          <a:tailEnd type="none" w="med" len="med"/>
+                        </a:lnT>
+                        <a:lnB w="12700" cap="flat" cmpd="sng" algn="ctr">
+                          <a:solidFill>
+                            <a:schemeClr val="tx1"/>
+                          </a:solidFill>
+                          <a:prstDash val="solid"/>
+                          <a:round/>
+                          <a:headEnd type="none" w="med" len="med"/>
+                          <a:tailEnd type="none" w="med" len="med"/>
+                        </a:lnB>
+                      </a:tcPr>
+                    </a:tc>
+                  </a:tr>
+                </a:tbl>
+              </a:graphicData>
+            </a:graphic>
+          </p:graphicFrame>
+        </mc:Choice>
+        <mc:Fallback>
+          <p:graphicFrame>
+            <p:nvGraphicFramePr>
+              <p:cNvPr id="9" name="表格 8"/>
+              <p:cNvGraphicFramePr>
+                <a:graphicFrameLocks noGrp="1"/>
+              </p:cNvGraphicFramePr>
+              <p:nvPr>
+                <p:extLst>
+                  <p:ext uri="{D42A27DB-BD31-4B8C-83A1-F6EECF244321}">
+                    <p14:modId xmlns:p14="http://schemas.microsoft.com/office/powerpoint/2010/main" val="3252671211"/>
+                  </p:ext>
+                </p:extLst>
+              </p:nvPr>
+            </p:nvGraphicFramePr>
+            <p:xfrm>
+              <a:off x="4953000" y="1386840"/>
+              <a:ext cx="819150" cy="365760"/>
+            </p:xfrm>
+            <a:graphic>
+              <a:graphicData uri="http://schemas.openxmlformats.org/drawingml/2006/table">
+                <a:tbl>
+                  <a:tblPr firstRow="1" bandRow="1">
+                    <a:tableStyleId>{2D5ABB26-0587-4C30-8999-92F81FD0307C}</a:tableStyleId>
+                  </a:tblPr>
+                  <a:tblGrid>
+                    <a:gridCol w="819150"/>
+                  </a:tblGrid>
+                  <a:tr h="365760">
+                    <a:tc>
+                      <a:txBody>
+                        <a:bodyPr/>
+                        <a:lstStyle/>
+                        <a:p>
+                          <a:endParaRPr lang="zh-CN"/>
+                        </a:p>
+                      </a:txBody>
+                      <a:tcPr>
+                        <a:lnL w="12700" cap="flat" cmpd="sng" algn="ctr">
+                          <a:solidFill>
+                            <a:schemeClr val="tx1"/>
+                          </a:solidFill>
+                          <a:prstDash val="solid"/>
+                          <a:round/>
+                          <a:headEnd type="none" w="med" len="med"/>
+                          <a:tailEnd type="none" w="med" len="med"/>
+                        </a:lnL>
+                        <a:lnR w="12700" cap="flat" cmpd="sng" algn="ctr">
+                          <a:solidFill>
+                            <a:schemeClr val="tx1"/>
+                          </a:solidFill>
+                          <a:prstDash val="solid"/>
+                          <a:round/>
+                          <a:headEnd type="none" w="med" len="med"/>
+                          <a:tailEnd type="none" w="med" len="med"/>
+                        </a:lnR>
+                        <a:lnT w="12700" cap="flat" cmpd="sng" algn="ctr">
+                          <a:solidFill>
+                            <a:schemeClr val="tx1"/>
+                          </a:solidFill>
+                          <a:prstDash val="solid"/>
+                          <a:round/>
+                          <a:headEnd type="none" w="med" len="med"/>
+                          <a:tailEnd type="none" w="med" len="med"/>
+                        </a:lnT>
+                        <a:lnB w="12700" cap="flat" cmpd="sng" algn="ctr">
+                          <a:solidFill>
+                            <a:schemeClr val="tx1"/>
+                          </a:solidFill>
+                          <a:prstDash val="solid"/>
+                          <a:round/>
+                          <a:headEnd type="none" w="med" len="med"/>
+                          <a:tailEnd type="none" w="med" len="med"/>
+                        </a:lnB>
+                        <a:blipFill rotWithShape="1">
+                          <a:blip r:embed="rId3"/>
+                          <a:stretch>
+                            <a:fillRect l="-746" t="-1667" b="-11667"/>
+                          </a:stretch>
+                        </a:blipFill>
+                      </a:tcPr>
+                    </a:tc>
+                  </a:tr>
+                </a:tbl>
+              </a:graphicData>
+            </a:graphic>
+          </p:graphicFrame>
+        </mc:Fallback>
+      </mc:AlternateContent>
       <p:sp>
         <p:nvSpPr>
-          <p:cNvPr id="97" name="Rectangle 96"/>
+          <p:cNvPr id="11" name="右箭头 10"/>
           <p:cNvSpPr/>
           <p:nvPr/>
         </p:nvSpPr>
         <p:spPr>
           <a:xfrm>
-            <a:off x="1828800" y="2057399"/>
-            <a:ext cx="484792" cy="1588529"/>
+            <a:off x="4419600" y="1447800"/>
+            <a:ext cx="381000" cy="228600"/>
           </a:xfrm>
-          <a:prstGeom prst="rect">
+          <a:prstGeom prst="rightArrow">
             <a:avLst/>
           </a:prstGeom>
-          <a:ln/>
         </p:spPr>
         <p:style>
-          <a:lnRef idx="0">
-            <a:schemeClr val="accent2"/>
+          <a:lnRef idx="2">
+            <a:schemeClr val="dk1">
+              <a:shade val="50000"/>
+            </a:schemeClr>
           </a:lnRef>
-          <a:fillRef idx="3">
-            <a:schemeClr val="accent2"/>
+          <a:fillRef idx="1">
+            <a:schemeClr val="dk1"/>
           </a:fillRef>
-          <a:effectRef idx="3">
-            <a:schemeClr val="accent2"/>
+          <a:effectRef idx="0">
+            <a:schemeClr val="dk1"/>
           </a:effectRef>
           <a:fontRef idx="minor">
             <a:schemeClr val="lt1"/>
@@ -7103,35 +8047,987 @@
           <a:lstStyle/>
           <a:p>
             <a:pPr algn="ctr"/>
-            <a:endParaRPr lang="en-US"/>
+            <a:endParaRPr lang="zh-CN" altLang="en-US"/>
           </a:p>
         </p:txBody>
       </p:sp>
+      <mc:AlternateContent xmlns:mc="http://schemas.openxmlformats.org/markup-compatibility/2006">
+        <mc:Choice xmlns:a14="http://schemas.microsoft.com/office/drawing/2010/main" Requires="a14">
+          <p:graphicFrame>
+            <p:nvGraphicFramePr>
+              <p:cNvPr id="12" name="表格 11"/>
+              <p:cNvGraphicFramePr>
+                <a:graphicFrameLocks noGrp="1"/>
+              </p:cNvGraphicFramePr>
+              <p:nvPr>
+                <p:extLst>
+                  <p:ext uri="{D42A27DB-BD31-4B8C-83A1-F6EECF244321}">
+                    <p14:modId xmlns:p14="http://schemas.microsoft.com/office/powerpoint/2010/main" val="2962309447"/>
+                  </p:ext>
+                </p:extLst>
+              </p:nvPr>
+            </p:nvGraphicFramePr>
+            <p:xfrm>
+              <a:off x="1009650" y="2301240"/>
+              <a:ext cx="3276600" cy="365760"/>
+            </p:xfrm>
+            <a:graphic>
+              <a:graphicData uri="http://schemas.openxmlformats.org/drawingml/2006/table">
+                <a:tbl>
+                  <a:tblPr firstRow="1" bandRow="1">
+                    <a:tableStyleId>{2D5ABB26-0587-4C30-8999-92F81FD0307C}</a:tableStyleId>
+                  </a:tblPr>
+                  <a:tblGrid>
+                    <a:gridCol w="819150"/>
+                    <a:gridCol w="819150"/>
+                    <a:gridCol w="819150"/>
+                    <a:gridCol w="819150"/>
+                  </a:tblGrid>
+                  <a:tr h="355600">
+                    <a:tc>
+                      <a:txBody>
+                        <a:bodyPr/>
+                        <a:lstStyle/>
+                        <a:p>
+                          <a:pPr algn="ctr"/>
+                          <a14:m>
+                            <m:oMathPara xmlns:m="http://schemas.openxmlformats.org/officeDocument/2006/math">
+                              <m:oMathParaPr>
+                                <m:jc m:val="centerGroup"/>
+                              </m:oMathParaPr>
+                              <m:oMath xmlns:m="http://schemas.openxmlformats.org/officeDocument/2006/math">
+                                <m:r>
+                                  <a:rPr lang="en-US" altLang="zh-CN" b="0" i="1" smtClean="0">
+                                    <a:latin typeface="Cambria Math"/>
+                                  </a:rPr>
+                                  <m:t>𝑥</m:t>
+                                </m:r>
+                              </m:oMath>
+                            </m:oMathPara>
+                          </a14:m>
+                          <a:endParaRPr lang="zh-CN" altLang="en-US" dirty="0"/>
+                        </a:p>
+                      </a:txBody>
+                      <a:tcPr>
+                        <a:lnL w="12700" cap="flat" cmpd="sng" algn="ctr">
+                          <a:solidFill>
+                            <a:schemeClr val="tx1"/>
+                          </a:solidFill>
+                          <a:prstDash val="solid"/>
+                          <a:round/>
+                          <a:headEnd type="none" w="med" len="med"/>
+                          <a:tailEnd type="none" w="med" len="med"/>
+                        </a:lnL>
+                        <a:lnR w="12700" cap="flat" cmpd="sng" algn="ctr">
+                          <a:solidFill>
+                            <a:schemeClr val="tx1"/>
+                          </a:solidFill>
+                          <a:prstDash val="solid"/>
+                          <a:round/>
+                          <a:headEnd type="none" w="med" len="med"/>
+                          <a:tailEnd type="none" w="med" len="med"/>
+                        </a:lnR>
+                        <a:lnT w="12700" cap="flat" cmpd="sng" algn="ctr">
+                          <a:solidFill>
+                            <a:schemeClr val="tx1"/>
+                          </a:solidFill>
+                          <a:prstDash val="solid"/>
+                          <a:round/>
+                          <a:headEnd type="none" w="med" len="med"/>
+                          <a:tailEnd type="none" w="med" len="med"/>
+                        </a:lnT>
+                        <a:lnB w="12700" cap="flat" cmpd="sng" algn="ctr">
+                          <a:solidFill>
+                            <a:schemeClr val="tx1"/>
+                          </a:solidFill>
+                          <a:prstDash val="solid"/>
+                          <a:round/>
+                          <a:headEnd type="none" w="med" len="med"/>
+                          <a:tailEnd type="none" w="med" len="med"/>
+                        </a:lnB>
+                      </a:tcPr>
+                    </a:tc>
+                    <a:tc>
+                      <a:txBody>
+                        <a:bodyPr/>
+                        <a:lstStyle/>
+                        <a:p>
+                          <a:pPr algn="ctr"/>
+                          <a14:m>
+                            <m:oMathPara xmlns:m="http://schemas.openxmlformats.org/officeDocument/2006/math">
+                              <m:oMathParaPr>
+                                <m:jc m:val="centerGroup"/>
+                              </m:oMathParaPr>
+                              <m:oMath xmlns:m="http://schemas.openxmlformats.org/officeDocument/2006/math">
+                                <m:sSub>
+                                  <m:sSubPr>
+                                    <m:ctrlPr>
+                                      <a:rPr lang="en-US" altLang="zh-CN" b="0" i="1" smtClean="0">
+                                        <a:latin typeface="Cambria Math"/>
+                                      </a:rPr>
+                                    </m:ctrlPr>
+                                  </m:sSubPr>
+                                  <m:e>
+                                    <m:r>
+                                      <a:rPr lang="en-US" altLang="zh-CN" b="0" i="1" smtClean="0">
+                                        <a:latin typeface="Cambria Math"/>
+                                      </a:rPr>
+                                      <m:t>𝑓</m:t>
+                                    </m:r>
+                                    <m:r>
+                                      <a:rPr lang="en-US" altLang="zh-CN" b="0" i="1" smtClean="0">
+                                        <a:latin typeface="Cambria Math"/>
+                                      </a:rPr>
+                                      <m:t>′</m:t>
+                                    </m:r>
+                                  </m:e>
+                                  <m:sub>
+                                    <m:r>
+                                      <a:rPr lang="en-US" altLang="zh-CN" b="0" i="1" smtClean="0">
+                                        <a:latin typeface="Cambria Math"/>
+                                      </a:rPr>
+                                      <m:t>1</m:t>
+                                    </m:r>
+                                  </m:sub>
+                                </m:sSub>
+                                <m:sSub>
+                                  <m:sSubPr>
+                                    <m:ctrlPr>
+                                      <a:rPr lang="en-US" altLang="zh-CN" b="0" i="1" smtClean="0">
+                                        <a:latin typeface="Cambria Math"/>
+                                      </a:rPr>
+                                    </m:ctrlPr>
+                                  </m:sSubPr>
+                                  <m:e>
+                                    <m:r>
+                                      <a:rPr lang="zh-CN" altLang="en-US" b="0" i="1" smtClean="0">
+                                        <a:latin typeface="Cambria Math"/>
+                                      </a:rPr>
+                                      <m:t>𝛽</m:t>
+                                    </m:r>
+                                  </m:e>
+                                  <m:sub>
+                                    <m:r>
+                                      <a:rPr lang="en-US" altLang="zh-CN" b="0" i="1" smtClean="0">
+                                        <a:latin typeface="Cambria Math"/>
+                                      </a:rPr>
+                                      <m:t>𝑛</m:t>
+                                    </m:r>
+                                    <m:r>
+                                      <a:rPr lang="en-US" altLang="zh-CN" b="0" i="1" smtClean="0">
+                                        <a:latin typeface="Cambria Math"/>
+                                      </a:rPr>
+                                      <m:t>1</m:t>
+                                    </m:r>
+                                  </m:sub>
+                                </m:sSub>
+                              </m:oMath>
+                            </m:oMathPara>
+                          </a14:m>
+                          <a:endParaRPr lang="zh-CN" altLang="en-US" dirty="0"/>
+                        </a:p>
+                      </a:txBody>
+                      <a:tcPr>
+                        <a:lnL w="12700" cap="flat" cmpd="sng" algn="ctr">
+                          <a:solidFill>
+                            <a:schemeClr val="tx1"/>
+                          </a:solidFill>
+                          <a:prstDash val="solid"/>
+                          <a:round/>
+                          <a:headEnd type="none" w="med" len="med"/>
+                          <a:tailEnd type="none" w="med" len="med"/>
+                        </a:lnL>
+                        <a:lnR w="12700" cap="flat" cmpd="sng" algn="ctr">
+                          <a:solidFill>
+                            <a:schemeClr val="tx1"/>
+                          </a:solidFill>
+                          <a:prstDash val="solid"/>
+                          <a:round/>
+                          <a:headEnd type="none" w="med" len="med"/>
+                          <a:tailEnd type="none" w="med" len="med"/>
+                        </a:lnR>
+                        <a:lnT w="12700" cap="flat" cmpd="sng" algn="ctr">
+                          <a:solidFill>
+                            <a:schemeClr val="tx1"/>
+                          </a:solidFill>
+                          <a:prstDash val="solid"/>
+                          <a:round/>
+                          <a:headEnd type="none" w="med" len="med"/>
+                          <a:tailEnd type="none" w="med" len="med"/>
+                        </a:lnT>
+                        <a:lnB w="12700" cap="flat" cmpd="sng" algn="ctr">
+                          <a:solidFill>
+                            <a:schemeClr val="tx1"/>
+                          </a:solidFill>
+                          <a:prstDash val="solid"/>
+                          <a:round/>
+                          <a:headEnd type="none" w="med" len="med"/>
+                          <a:tailEnd type="none" w="med" len="med"/>
+                        </a:lnB>
+                      </a:tcPr>
+                    </a:tc>
+                    <a:tc>
+                      <a:txBody>
+                        <a:bodyPr/>
+                        <a:lstStyle/>
+                        <a:p>
+                          <a:pPr algn="ctr"/>
+                          <a14:m>
+                            <m:oMathPara xmlns:m="http://schemas.openxmlformats.org/officeDocument/2006/math">
+                              <m:oMathParaPr>
+                                <m:jc m:val="centerGroup"/>
+                              </m:oMathParaPr>
+                              <m:oMath xmlns:m="http://schemas.openxmlformats.org/officeDocument/2006/math">
+                                <m:sSub>
+                                  <m:sSubPr>
+                                    <m:ctrlPr>
+                                      <a:rPr lang="en-US" altLang="zh-CN" b="0" i="1" smtClean="0">
+                                        <a:latin typeface="Cambria Math"/>
+                                      </a:rPr>
+                                    </m:ctrlPr>
+                                  </m:sSubPr>
+                                  <m:e>
+                                    <m:r>
+                                      <a:rPr lang="en-US" altLang="zh-CN" b="0" i="1" smtClean="0">
+                                        <a:latin typeface="Cambria Math"/>
+                                      </a:rPr>
+                                      <m:t>𝑓</m:t>
+                                    </m:r>
+                                    <m:r>
+                                      <a:rPr lang="en-US" altLang="zh-CN" b="0" i="1" smtClean="0">
+                                        <a:latin typeface="Cambria Math"/>
+                                      </a:rPr>
+                                      <m:t>′</m:t>
+                                    </m:r>
+                                  </m:e>
+                                  <m:sub>
+                                    <m:r>
+                                      <a:rPr lang="en-US" altLang="zh-CN" b="0" i="1" smtClean="0">
+                                        <a:latin typeface="Cambria Math"/>
+                                      </a:rPr>
+                                      <m:t>2</m:t>
+                                    </m:r>
+                                  </m:sub>
+                                </m:sSub>
+                                <m:sSub>
+                                  <m:sSubPr>
+                                    <m:ctrlPr>
+                                      <a:rPr lang="en-US" altLang="zh-CN" b="0" i="1" smtClean="0">
+                                        <a:latin typeface="Cambria Math"/>
+                                      </a:rPr>
+                                    </m:ctrlPr>
+                                  </m:sSubPr>
+                                  <m:e>
+                                    <m:r>
+                                      <a:rPr lang="zh-CN" altLang="en-US" b="0" i="1" smtClean="0">
+                                        <a:latin typeface="Cambria Math"/>
+                                      </a:rPr>
+                                      <m:t>𝛽</m:t>
+                                    </m:r>
+                                  </m:e>
+                                  <m:sub>
+                                    <m:r>
+                                      <a:rPr lang="en-US" altLang="zh-CN" b="0" i="1" smtClean="0">
+                                        <a:latin typeface="Cambria Math"/>
+                                      </a:rPr>
+                                      <m:t>𝑛</m:t>
+                                    </m:r>
+                                    <m:r>
+                                      <a:rPr lang="en-US" altLang="zh-CN" b="0" i="1" smtClean="0">
+                                        <a:latin typeface="Cambria Math"/>
+                                      </a:rPr>
+                                      <m:t>2</m:t>
+                                    </m:r>
+                                  </m:sub>
+                                </m:sSub>
+                              </m:oMath>
+                            </m:oMathPara>
+                          </a14:m>
+                          <a:endParaRPr lang="zh-CN" altLang="en-US" dirty="0"/>
+                        </a:p>
+                      </a:txBody>
+                      <a:tcPr>
+                        <a:lnL w="12700" cap="flat" cmpd="sng" algn="ctr">
+                          <a:solidFill>
+                            <a:schemeClr val="tx1"/>
+                          </a:solidFill>
+                          <a:prstDash val="solid"/>
+                          <a:round/>
+                          <a:headEnd type="none" w="med" len="med"/>
+                          <a:tailEnd type="none" w="med" len="med"/>
+                        </a:lnL>
+                        <a:lnR w="12700" cap="flat" cmpd="sng" algn="ctr">
+                          <a:solidFill>
+                            <a:schemeClr val="tx1"/>
+                          </a:solidFill>
+                          <a:prstDash val="solid"/>
+                          <a:round/>
+                          <a:headEnd type="none" w="med" len="med"/>
+                          <a:tailEnd type="none" w="med" len="med"/>
+                        </a:lnR>
+                        <a:lnT w="12700" cap="flat" cmpd="sng" algn="ctr">
+                          <a:solidFill>
+                            <a:schemeClr val="tx1"/>
+                          </a:solidFill>
+                          <a:prstDash val="solid"/>
+                          <a:round/>
+                          <a:headEnd type="none" w="med" len="med"/>
+                          <a:tailEnd type="none" w="med" len="med"/>
+                        </a:lnT>
+                        <a:lnB w="12700" cap="flat" cmpd="sng" algn="ctr">
+                          <a:solidFill>
+                            <a:schemeClr val="tx1"/>
+                          </a:solidFill>
+                          <a:prstDash val="solid"/>
+                          <a:round/>
+                          <a:headEnd type="none" w="med" len="med"/>
+                          <a:tailEnd type="none" w="med" len="med"/>
+                        </a:lnB>
+                      </a:tcPr>
+                    </a:tc>
+                    <a:tc>
+                      <a:txBody>
+                        <a:bodyPr/>
+                        <a:lstStyle/>
+                        <a:p>
+                          <a:pPr algn="ctr"/>
+                          <a14:m>
+                            <m:oMathPara xmlns:m="http://schemas.openxmlformats.org/officeDocument/2006/math">
+                              <m:oMathParaPr>
+                                <m:jc m:val="centerGroup"/>
+                              </m:oMathParaPr>
+                              <m:oMath xmlns:m="http://schemas.openxmlformats.org/officeDocument/2006/math">
+                                <m:sSub>
+                                  <m:sSubPr>
+                                    <m:ctrlPr>
+                                      <a:rPr lang="en-US" altLang="zh-CN" b="0" i="1" smtClean="0">
+                                        <a:latin typeface="Cambria Math"/>
+                                      </a:rPr>
+                                    </m:ctrlPr>
+                                  </m:sSubPr>
+                                  <m:e>
+                                    <m:r>
+                                      <a:rPr lang="en-US" altLang="zh-CN" b="0" i="1" smtClean="0">
+                                        <a:latin typeface="Cambria Math"/>
+                                      </a:rPr>
+                                      <m:t>𝑓</m:t>
+                                    </m:r>
+                                    <m:r>
+                                      <a:rPr lang="en-US" altLang="zh-CN" b="0" i="1" smtClean="0">
+                                        <a:latin typeface="Cambria Math"/>
+                                      </a:rPr>
+                                      <m:t>′</m:t>
+                                    </m:r>
+                                  </m:e>
+                                  <m:sub>
+                                    <m:r>
+                                      <a:rPr lang="en-US" altLang="zh-CN" b="0" i="1" smtClean="0">
+                                        <a:latin typeface="Cambria Math"/>
+                                      </a:rPr>
+                                      <m:t>3</m:t>
+                                    </m:r>
+                                  </m:sub>
+                                </m:sSub>
+                                <m:sSub>
+                                  <m:sSubPr>
+                                    <m:ctrlPr>
+                                      <a:rPr lang="en-US" altLang="zh-CN" b="0" i="1" smtClean="0">
+                                        <a:latin typeface="Cambria Math"/>
+                                      </a:rPr>
+                                    </m:ctrlPr>
+                                  </m:sSubPr>
+                                  <m:e>
+                                    <m:r>
+                                      <a:rPr lang="zh-CN" altLang="en-US" b="0" i="1" smtClean="0">
+                                        <a:latin typeface="Cambria Math"/>
+                                      </a:rPr>
+                                      <m:t>𝛽</m:t>
+                                    </m:r>
+                                  </m:e>
+                                  <m:sub>
+                                    <m:r>
+                                      <a:rPr lang="en-US" altLang="zh-CN" b="0" i="1" smtClean="0">
+                                        <a:latin typeface="Cambria Math"/>
+                                      </a:rPr>
+                                      <m:t>𝑛</m:t>
+                                    </m:r>
+                                    <m:r>
+                                      <a:rPr lang="en-US" altLang="zh-CN" b="0" i="1" smtClean="0">
+                                        <a:latin typeface="Cambria Math"/>
+                                      </a:rPr>
+                                      <m:t>3</m:t>
+                                    </m:r>
+                                  </m:sub>
+                                </m:sSub>
+                              </m:oMath>
+                            </m:oMathPara>
+                          </a14:m>
+                          <a:endParaRPr lang="zh-CN" altLang="en-US" dirty="0"/>
+                        </a:p>
+                      </a:txBody>
+                      <a:tcPr>
+                        <a:lnL w="12700" cap="flat" cmpd="sng" algn="ctr">
+                          <a:solidFill>
+                            <a:schemeClr val="tx1"/>
+                          </a:solidFill>
+                          <a:prstDash val="solid"/>
+                          <a:round/>
+                          <a:headEnd type="none" w="med" len="med"/>
+                          <a:tailEnd type="none" w="med" len="med"/>
+                        </a:lnL>
+                        <a:lnR w="12700" cap="flat" cmpd="sng" algn="ctr">
+                          <a:solidFill>
+                            <a:schemeClr val="tx1"/>
+                          </a:solidFill>
+                          <a:prstDash val="solid"/>
+                          <a:round/>
+                          <a:headEnd type="none" w="med" len="med"/>
+                          <a:tailEnd type="none" w="med" len="med"/>
+                        </a:lnR>
+                        <a:lnT w="12700" cap="flat" cmpd="sng" algn="ctr">
+                          <a:solidFill>
+                            <a:schemeClr val="tx1"/>
+                          </a:solidFill>
+                          <a:prstDash val="solid"/>
+                          <a:round/>
+                          <a:headEnd type="none" w="med" len="med"/>
+                          <a:tailEnd type="none" w="med" len="med"/>
+                        </a:lnT>
+                        <a:lnB w="12700" cap="flat" cmpd="sng" algn="ctr">
+                          <a:solidFill>
+                            <a:schemeClr val="tx1"/>
+                          </a:solidFill>
+                          <a:prstDash val="solid"/>
+                          <a:round/>
+                          <a:headEnd type="none" w="med" len="med"/>
+                          <a:tailEnd type="none" w="med" len="med"/>
+                        </a:lnB>
+                      </a:tcPr>
+                    </a:tc>
+                  </a:tr>
+                </a:tbl>
+              </a:graphicData>
+            </a:graphic>
+          </p:graphicFrame>
+        </mc:Choice>
+        <mc:Fallback>
+          <p:graphicFrame>
+            <p:nvGraphicFramePr>
+              <p:cNvPr id="12" name="表格 11"/>
+              <p:cNvGraphicFramePr>
+                <a:graphicFrameLocks noGrp="1"/>
+              </p:cNvGraphicFramePr>
+              <p:nvPr>
+                <p:extLst>
+                  <p:ext uri="{D42A27DB-BD31-4B8C-83A1-F6EECF244321}">
+                    <p14:modId xmlns:p14="http://schemas.microsoft.com/office/powerpoint/2010/main" val="2962309447"/>
+                  </p:ext>
+                </p:extLst>
+              </p:nvPr>
+            </p:nvGraphicFramePr>
+            <p:xfrm>
+              <a:off x="1009650" y="2301240"/>
+              <a:ext cx="3276600" cy="365760"/>
+            </p:xfrm>
+            <a:graphic>
+              <a:graphicData uri="http://schemas.openxmlformats.org/drawingml/2006/table">
+                <a:tbl>
+                  <a:tblPr firstRow="1" bandRow="1">
+                    <a:tableStyleId>{2D5ABB26-0587-4C30-8999-92F81FD0307C}</a:tableStyleId>
+                  </a:tblPr>
+                  <a:tblGrid>
+                    <a:gridCol w="819150"/>
+                    <a:gridCol w="819150"/>
+                    <a:gridCol w="819150"/>
+                    <a:gridCol w="819150"/>
+                  </a:tblGrid>
+                  <a:tr h="365760">
+                    <a:tc>
+                      <a:txBody>
+                        <a:bodyPr/>
+                        <a:lstStyle/>
+                        <a:p>
+                          <a:endParaRPr lang="zh-CN"/>
+                        </a:p>
+                      </a:txBody>
+                      <a:tcPr>
+                        <a:lnL w="12700" cap="flat" cmpd="sng" algn="ctr">
+                          <a:solidFill>
+                            <a:schemeClr val="tx1"/>
+                          </a:solidFill>
+                          <a:prstDash val="solid"/>
+                          <a:round/>
+                          <a:headEnd type="none" w="med" len="med"/>
+                          <a:tailEnd type="none" w="med" len="med"/>
+                        </a:lnL>
+                        <a:lnR w="12700" cap="flat" cmpd="sng" algn="ctr">
+                          <a:solidFill>
+                            <a:schemeClr val="tx1"/>
+                          </a:solidFill>
+                          <a:prstDash val="solid"/>
+                          <a:round/>
+                          <a:headEnd type="none" w="med" len="med"/>
+                          <a:tailEnd type="none" w="med" len="med"/>
+                        </a:lnR>
+                        <a:lnT w="12700" cap="flat" cmpd="sng" algn="ctr">
+                          <a:solidFill>
+                            <a:schemeClr val="tx1"/>
+                          </a:solidFill>
+                          <a:prstDash val="solid"/>
+                          <a:round/>
+                          <a:headEnd type="none" w="med" len="med"/>
+                          <a:tailEnd type="none" w="med" len="med"/>
+                        </a:lnT>
+                        <a:lnB w="12700" cap="flat" cmpd="sng" algn="ctr">
+                          <a:solidFill>
+                            <a:schemeClr val="tx1"/>
+                          </a:solidFill>
+                          <a:prstDash val="solid"/>
+                          <a:round/>
+                          <a:headEnd type="none" w="med" len="med"/>
+                          <a:tailEnd type="none" w="med" len="med"/>
+                        </a:lnB>
+                        <a:blipFill rotWithShape="1">
+                          <a:blip r:embed="rId4"/>
+                          <a:stretch>
+                            <a:fillRect l="-746" t="-1667" r="-301493" b="-13333"/>
+                          </a:stretch>
+                        </a:blipFill>
+                      </a:tcPr>
+                    </a:tc>
+                    <a:tc>
+                      <a:txBody>
+                        <a:bodyPr/>
+                        <a:lstStyle/>
+                        <a:p>
+                          <a:endParaRPr lang="zh-CN"/>
+                        </a:p>
+                      </a:txBody>
+                      <a:tcPr>
+                        <a:lnL w="12700" cap="flat" cmpd="sng" algn="ctr">
+                          <a:solidFill>
+                            <a:schemeClr val="tx1"/>
+                          </a:solidFill>
+                          <a:prstDash val="solid"/>
+                          <a:round/>
+                          <a:headEnd type="none" w="med" len="med"/>
+                          <a:tailEnd type="none" w="med" len="med"/>
+                        </a:lnL>
+                        <a:lnR w="12700" cap="flat" cmpd="sng" algn="ctr">
+                          <a:solidFill>
+                            <a:schemeClr val="tx1"/>
+                          </a:solidFill>
+                          <a:prstDash val="solid"/>
+                          <a:round/>
+                          <a:headEnd type="none" w="med" len="med"/>
+                          <a:tailEnd type="none" w="med" len="med"/>
+                        </a:lnR>
+                        <a:lnT w="12700" cap="flat" cmpd="sng" algn="ctr">
+                          <a:solidFill>
+                            <a:schemeClr val="tx1"/>
+                          </a:solidFill>
+                          <a:prstDash val="solid"/>
+                          <a:round/>
+                          <a:headEnd type="none" w="med" len="med"/>
+                          <a:tailEnd type="none" w="med" len="med"/>
+                        </a:lnT>
+                        <a:lnB w="12700" cap="flat" cmpd="sng" algn="ctr">
+                          <a:solidFill>
+                            <a:schemeClr val="tx1"/>
+                          </a:solidFill>
+                          <a:prstDash val="solid"/>
+                          <a:round/>
+                          <a:headEnd type="none" w="med" len="med"/>
+                          <a:tailEnd type="none" w="med" len="med"/>
+                        </a:lnB>
+                        <a:blipFill rotWithShape="1">
+                          <a:blip r:embed="rId4"/>
+                          <a:stretch>
+                            <a:fillRect l="-100000" t="-1667" r="-199259" b="-13333"/>
+                          </a:stretch>
+                        </a:blipFill>
+                      </a:tcPr>
+                    </a:tc>
+                    <a:tc>
+                      <a:txBody>
+                        <a:bodyPr/>
+                        <a:lstStyle/>
+                        <a:p>
+                          <a:endParaRPr lang="zh-CN"/>
+                        </a:p>
+                      </a:txBody>
+                      <a:tcPr>
+                        <a:lnL w="12700" cap="flat" cmpd="sng" algn="ctr">
+                          <a:solidFill>
+                            <a:schemeClr val="tx1"/>
+                          </a:solidFill>
+                          <a:prstDash val="solid"/>
+                          <a:round/>
+                          <a:headEnd type="none" w="med" len="med"/>
+                          <a:tailEnd type="none" w="med" len="med"/>
+                        </a:lnL>
+                        <a:lnR w="12700" cap="flat" cmpd="sng" algn="ctr">
+                          <a:solidFill>
+                            <a:schemeClr val="tx1"/>
+                          </a:solidFill>
+                          <a:prstDash val="solid"/>
+                          <a:round/>
+                          <a:headEnd type="none" w="med" len="med"/>
+                          <a:tailEnd type="none" w="med" len="med"/>
+                        </a:lnR>
+                        <a:lnT w="12700" cap="flat" cmpd="sng" algn="ctr">
+                          <a:solidFill>
+                            <a:schemeClr val="tx1"/>
+                          </a:solidFill>
+                          <a:prstDash val="solid"/>
+                          <a:round/>
+                          <a:headEnd type="none" w="med" len="med"/>
+                          <a:tailEnd type="none" w="med" len="med"/>
+                        </a:lnT>
+                        <a:lnB w="12700" cap="flat" cmpd="sng" algn="ctr">
+                          <a:solidFill>
+                            <a:schemeClr val="tx1"/>
+                          </a:solidFill>
+                          <a:prstDash val="solid"/>
+                          <a:round/>
+                          <a:headEnd type="none" w="med" len="med"/>
+                          <a:tailEnd type="none" w="med" len="med"/>
+                        </a:lnB>
+                        <a:blipFill rotWithShape="1">
+                          <a:blip r:embed="rId4"/>
+                          <a:stretch>
+                            <a:fillRect l="-201493" t="-1667" r="-100746" b="-13333"/>
+                          </a:stretch>
+                        </a:blipFill>
+                      </a:tcPr>
+                    </a:tc>
+                    <a:tc>
+                      <a:txBody>
+                        <a:bodyPr/>
+                        <a:lstStyle/>
+                        <a:p>
+                          <a:endParaRPr lang="zh-CN"/>
+                        </a:p>
+                      </a:txBody>
+                      <a:tcPr>
+                        <a:lnL w="12700" cap="flat" cmpd="sng" algn="ctr">
+                          <a:solidFill>
+                            <a:schemeClr val="tx1"/>
+                          </a:solidFill>
+                          <a:prstDash val="solid"/>
+                          <a:round/>
+                          <a:headEnd type="none" w="med" len="med"/>
+                          <a:tailEnd type="none" w="med" len="med"/>
+                        </a:lnL>
+                        <a:lnR w="12700" cap="flat" cmpd="sng" algn="ctr">
+                          <a:solidFill>
+                            <a:schemeClr val="tx1"/>
+                          </a:solidFill>
+                          <a:prstDash val="solid"/>
+                          <a:round/>
+                          <a:headEnd type="none" w="med" len="med"/>
+                          <a:tailEnd type="none" w="med" len="med"/>
+                        </a:lnR>
+                        <a:lnT w="12700" cap="flat" cmpd="sng" algn="ctr">
+                          <a:solidFill>
+                            <a:schemeClr val="tx1"/>
+                          </a:solidFill>
+                          <a:prstDash val="solid"/>
+                          <a:round/>
+                          <a:headEnd type="none" w="med" len="med"/>
+                          <a:tailEnd type="none" w="med" len="med"/>
+                        </a:lnT>
+                        <a:lnB w="12700" cap="flat" cmpd="sng" algn="ctr">
+                          <a:solidFill>
+                            <a:schemeClr val="tx1"/>
+                          </a:solidFill>
+                          <a:prstDash val="solid"/>
+                          <a:round/>
+                          <a:headEnd type="none" w="med" len="med"/>
+                          <a:tailEnd type="none" w="med" len="med"/>
+                        </a:lnB>
+                        <a:blipFill rotWithShape="1">
+                          <a:blip r:embed="rId4"/>
+                          <a:stretch>
+                            <a:fillRect l="-301493" t="-1667" r="-746" b="-13333"/>
+                          </a:stretch>
+                        </a:blipFill>
+                      </a:tcPr>
+                    </a:tc>
+                  </a:tr>
+                </a:tbl>
+              </a:graphicData>
+            </a:graphic>
+          </p:graphicFrame>
+        </mc:Fallback>
+      </mc:AlternateContent>
+      <mc:AlternateContent xmlns:mc="http://schemas.openxmlformats.org/markup-compatibility/2006">
+        <mc:Choice xmlns:a14="http://schemas.microsoft.com/office/drawing/2010/main" Requires="a14">
+          <p:graphicFrame>
+            <p:nvGraphicFramePr>
+              <p:cNvPr id="13" name="表格 12"/>
+              <p:cNvGraphicFramePr>
+                <a:graphicFrameLocks noGrp="1"/>
+              </p:cNvGraphicFramePr>
+              <p:nvPr>
+                <p:extLst>
+                  <p:ext uri="{D42A27DB-BD31-4B8C-83A1-F6EECF244321}">
+                    <p14:modId xmlns:p14="http://schemas.microsoft.com/office/powerpoint/2010/main" val="1496324630"/>
+                  </p:ext>
+                </p:extLst>
+              </p:nvPr>
+            </p:nvGraphicFramePr>
+            <p:xfrm>
+              <a:off x="4972050" y="2291080"/>
+              <a:ext cx="819150" cy="365760"/>
+            </p:xfrm>
+            <a:graphic>
+              <a:graphicData uri="http://schemas.openxmlformats.org/drawingml/2006/table">
+                <a:tbl>
+                  <a:tblPr firstRow="1" bandRow="1">
+                    <a:tableStyleId>{2D5ABB26-0587-4C30-8999-92F81FD0307C}</a:tableStyleId>
+                  </a:tblPr>
+                  <a:tblGrid>
+                    <a:gridCol w="819150"/>
+                  </a:tblGrid>
+                  <a:tr h="355600">
+                    <a:tc>
+                      <a:txBody>
+                        <a:bodyPr/>
+                        <a:lstStyle/>
+                        <a:p>
+                          <a:pPr marL="0" marR="0" indent="0" algn="ctr" defTabSz="914400" rtl="0" eaLnBrk="1" fontAlgn="auto" latinLnBrk="0" hangingPunct="1">
+                            <a:lnSpc>
+                              <a:spcPct val="100000"/>
+                            </a:lnSpc>
+                            <a:spcBef>
+                              <a:spcPts val="0"/>
+                            </a:spcBef>
+                            <a:spcAft>
+                              <a:spcPts val="0"/>
+                            </a:spcAft>
+                            <a:buClrTx/>
+                            <a:buSzTx/>
+                            <a:buFontTx/>
+                            <a:buNone/>
+                            <a:tabLst/>
+                            <a:defRPr/>
+                          </a:pPr>
+                          <a14:m>
+                            <m:oMathPara xmlns:m="http://schemas.openxmlformats.org/officeDocument/2006/math">
+                              <m:oMathParaPr>
+                                <m:jc m:val="centerGroup"/>
+                              </m:oMathParaPr>
+                              <m:oMath xmlns:m="http://schemas.openxmlformats.org/officeDocument/2006/math">
+                                <m:sSub>
+                                  <m:sSubPr>
+                                    <m:ctrlPr>
+                                      <a:rPr lang="en-US" altLang="zh-CN" i="1" smtClean="0">
+                                        <a:latin typeface="Cambria Math"/>
+                                      </a:rPr>
+                                    </m:ctrlPr>
+                                  </m:sSubPr>
+                                  <m:e>
+                                    <m:r>
+                                      <a:rPr lang="zh-CN" altLang="en-US" i="1">
+                                        <a:latin typeface="Cambria Math"/>
+                                      </a:rPr>
+                                      <m:t>𝜙</m:t>
+                                    </m:r>
+                                  </m:e>
+                                  <m:sub>
+                                    <m:r>
+                                      <a:rPr lang="en-US" altLang="zh-CN" b="0" i="1" smtClean="0">
+                                        <a:latin typeface="Cambria Math"/>
+                                      </a:rPr>
+                                      <m:t>𝑛</m:t>
+                                    </m:r>
+                                  </m:sub>
+                                </m:sSub>
+                                <m:r>
+                                  <a:rPr lang="en-US" altLang="zh-CN" b="0" i="1" smtClean="0">
+                                    <a:latin typeface="Cambria Math"/>
+                                  </a:rPr>
+                                  <m:t>(</m:t>
+                                </m:r>
+                                <m:r>
+                                  <a:rPr lang="en-US" altLang="zh-CN" i="1" smtClean="0">
+                                    <a:latin typeface="Cambria Math"/>
+                                  </a:rPr>
+                                  <m:t>𝑥</m:t>
+                                </m:r>
+                                <m:r>
+                                  <a:rPr lang="en-US" altLang="zh-CN" b="0" i="1" smtClean="0">
+                                    <a:latin typeface="Cambria Math"/>
+                                  </a:rPr>
+                                  <m:t>)</m:t>
+                                </m:r>
+                              </m:oMath>
+                            </m:oMathPara>
+                          </a14:m>
+                          <a:endParaRPr lang="zh-CN" altLang="en-US" dirty="0"/>
+                        </a:p>
+                      </a:txBody>
+                      <a:tcPr>
+                        <a:lnL w="12700" cap="flat" cmpd="sng" algn="ctr">
+                          <a:solidFill>
+                            <a:schemeClr val="tx1"/>
+                          </a:solidFill>
+                          <a:prstDash val="solid"/>
+                          <a:round/>
+                          <a:headEnd type="none" w="med" len="med"/>
+                          <a:tailEnd type="none" w="med" len="med"/>
+                        </a:lnL>
+                        <a:lnR w="12700" cap="flat" cmpd="sng" algn="ctr">
+                          <a:solidFill>
+                            <a:schemeClr val="tx1"/>
+                          </a:solidFill>
+                          <a:prstDash val="solid"/>
+                          <a:round/>
+                          <a:headEnd type="none" w="med" len="med"/>
+                          <a:tailEnd type="none" w="med" len="med"/>
+                        </a:lnR>
+                        <a:lnT w="12700" cap="flat" cmpd="sng" algn="ctr">
+                          <a:solidFill>
+                            <a:schemeClr val="tx1"/>
+                          </a:solidFill>
+                          <a:prstDash val="solid"/>
+                          <a:round/>
+                          <a:headEnd type="none" w="med" len="med"/>
+                          <a:tailEnd type="none" w="med" len="med"/>
+                        </a:lnT>
+                        <a:lnB w="12700" cap="flat" cmpd="sng" algn="ctr">
+                          <a:solidFill>
+                            <a:schemeClr val="tx1"/>
+                          </a:solidFill>
+                          <a:prstDash val="solid"/>
+                          <a:round/>
+                          <a:headEnd type="none" w="med" len="med"/>
+                          <a:tailEnd type="none" w="med" len="med"/>
+                        </a:lnB>
+                      </a:tcPr>
+                    </a:tc>
+                  </a:tr>
+                </a:tbl>
+              </a:graphicData>
+            </a:graphic>
+          </p:graphicFrame>
+        </mc:Choice>
+        <mc:Fallback>
+          <p:graphicFrame>
+            <p:nvGraphicFramePr>
+              <p:cNvPr id="13" name="表格 12"/>
+              <p:cNvGraphicFramePr>
+                <a:graphicFrameLocks noGrp="1"/>
+              </p:cNvGraphicFramePr>
+              <p:nvPr>
+                <p:extLst>
+                  <p:ext uri="{D42A27DB-BD31-4B8C-83A1-F6EECF244321}">
+                    <p14:modId xmlns:p14="http://schemas.microsoft.com/office/powerpoint/2010/main" val="1496324630"/>
+                  </p:ext>
+                </p:extLst>
+              </p:nvPr>
+            </p:nvGraphicFramePr>
+            <p:xfrm>
+              <a:off x="4972050" y="2291080"/>
+              <a:ext cx="819150" cy="365760"/>
+            </p:xfrm>
+            <a:graphic>
+              <a:graphicData uri="http://schemas.openxmlformats.org/drawingml/2006/table">
+                <a:tbl>
+                  <a:tblPr firstRow="1" bandRow="1">
+                    <a:tableStyleId>{2D5ABB26-0587-4C30-8999-92F81FD0307C}</a:tableStyleId>
+                  </a:tblPr>
+                  <a:tblGrid>
+                    <a:gridCol w="819150"/>
+                  </a:tblGrid>
+                  <a:tr h="365760">
+                    <a:tc>
+                      <a:txBody>
+                        <a:bodyPr/>
+                        <a:lstStyle/>
+                        <a:p>
+                          <a:endParaRPr lang="zh-CN"/>
+                        </a:p>
+                      </a:txBody>
+                      <a:tcPr>
+                        <a:lnL w="12700" cap="flat" cmpd="sng" algn="ctr">
+                          <a:solidFill>
+                            <a:schemeClr val="tx1"/>
+                          </a:solidFill>
+                          <a:prstDash val="solid"/>
+                          <a:round/>
+                          <a:headEnd type="none" w="med" len="med"/>
+                          <a:tailEnd type="none" w="med" len="med"/>
+                        </a:lnL>
+                        <a:lnR w="12700" cap="flat" cmpd="sng" algn="ctr">
+                          <a:solidFill>
+                            <a:schemeClr val="tx1"/>
+                          </a:solidFill>
+                          <a:prstDash val="solid"/>
+                          <a:round/>
+                          <a:headEnd type="none" w="med" len="med"/>
+                          <a:tailEnd type="none" w="med" len="med"/>
+                        </a:lnR>
+                        <a:lnT w="12700" cap="flat" cmpd="sng" algn="ctr">
+                          <a:solidFill>
+                            <a:schemeClr val="tx1"/>
+                          </a:solidFill>
+                          <a:prstDash val="solid"/>
+                          <a:round/>
+                          <a:headEnd type="none" w="med" len="med"/>
+                          <a:tailEnd type="none" w="med" len="med"/>
+                        </a:lnT>
+                        <a:lnB w="12700" cap="flat" cmpd="sng" algn="ctr">
+                          <a:solidFill>
+                            <a:schemeClr val="tx1"/>
+                          </a:solidFill>
+                          <a:prstDash val="solid"/>
+                          <a:round/>
+                          <a:headEnd type="none" w="med" len="med"/>
+                          <a:tailEnd type="none" w="med" len="med"/>
+                        </a:lnB>
+                        <a:blipFill rotWithShape="1">
+                          <a:blip r:embed="rId5"/>
+                          <a:stretch>
+                            <a:fillRect l="-746" t="-1667" b="-13333"/>
+                          </a:stretch>
+                        </a:blipFill>
+                      </a:tcPr>
+                    </a:tc>
+                  </a:tr>
+                </a:tbl>
+              </a:graphicData>
+            </a:graphic>
+          </p:graphicFrame>
+        </mc:Fallback>
+      </mc:AlternateContent>
       <p:sp>
         <p:nvSpPr>
-          <p:cNvPr id="31" name="Rounded Rectangle 30"/>
+          <p:cNvPr id="14" name="右箭头 13"/>
           <p:cNvSpPr/>
           <p:nvPr/>
         </p:nvSpPr>
         <p:spPr>
           <a:xfrm>
-            <a:off x="152400" y="1981201"/>
-            <a:ext cx="1066800" cy="533400"/>
+            <a:off x="4438650" y="2352040"/>
+            <a:ext cx="381000" cy="228600"/>
           </a:xfrm>
-          <a:prstGeom prst="roundRect">
+          <a:prstGeom prst="rightArrow">
             <a:avLst/>
           </a:prstGeom>
-          <a:ln/>
         </p:spPr>
         <p:style>
-          <a:lnRef idx="1">
-            <a:schemeClr val="accent4"/>
+          <a:lnRef idx="2">
+            <a:schemeClr val="dk1">
+              <a:shade val="50000"/>
+            </a:schemeClr>
           </a:lnRef>
-          <a:fillRef idx="3">
-            <a:schemeClr val="accent4"/>
+          <a:fillRef idx="1">
+            <a:schemeClr val="dk1"/>
           </a:fillRef>
-          <a:effectRef idx="2">
-            <a:schemeClr val="accent4"/>
+          <a:effectRef idx="0">
+            <a:schemeClr val="dk1"/>
           </a:effectRef>
           <a:fontRef idx="minor">
             <a:schemeClr val="lt1"/>
@@ -7142,2807 +9038,20 @@
           <a:lstStyle/>
           <a:p>
             <a:pPr algn="ctr"/>
-            <a:r>
-              <a:rPr lang="en-US" dirty="0" smtClean="0">
-                <a:solidFill>
-                  <a:schemeClr val="tx1"/>
-                </a:solidFill>
-              </a:rPr>
-              <a:t>Source 1</a:t>
-            </a:r>
-            <a:endParaRPr lang="en-US" dirty="0">
-              <a:solidFill>
-                <a:schemeClr val="tx1"/>
-              </a:solidFill>
-            </a:endParaRPr>
+            <a:endParaRPr lang="zh-CN" altLang="en-US"/>
           </a:p>
         </p:txBody>
       </p:sp>
       <p:sp>
         <p:nvSpPr>
-          <p:cNvPr id="20" name="Rounded Rectangle 19"/>
-          <p:cNvSpPr/>
-          <p:nvPr/>
-        </p:nvSpPr>
-        <p:spPr>
-          <a:xfrm>
-            <a:off x="152400" y="2590800"/>
-            <a:ext cx="1066800" cy="533400"/>
-          </a:xfrm>
-          <a:prstGeom prst="roundRect">
-            <a:avLst/>
-          </a:prstGeom>
-          <a:ln/>
-        </p:spPr>
-        <p:style>
-          <a:lnRef idx="1">
-            <a:schemeClr val="accent4"/>
-          </a:lnRef>
-          <a:fillRef idx="3">
-            <a:schemeClr val="accent4"/>
-          </a:fillRef>
-          <a:effectRef idx="2">
-            <a:schemeClr val="accent4"/>
-          </a:effectRef>
-          <a:fontRef idx="minor">
-            <a:schemeClr val="lt1"/>
-          </a:fontRef>
-        </p:style>
-        <p:txBody>
-          <a:bodyPr rtlCol="0" anchor="ctr"/>
-          <a:lstStyle/>
-          <a:p>
-            <a:pPr algn="ctr"/>
-            <a:r>
-              <a:rPr lang="en-US" dirty="0" smtClean="0">
-                <a:solidFill>
-                  <a:schemeClr val="tx1"/>
-                </a:solidFill>
-              </a:rPr>
-              <a:t>Source 2</a:t>
-            </a:r>
-            <a:endParaRPr lang="en-US" dirty="0">
-              <a:solidFill>
-                <a:schemeClr val="tx1"/>
-              </a:solidFill>
-            </a:endParaRPr>
-          </a:p>
-        </p:txBody>
-      </p:sp>
-      <p:sp>
-        <p:nvSpPr>
-          <p:cNvPr id="21" name="Rounded Rectangle 20"/>
-          <p:cNvSpPr/>
-          <p:nvPr/>
-        </p:nvSpPr>
-        <p:spPr>
-          <a:xfrm>
-            <a:off x="152400" y="3200400"/>
-            <a:ext cx="1066800" cy="533400"/>
-          </a:xfrm>
-          <a:prstGeom prst="roundRect">
-            <a:avLst/>
-          </a:prstGeom>
-          <a:ln/>
-        </p:spPr>
-        <p:style>
-          <a:lnRef idx="1">
-            <a:schemeClr val="accent4"/>
-          </a:lnRef>
-          <a:fillRef idx="3">
-            <a:schemeClr val="accent4"/>
-          </a:fillRef>
-          <a:effectRef idx="2">
-            <a:schemeClr val="accent4"/>
-          </a:effectRef>
-          <a:fontRef idx="minor">
-            <a:schemeClr val="lt1"/>
-          </a:fontRef>
-        </p:style>
-        <p:txBody>
-          <a:bodyPr rtlCol="0" anchor="ctr"/>
-          <a:lstStyle/>
-          <a:p>
-            <a:pPr algn="ctr"/>
-            <a:r>
-              <a:rPr lang="en-US" dirty="0" smtClean="0">
-                <a:solidFill>
-                  <a:schemeClr val="tx1"/>
-                </a:solidFill>
-              </a:rPr>
-              <a:t>Source 3</a:t>
-            </a:r>
-            <a:endParaRPr lang="en-US" dirty="0">
-              <a:solidFill>
-                <a:schemeClr val="tx1"/>
-              </a:solidFill>
-            </a:endParaRPr>
-          </a:p>
-        </p:txBody>
-      </p:sp>
-      <p:cxnSp>
-        <p:nvCxnSpPr>
-          <p:cNvPr id="22" name="Straight Arrow Connector 21"/>
-          <p:cNvCxnSpPr/>
-          <p:nvPr/>
-        </p:nvCxnSpPr>
-        <p:spPr>
-          <a:xfrm flipV="1">
-            <a:off x="1264920" y="2235518"/>
-            <a:ext cx="495300" cy="2"/>
-          </a:xfrm>
-          <a:prstGeom prst="straightConnector1">
-            <a:avLst/>
-          </a:prstGeom>
-          <a:ln>
-            <a:solidFill>
-              <a:schemeClr val="tx1"/>
-            </a:solidFill>
-            <a:tailEnd type="arrow"/>
-          </a:ln>
-        </p:spPr>
-        <p:style>
-          <a:lnRef idx="2">
-            <a:schemeClr val="accent1"/>
-          </a:lnRef>
-          <a:fillRef idx="0">
-            <a:schemeClr val="accent1"/>
-          </a:fillRef>
-          <a:effectRef idx="1">
-            <a:schemeClr val="accent1"/>
-          </a:effectRef>
-          <a:fontRef idx="minor">
-            <a:schemeClr val="tx1"/>
-          </a:fontRef>
-        </p:style>
-      </p:cxnSp>
-      <mc:AlternateContent xmlns:mc="http://schemas.openxmlformats.org/markup-compatibility/2006" xmlns:a14="http://schemas.microsoft.com/office/drawing/2010/main">
-        <mc:Choice Requires="a14">
-          <p:sp>
-            <p:nvSpPr>
-              <p:cNvPr id="27" name="TextBox 26"/>
-              <p:cNvSpPr txBox="1"/>
-              <p:nvPr/>
-            </p:nvSpPr>
-            <p:spPr>
-              <a:xfrm>
-                <a:off x="1828800" y="2063235"/>
-                <a:ext cx="469552" cy="369332"/>
-              </a:xfrm>
-              <a:prstGeom prst="rect">
-                <a:avLst/>
-              </a:prstGeom>
-              <a:noFill/>
-            </p:spPr>
-            <p:txBody>
-              <a:bodyPr wrap="none" rtlCol="0">
-                <a:spAutoFit/>
-              </a:bodyPr>
-              <a:lstStyle/>
-              <a:p>
-                <a:pPr/>
-                <a14:m>
-                  <m:oMathPara xmlns:m="http://schemas.openxmlformats.org/officeDocument/2006/math">
-                    <m:oMathParaPr>
-                      <m:jc m:val="centerGroup"/>
-                    </m:oMathParaPr>
-                    <m:oMath xmlns:m="http://schemas.openxmlformats.org/officeDocument/2006/math">
-                      <m:sSubSup>
-                        <m:sSubSupPr>
-                          <m:ctrlPr>
-                            <a:rPr lang="en-US" b="0" i="1" smtClean="0">
-                              <a:latin typeface="Cambria Math"/>
-                            </a:rPr>
-                          </m:ctrlPr>
-                        </m:sSubSupPr>
-                        <m:e>
-                          <m:r>
-                            <a:rPr lang="en-US" b="0" i="1" smtClean="0">
-                              <a:latin typeface="Cambria Math"/>
-                            </a:rPr>
-                            <m:t>𝑓</m:t>
-                          </m:r>
-                        </m:e>
-                        <m:sub>
-                          <m:r>
-                            <a:rPr lang="en-US" b="0" i="1" smtClean="0">
-                              <a:latin typeface="Cambria Math"/>
-                            </a:rPr>
-                            <m:t>1</m:t>
-                          </m:r>
-                        </m:sub>
-                        <m:sup>
-                          <m:r>
-                            <a:rPr lang="en-US" b="0" i="1" smtClean="0">
-                              <a:latin typeface="Cambria Math"/>
-                            </a:rPr>
-                            <m:t>∗</m:t>
-                          </m:r>
-                        </m:sup>
-                      </m:sSubSup>
-                    </m:oMath>
-                  </m:oMathPara>
-                </a14:m>
-                <a:endParaRPr lang="en-US" dirty="0"/>
-              </a:p>
-            </p:txBody>
-          </p:sp>
-        </mc:Choice>
-        <mc:Fallback xmlns="">
-          <p:sp>
-            <p:nvSpPr>
-              <p:cNvPr id="27" name="TextBox 26"/>
-              <p:cNvSpPr txBox="1">
-                <a:spLocks noRot="1" noChangeAspect="1" noMove="1" noResize="1" noEditPoints="1" noAdjustHandles="1" noChangeArrowheads="1" noChangeShapeType="1" noTextEdit="1"/>
-              </p:cNvSpPr>
-              <p:nvPr/>
-            </p:nvSpPr>
-            <p:spPr>
-              <a:xfrm>
-                <a:off x="1828800" y="2063235"/>
-                <a:ext cx="469552" cy="369332"/>
-              </a:xfrm>
-              <a:prstGeom prst="rect">
-                <a:avLst/>
-              </a:prstGeom>
-              <a:blipFill rotWithShape="1">
-                <a:blip r:embed="rId2"/>
-                <a:stretch>
-                  <a:fillRect b="-11475"/>
-                </a:stretch>
-              </a:blipFill>
-            </p:spPr>
-            <p:txBody>
-              <a:bodyPr/>
-              <a:lstStyle/>
-              <a:p>
-                <a:r>
-                  <a:rPr lang="en-US">
-                    <a:noFill/>
-                  </a:rPr>
-                  <a:t> </a:t>
-                </a:r>
-              </a:p>
-            </p:txBody>
-          </p:sp>
-        </mc:Fallback>
-      </mc:AlternateContent>
-      <p:cxnSp>
-        <p:nvCxnSpPr>
-          <p:cNvPr id="29" name="Straight Arrow Connector 28"/>
-          <p:cNvCxnSpPr/>
-          <p:nvPr/>
-        </p:nvCxnSpPr>
-        <p:spPr>
-          <a:xfrm flipV="1">
-            <a:off x="1264920" y="2857500"/>
-            <a:ext cx="495300" cy="2"/>
-          </a:xfrm>
-          <a:prstGeom prst="straightConnector1">
-            <a:avLst/>
-          </a:prstGeom>
-          <a:ln>
-            <a:solidFill>
-              <a:schemeClr val="tx1"/>
-            </a:solidFill>
-            <a:tailEnd type="arrow"/>
-          </a:ln>
-        </p:spPr>
-        <p:style>
-          <a:lnRef idx="2">
-            <a:schemeClr val="accent1"/>
-          </a:lnRef>
-          <a:fillRef idx="0">
-            <a:schemeClr val="accent1"/>
-          </a:fillRef>
-          <a:effectRef idx="1">
-            <a:schemeClr val="accent1"/>
-          </a:effectRef>
-          <a:fontRef idx="minor">
-            <a:schemeClr val="tx1"/>
-          </a:fontRef>
-        </p:style>
-      </p:cxnSp>
-      <p:cxnSp>
-        <p:nvCxnSpPr>
-          <p:cNvPr id="30" name="Straight Arrow Connector 29"/>
-          <p:cNvCxnSpPr/>
-          <p:nvPr/>
-        </p:nvCxnSpPr>
-        <p:spPr>
-          <a:xfrm flipV="1">
-            <a:off x="1264920" y="3467098"/>
-            <a:ext cx="495300" cy="2"/>
-          </a:xfrm>
-          <a:prstGeom prst="straightConnector1">
-            <a:avLst/>
-          </a:prstGeom>
-          <a:ln>
-            <a:solidFill>
-              <a:schemeClr val="tx1"/>
-            </a:solidFill>
-            <a:tailEnd type="arrow"/>
-          </a:ln>
-        </p:spPr>
-        <p:style>
-          <a:lnRef idx="2">
-            <a:schemeClr val="accent1"/>
-          </a:lnRef>
-          <a:fillRef idx="0">
-            <a:schemeClr val="accent1"/>
-          </a:fillRef>
-          <a:effectRef idx="1">
-            <a:schemeClr val="accent1"/>
-          </a:effectRef>
-          <a:fontRef idx="minor">
-            <a:schemeClr val="tx1"/>
-          </a:fontRef>
-        </p:style>
-      </p:cxnSp>
-      <mc:AlternateContent xmlns:mc="http://schemas.openxmlformats.org/markup-compatibility/2006" xmlns:a14="http://schemas.microsoft.com/office/drawing/2010/main">
-        <mc:Choice Requires="a14">
-          <p:sp>
-            <p:nvSpPr>
-              <p:cNvPr id="32" name="TextBox 31"/>
-              <p:cNvSpPr txBox="1"/>
-              <p:nvPr/>
-            </p:nvSpPr>
-            <p:spPr>
-              <a:xfrm>
-                <a:off x="1844040" y="2672834"/>
-                <a:ext cx="469552" cy="369332"/>
-              </a:xfrm>
-              <a:prstGeom prst="rect">
-                <a:avLst/>
-              </a:prstGeom>
-              <a:noFill/>
-            </p:spPr>
-            <p:txBody>
-              <a:bodyPr wrap="none" rtlCol="0">
-                <a:spAutoFit/>
-              </a:bodyPr>
-              <a:lstStyle/>
-              <a:p>
-                <a:pPr/>
-                <a14:m>
-                  <m:oMathPara xmlns:m="http://schemas.openxmlformats.org/officeDocument/2006/math">
-                    <m:oMathParaPr>
-                      <m:jc m:val="centerGroup"/>
-                    </m:oMathParaPr>
-                    <m:oMath xmlns:m="http://schemas.openxmlformats.org/officeDocument/2006/math">
-                      <m:sSubSup>
-                        <m:sSubSupPr>
-                          <m:ctrlPr>
-                            <a:rPr lang="en-US" b="0" i="1" smtClean="0">
-                              <a:latin typeface="Cambria Math"/>
-                            </a:rPr>
-                          </m:ctrlPr>
-                        </m:sSubSupPr>
-                        <m:e>
-                          <m:r>
-                            <a:rPr lang="en-US" b="0" i="1" smtClean="0">
-                              <a:latin typeface="Cambria Math"/>
-                            </a:rPr>
-                            <m:t>𝑓</m:t>
-                          </m:r>
-                        </m:e>
-                        <m:sub>
-                          <m:r>
-                            <a:rPr lang="en-US" b="0" i="1" smtClean="0">
-                              <a:latin typeface="Cambria Math"/>
-                            </a:rPr>
-                            <m:t>2</m:t>
-                          </m:r>
-                        </m:sub>
-                        <m:sup>
-                          <m:r>
-                            <a:rPr lang="en-US" b="0" i="1" smtClean="0">
-                              <a:latin typeface="Cambria Math"/>
-                            </a:rPr>
-                            <m:t>∗</m:t>
-                          </m:r>
-                        </m:sup>
-                      </m:sSubSup>
-                    </m:oMath>
-                  </m:oMathPara>
-                </a14:m>
-                <a:endParaRPr lang="en-US" dirty="0"/>
-              </a:p>
-            </p:txBody>
-          </p:sp>
-        </mc:Choice>
-        <mc:Fallback xmlns="">
-          <p:sp>
-            <p:nvSpPr>
-              <p:cNvPr id="32" name="TextBox 31"/>
-              <p:cNvSpPr txBox="1">
-                <a:spLocks noRot="1" noChangeAspect="1" noMove="1" noResize="1" noEditPoints="1" noAdjustHandles="1" noChangeArrowheads="1" noChangeShapeType="1" noTextEdit="1"/>
-              </p:cNvSpPr>
-              <p:nvPr/>
-            </p:nvSpPr>
-            <p:spPr>
-              <a:xfrm>
-                <a:off x="1844040" y="2672834"/>
-                <a:ext cx="469552" cy="369332"/>
-              </a:xfrm>
-              <a:prstGeom prst="rect">
-                <a:avLst/>
-              </a:prstGeom>
-              <a:blipFill rotWithShape="1">
-                <a:blip r:embed="rId3"/>
-                <a:stretch>
-                  <a:fillRect b="-11475"/>
-                </a:stretch>
-              </a:blipFill>
-            </p:spPr>
-            <p:txBody>
-              <a:bodyPr/>
-              <a:lstStyle/>
-              <a:p>
-                <a:r>
-                  <a:rPr lang="en-US">
-                    <a:noFill/>
-                  </a:rPr>
-                  <a:t> </a:t>
-                </a:r>
-              </a:p>
-            </p:txBody>
-          </p:sp>
-        </mc:Fallback>
-      </mc:AlternateContent>
-      <mc:AlternateContent xmlns:mc="http://schemas.openxmlformats.org/markup-compatibility/2006" xmlns:a14="http://schemas.microsoft.com/office/drawing/2010/main">
-        <mc:Choice Requires="a14">
-          <p:sp>
-            <p:nvSpPr>
-              <p:cNvPr id="33" name="TextBox 32"/>
-              <p:cNvSpPr txBox="1"/>
-              <p:nvPr/>
-            </p:nvSpPr>
-            <p:spPr>
-              <a:xfrm>
-                <a:off x="1844040" y="3282432"/>
-                <a:ext cx="469552" cy="369332"/>
-              </a:xfrm>
-              <a:prstGeom prst="rect">
-                <a:avLst/>
-              </a:prstGeom>
-              <a:noFill/>
-            </p:spPr>
-            <p:txBody>
-              <a:bodyPr wrap="none" rtlCol="0">
-                <a:spAutoFit/>
-              </a:bodyPr>
-              <a:lstStyle/>
-              <a:p>
-                <a:pPr/>
-                <a14:m>
-                  <m:oMathPara xmlns:m="http://schemas.openxmlformats.org/officeDocument/2006/math">
-                    <m:oMathParaPr>
-                      <m:jc m:val="centerGroup"/>
-                    </m:oMathParaPr>
-                    <m:oMath xmlns:m="http://schemas.openxmlformats.org/officeDocument/2006/math">
-                      <m:sSubSup>
-                        <m:sSubSupPr>
-                          <m:ctrlPr>
-                            <a:rPr lang="en-US" b="0" i="1" smtClean="0">
-                              <a:latin typeface="Cambria Math"/>
-                            </a:rPr>
-                          </m:ctrlPr>
-                        </m:sSubSupPr>
-                        <m:e>
-                          <m:r>
-                            <a:rPr lang="en-US" b="0" i="1" smtClean="0">
-                              <a:latin typeface="Cambria Math"/>
-                            </a:rPr>
-                            <m:t>𝑓</m:t>
-                          </m:r>
-                        </m:e>
-                        <m:sub>
-                          <m:r>
-                            <a:rPr lang="en-US" b="0" i="1" smtClean="0">
-                              <a:latin typeface="Cambria Math"/>
-                            </a:rPr>
-                            <m:t>3</m:t>
-                          </m:r>
-                        </m:sub>
-                        <m:sup>
-                          <m:r>
-                            <a:rPr lang="en-US" b="0" i="1" smtClean="0">
-                              <a:latin typeface="Cambria Math"/>
-                            </a:rPr>
-                            <m:t>∗</m:t>
-                          </m:r>
-                        </m:sup>
-                      </m:sSubSup>
-                    </m:oMath>
-                  </m:oMathPara>
-                </a14:m>
-                <a:endParaRPr lang="en-US" dirty="0"/>
-              </a:p>
-            </p:txBody>
-          </p:sp>
-        </mc:Choice>
-        <mc:Fallback xmlns="">
-          <p:sp>
-            <p:nvSpPr>
-              <p:cNvPr id="33" name="TextBox 32"/>
-              <p:cNvSpPr txBox="1">
-                <a:spLocks noRot="1" noChangeAspect="1" noMove="1" noResize="1" noEditPoints="1" noAdjustHandles="1" noChangeArrowheads="1" noChangeShapeType="1" noTextEdit="1"/>
-              </p:cNvSpPr>
-              <p:nvPr/>
-            </p:nvSpPr>
-            <p:spPr>
-              <a:xfrm>
-                <a:off x="1844040" y="3282432"/>
-                <a:ext cx="469552" cy="369332"/>
-              </a:xfrm>
-              <a:prstGeom prst="rect">
-                <a:avLst/>
-              </a:prstGeom>
-              <a:blipFill rotWithShape="1">
-                <a:blip r:embed="rId4"/>
-                <a:stretch>
-                  <a:fillRect b="-11475"/>
-                </a:stretch>
-              </a:blipFill>
-            </p:spPr>
-            <p:txBody>
-              <a:bodyPr/>
-              <a:lstStyle/>
-              <a:p>
-                <a:r>
-                  <a:rPr lang="en-US">
-                    <a:noFill/>
-                  </a:rPr>
-                  <a:t> </a:t>
-                </a:r>
-              </a:p>
-            </p:txBody>
-          </p:sp>
-        </mc:Fallback>
-      </mc:AlternateContent>
-      <mc:AlternateContent xmlns:mc="http://schemas.openxmlformats.org/markup-compatibility/2006" xmlns:a14="http://schemas.microsoft.com/office/drawing/2010/main">
-        <mc:Choice Requires="a14">
-          <p:sp>
-            <p:nvSpPr>
-              <p:cNvPr id="35" name="TextBox 34"/>
-              <p:cNvSpPr txBox="1"/>
-              <p:nvPr/>
-            </p:nvSpPr>
-            <p:spPr>
-              <a:xfrm>
-                <a:off x="3048000" y="1676400"/>
-                <a:ext cx="469552" cy="369332"/>
-              </a:xfrm>
-              <a:prstGeom prst="rect">
-                <a:avLst/>
-              </a:prstGeom>
-              <a:noFill/>
-            </p:spPr>
-            <p:txBody>
-              <a:bodyPr wrap="none" rtlCol="0">
-                <a:spAutoFit/>
-              </a:bodyPr>
-              <a:lstStyle/>
-              <a:p>
-                <a:pPr/>
-                <a14:m>
-                  <m:oMathPara xmlns:m="http://schemas.openxmlformats.org/officeDocument/2006/math">
-                    <m:oMathParaPr>
-                      <m:jc m:val="centerGroup"/>
-                    </m:oMathParaPr>
-                    <m:oMath xmlns:m="http://schemas.openxmlformats.org/officeDocument/2006/math">
-                      <m:sSubSup>
-                        <m:sSubSupPr>
-                          <m:ctrlPr>
-                            <a:rPr lang="en-US" b="0" i="1" smtClean="0">
-                              <a:latin typeface="Cambria Math"/>
-                            </a:rPr>
-                          </m:ctrlPr>
-                        </m:sSubSupPr>
-                        <m:e>
-                          <m:r>
-                            <a:rPr lang="en-US" b="0" i="1" smtClean="0">
-                              <a:latin typeface="Cambria Math"/>
-                            </a:rPr>
-                            <m:t>𝑦</m:t>
-                          </m:r>
-                        </m:e>
-                        <m:sub>
-                          <m:r>
-                            <a:rPr lang="en-US" b="0" i="1" smtClean="0">
-                              <a:latin typeface="Cambria Math"/>
-                            </a:rPr>
-                            <m:t>1</m:t>
-                          </m:r>
-                        </m:sub>
-                        <m:sup>
-                          <m:r>
-                            <a:rPr lang="en-US" b="0" i="1" smtClean="0">
-                              <a:latin typeface="Cambria Math"/>
-                            </a:rPr>
-                            <m:t>∗</m:t>
-                          </m:r>
-                        </m:sup>
-                      </m:sSubSup>
-                    </m:oMath>
-                  </m:oMathPara>
-                </a14:m>
-                <a:endParaRPr lang="en-US" dirty="0"/>
-              </a:p>
-            </p:txBody>
-          </p:sp>
-        </mc:Choice>
-        <mc:Fallback xmlns="">
-          <p:sp>
-            <p:nvSpPr>
-              <p:cNvPr id="35" name="TextBox 34"/>
-              <p:cNvSpPr txBox="1">
-                <a:spLocks noRot="1" noChangeAspect="1" noMove="1" noResize="1" noEditPoints="1" noAdjustHandles="1" noChangeArrowheads="1" noChangeShapeType="1" noTextEdit="1"/>
-              </p:cNvSpPr>
-              <p:nvPr/>
-            </p:nvSpPr>
-            <p:spPr>
-              <a:xfrm>
-                <a:off x="3048000" y="1676400"/>
-                <a:ext cx="469552" cy="369332"/>
-              </a:xfrm>
-              <a:prstGeom prst="rect">
-                <a:avLst/>
-              </a:prstGeom>
-              <a:blipFill rotWithShape="1">
-                <a:blip r:embed="rId5"/>
-                <a:stretch>
-                  <a:fillRect b="-4918"/>
-                </a:stretch>
-              </a:blipFill>
-            </p:spPr>
-            <p:txBody>
-              <a:bodyPr/>
-              <a:lstStyle/>
-              <a:p>
-                <a:r>
-                  <a:rPr lang="en-US">
-                    <a:noFill/>
-                  </a:rPr>
-                  <a:t> </a:t>
-                </a:r>
-              </a:p>
-            </p:txBody>
-          </p:sp>
-        </mc:Fallback>
-      </mc:AlternateContent>
-      <mc:AlternateContent xmlns:mc="http://schemas.openxmlformats.org/markup-compatibility/2006" xmlns:a14="http://schemas.microsoft.com/office/drawing/2010/main">
-        <mc:Choice Requires="a14">
-          <p:sp>
-            <p:nvSpPr>
-              <p:cNvPr id="37" name="TextBox 36"/>
-              <p:cNvSpPr txBox="1"/>
-              <p:nvPr/>
-            </p:nvSpPr>
-            <p:spPr>
-              <a:xfrm>
-                <a:off x="3048000" y="2438400"/>
-                <a:ext cx="469552" cy="369332"/>
-              </a:xfrm>
-              <a:prstGeom prst="rect">
-                <a:avLst/>
-              </a:prstGeom>
-              <a:noFill/>
-            </p:spPr>
-            <p:txBody>
-              <a:bodyPr wrap="none" rtlCol="0">
-                <a:spAutoFit/>
-              </a:bodyPr>
-              <a:lstStyle/>
-              <a:p>
-                <a:pPr/>
-                <a14:m>
-                  <m:oMathPara xmlns:m="http://schemas.openxmlformats.org/officeDocument/2006/math">
-                    <m:oMathParaPr>
-                      <m:jc m:val="centerGroup"/>
-                    </m:oMathParaPr>
-                    <m:oMath xmlns:m="http://schemas.openxmlformats.org/officeDocument/2006/math">
-                      <m:sSubSup>
-                        <m:sSubSupPr>
-                          <m:ctrlPr>
-                            <a:rPr lang="en-US" b="0" i="1" smtClean="0">
-                              <a:latin typeface="Cambria Math"/>
-                            </a:rPr>
-                          </m:ctrlPr>
-                        </m:sSubSupPr>
-                        <m:e>
-                          <m:r>
-                            <a:rPr lang="en-US" b="0" i="1" smtClean="0">
-                              <a:latin typeface="Cambria Math"/>
-                            </a:rPr>
-                            <m:t>𝑦</m:t>
-                          </m:r>
-                        </m:e>
-                        <m:sub>
-                          <m:r>
-                            <a:rPr lang="en-US" b="0" i="1" smtClean="0">
-                              <a:latin typeface="Cambria Math"/>
-                            </a:rPr>
-                            <m:t>2</m:t>
-                          </m:r>
-                        </m:sub>
-                        <m:sup>
-                          <m:r>
-                            <a:rPr lang="en-US" b="0" i="1" smtClean="0">
-                              <a:latin typeface="Cambria Math"/>
-                            </a:rPr>
-                            <m:t>∗</m:t>
-                          </m:r>
-                        </m:sup>
-                      </m:sSubSup>
-                    </m:oMath>
-                  </m:oMathPara>
-                </a14:m>
-                <a:endParaRPr lang="en-US" dirty="0"/>
-              </a:p>
-            </p:txBody>
-          </p:sp>
-        </mc:Choice>
-        <mc:Fallback xmlns="">
-          <p:sp>
-            <p:nvSpPr>
-              <p:cNvPr id="37" name="TextBox 36"/>
-              <p:cNvSpPr txBox="1">
-                <a:spLocks noRot="1" noChangeAspect="1" noMove="1" noResize="1" noEditPoints="1" noAdjustHandles="1" noChangeArrowheads="1" noChangeShapeType="1" noTextEdit="1"/>
-              </p:cNvSpPr>
-              <p:nvPr/>
-            </p:nvSpPr>
-            <p:spPr>
-              <a:xfrm>
-                <a:off x="3048000" y="2438400"/>
-                <a:ext cx="469552" cy="369332"/>
-              </a:xfrm>
-              <a:prstGeom prst="rect">
-                <a:avLst/>
-              </a:prstGeom>
-              <a:blipFill rotWithShape="1">
-                <a:blip r:embed="rId6"/>
-                <a:stretch>
-                  <a:fillRect b="-4918"/>
-                </a:stretch>
-              </a:blipFill>
-            </p:spPr>
-            <p:txBody>
-              <a:bodyPr/>
-              <a:lstStyle/>
-              <a:p>
-                <a:r>
-                  <a:rPr lang="en-US">
-                    <a:noFill/>
-                  </a:rPr>
-                  <a:t> </a:t>
-                </a:r>
-              </a:p>
-            </p:txBody>
-          </p:sp>
-        </mc:Fallback>
-      </mc:AlternateContent>
-      <mc:AlternateContent xmlns:mc="http://schemas.openxmlformats.org/markup-compatibility/2006" xmlns:a14="http://schemas.microsoft.com/office/drawing/2010/main">
-        <mc:Choice Requires="a14">
-          <p:sp>
-            <p:nvSpPr>
-              <p:cNvPr id="38" name="TextBox 37"/>
-              <p:cNvSpPr txBox="1"/>
-              <p:nvPr/>
-            </p:nvSpPr>
-            <p:spPr>
-              <a:xfrm>
-                <a:off x="3048000" y="3124200"/>
-                <a:ext cx="469552" cy="369332"/>
-              </a:xfrm>
-              <a:prstGeom prst="rect">
-                <a:avLst/>
-              </a:prstGeom>
-              <a:noFill/>
-            </p:spPr>
-            <p:txBody>
-              <a:bodyPr wrap="none" rtlCol="0">
-                <a:spAutoFit/>
-              </a:bodyPr>
-              <a:lstStyle/>
-              <a:p>
-                <a:pPr/>
-                <a14:m>
-                  <m:oMathPara xmlns:m="http://schemas.openxmlformats.org/officeDocument/2006/math">
-                    <m:oMathParaPr>
-                      <m:jc m:val="centerGroup"/>
-                    </m:oMathParaPr>
-                    <m:oMath xmlns:m="http://schemas.openxmlformats.org/officeDocument/2006/math">
-                      <m:sSubSup>
-                        <m:sSubSupPr>
-                          <m:ctrlPr>
-                            <a:rPr lang="en-US" b="0" i="1" smtClean="0">
-                              <a:latin typeface="Cambria Math"/>
-                            </a:rPr>
-                          </m:ctrlPr>
-                        </m:sSubSupPr>
-                        <m:e>
-                          <m:r>
-                            <a:rPr lang="en-US" b="0" i="1" smtClean="0">
-                              <a:latin typeface="Cambria Math"/>
-                            </a:rPr>
-                            <m:t>𝑦</m:t>
-                          </m:r>
-                        </m:e>
-                        <m:sub>
-                          <m:r>
-                            <a:rPr lang="en-US" b="0" i="1" smtClean="0">
-                              <a:latin typeface="Cambria Math"/>
-                            </a:rPr>
-                            <m:t>3</m:t>
-                          </m:r>
-                        </m:sub>
-                        <m:sup>
-                          <m:r>
-                            <a:rPr lang="en-US" b="0" i="1" smtClean="0">
-                              <a:latin typeface="Cambria Math"/>
-                            </a:rPr>
-                            <m:t>∗</m:t>
-                          </m:r>
-                        </m:sup>
-                      </m:sSubSup>
-                    </m:oMath>
-                  </m:oMathPara>
-                </a14:m>
-                <a:endParaRPr lang="en-US" dirty="0"/>
-              </a:p>
-            </p:txBody>
-          </p:sp>
-        </mc:Choice>
-        <mc:Fallback xmlns="">
-          <p:sp>
-            <p:nvSpPr>
-              <p:cNvPr id="38" name="TextBox 37"/>
-              <p:cNvSpPr txBox="1">
-                <a:spLocks noRot="1" noChangeAspect="1" noMove="1" noResize="1" noEditPoints="1" noAdjustHandles="1" noChangeArrowheads="1" noChangeShapeType="1" noTextEdit="1"/>
-              </p:cNvSpPr>
-              <p:nvPr/>
-            </p:nvSpPr>
-            <p:spPr>
-              <a:xfrm>
-                <a:off x="3048000" y="3124200"/>
-                <a:ext cx="469552" cy="369332"/>
-              </a:xfrm>
-              <a:prstGeom prst="rect">
-                <a:avLst/>
-              </a:prstGeom>
-              <a:blipFill rotWithShape="1">
-                <a:blip r:embed="rId7"/>
-                <a:stretch>
-                  <a:fillRect b="-5000"/>
-                </a:stretch>
-              </a:blipFill>
-            </p:spPr>
-            <p:txBody>
-              <a:bodyPr/>
-              <a:lstStyle/>
-              <a:p>
-                <a:r>
-                  <a:rPr lang="en-US">
-                    <a:noFill/>
-                  </a:rPr>
-                  <a:t> </a:t>
-                </a:r>
-              </a:p>
-            </p:txBody>
-          </p:sp>
-        </mc:Fallback>
-      </mc:AlternateContent>
-      <mc:AlternateContent xmlns:mc="http://schemas.openxmlformats.org/markup-compatibility/2006" xmlns:a14="http://schemas.microsoft.com/office/drawing/2010/main">
-        <mc:Choice Requires="a14">
-          <p:sp>
-            <p:nvSpPr>
-              <p:cNvPr id="39" name="TextBox 38"/>
-              <p:cNvSpPr txBox="1"/>
-              <p:nvPr/>
-            </p:nvSpPr>
-            <p:spPr>
-              <a:xfrm>
-                <a:off x="4665561" y="3867090"/>
-                <a:ext cx="457200" cy="400110"/>
-              </a:xfrm>
-              <a:prstGeom prst="rect">
-                <a:avLst/>
-              </a:prstGeom>
-              <a:noFill/>
-            </p:spPr>
-            <p:txBody>
-              <a:bodyPr wrap="square" rtlCol="0">
-                <a:spAutoFit/>
-              </a:bodyPr>
-              <a:lstStyle/>
-              <a:p>
-                <a:pPr algn="ctr"/>
-                <a14:m>
-                  <m:oMathPara xmlns:m="http://schemas.openxmlformats.org/officeDocument/2006/math">
-                    <m:oMathParaPr>
-                      <m:jc m:val="centerGroup"/>
-                    </m:oMathParaPr>
-                    <m:oMath xmlns:m="http://schemas.openxmlformats.org/officeDocument/2006/math">
-                      <m:r>
-                        <a:rPr lang="en-US" sz="2000" b="0" i="1" smtClean="0">
-                          <a:latin typeface="Cambria Math"/>
-                        </a:rPr>
-                        <m:t>𝑥</m:t>
-                      </m:r>
-                    </m:oMath>
-                  </m:oMathPara>
-                </a14:m>
-                <a:endParaRPr lang="en-US" sz="2000" b="0" dirty="0" smtClean="0"/>
-              </a:p>
-            </p:txBody>
-          </p:sp>
-        </mc:Choice>
-        <mc:Fallback xmlns="">
-          <p:sp>
-            <p:nvSpPr>
-              <p:cNvPr id="39" name="TextBox 38"/>
-              <p:cNvSpPr txBox="1">
-                <a:spLocks noRot="1" noChangeAspect="1" noMove="1" noResize="1" noEditPoints="1" noAdjustHandles="1" noChangeArrowheads="1" noChangeShapeType="1" noTextEdit="1"/>
-              </p:cNvSpPr>
-              <p:nvPr/>
-            </p:nvSpPr>
-            <p:spPr>
-              <a:xfrm>
-                <a:off x="4665561" y="3867090"/>
-                <a:ext cx="457200" cy="400110"/>
-              </a:xfrm>
-              <a:prstGeom prst="rect">
-                <a:avLst/>
-              </a:prstGeom>
-              <a:blipFill rotWithShape="1">
-                <a:blip r:embed="rId8"/>
-                <a:stretch>
-                  <a:fillRect/>
-                </a:stretch>
-              </a:blipFill>
-            </p:spPr>
-            <p:txBody>
-              <a:bodyPr/>
-              <a:lstStyle/>
-              <a:p>
-                <a:r>
-                  <a:rPr lang="en-US">
-                    <a:noFill/>
-                  </a:rPr>
-                  <a:t> </a:t>
-                </a:r>
-              </a:p>
-            </p:txBody>
-          </p:sp>
-        </mc:Fallback>
-      </mc:AlternateContent>
-      <p:cxnSp>
-        <p:nvCxnSpPr>
-          <p:cNvPr id="41" name="Straight Arrow Connector 40"/>
-          <p:cNvCxnSpPr/>
-          <p:nvPr/>
-        </p:nvCxnSpPr>
-        <p:spPr>
-          <a:xfrm flipV="1">
-            <a:off x="2321212" y="2209800"/>
-            <a:ext cx="495300" cy="2"/>
-          </a:xfrm>
-          <a:prstGeom prst="straightConnector1">
-            <a:avLst/>
-          </a:prstGeom>
-          <a:ln>
-            <a:solidFill>
-              <a:schemeClr val="tx1"/>
-            </a:solidFill>
-            <a:tailEnd type="arrow"/>
-          </a:ln>
-        </p:spPr>
-        <p:style>
-          <a:lnRef idx="2">
-            <a:schemeClr val="accent1"/>
-          </a:lnRef>
-          <a:fillRef idx="0">
-            <a:schemeClr val="accent1"/>
-          </a:fillRef>
-          <a:effectRef idx="1">
-            <a:schemeClr val="accent1"/>
-          </a:effectRef>
-          <a:fontRef idx="minor">
-            <a:schemeClr val="tx1"/>
-          </a:fontRef>
-        </p:style>
-      </p:cxnSp>
-      <p:cxnSp>
-        <p:nvCxnSpPr>
-          <p:cNvPr id="43" name="Straight Arrow Connector 42"/>
-          <p:cNvCxnSpPr/>
-          <p:nvPr/>
-        </p:nvCxnSpPr>
-        <p:spPr>
-          <a:xfrm flipV="1">
-            <a:off x="2321212" y="2831782"/>
-            <a:ext cx="495300" cy="2"/>
-          </a:xfrm>
-          <a:prstGeom prst="straightConnector1">
-            <a:avLst/>
-          </a:prstGeom>
-          <a:ln>
-            <a:solidFill>
-              <a:schemeClr val="tx1"/>
-            </a:solidFill>
-            <a:tailEnd type="arrow"/>
-          </a:ln>
-        </p:spPr>
-        <p:style>
-          <a:lnRef idx="2">
-            <a:schemeClr val="accent1"/>
-          </a:lnRef>
-          <a:fillRef idx="0">
-            <a:schemeClr val="accent1"/>
-          </a:fillRef>
-          <a:effectRef idx="1">
-            <a:schemeClr val="accent1"/>
-          </a:effectRef>
-          <a:fontRef idx="minor">
-            <a:schemeClr val="tx1"/>
-          </a:fontRef>
-        </p:style>
-      </p:cxnSp>
-      <p:cxnSp>
-        <p:nvCxnSpPr>
-          <p:cNvPr id="44" name="Straight Arrow Connector 43"/>
-          <p:cNvCxnSpPr/>
-          <p:nvPr/>
-        </p:nvCxnSpPr>
-        <p:spPr>
-          <a:xfrm flipV="1">
-            <a:off x="2321212" y="3441380"/>
-            <a:ext cx="495300" cy="2"/>
-          </a:xfrm>
-          <a:prstGeom prst="straightConnector1">
-            <a:avLst/>
-          </a:prstGeom>
-          <a:ln>
-            <a:solidFill>
-              <a:schemeClr val="tx1"/>
-            </a:solidFill>
-            <a:tailEnd type="arrow"/>
-          </a:ln>
-        </p:spPr>
-        <p:style>
-          <a:lnRef idx="2">
-            <a:schemeClr val="accent1"/>
-          </a:lnRef>
-          <a:fillRef idx="0">
-            <a:schemeClr val="accent1"/>
-          </a:fillRef>
-          <a:effectRef idx="1">
-            <a:schemeClr val="accent1"/>
-          </a:effectRef>
-          <a:fontRef idx="minor">
-            <a:schemeClr val="tx1"/>
-          </a:fontRef>
-        </p:style>
-      </p:cxnSp>
-      <p:sp>
-        <p:nvSpPr>
-          <p:cNvPr id="46" name="Rounded Rectangle 45"/>
-          <p:cNvSpPr/>
-          <p:nvPr/>
-        </p:nvSpPr>
-        <p:spPr>
-          <a:xfrm>
-            <a:off x="6713527" y="2514601"/>
-            <a:ext cx="1219200" cy="752475"/>
-          </a:xfrm>
-          <a:prstGeom prst="roundRect">
-            <a:avLst/>
-          </a:prstGeom>
-          <a:ln/>
-        </p:spPr>
-        <p:style>
-          <a:lnRef idx="1">
-            <a:schemeClr val="accent6"/>
-          </a:lnRef>
-          <a:fillRef idx="3">
-            <a:schemeClr val="accent6"/>
-          </a:fillRef>
-          <a:effectRef idx="2">
-            <a:schemeClr val="accent6"/>
-          </a:effectRef>
-          <a:fontRef idx="minor">
-            <a:schemeClr val="lt1"/>
-          </a:fontRef>
-        </p:style>
-        <p:txBody>
-          <a:bodyPr rtlCol="0" anchor="ctr"/>
-          <a:lstStyle/>
-          <a:p>
-            <a:pPr algn="ctr"/>
-            <a:r>
-              <a:rPr lang="en-US" dirty="0" smtClean="0">
-                <a:solidFill>
-                  <a:schemeClr val="tx1"/>
-                </a:solidFill>
-              </a:rPr>
-              <a:t>Target Model</a:t>
-            </a:r>
-            <a:endParaRPr lang="en-US" dirty="0">
-              <a:solidFill>
-                <a:schemeClr val="tx1"/>
-              </a:solidFill>
-            </a:endParaRPr>
-          </a:p>
-        </p:txBody>
-      </p:sp>
-      <mc:AlternateContent xmlns:mc="http://schemas.openxmlformats.org/markup-compatibility/2006" xmlns:a14="http://schemas.microsoft.com/office/drawing/2010/main">
-        <mc:Choice Requires="a14">
-          <p:sp>
-            <p:nvSpPr>
-              <p:cNvPr id="18" name="TextBox 17"/>
-              <p:cNvSpPr txBox="1"/>
-              <p:nvPr/>
-            </p:nvSpPr>
-            <p:spPr>
-              <a:xfrm>
-                <a:off x="4349398" y="1182469"/>
-                <a:ext cx="1144929" cy="646331"/>
-              </a:xfrm>
-              <a:prstGeom prst="rect">
-                <a:avLst/>
-              </a:prstGeom>
-              <a:noFill/>
-            </p:spPr>
-            <p:txBody>
-              <a:bodyPr wrap="none" rtlCol="0">
-                <a:spAutoFit/>
-              </a:bodyPr>
-              <a:lstStyle/>
-              <a:p>
-                <a:r>
-                  <a:rPr lang="en-US" dirty="0" smtClean="0"/>
-                  <a:t>Hard label</a:t>
-                </a:r>
-              </a:p>
-              <a:p>
-                <a:pPr/>
-                <a14:m>
-                  <m:oMathPara xmlns:m="http://schemas.openxmlformats.org/officeDocument/2006/math">
-                    <m:oMathParaPr>
-                      <m:jc m:val="centerGroup"/>
-                    </m:oMathParaPr>
-                    <m:oMath xmlns:m="http://schemas.openxmlformats.org/officeDocument/2006/math">
-                      <m:r>
-                        <a:rPr lang="en-US" b="0" i="1" smtClean="0">
-                          <a:latin typeface="Cambria Math"/>
-                        </a:rPr>
-                        <m:t>𝑦</m:t>
-                      </m:r>
-                    </m:oMath>
-                  </m:oMathPara>
-                </a14:m>
-                <a:endParaRPr lang="en-US" dirty="0"/>
-              </a:p>
-            </p:txBody>
-          </p:sp>
-        </mc:Choice>
-        <mc:Fallback xmlns="">
-          <p:sp>
-            <p:nvSpPr>
-              <p:cNvPr id="18" name="TextBox 17"/>
-              <p:cNvSpPr txBox="1">
-                <a:spLocks noRot="1" noChangeAspect="1" noMove="1" noResize="1" noEditPoints="1" noAdjustHandles="1" noChangeArrowheads="1" noChangeShapeType="1" noTextEdit="1"/>
-              </p:cNvSpPr>
-              <p:nvPr/>
-            </p:nvSpPr>
-            <p:spPr>
-              <a:xfrm>
-                <a:off x="4349398" y="1182469"/>
-                <a:ext cx="1144929" cy="646331"/>
-              </a:xfrm>
-              <a:prstGeom prst="rect">
-                <a:avLst/>
-              </a:prstGeom>
-              <a:blipFill rotWithShape="1">
-                <a:blip r:embed="rId9"/>
-                <a:stretch>
-                  <a:fillRect l="-4255" t="-4717" r="-4255" b="-2830"/>
-                </a:stretch>
-              </a:blipFill>
-            </p:spPr>
-            <p:txBody>
-              <a:bodyPr/>
-              <a:lstStyle/>
-              <a:p>
-                <a:r>
-                  <a:rPr lang="en-US">
-                    <a:noFill/>
-                  </a:rPr>
-                  <a:t> </a:t>
-                </a:r>
-              </a:p>
-            </p:txBody>
-          </p:sp>
-        </mc:Fallback>
-      </mc:AlternateContent>
-      <p:sp>
-        <p:nvSpPr>
-          <p:cNvPr id="49" name="Rounded Rectangle 48"/>
-          <p:cNvSpPr/>
-          <p:nvPr/>
-        </p:nvSpPr>
-        <p:spPr>
-          <a:xfrm>
-            <a:off x="4460819" y="2602676"/>
-            <a:ext cx="838200" cy="559136"/>
-          </a:xfrm>
-          <a:prstGeom prst="roundRect">
-            <a:avLst/>
-          </a:prstGeom>
-          <a:ln/>
-        </p:spPr>
-        <p:style>
-          <a:lnRef idx="0">
-            <a:schemeClr val="accent1"/>
-          </a:lnRef>
-          <a:fillRef idx="3">
-            <a:schemeClr val="accent1"/>
-          </a:fillRef>
-          <a:effectRef idx="3">
-            <a:schemeClr val="accent1"/>
-          </a:effectRef>
-          <a:fontRef idx="minor">
-            <a:schemeClr val="lt1"/>
-          </a:fontRef>
-        </p:style>
-        <p:txBody>
-          <a:bodyPr rtlCol="0" anchor="ctr"/>
-          <a:lstStyle/>
-          <a:p>
-            <a:pPr algn="ctr"/>
-            <a:r>
-              <a:rPr lang="en-US" dirty="0" smtClean="0">
-                <a:solidFill>
-                  <a:schemeClr val="tx1"/>
-                </a:solidFill>
-              </a:rPr>
-              <a:t>Loss</a:t>
-            </a:r>
-            <a:endParaRPr lang="en-US" dirty="0">
-              <a:solidFill>
-                <a:schemeClr val="tx1"/>
-              </a:solidFill>
-            </a:endParaRPr>
-          </a:p>
-        </p:txBody>
-      </p:sp>
-      <p:cxnSp>
-        <p:nvCxnSpPr>
-          <p:cNvPr id="50" name="Straight Arrow Connector 49"/>
-          <p:cNvCxnSpPr/>
-          <p:nvPr/>
-        </p:nvCxnSpPr>
-        <p:spPr>
-          <a:xfrm>
-            <a:off x="3665527" y="2247901"/>
-            <a:ext cx="609600" cy="342899"/>
-          </a:xfrm>
-          <a:prstGeom prst="straightConnector1">
-            <a:avLst/>
-          </a:prstGeom>
-          <a:ln>
-            <a:solidFill>
-              <a:schemeClr val="tx1"/>
-            </a:solidFill>
-            <a:prstDash val="sysDash"/>
-            <a:tailEnd type="arrow"/>
-          </a:ln>
-        </p:spPr>
-        <p:style>
-          <a:lnRef idx="2">
-            <a:schemeClr val="accent1"/>
-          </a:lnRef>
-          <a:fillRef idx="0">
-            <a:schemeClr val="accent1"/>
-          </a:fillRef>
-          <a:effectRef idx="1">
-            <a:schemeClr val="accent1"/>
-          </a:effectRef>
-          <a:fontRef idx="minor">
-            <a:schemeClr val="tx1"/>
-          </a:fontRef>
-        </p:style>
-      </p:cxnSp>
-      <p:cxnSp>
-        <p:nvCxnSpPr>
-          <p:cNvPr id="53" name="Straight Arrow Connector 52"/>
-          <p:cNvCxnSpPr/>
-          <p:nvPr/>
-        </p:nvCxnSpPr>
-        <p:spPr>
-          <a:xfrm>
-            <a:off x="3665527" y="2831782"/>
-            <a:ext cx="594360" cy="3"/>
-          </a:xfrm>
-          <a:prstGeom prst="straightConnector1">
-            <a:avLst/>
-          </a:prstGeom>
-          <a:ln>
-            <a:solidFill>
-              <a:schemeClr val="tx1"/>
-            </a:solidFill>
-            <a:prstDash val="sysDash"/>
-            <a:tailEnd type="arrow"/>
-          </a:ln>
-        </p:spPr>
-        <p:style>
-          <a:lnRef idx="2">
-            <a:schemeClr val="accent1"/>
-          </a:lnRef>
-          <a:fillRef idx="0">
-            <a:schemeClr val="accent1"/>
-          </a:fillRef>
-          <a:effectRef idx="1">
-            <a:schemeClr val="accent1"/>
-          </a:effectRef>
-          <a:fontRef idx="minor">
-            <a:schemeClr val="tx1"/>
-          </a:fontRef>
-        </p:style>
-      </p:cxnSp>
-      <p:cxnSp>
-        <p:nvCxnSpPr>
-          <p:cNvPr id="56" name="Straight Arrow Connector 55"/>
-          <p:cNvCxnSpPr/>
-          <p:nvPr/>
-        </p:nvCxnSpPr>
-        <p:spPr>
-          <a:xfrm flipV="1">
-            <a:off x="3665527" y="3124201"/>
-            <a:ext cx="594360" cy="337062"/>
-          </a:xfrm>
-          <a:prstGeom prst="straightConnector1">
-            <a:avLst/>
-          </a:prstGeom>
-          <a:ln>
-            <a:solidFill>
-              <a:schemeClr val="tx1"/>
-            </a:solidFill>
-            <a:prstDash val="sysDash"/>
-            <a:tailEnd type="arrow"/>
-          </a:ln>
-        </p:spPr>
-        <p:style>
-          <a:lnRef idx="2">
-            <a:schemeClr val="accent1"/>
-          </a:lnRef>
-          <a:fillRef idx="0">
-            <a:schemeClr val="accent1"/>
-          </a:fillRef>
-          <a:effectRef idx="1">
-            <a:schemeClr val="accent1"/>
-          </a:effectRef>
-          <a:fontRef idx="minor">
-            <a:schemeClr val="tx1"/>
-          </a:fontRef>
-        </p:style>
-      </p:cxnSp>
-      <p:cxnSp>
-        <p:nvCxnSpPr>
-          <p:cNvPr id="59" name="Straight Arrow Connector 58"/>
-          <p:cNvCxnSpPr>
-            <a:endCxn id="49" idx="0"/>
-          </p:cNvCxnSpPr>
-          <p:nvPr/>
-        </p:nvCxnSpPr>
-        <p:spPr>
-          <a:xfrm>
-            <a:off x="4879919" y="2209800"/>
-            <a:ext cx="0" cy="392876"/>
-          </a:xfrm>
-          <a:prstGeom prst="straightConnector1">
-            <a:avLst/>
-          </a:prstGeom>
-          <a:ln>
-            <a:solidFill>
-              <a:schemeClr val="tx1"/>
-            </a:solidFill>
-            <a:prstDash val="sysDash"/>
-            <a:tailEnd type="arrow"/>
-          </a:ln>
-        </p:spPr>
-        <p:style>
-          <a:lnRef idx="2">
-            <a:schemeClr val="accent1"/>
-          </a:lnRef>
-          <a:fillRef idx="0">
-            <a:schemeClr val="accent1"/>
-          </a:fillRef>
-          <a:effectRef idx="1">
-            <a:schemeClr val="accent1"/>
-          </a:effectRef>
-          <a:fontRef idx="minor">
-            <a:schemeClr val="tx1"/>
-          </a:fontRef>
-        </p:style>
-      </p:cxnSp>
-      <p:cxnSp>
-        <p:nvCxnSpPr>
-          <p:cNvPr id="62" name="Straight Arrow Connector 61"/>
-          <p:cNvCxnSpPr/>
-          <p:nvPr/>
-        </p:nvCxnSpPr>
-        <p:spPr>
-          <a:xfrm flipH="1">
-            <a:off x="6180127" y="2887959"/>
-            <a:ext cx="471624" cy="7641"/>
-          </a:xfrm>
-          <a:prstGeom prst="straightConnector1">
-            <a:avLst/>
-          </a:prstGeom>
-          <a:ln>
-            <a:solidFill>
-              <a:schemeClr val="tx1"/>
-            </a:solidFill>
-            <a:tailEnd type="arrow"/>
-          </a:ln>
-        </p:spPr>
-        <p:style>
-          <a:lnRef idx="2">
-            <a:schemeClr val="accent1"/>
-          </a:lnRef>
-          <a:fillRef idx="0">
-            <a:schemeClr val="accent1"/>
-          </a:fillRef>
-          <a:effectRef idx="1">
-            <a:schemeClr val="accent1"/>
-          </a:effectRef>
-          <a:fontRef idx="minor">
-            <a:schemeClr val="tx1"/>
-          </a:fontRef>
-        </p:style>
-      </p:cxnSp>
-      <mc:AlternateContent xmlns:mc="http://schemas.openxmlformats.org/markup-compatibility/2006" xmlns:a14="http://schemas.microsoft.com/office/drawing/2010/main">
-        <mc:Choice Requires="a14">
-          <p:sp>
-            <p:nvSpPr>
-              <p:cNvPr id="63" name="Rectangle 62"/>
-              <p:cNvSpPr/>
-              <p:nvPr/>
-            </p:nvSpPr>
-            <p:spPr>
-              <a:xfrm>
-                <a:off x="5875327" y="2667000"/>
-                <a:ext cx="371384" cy="369332"/>
-              </a:xfrm>
-              <a:prstGeom prst="rect">
-                <a:avLst/>
-              </a:prstGeom>
-            </p:spPr>
-            <p:txBody>
-              <a:bodyPr wrap="none">
-                <a:spAutoFit/>
-              </a:bodyPr>
-              <a:lstStyle/>
-              <a:p>
-                <a:pPr algn="ctr"/>
-                <a14:m>
-                  <m:oMathPara xmlns:m="http://schemas.openxmlformats.org/officeDocument/2006/math">
-                    <m:oMathParaPr>
-                      <m:jc m:val="centerGroup"/>
-                    </m:oMathParaPr>
-                    <m:oMath xmlns:m="http://schemas.openxmlformats.org/officeDocument/2006/math">
-                      <m:acc>
-                        <m:accPr>
-                          <m:chr m:val="̂"/>
-                          <m:ctrlPr>
-                            <a:rPr lang="en-US" i="1" smtClean="0">
-                              <a:solidFill>
-                                <a:schemeClr val="tx1"/>
-                              </a:solidFill>
-                              <a:latin typeface="Cambria Math"/>
-                            </a:rPr>
-                          </m:ctrlPr>
-                        </m:accPr>
-                        <m:e>
-                          <m:r>
-                            <a:rPr lang="en-US" b="0" i="1" smtClean="0">
-                              <a:solidFill>
-                                <a:schemeClr val="tx1"/>
-                              </a:solidFill>
-                              <a:latin typeface="Cambria Math"/>
-                            </a:rPr>
-                            <m:t>𝑦</m:t>
-                          </m:r>
-                        </m:e>
-                      </m:acc>
-                    </m:oMath>
-                  </m:oMathPara>
-                </a14:m>
-                <a:endParaRPr lang="en-US" dirty="0">
-                  <a:solidFill>
-                    <a:schemeClr val="tx1"/>
-                  </a:solidFill>
-                </a:endParaRPr>
-              </a:p>
-            </p:txBody>
-          </p:sp>
-        </mc:Choice>
-        <mc:Fallback xmlns="">
-          <p:sp>
-            <p:nvSpPr>
-              <p:cNvPr id="63" name="Rectangle 62"/>
-              <p:cNvSpPr>
-                <a:spLocks noRot="1" noChangeAspect="1" noMove="1" noResize="1" noEditPoints="1" noAdjustHandles="1" noChangeArrowheads="1" noChangeShapeType="1" noTextEdit="1"/>
-              </p:cNvSpPr>
-              <p:nvPr/>
-            </p:nvSpPr>
-            <p:spPr>
-              <a:xfrm>
-                <a:off x="5875327" y="2667000"/>
-                <a:ext cx="371384" cy="369332"/>
-              </a:xfrm>
-              <a:prstGeom prst="rect">
-                <a:avLst/>
-              </a:prstGeom>
-              <a:blipFill rotWithShape="1">
-                <a:blip r:embed="rId10"/>
-                <a:stretch>
-                  <a:fillRect t="-6667" r="-8197" b="-5000"/>
-                </a:stretch>
-              </a:blipFill>
-            </p:spPr>
-            <p:txBody>
-              <a:bodyPr/>
-              <a:lstStyle/>
-              <a:p>
-                <a:r>
-                  <a:rPr lang="en-US">
-                    <a:noFill/>
-                  </a:rPr>
-                  <a:t> </a:t>
-                </a:r>
-              </a:p>
-            </p:txBody>
-          </p:sp>
-        </mc:Fallback>
-      </mc:AlternateContent>
-      <p:cxnSp>
-        <p:nvCxnSpPr>
-          <p:cNvPr id="64" name="Straight Arrow Connector 63"/>
-          <p:cNvCxnSpPr/>
-          <p:nvPr/>
-        </p:nvCxnSpPr>
-        <p:spPr>
-          <a:xfrm flipH="1">
-            <a:off x="5341927" y="2857500"/>
-            <a:ext cx="533400" cy="2"/>
-          </a:xfrm>
-          <a:prstGeom prst="straightConnector1">
-            <a:avLst/>
-          </a:prstGeom>
-          <a:ln>
-            <a:solidFill>
-              <a:schemeClr val="tx1"/>
-            </a:solidFill>
-            <a:prstDash val="sysDash"/>
-            <a:tailEnd type="arrow"/>
-          </a:ln>
-        </p:spPr>
-        <p:style>
-          <a:lnRef idx="2">
-            <a:schemeClr val="accent1"/>
-          </a:lnRef>
-          <a:fillRef idx="0">
-            <a:schemeClr val="accent1"/>
-          </a:fillRef>
-          <a:effectRef idx="1">
-            <a:schemeClr val="accent1"/>
-          </a:effectRef>
-          <a:fontRef idx="minor">
-            <a:schemeClr val="tx1"/>
-          </a:fontRef>
-        </p:style>
-      </p:cxnSp>
-      <mc:AlternateContent xmlns:mc="http://schemas.openxmlformats.org/markup-compatibility/2006" xmlns:a14="http://schemas.microsoft.com/office/drawing/2010/main">
-        <mc:Choice Requires="a14">
-          <p:sp>
-            <p:nvSpPr>
-              <p:cNvPr id="68" name="TextBox 67"/>
-              <p:cNvSpPr txBox="1"/>
-              <p:nvPr/>
-            </p:nvSpPr>
-            <p:spPr>
-              <a:xfrm>
-                <a:off x="4876800" y="2223044"/>
-                <a:ext cx="459806" cy="369332"/>
-              </a:xfrm>
-              <a:prstGeom prst="rect">
-                <a:avLst/>
-              </a:prstGeom>
-              <a:noFill/>
-            </p:spPr>
-            <p:txBody>
-              <a:bodyPr wrap="none" rtlCol="0">
-                <a:spAutoFit/>
-              </a:bodyPr>
-              <a:lstStyle/>
-              <a:p>
-                <a:pPr/>
-                <a14:m>
-                  <m:oMathPara xmlns:m="http://schemas.openxmlformats.org/officeDocument/2006/math">
-                    <m:oMathParaPr>
-                      <m:jc m:val="centerGroup"/>
-                    </m:oMathParaPr>
-                    <m:oMath xmlns:m="http://schemas.openxmlformats.org/officeDocument/2006/math">
-                      <m:sSub>
-                        <m:sSubPr>
-                          <m:ctrlPr>
-                            <a:rPr lang="el-GR" i="1" smtClean="0">
-                              <a:latin typeface="Cambria Math"/>
-                            </a:rPr>
-                          </m:ctrlPr>
-                        </m:sSubPr>
-                        <m:e>
-                          <m:r>
-                            <a:rPr lang="el-GR" i="1" smtClean="0">
-                              <a:latin typeface="Cambria Math"/>
-                              <a:ea typeface="Cambria Math"/>
-                            </a:rPr>
-                            <m:t>𝜆</m:t>
-                          </m:r>
-                        </m:e>
-                        <m:sub>
-                          <m:r>
-                            <a:rPr lang="en-US" b="0" i="1" smtClean="0">
-                              <a:latin typeface="Cambria Math"/>
-                            </a:rPr>
-                            <m:t>1</m:t>
-                          </m:r>
-                        </m:sub>
-                      </m:sSub>
-                    </m:oMath>
-                  </m:oMathPara>
-                </a14:m>
-                <a:endParaRPr lang="en-US" dirty="0"/>
-              </a:p>
-            </p:txBody>
-          </p:sp>
-        </mc:Choice>
-        <mc:Fallback xmlns="">
-          <p:sp>
-            <p:nvSpPr>
-              <p:cNvPr id="68" name="TextBox 67"/>
-              <p:cNvSpPr txBox="1">
-                <a:spLocks noRot="1" noChangeAspect="1" noMove="1" noResize="1" noEditPoints="1" noAdjustHandles="1" noChangeArrowheads="1" noChangeShapeType="1" noTextEdit="1"/>
-              </p:cNvSpPr>
-              <p:nvPr/>
-            </p:nvSpPr>
-            <p:spPr>
-              <a:xfrm>
-                <a:off x="4876800" y="2223044"/>
-                <a:ext cx="459806" cy="369332"/>
-              </a:xfrm>
-              <a:prstGeom prst="rect">
-                <a:avLst/>
-              </a:prstGeom>
-              <a:blipFill rotWithShape="1">
-                <a:blip r:embed="rId11"/>
-                <a:stretch>
-                  <a:fillRect/>
-                </a:stretch>
-              </a:blipFill>
-            </p:spPr>
-            <p:txBody>
-              <a:bodyPr/>
-              <a:lstStyle/>
-              <a:p>
-                <a:r>
-                  <a:rPr lang="en-US">
-                    <a:noFill/>
-                  </a:rPr>
-                  <a:t> </a:t>
-                </a:r>
-              </a:p>
-            </p:txBody>
-          </p:sp>
-        </mc:Fallback>
-      </mc:AlternateContent>
-      <mc:AlternateContent xmlns:mc="http://schemas.openxmlformats.org/markup-compatibility/2006" xmlns:a14="http://schemas.microsoft.com/office/drawing/2010/main">
-        <mc:Choice Requires="a14">
-          <p:sp>
-            <p:nvSpPr>
-              <p:cNvPr id="69" name="TextBox 68"/>
-              <p:cNvSpPr txBox="1"/>
-              <p:nvPr/>
-            </p:nvSpPr>
-            <p:spPr>
-              <a:xfrm>
-                <a:off x="3665527" y="1916668"/>
-                <a:ext cx="465127" cy="369332"/>
-              </a:xfrm>
-              <a:prstGeom prst="rect">
-                <a:avLst/>
-              </a:prstGeom>
-              <a:noFill/>
-            </p:spPr>
-            <p:txBody>
-              <a:bodyPr wrap="none" rtlCol="0">
-                <a:spAutoFit/>
-              </a:bodyPr>
-              <a:lstStyle/>
-              <a:p>
-                <a:pPr/>
-                <a14:m>
-                  <m:oMathPara xmlns:m="http://schemas.openxmlformats.org/officeDocument/2006/math">
-                    <m:oMathParaPr>
-                      <m:jc m:val="centerGroup"/>
-                    </m:oMathParaPr>
-                    <m:oMath xmlns:m="http://schemas.openxmlformats.org/officeDocument/2006/math">
-                      <m:sSub>
-                        <m:sSubPr>
-                          <m:ctrlPr>
-                            <a:rPr lang="el-GR" i="1" smtClean="0">
-                              <a:latin typeface="Cambria Math"/>
-                            </a:rPr>
-                          </m:ctrlPr>
-                        </m:sSubPr>
-                        <m:e>
-                          <m:r>
-                            <a:rPr lang="el-GR" i="1" smtClean="0">
-                              <a:latin typeface="Cambria Math"/>
-                              <a:ea typeface="Cambria Math"/>
-                            </a:rPr>
-                            <m:t>𝜆</m:t>
-                          </m:r>
-                        </m:e>
-                        <m:sub>
-                          <m:r>
-                            <a:rPr lang="en-US" b="0" i="1" smtClean="0">
-                              <a:latin typeface="Cambria Math"/>
-                            </a:rPr>
-                            <m:t>2</m:t>
-                          </m:r>
-                        </m:sub>
-                      </m:sSub>
-                    </m:oMath>
-                  </m:oMathPara>
-                </a14:m>
-                <a:endParaRPr lang="en-US" dirty="0"/>
-              </a:p>
-            </p:txBody>
-          </p:sp>
-        </mc:Choice>
-        <mc:Fallback xmlns="">
-          <p:sp>
-            <p:nvSpPr>
-              <p:cNvPr id="69" name="TextBox 68"/>
-              <p:cNvSpPr txBox="1">
-                <a:spLocks noRot="1" noChangeAspect="1" noMove="1" noResize="1" noEditPoints="1" noAdjustHandles="1" noChangeArrowheads="1" noChangeShapeType="1" noTextEdit="1"/>
-              </p:cNvSpPr>
-              <p:nvPr/>
-            </p:nvSpPr>
-            <p:spPr>
-              <a:xfrm>
-                <a:off x="3665527" y="1916668"/>
-                <a:ext cx="465127" cy="369332"/>
-              </a:xfrm>
-              <a:prstGeom prst="rect">
-                <a:avLst/>
-              </a:prstGeom>
-              <a:blipFill rotWithShape="1">
-                <a:blip r:embed="rId12"/>
-                <a:stretch>
-                  <a:fillRect/>
-                </a:stretch>
-              </a:blipFill>
-            </p:spPr>
-            <p:txBody>
-              <a:bodyPr/>
-              <a:lstStyle/>
-              <a:p>
-                <a:r>
-                  <a:rPr lang="en-US">
-                    <a:noFill/>
-                  </a:rPr>
-                  <a:t> </a:t>
-                </a:r>
-              </a:p>
-            </p:txBody>
-          </p:sp>
-        </mc:Fallback>
-      </mc:AlternateContent>
-      <mc:AlternateContent xmlns:mc="http://schemas.openxmlformats.org/markup-compatibility/2006" xmlns:a14="http://schemas.microsoft.com/office/drawing/2010/main">
-        <mc:Choice Requires="a14">
-          <p:sp>
-            <p:nvSpPr>
-              <p:cNvPr id="70" name="TextBox 69"/>
-              <p:cNvSpPr txBox="1"/>
-              <p:nvPr/>
-            </p:nvSpPr>
-            <p:spPr>
-              <a:xfrm>
-                <a:off x="3665527" y="2459471"/>
-                <a:ext cx="465127" cy="369332"/>
-              </a:xfrm>
-              <a:prstGeom prst="rect">
-                <a:avLst/>
-              </a:prstGeom>
-              <a:noFill/>
-            </p:spPr>
-            <p:txBody>
-              <a:bodyPr wrap="none" rtlCol="0">
-                <a:spAutoFit/>
-              </a:bodyPr>
-              <a:lstStyle/>
-              <a:p>
-                <a:pPr/>
-                <a14:m>
-                  <m:oMathPara xmlns:m="http://schemas.openxmlformats.org/officeDocument/2006/math">
-                    <m:oMathParaPr>
-                      <m:jc m:val="centerGroup"/>
-                    </m:oMathParaPr>
-                    <m:oMath xmlns:m="http://schemas.openxmlformats.org/officeDocument/2006/math">
-                      <m:sSub>
-                        <m:sSubPr>
-                          <m:ctrlPr>
-                            <a:rPr lang="el-GR" i="1" smtClean="0">
-                              <a:latin typeface="Cambria Math"/>
-                            </a:rPr>
-                          </m:ctrlPr>
-                        </m:sSubPr>
-                        <m:e>
-                          <m:r>
-                            <a:rPr lang="el-GR" i="1" smtClean="0">
-                              <a:latin typeface="Cambria Math"/>
-                              <a:ea typeface="Cambria Math"/>
-                            </a:rPr>
-                            <m:t>𝜆</m:t>
-                          </m:r>
-                        </m:e>
-                        <m:sub>
-                          <m:r>
-                            <a:rPr lang="en-US" b="0" i="1" smtClean="0">
-                              <a:latin typeface="Cambria Math"/>
-                            </a:rPr>
-                            <m:t>3</m:t>
-                          </m:r>
-                        </m:sub>
-                      </m:sSub>
-                    </m:oMath>
-                  </m:oMathPara>
-                </a14:m>
-                <a:endParaRPr lang="en-US" dirty="0"/>
-              </a:p>
-            </p:txBody>
-          </p:sp>
-        </mc:Choice>
-        <mc:Fallback xmlns="">
-          <p:sp>
-            <p:nvSpPr>
-              <p:cNvPr id="70" name="TextBox 69"/>
-              <p:cNvSpPr txBox="1">
-                <a:spLocks noRot="1" noChangeAspect="1" noMove="1" noResize="1" noEditPoints="1" noAdjustHandles="1" noChangeArrowheads="1" noChangeShapeType="1" noTextEdit="1"/>
-              </p:cNvSpPr>
-              <p:nvPr/>
-            </p:nvSpPr>
-            <p:spPr>
-              <a:xfrm>
-                <a:off x="3665527" y="2459471"/>
-                <a:ext cx="465127" cy="369332"/>
-              </a:xfrm>
-              <a:prstGeom prst="rect">
-                <a:avLst/>
-              </a:prstGeom>
-              <a:blipFill rotWithShape="1">
-                <a:blip r:embed="rId13"/>
-                <a:stretch>
-                  <a:fillRect/>
-                </a:stretch>
-              </a:blipFill>
-            </p:spPr>
-            <p:txBody>
-              <a:bodyPr/>
-              <a:lstStyle/>
-              <a:p>
-                <a:r>
-                  <a:rPr lang="en-US">
-                    <a:noFill/>
-                  </a:rPr>
-                  <a:t> </a:t>
-                </a:r>
-              </a:p>
-            </p:txBody>
-          </p:sp>
-        </mc:Fallback>
-      </mc:AlternateContent>
-      <mc:AlternateContent xmlns:mc="http://schemas.openxmlformats.org/markup-compatibility/2006" xmlns:a14="http://schemas.microsoft.com/office/drawing/2010/main">
-        <mc:Choice Requires="a14">
-          <p:sp>
-            <p:nvSpPr>
-              <p:cNvPr id="71" name="TextBox 70"/>
-              <p:cNvSpPr txBox="1"/>
-              <p:nvPr/>
-            </p:nvSpPr>
-            <p:spPr>
-              <a:xfrm>
-                <a:off x="3657600" y="2907268"/>
-                <a:ext cx="465127" cy="369332"/>
-              </a:xfrm>
-              <a:prstGeom prst="rect">
-                <a:avLst/>
-              </a:prstGeom>
-              <a:noFill/>
-            </p:spPr>
-            <p:txBody>
-              <a:bodyPr wrap="none" rtlCol="0">
-                <a:spAutoFit/>
-              </a:bodyPr>
-              <a:lstStyle/>
-              <a:p>
-                <a:pPr/>
-                <a14:m>
-                  <m:oMathPara xmlns:m="http://schemas.openxmlformats.org/officeDocument/2006/math">
-                    <m:oMathParaPr>
-                      <m:jc m:val="centerGroup"/>
-                    </m:oMathParaPr>
-                    <m:oMath xmlns:m="http://schemas.openxmlformats.org/officeDocument/2006/math">
-                      <m:sSub>
-                        <m:sSubPr>
-                          <m:ctrlPr>
-                            <a:rPr lang="el-GR" i="1" smtClean="0">
-                              <a:latin typeface="Cambria Math"/>
-                            </a:rPr>
-                          </m:ctrlPr>
-                        </m:sSubPr>
-                        <m:e>
-                          <m:r>
-                            <a:rPr lang="el-GR" i="1" smtClean="0">
-                              <a:latin typeface="Cambria Math"/>
-                              <a:ea typeface="Cambria Math"/>
-                            </a:rPr>
-                            <m:t>𝜆</m:t>
-                          </m:r>
-                        </m:e>
-                        <m:sub>
-                          <m:r>
-                            <a:rPr lang="en-US" b="0" i="1" smtClean="0">
-                              <a:latin typeface="Cambria Math"/>
-                            </a:rPr>
-                            <m:t>4</m:t>
-                          </m:r>
-                        </m:sub>
-                      </m:sSub>
-                    </m:oMath>
-                  </m:oMathPara>
-                </a14:m>
-                <a:endParaRPr lang="en-US" dirty="0"/>
-              </a:p>
-            </p:txBody>
-          </p:sp>
-        </mc:Choice>
-        <mc:Fallback xmlns="">
-          <p:sp>
-            <p:nvSpPr>
-              <p:cNvPr id="71" name="TextBox 70"/>
-              <p:cNvSpPr txBox="1">
-                <a:spLocks noRot="1" noChangeAspect="1" noMove="1" noResize="1" noEditPoints="1" noAdjustHandles="1" noChangeArrowheads="1" noChangeShapeType="1" noTextEdit="1"/>
-              </p:cNvSpPr>
-              <p:nvPr/>
-            </p:nvSpPr>
-            <p:spPr>
-              <a:xfrm>
-                <a:off x="3657600" y="2907268"/>
-                <a:ext cx="465127" cy="369332"/>
-              </a:xfrm>
-              <a:prstGeom prst="rect">
-                <a:avLst/>
-              </a:prstGeom>
-              <a:blipFill rotWithShape="1">
-                <a:blip r:embed="rId14"/>
-                <a:stretch>
-                  <a:fillRect/>
-                </a:stretch>
-              </a:blipFill>
-            </p:spPr>
-            <p:txBody>
-              <a:bodyPr/>
-              <a:lstStyle/>
-              <a:p>
-                <a:r>
-                  <a:rPr lang="en-US">
-                    <a:noFill/>
-                  </a:rPr>
-                  <a:t> </a:t>
-                </a:r>
-              </a:p>
-            </p:txBody>
-          </p:sp>
-        </mc:Fallback>
-      </mc:AlternateContent>
-      <p:cxnSp>
-        <p:nvCxnSpPr>
-          <p:cNvPr id="92" name="Elbow Connector 91"/>
-          <p:cNvCxnSpPr>
-            <a:stCxn id="39" idx="3"/>
-            <a:endCxn id="46" idx="2"/>
-          </p:cNvCxnSpPr>
-          <p:nvPr/>
-        </p:nvCxnSpPr>
-        <p:spPr>
-          <a:xfrm flipV="1">
-            <a:off x="5122761" y="3267076"/>
-            <a:ext cx="2200366" cy="800069"/>
-          </a:xfrm>
-          <a:prstGeom prst="bentConnector2">
-            <a:avLst/>
-          </a:prstGeom>
-          <a:ln>
-            <a:solidFill>
-              <a:schemeClr val="tx1"/>
-            </a:solidFill>
-            <a:prstDash val="sysDash"/>
-            <a:tailEnd type="arrow"/>
-          </a:ln>
-        </p:spPr>
-        <p:style>
-          <a:lnRef idx="2">
-            <a:schemeClr val="accent1"/>
-          </a:lnRef>
-          <a:fillRef idx="0">
-            <a:schemeClr val="accent1"/>
-          </a:fillRef>
-          <a:effectRef idx="1">
-            <a:schemeClr val="accent1"/>
-          </a:effectRef>
-          <a:fontRef idx="minor">
-            <a:schemeClr val="tx1"/>
-          </a:fontRef>
-        </p:style>
-      </p:cxnSp>
-      <p:cxnSp>
-        <p:nvCxnSpPr>
-          <p:cNvPr id="93" name="Elbow Connector 92"/>
-          <p:cNvCxnSpPr>
-            <a:stCxn id="39" idx="1"/>
-            <a:endCxn id="33" idx="2"/>
-          </p:cNvCxnSpPr>
-          <p:nvPr/>
-        </p:nvCxnSpPr>
-        <p:spPr>
-          <a:xfrm rot="10800000">
-            <a:off x="2078817" y="3651765"/>
-            <a:ext cx="2586745" cy="415381"/>
-          </a:xfrm>
-          <a:prstGeom prst="bentConnector2">
-            <a:avLst/>
-          </a:prstGeom>
-          <a:ln>
-            <a:solidFill>
-              <a:schemeClr val="tx1"/>
-            </a:solidFill>
-            <a:prstDash val="sysDash"/>
-            <a:tailEnd type="arrow"/>
-          </a:ln>
-        </p:spPr>
-        <p:style>
-          <a:lnRef idx="2">
-            <a:schemeClr val="accent1"/>
-          </a:lnRef>
-          <a:fillRef idx="0">
-            <a:schemeClr val="accent1"/>
-          </a:fillRef>
-          <a:effectRef idx="1">
-            <a:schemeClr val="accent1"/>
-          </a:effectRef>
-          <a:fontRef idx="minor">
-            <a:schemeClr val="tx1"/>
-          </a:fontRef>
-        </p:style>
-      </p:cxnSp>
-      <p:cxnSp>
-        <p:nvCxnSpPr>
-          <p:cNvPr id="36" name="Straight Arrow Connector 35"/>
-          <p:cNvCxnSpPr/>
-          <p:nvPr/>
-        </p:nvCxnSpPr>
-        <p:spPr>
-          <a:xfrm>
-            <a:off x="2895600" y="2286000"/>
-            <a:ext cx="685800" cy="0"/>
-          </a:xfrm>
-          <a:prstGeom prst="straightConnector1">
-            <a:avLst/>
-          </a:prstGeom>
-          <a:ln>
-            <a:tailEnd type="arrow"/>
-          </a:ln>
-        </p:spPr>
-        <p:style>
-          <a:lnRef idx="2">
-            <a:schemeClr val="accent1"/>
-          </a:lnRef>
-          <a:fillRef idx="0">
-            <a:schemeClr val="accent1"/>
-          </a:fillRef>
-          <a:effectRef idx="1">
-            <a:schemeClr val="accent1"/>
-          </a:effectRef>
-          <a:fontRef idx="minor">
-            <a:schemeClr val="tx1"/>
-          </a:fontRef>
-        </p:style>
-      </p:cxnSp>
-      <p:sp>
-        <p:nvSpPr>
-          <p:cNvPr id="40" name="Rectangle 39"/>
-          <p:cNvSpPr/>
-          <p:nvPr/>
-        </p:nvSpPr>
-        <p:spPr>
-          <a:xfrm>
-            <a:off x="2895600" y="1981200"/>
-            <a:ext cx="76200" cy="304800"/>
-          </a:xfrm>
-          <a:prstGeom prst="rect">
-            <a:avLst/>
-          </a:prstGeom>
-          <a:ln>
-            <a:noFill/>
-          </a:ln>
-        </p:spPr>
-        <p:style>
-          <a:lnRef idx="2">
-            <a:schemeClr val="accent1">
-              <a:shade val="50000"/>
-            </a:schemeClr>
-          </a:lnRef>
-          <a:fillRef idx="1">
-            <a:schemeClr val="accent1"/>
-          </a:fillRef>
-          <a:effectRef idx="0">
-            <a:schemeClr val="accent1"/>
-          </a:effectRef>
-          <a:fontRef idx="minor">
-            <a:schemeClr val="lt1"/>
-          </a:fontRef>
-        </p:style>
-        <p:txBody>
-          <a:bodyPr rtlCol="0" anchor="ctr"/>
-          <a:lstStyle/>
-          <a:p>
-            <a:pPr algn="ctr"/>
-            <a:endParaRPr lang="en-US"/>
-          </a:p>
-        </p:txBody>
-      </p:sp>
-      <p:sp>
-        <p:nvSpPr>
-          <p:cNvPr id="42" name="Rectangle 41"/>
-          <p:cNvSpPr/>
-          <p:nvPr/>
-        </p:nvSpPr>
-        <p:spPr>
-          <a:xfrm>
-            <a:off x="3048000" y="1828800"/>
-            <a:ext cx="76200" cy="457200"/>
-          </a:xfrm>
-          <a:prstGeom prst="rect">
-            <a:avLst/>
-          </a:prstGeom>
-          <a:ln>
-            <a:noFill/>
-          </a:ln>
-        </p:spPr>
-        <p:style>
-          <a:lnRef idx="2">
-            <a:schemeClr val="accent1">
-              <a:shade val="50000"/>
-            </a:schemeClr>
-          </a:lnRef>
-          <a:fillRef idx="1">
-            <a:schemeClr val="accent1"/>
-          </a:fillRef>
-          <a:effectRef idx="0">
-            <a:schemeClr val="accent1"/>
-          </a:effectRef>
-          <a:fontRef idx="minor">
-            <a:schemeClr val="lt1"/>
-          </a:fontRef>
-        </p:style>
-        <p:txBody>
-          <a:bodyPr rtlCol="0" anchor="ctr"/>
-          <a:lstStyle/>
-          <a:p>
-            <a:pPr algn="ctr"/>
-            <a:endParaRPr lang="en-US"/>
-          </a:p>
-        </p:txBody>
-      </p:sp>
-      <p:sp>
-        <p:nvSpPr>
-          <p:cNvPr id="45" name="Rectangle 44"/>
-          <p:cNvSpPr/>
-          <p:nvPr/>
-        </p:nvSpPr>
-        <p:spPr>
-          <a:xfrm>
-            <a:off x="3200400" y="1981200"/>
-            <a:ext cx="76200" cy="304800"/>
-          </a:xfrm>
-          <a:prstGeom prst="rect">
-            <a:avLst/>
-          </a:prstGeom>
-          <a:ln>
-            <a:noFill/>
-          </a:ln>
-        </p:spPr>
-        <p:style>
-          <a:lnRef idx="2">
-            <a:schemeClr val="accent1">
-              <a:shade val="50000"/>
-            </a:schemeClr>
-          </a:lnRef>
-          <a:fillRef idx="1">
-            <a:schemeClr val="accent1"/>
-          </a:fillRef>
-          <a:effectRef idx="0">
-            <a:schemeClr val="accent1"/>
-          </a:effectRef>
-          <a:fontRef idx="minor">
-            <a:schemeClr val="lt1"/>
-          </a:fontRef>
-        </p:style>
-        <p:txBody>
-          <a:bodyPr rtlCol="0" anchor="ctr"/>
-          <a:lstStyle/>
-          <a:p>
-            <a:pPr algn="ctr"/>
-            <a:endParaRPr lang="en-US"/>
-          </a:p>
-        </p:txBody>
-      </p:sp>
-      <p:sp>
-        <p:nvSpPr>
-          <p:cNvPr id="47" name="Rectangle 46"/>
-          <p:cNvSpPr/>
-          <p:nvPr/>
-        </p:nvSpPr>
-        <p:spPr>
-          <a:xfrm>
-            <a:off x="3352800" y="2133600"/>
-            <a:ext cx="76200" cy="152400"/>
-          </a:xfrm>
-          <a:prstGeom prst="rect">
-            <a:avLst/>
-          </a:prstGeom>
-          <a:ln>
-            <a:noFill/>
-          </a:ln>
-        </p:spPr>
-        <p:style>
-          <a:lnRef idx="2">
-            <a:schemeClr val="accent1">
-              <a:shade val="50000"/>
-            </a:schemeClr>
-          </a:lnRef>
-          <a:fillRef idx="1">
-            <a:schemeClr val="accent1"/>
-          </a:fillRef>
-          <a:effectRef idx="0">
-            <a:schemeClr val="accent1"/>
-          </a:effectRef>
-          <a:fontRef idx="minor">
-            <a:schemeClr val="lt1"/>
-          </a:fontRef>
-        </p:style>
-        <p:txBody>
-          <a:bodyPr rtlCol="0" anchor="ctr"/>
-          <a:lstStyle/>
-          <a:p>
-            <a:pPr algn="ctr"/>
-            <a:endParaRPr lang="en-US"/>
-          </a:p>
-        </p:txBody>
-      </p:sp>
-      <p:cxnSp>
-        <p:nvCxnSpPr>
-          <p:cNvPr id="48" name="Straight Arrow Connector 47"/>
-          <p:cNvCxnSpPr/>
-          <p:nvPr/>
-        </p:nvCxnSpPr>
-        <p:spPr>
-          <a:xfrm>
-            <a:off x="2895600" y="3048000"/>
-            <a:ext cx="685800" cy="0"/>
-          </a:xfrm>
-          <a:prstGeom prst="straightConnector1">
-            <a:avLst/>
-          </a:prstGeom>
-          <a:ln>
-            <a:tailEnd type="arrow"/>
-          </a:ln>
-        </p:spPr>
-        <p:style>
-          <a:lnRef idx="2">
-            <a:schemeClr val="accent1"/>
-          </a:lnRef>
-          <a:fillRef idx="0">
-            <a:schemeClr val="accent1"/>
-          </a:fillRef>
-          <a:effectRef idx="1">
-            <a:schemeClr val="accent1"/>
-          </a:effectRef>
-          <a:fontRef idx="minor">
-            <a:schemeClr val="tx1"/>
-          </a:fontRef>
-        </p:style>
-      </p:cxnSp>
-      <p:sp>
-        <p:nvSpPr>
-          <p:cNvPr id="51" name="Rectangle 50"/>
-          <p:cNvSpPr/>
-          <p:nvPr/>
-        </p:nvSpPr>
-        <p:spPr>
-          <a:xfrm>
-            <a:off x="2895600" y="2743200"/>
-            <a:ext cx="76200" cy="304800"/>
-          </a:xfrm>
-          <a:prstGeom prst="rect">
-            <a:avLst/>
-          </a:prstGeom>
-          <a:ln>
-            <a:noFill/>
-          </a:ln>
-        </p:spPr>
-        <p:style>
-          <a:lnRef idx="2">
-            <a:schemeClr val="accent1">
-              <a:shade val="50000"/>
-            </a:schemeClr>
-          </a:lnRef>
-          <a:fillRef idx="1">
-            <a:schemeClr val="accent1"/>
-          </a:fillRef>
-          <a:effectRef idx="0">
-            <a:schemeClr val="accent1"/>
-          </a:effectRef>
-          <a:fontRef idx="minor">
-            <a:schemeClr val="lt1"/>
-          </a:fontRef>
-        </p:style>
-        <p:txBody>
-          <a:bodyPr rtlCol="0" anchor="ctr"/>
-          <a:lstStyle/>
-          <a:p>
-            <a:pPr algn="ctr"/>
-            <a:endParaRPr lang="en-US"/>
-          </a:p>
-        </p:txBody>
-      </p:sp>
-      <p:sp>
-        <p:nvSpPr>
-          <p:cNvPr id="52" name="Rectangle 51"/>
-          <p:cNvSpPr/>
-          <p:nvPr/>
-        </p:nvSpPr>
-        <p:spPr>
-          <a:xfrm>
-            <a:off x="3048000" y="2514600"/>
-            <a:ext cx="76200" cy="533400"/>
-          </a:xfrm>
-          <a:prstGeom prst="rect">
-            <a:avLst/>
-          </a:prstGeom>
-          <a:ln>
-            <a:noFill/>
-          </a:ln>
-        </p:spPr>
-        <p:style>
-          <a:lnRef idx="2">
-            <a:schemeClr val="accent1">
-              <a:shade val="50000"/>
-            </a:schemeClr>
-          </a:lnRef>
-          <a:fillRef idx="1">
-            <a:schemeClr val="accent1"/>
-          </a:fillRef>
-          <a:effectRef idx="0">
-            <a:schemeClr val="accent1"/>
-          </a:effectRef>
-          <a:fontRef idx="minor">
-            <a:schemeClr val="lt1"/>
-          </a:fontRef>
-        </p:style>
-        <p:txBody>
-          <a:bodyPr rtlCol="0" anchor="ctr"/>
-          <a:lstStyle/>
-          <a:p>
-            <a:pPr algn="ctr"/>
-            <a:endParaRPr lang="en-US"/>
-          </a:p>
-        </p:txBody>
-      </p:sp>
-      <p:sp>
-        <p:nvSpPr>
-          <p:cNvPr id="54" name="Rectangle 53"/>
-          <p:cNvSpPr/>
-          <p:nvPr/>
-        </p:nvSpPr>
-        <p:spPr>
-          <a:xfrm>
-            <a:off x="3200400" y="2895600"/>
-            <a:ext cx="76200" cy="152400"/>
-          </a:xfrm>
-          <a:prstGeom prst="rect">
-            <a:avLst/>
-          </a:prstGeom>
-          <a:ln>
-            <a:noFill/>
-          </a:ln>
-        </p:spPr>
-        <p:style>
-          <a:lnRef idx="2">
-            <a:schemeClr val="accent1">
-              <a:shade val="50000"/>
-            </a:schemeClr>
-          </a:lnRef>
-          <a:fillRef idx="1">
-            <a:schemeClr val="accent1"/>
-          </a:fillRef>
-          <a:effectRef idx="0">
-            <a:schemeClr val="accent1"/>
-          </a:effectRef>
-          <a:fontRef idx="minor">
-            <a:schemeClr val="lt1"/>
-          </a:fontRef>
-        </p:style>
-        <p:txBody>
-          <a:bodyPr rtlCol="0" anchor="ctr"/>
-          <a:lstStyle/>
-          <a:p>
-            <a:pPr algn="ctr"/>
-            <a:endParaRPr lang="en-US"/>
-          </a:p>
-        </p:txBody>
-      </p:sp>
-      <p:sp>
-        <p:nvSpPr>
-          <p:cNvPr id="55" name="Rectangle 54"/>
-          <p:cNvSpPr/>
-          <p:nvPr/>
-        </p:nvSpPr>
-        <p:spPr>
-          <a:xfrm>
-            <a:off x="3352800" y="2781300"/>
-            <a:ext cx="76200" cy="266700"/>
-          </a:xfrm>
-          <a:prstGeom prst="rect">
-            <a:avLst/>
-          </a:prstGeom>
-          <a:ln>
-            <a:noFill/>
-          </a:ln>
-        </p:spPr>
-        <p:style>
-          <a:lnRef idx="2">
-            <a:schemeClr val="accent1">
-              <a:shade val="50000"/>
-            </a:schemeClr>
-          </a:lnRef>
-          <a:fillRef idx="1">
-            <a:schemeClr val="accent1"/>
-          </a:fillRef>
-          <a:effectRef idx="0">
-            <a:schemeClr val="accent1"/>
-          </a:effectRef>
-          <a:fontRef idx="minor">
-            <a:schemeClr val="lt1"/>
-          </a:fontRef>
-        </p:style>
-        <p:txBody>
-          <a:bodyPr rtlCol="0" anchor="ctr"/>
-          <a:lstStyle/>
-          <a:p>
-            <a:pPr algn="ctr"/>
-            <a:endParaRPr lang="en-US"/>
-          </a:p>
-        </p:txBody>
-      </p:sp>
-      <p:cxnSp>
-        <p:nvCxnSpPr>
-          <p:cNvPr id="57" name="Straight Arrow Connector 56"/>
-          <p:cNvCxnSpPr/>
-          <p:nvPr/>
-        </p:nvCxnSpPr>
-        <p:spPr>
-          <a:xfrm>
-            <a:off x="2895600" y="3733800"/>
-            <a:ext cx="685800" cy="0"/>
-          </a:xfrm>
-          <a:prstGeom prst="straightConnector1">
-            <a:avLst/>
-          </a:prstGeom>
-          <a:ln>
-            <a:tailEnd type="arrow"/>
-          </a:ln>
-        </p:spPr>
-        <p:style>
-          <a:lnRef idx="2">
-            <a:schemeClr val="accent1"/>
-          </a:lnRef>
-          <a:fillRef idx="0">
-            <a:schemeClr val="accent1"/>
-          </a:fillRef>
-          <a:effectRef idx="1">
-            <a:schemeClr val="accent1"/>
-          </a:effectRef>
-          <a:fontRef idx="minor">
-            <a:schemeClr val="tx1"/>
-          </a:fontRef>
-        </p:style>
-      </p:cxnSp>
-      <p:sp>
-        <p:nvSpPr>
-          <p:cNvPr id="58" name="Rectangle 57"/>
-          <p:cNvSpPr/>
-          <p:nvPr/>
-        </p:nvSpPr>
-        <p:spPr>
-          <a:xfrm>
-            <a:off x="2895600" y="3657600"/>
-            <a:ext cx="76200" cy="76200"/>
-          </a:xfrm>
-          <a:prstGeom prst="rect">
-            <a:avLst/>
-          </a:prstGeom>
-          <a:ln>
-            <a:noFill/>
-          </a:ln>
-        </p:spPr>
-        <p:style>
-          <a:lnRef idx="2">
-            <a:schemeClr val="accent1">
-              <a:shade val="50000"/>
-            </a:schemeClr>
-          </a:lnRef>
-          <a:fillRef idx="1">
-            <a:schemeClr val="accent1"/>
-          </a:fillRef>
-          <a:effectRef idx="0">
-            <a:schemeClr val="accent1"/>
-          </a:effectRef>
-          <a:fontRef idx="minor">
-            <a:schemeClr val="lt1"/>
-          </a:fontRef>
-        </p:style>
-        <p:txBody>
-          <a:bodyPr rtlCol="0" anchor="ctr"/>
-          <a:lstStyle/>
-          <a:p>
-            <a:pPr algn="ctr"/>
-            <a:endParaRPr lang="en-US"/>
-          </a:p>
-        </p:txBody>
-      </p:sp>
-      <p:sp>
-        <p:nvSpPr>
-          <p:cNvPr id="60" name="Rectangle 59"/>
-          <p:cNvSpPr/>
-          <p:nvPr/>
-        </p:nvSpPr>
-        <p:spPr>
-          <a:xfrm>
-            <a:off x="3048000" y="3352800"/>
-            <a:ext cx="76200" cy="381000"/>
-          </a:xfrm>
-          <a:prstGeom prst="rect">
-            <a:avLst/>
-          </a:prstGeom>
-          <a:ln>
-            <a:noFill/>
-          </a:ln>
-        </p:spPr>
-        <p:style>
-          <a:lnRef idx="2">
-            <a:schemeClr val="accent1">
-              <a:shade val="50000"/>
-            </a:schemeClr>
-          </a:lnRef>
-          <a:fillRef idx="1">
-            <a:schemeClr val="accent1"/>
-          </a:fillRef>
-          <a:effectRef idx="0">
-            <a:schemeClr val="accent1"/>
-          </a:effectRef>
-          <a:fontRef idx="minor">
-            <a:schemeClr val="lt1"/>
-          </a:fontRef>
-        </p:style>
-        <p:txBody>
-          <a:bodyPr rtlCol="0" anchor="ctr"/>
-          <a:lstStyle/>
-          <a:p>
-            <a:pPr algn="ctr"/>
-            <a:endParaRPr lang="en-US"/>
-          </a:p>
-        </p:txBody>
-      </p:sp>
-      <p:sp>
-        <p:nvSpPr>
-          <p:cNvPr id="61" name="Rectangle 60"/>
-          <p:cNvSpPr/>
-          <p:nvPr/>
-        </p:nvSpPr>
-        <p:spPr>
-          <a:xfrm>
-            <a:off x="3200400" y="3543300"/>
-            <a:ext cx="76200" cy="190500"/>
-          </a:xfrm>
-          <a:prstGeom prst="rect">
-            <a:avLst/>
-          </a:prstGeom>
-          <a:ln>
-            <a:noFill/>
-          </a:ln>
-        </p:spPr>
-        <p:style>
-          <a:lnRef idx="2">
-            <a:schemeClr val="accent1">
-              <a:shade val="50000"/>
-            </a:schemeClr>
-          </a:lnRef>
-          <a:fillRef idx="1">
-            <a:schemeClr val="accent1"/>
-          </a:fillRef>
-          <a:effectRef idx="0">
-            <a:schemeClr val="accent1"/>
-          </a:effectRef>
-          <a:fontRef idx="minor">
-            <a:schemeClr val="lt1"/>
-          </a:fontRef>
-        </p:style>
-        <p:txBody>
-          <a:bodyPr rtlCol="0" anchor="ctr"/>
-          <a:lstStyle/>
-          <a:p>
-            <a:pPr algn="ctr"/>
-            <a:endParaRPr lang="en-US"/>
-          </a:p>
-        </p:txBody>
-      </p:sp>
-      <p:sp>
-        <p:nvSpPr>
-          <p:cNvPr id="65" name="Rectangle 64"/>
-          <p:cNvSpPr/>
-          <p:nvPr/>
-        </p:nvSpPr>
-        <p:spPr>
-          <a:xfrm>
-            <a:off x="3352800" y="3429000"/>
-            <a:ext cx="76200" cy="304800"/>
-          </a:xfrm>
-          <a:prstGeom prst="rect">
-            <a:avLst/>
-          </a:prstGeom>
-          <a:ln>
-            <a:noFill/>
-          </a:ln>
-        </p:spPr>
-        <p:style>
-          <a:lnRef idx="2">
-            <a:schemeClr val="accent1">
-              <a:shade val="50000"/>
-            </a:schemeClr>
-          </a:lnRef>
-          <a:fillRef idx="1">
-            <a:schemeClr val="accent1"/>
-          </a:fillRef>
-          <a:effectRef idx="0">
-            <a:schemeClr val="accent1"/>
-          </a:effectRef>
-          <a:fontRef idx="minor">
-            <a:schemeClr val="lt1"/>
-          </a:fontRef>
-        </p:style>
-        <p:txBody>
-          <a:bodyPr rtlCol="0" anchor="ctr"/>
-          <a:lstStyle/>
-          <a:p>
-            <a:pPr algn="ctr"/>
-            <a:endParaRPr lang="en-US"/>
-          </a:p>
-        </p:txBody>
-      </p:sp>
-      <p:cxnSp>
-        <p:nvCxnSpPr>
-          <p:cNvPr id="66" name="Straight Arrow Connector 65"/>
-          <p:cNvCxnSpPr/>
-          <p:nvPr/>
-        </p:nvCxnSpPr>
-        <p:spPr>
-          <a:xfrm>
-            <a:off x="4551261" y="2110740"/>
-            <a:ext cx="685800" cy="0"/>
-          </a:xfrm>
-          <a:prstGeom prst="straightConnector1">
-            <a:avLst/>
-          </a:prstGeom>
-          <a:ln>
-            <a:tailEnd type="arrow"/>
-          </a:ln>
-        </p:spPr>
-        <p:style>
-          <a:lnRef idx="2">
-            <a:schemeClr val="accent1"/>
-          </a:lnRef>
-          <a:fillRef idx="0">
-            <a:schemeClr val="accent1"/>
-          </a:fillRef>
-          <a:effectRef idx="1">
-            <a:schemeClr val="accent1"/>
-          </a:effectRef>
-          <a:fontRef idx="minor">
-            <a:schemeClr val="tx1"/>
-          </a:fontRef>
-        </p:style>
-      </p:cxnSp>
-      <p:sp>
-        <p:nvSpPr>
-          <p:cNvPr id="67" name="Rectangle 66"/>
-          <p:cNvSpPr/>
-          <p:nvPr/>
-        </p:nvSpPr>
-        <p:spPr>
-          <a:xfrm>
-            <a:off x="4703661" y="1577340"/>
-            <a:ext cx="76200" cy="533400"/>
-          </a:xfrm>
-          <a:prstGeom prst="rect">
-            <a:avLst/>
-          </a:prstGeom>
-          <a:ln>
-            <a:noFill/>
-          </a:ln>
-        </p:spPr>
-        <p:style>
-          <a:lnRef idx="2">
-            <a:schemeClr val="accent1">
-              <a:shade val="50000"/>
-            </a:schemeClr>
-          </a:lnRef>
-          <a:fillRef idx="1">
-            <a:schemeClr val="accent1"/>
-          </a:fillRef>
-          <a:effectRef idx="0">
-            <a:schemeClr val="accent1"/>
-          </a:effectRef>
-          <a:fontRef idx="minor">
-            <a:schemeClr val="lt1"/>
-          </a:fontRef>
-        </p:style>
-        <p:txBody>
-          <a:bodyPr rtlCol="0" anchor="ctr"/>
-          <a:lstStyle/>
-          <a:p>
-            <a:pPr algn="ctr"/>
-            <a:endParaRPr lang="en-US"/>
-          </a:p>
-        </p:txBody>
-      </p:sp>
-      <p:sp>
-        <p:nvSpPr>
-          <p:cNvPr id="5" name="TextBox 4"/>
+          <p:cNvPr id="15" name="TextBox 14"/>
           <p:cNvSpPr txBox="1"/>
           <p:nvPr/>
         </p:nvSpPr>
         <p:spPr>
           <a:xfrm>
-            <a:off x="4253755" y="3505200"/>
-            <a:ext cx="1152751" cy="369332"/>
+            <a:off x="2590800" y="1828800"/>
+            <a:ext cx="461665" cy="366447"/>
           </a:xfrm>
           <a:prstGeom prst="rect">
             <a:avLst/>
@@ -9950,121 +9059,59 @@
           <a:noFill/>
         </p:spPr>
         <p:txBody>
-          <a:bodyPr wrap="none" rtlCol="0">
+          <a:bodyPr vert="eaVert" wrap="none" rtlCol="0">
             <a:spAutoFit/>
           </a:bodyPr>
           <a:lstStyle/>
           <a:p>
             <a:r>
-              <a:rPr lang="en-US" dirty="0" smtClean="0"/>
-              <a:t>Input data</a:t>
+              <a:rPr lang="en-US" altLang="zh-CN" dirty="0" smtClean="0"/>
+              <a:t>…..</a:t>
             </a:r>
-            <a:endParaRPr lang="en-US" dirty="0"/>
+            <a:endParaRPr lang="zh-CN" altLang="en-US" dirty="0"/>
           </a:p>
         </p:txBody>
       </p:sp>
-      <mc:AlternateContent xmlns:mc="http://schemas.openxmlformats.org/markup-compatibility/2006" xmlns:a14="http://schemas.microsoft.com/office/drawing/2010/main">
-        <mc:Choice Requires="a14">
-          <p:sp>
-            <p:nvSpPr>
-              <p:cNvPr id="72" name="TextBox 71"/>
-              <p:cNvSpPr txBox="1"/>
-              <p:nvPr/>
-            </p:nvSpPr>
-            <p:spPr>
-              <a:xfrm>
-                <a:off x="2378617" y="2447807"/>
-                <a:ext cx="380489" cy="369332"/>
-              </a:xfrm>
-              <a:prstGeom prst="rect">
-                <a:avLst/>
-              </a:prstGeom>
-              <a:noFill/>
-            </p:spPr>
-            <p:txBody>
-              <a:bodyPr wrap="none" rtlCol="0">
-                <a:spAutoFit/>
-              </a:bodyPr>
-              <a:lstStyle/>
-              <a:p>
-                <a:pPr/>
-                <a14:m>
-                  <m:oMathPara xmlns:m="http://schemas.openxmlformats.org/officeDocument/2006/math">
-                    <m:oMathParaPr>
-                      <m:jc m:val="centerGroup"/>
-                    </m:oMathParaPr>
-                    <m:oMath xmlns:m="http://schemas.openxmlformats.org/officeDocument/2006/math">
-                      <m:r>
-                        <a:rPr lang="en-US" b="0" i="1" smtClean="0">
-                          <a:latin typeface="Cambria Math"/>
-                          <a:ea typeface="Cambria Math"/>
-                        </a:rPr>
-                        <m:t>𝑇</m:t>
-                      </m:r>
-                    </m:oMath>
-                  </m:oMathPara>
-                </a14:m>
-                <a:endParaRPr lang="en-US" dirty="0"/>
-              </a:p>
-            </p:txBody>
-          </p:sp>
-        </mc:Choice>
-        <mc:Fallback xmlns="">
-          <p:sp>
-            <p:nvSpPr>
-              <p:cNvPr id="72" name="TextBox 71"/>
-              <p:cNvSpPr txBox="1">
-                <a:spLocks noRot="1" noChangeAspect="1" noMove="1" noResize="1" noEditPoints="1" noAdjustHandles="1" noChangeArrowheads="1" noChangeShapeType="1" noTextEdit="1"/>
-              </p:cNvSpPr>
-              <p:nvPr/>
-            </p:nvSpPr>
-            <p:spPr>
-              <a:xfrm>
-                <a:off x="2378617" y="2447807"/>
-                <a:ext cx="380489" cy="369332"/>
-              </a:xfrm>
-              <a:prstGeom prst="rect">
-                <a:avLst/>
-              </a:prstGeom>
-              <a:blipFill rotWithShape="1">
-                <a:blip r:embed="rId15"/>
-                <a:stretch>
-                  <a:fillRect/>
-                </a:stretch>
-              </a:blipFill>
-            </p:spPr>
-            <p:txBody>
-              <a:bodyPr/>
-              <a:lstStyle/>
-              <a:p>
-                <a:r>
-                  <a:rPr lang="en-US">
-                    <a:noFill/>
-                  </a:rPr>
-                  <a:t> </a:t>
-                </a:r>
-              </a:p>
-            </p:txBody>
-          </p:sp>
-        </mc:Fallback>
-      </mc:AlternateContent>
+      <p:sp>
+        <p:nvSpPr>
+          <p:cNvPr id="16" name="TextBox 15"/>
+          <p:cNvSpPr txBox="1"/>
+          <p:nvPr/>
+        </p:nvSpPr>
+        <p:spPr>
+          <a:xfrm>
+            <a:off x="5105400" y="1828800"/>
+            <a:ext cx="461665" cy="366447"/>
+          </a:xfrm>
+          <a:prstGeom prst="rect">
+            <a:avLst/>
+          </a:prstGeom>
+          <a:noFill/>
+        </p:spPr>
+        <p:txBody>
+          <a:bodyPr vert="eaVert" wrap="none" rtlCol="0">
+            <a:spAutoFit/>
+          </a:bodyPr>
+          <a:lstStyle/>
+          <a:p>
+            <a:r>
+              <a:rPr lang="en-US" altLang="zh-CN" dirty="0" smtClean="0"/>
+              <a:t>…..</a:t>
+            </a:r>
+            <a:endParaRPr lang="zh-CN" altLang="en-US" dirty="0"/>
+          </a:p>
+        </p:txBody>
+      </p:sp>
     </p:spTree>
     <p:extLst>
       <p:ext uri="{BB962C8B-B14F-4D97-AF65-F5344CB8AC3E}">
-        <p14:creationId xmlns:p14="http://schemas.microsoft.com/office/powerpoint/2010/main" val="1983102660"/>
+        <p14:creationId xmlns:p14="http://schemas.microsoft.com/office/powerpoint/2010/main" val="3322828446"/>
       </p:ext>
     </p:extLst>
   </p:cSld>
   <p:clrMapOvr>
     <a:masterClrMapping/>
   </p:clrMapOvr>
-  <p:timing>
-    <p:tnLst>
-      <p:par>
-        <p:cTn id="1" dur="indefinite" restart="never" nodeType="tmRoot"/>
-      </p:par>
-    </p:tnLst>
-  </p:timing>
 </p:sld>
 </file>
 

--- a/fig/Presentation1.pptx
+++ b/fig/Presentation1.pptx
@@ -8,7 +8,9 @@
     <p:sldId id="258" r:id="rId2"/>
     <p:sldId id="259" r:id="rId3"/>
     <p:sldId id="260" r:id="rId4"/>
-    <p:sldId id="262" r:id="rId5"/>
+    <p:sldId id="264" r:id="rId5"/>
+    <p:sldId id="262" r:id="rId6"/>
+    <p:sldId id="263" r:id="rId7"/>
   </p:sldIdLst>
   <p:sldSz cx="9144000" cy="6858000" type="screen4x3"/>
   <p:notesSz cx="6858000" cy="9144000"/>
@@ -291,7 +293,7 @@
           <a:p>
             <a:fld id="{44B15A26-92BA-497A-9014-8A082EA472A1}" type="datetimeFigureOut">
               <a:rPr lang="en-US" smtClean="0"/>
-              <a:t>10/27/2016</a:t>
+              <a:t>11/2/2016</a:t>
             </a:fld>
             <a:endParaRPr lang="en-US"/>
           </a:p>
@@ -461,7 +463,7 @@
           <a:p>
             <a:fld id="{44B15A26-92BA-497A-9014-8A082EA472A1}" type="datetimeFigureOut">
               <a:rPr lang="en-US" smtClean="0"/>
-              <a:t>10/27/2016</a:t>
+              <a:t>11/2/2016</a:t>
             </a:fld>
             <a:endParaRPr lang="en-US"/>
           </a:p>
@@ -641,7 +643,7 @@
           <a:p>
             <a:fld id="{44B15A26-92BA-497A-9014-8A082EA472A1}" type="datetimeFigureOut">
               <a:rPr lang="en-US" smtClean="0"/>
-              <a:t>10/27/2016</a:t>
+              <a:t>11/2/2016</a:t>
             </a:fld>
             <a:endParaRPr lang="en-US"/>
           </a:p>
@@ -811,7 +813,7 @@
           <a:p>
             <a:fld id="{44B15A26-92BA-497A-9014-8A082EA472A1}" type="datetimeFigureOut">
               <a:rPr lang="en-US" smtClean="0"/>
-              <a:t>10/27/2016</a:t>
+              <a:t>11/2/2016</a:t>
             </a:fld>
             <a:endParaRPr lang="en-US"/>
           </a:p>
@@ -1057,7 +1059,7 @@
           <a:p>
             <a:fld id="{44B15A26-92BA-497A-9014-8A082EA472A1}" type="datetimeFigureOut">
               <a:rPr lang="en-US" smtClean="0"/>
-              <a:t>10/27/2016</a:t>
+              <a:t>11/2/2016</a:t>
             </a:fld>
             <a:endParaRPr lang="en-US"/>
           </a:p>
@@ -1345,7 +1347,7 @@
           <a:p>
             <a:fld id="{44B15A26-92BA-497A-9014-8A082EA472A1}" type="datetimeFigureOut">
               <a:rPr lang="en-US" smtClean="0"/>
-              <a:t>10/27/2016</a:t>
+              <a:t>11/2/2016</a:t>
             </a:fld>
             <a:endParaRPr lang="en-US"/>
           </a:p>
@@ -1767,7 +1769,7 @@
           <a:p>
             <a:fld id="{44B15A26-92BA-497A-9014-8A082EA472A1}" type="datetimeFigureOut">
               <a:rPr lang="en-US" smtClean="0"/>
-              <a:t>10/27/2016</a:t>
+              <a:t>11/2/2016</a:t>
             </a:fld>
             <a:endParaRPr lang="en-US"/>
           </a:p>
@@ -1885,7 +1887,7 @@
           <a:p>
             <a:fld id="{44B15A26-92BA-497A-9014-8A082EA472A1}" type="datetimeFigureOut">
               <a:rPr lang="en-US" smtClean="0"/>
-              <a:t>10/27/2016</a:t>
+              <a:t>11/2/2016</a:t>
             </a:fld>
             <a:endParaRPr lang="en-US"/>
           </a:p>
@@ -1980,7 +1982,7 @@
           <a:p>
             <a:fld id="{44B15A26-92BA-497A-9014-8A082EA472A1}" type="datetimeFigureOut">
               <a:rPr lang="en-US" smtClean="0"/>
-              <a:t>10/27/2016</a:t>
+              <a:t>11/2/2016</a:t>
             </a:fld>
             <a:endParaRPr lang="en-US"/>
           </a:p>
@@ -2257,7 +2259,7 @@
           <a:p>
             <a:fld id="{44B15A26-92BA-497A-9014-8A082EA472A1}" type="datetimeFigureOut">
               <a:rPr lang="en-US" smtClean="0"/>
-              <a:t>10/27/2016</a:t>
+              <a:t>11/2/2016</a:t>
             </a:fld>
             <a:endParaRPr lang="en-US"/>
           </a:p>
@@ -2510,7 +2512,7 @@
           <a:p>
             <a:fld id="{44B15A26-92BA-497A-9014-8A082EA472A1}" type="datetimeFigureOut">
               <a:rPr lang="en-US" smtClean="0"/>
-              <a:t>10/27/2016</a:t>
+              <a:t>11/2/2016</a:t>
             </a:fld>
             <a:endParaRPr lang="en-US"/>
           </a:p>
@@ -2723,7 +2725,7 @@
           <a:p>
             <a:fld id="{44B15A26-92BA-497A-9014-8A082EA472A1}" type="datetimeFigureOut">
               <a:rPr lang="en-US" smtClean="0"/>
-              <a:t>10/27/2016</a:t>
+              <a:t>11/2/2016</a:t>
             </a:fld>
             <a:endParaRPr lang="en-US"/>
           </a:p>
@@ -3186,7 +3188,7 @@
             <a:graphicData uri="http://schemas.openxmlformats.org/presentationml/2006/ole">
               <mc:AlternateContent xmlns:mc="http://schemas.openxmlformats.org/markup-compatibility/2006">
                 <mc:Choice xmlns:v="urn:schemas-microsoft-com:vml" Requires="v">
-                  <p:oleObj spid="_x0000_s2173" name="Equation" r:id="rId3" imgW="342720" imgH="228600" progId="Equation.DSMT4">
+                  <p:oleObj spid="_x0000_s2203" name="Equation" r:id="rId3" imgW="342720" imgH="228600" progId="Equation.DSMT4">
                     <p:embed/>
                   </p:oleObj>
                 </mc:Choice>
@@ -3317,7 +3319,7 @@
             <a:graphicData uri="http://schemas.openxmlformats.org/presentationml/2006/ole">
               <mc:AlternateContent xmlns:mc="http://schemas.openxmlformats.org/markup-compatibility/2006">
                 <mc:Choice xmlns:v="urn:schemas-microsoft-com:vml" Requires="v">
-                  <p:oleObj spid="_x0000_s2174" name="Equation" r:id="rId5" imgW="355320" imgH="228600" progId="Equation.DSMT4">
+                  <p:oleObj spid="_x0000_s2204" name="Equation" r:id="rId5" imgW="355320" imgH="228600" progId="Equation.DSMT4">
                     <p:embed/>
                   </p:oleObj>
                 </mc:Choice>
@@ -3440,7 +3442,7 @@
             <a:graphicData uri="http://schemas.openxmlformats.org/presentationml/2006/ole">
               <mc:AlternateContent xmlns:mc="http://schemas.openxmlformats.org/markup-compatibility/2006">
                 <mc:Choice xmlns:v="urn:schemas-microsoft-com:vml" Requires="v">
-                  <p:oleObj spid="_x0000_s2175" name="Equation" r:id="rId7" imgW="241200" imgH="177480" progId="Equation.DSMT4">
+                  <p:oleObj spid="_x0000_s2205" name="Equation" r:id="rId7" imgW="241200" imgH="177480" progId="Equation.DSMT4">
                     <p:embed/>
                   </p:oleObj>
                 </mc:Choice>
@@ -3571,7 +3573,7 @@
             <a:graphicData uri="http://schemas.openxmlformats.org/presentationml/2006/ole">
               <mc:AlternateContent xmlns:mc="http://schemas.openxmlformats.org/markup-compatibility/2006">
                 <mc:Choice xmlns:v="urn:schemas-microsoft-com:vml" Requires="v">
-                  <p:oleObj spid="_x0000_s2176" name="Equation" r:id="rId9" imgW="368280" imgH="228600" progId="Equation.DSMT4">
+                  <p:oleObj spid="_x0000_s2206" name="Equation" r:id="rId9" imgW="368280" imgH="228600" progId="Equation.DSMT4">
                     <p:embed/>
                   </p:oleObj>
                 </mc:Choice>
@@ -3710,7 +3712,7 @@
             <a:graphicData uri="http://schemas.openxmlformats.org/presentationml/2006/ole">
               <mc:AlternateContent xmlns:mc="http://schemas.openxmlformats.org/markup-compatibility/2006">
                 <mc:Choice xmlns:v="urn:schemas-microsoft-com:vml" Requires="v">
-                  <p:oleObj spid="_x0000_s2177" name="Equation" r:id="rId12" imgW="126720" imgH="139680" progId="Equation.DSMT4">
+                  <p:oleObj spid="_x0000_s2207" name="Equation" r:id="rId12" imgW="126720" imgH="139680" progId="Equation.DSMT4">
                     <p:embed/>
                   </p:oleObj>
                 </mc:Choice>
@@ -3775,7 +3777,7 @@
           <a:graphicData uri="http://schemas.openxmlformats.org/presentationml/2006/ole">
             <mc:AlternateContent xmlns:mc="http://schemas.openxmlformats.org/markup-compatibility/2006">
               <mc:Choice xmlns:v="urn:schemas-microsoft-com:vml" Requires="v">
-                <p:oleObj spid="_x0000_s2178" name="Equation" r:id="rId14" imgW="2057400" imgH="291960" progId="Equation.DSMT4">
+                <p:oleObj spid="_x0000_s2208" name="Equation" r:id="rId14" imgW="2057400" imgH="291960" progId="Equation.DSMT4">
                   <p:embed/>
                 </p:oleObj>
               </mc:Choice>
@@ -7062,6 +7064,1965 @@
       </p:grpSpPr>
       <mc:AlternateContent xmlns:mc="http://schemas.openxmlformats.org/markup-compatibility/2006">
         <mc:Choice xmlns:a14="http://schemas.microsoft.com/office/drawing/2010/main" Requires="a14">
+          <p:sp>
+            <p:nvSpPr>
+              <p:cNvPr id="4" name="Rounded Rectangle 30"/>
+              <p:cNvSpPr/>
+              <p:nvPr/>
+            </p:nvSpPr>
+            <p:spPr>
+              <a:xfrm>
+                <a:off x="2667000" y="609601"/>
+                <a:ext cx="838200" cy="685799"/>
+              </a:xfrm>
+              <a:prstGeom prst="roundRect">
+                <a:avLst/>
+              </a:prstGeom>
+              <a:ln/>
+            </p:spPr>
+            <p:style>
+              <a:lnRef idx="1">
+                <a:schemeClr val="accent6"/>
+              </a:lnRef>
+              <a:fillRef idx="3">
+                <a:schemeClr val="accent6"/>
+              </a:fillRef>
+              <a:effectRef idx="2">
+                <a:schemeClr val="accent6"/>
+              </a:effectRef>
+              <a:fontRef idx="minor">
+                <a:schemeClr val="lt1"/>
+              </a:fontRef>
+            </p:style>
+            <p:txBody>
+              <a:bodyPr rtlCol="0" anchor="ctr"/>
+              <a:lstStyle/>
+              <a:p>
+                <a:pPr algn="ctr"/>
+                <a14:m>
+                  <m:oMathPara xmlns:m="http://schemas.openxmlformats.org/officeDocument/2006/math">
+                    <m:oMathParaPr>
+                      <m:jc m:val="centerGroup"/>
+                    </m:oMathParaPr>
+                    <m:oMath xmlns:m="http://schemas.openxmlformats.org/officeDocument/2006/math">
+                      <m:sSub>
+                        <m:sSubPr>
+                          <m:ctrlPr>
+                            <a:rPr lang="en-US" altLang="zh-CN" sz="1200" i="1" smtClean="0">
+                              <a:latin typeface="Cambria Math"/>
+                            </a:rPr>
+                          </m:ctrlPr>
+                        </m:sSubPr>
+                        <m:e>
+                          <m:r>
+                            <a:rPr lang="en-US" altLang="zh-CN" sz="1200" b="0" i="1" smtClean="0">
+                              <a:latin typeface="Cambria Math"/>
+                              <a:ea typeface="Cambria Math"/>
+                            </a:rPr>
+                            <m:t>𝑓</m:t>
+                          </m:r>
+                          <m:r>
+                            <a:rPr lang="en-US" altLang="zh-CN" sz="1200" b="0" i="1" smtClean="0">
+                              <a:latin typeface="Cambria Math"/>
+                              <a:ea typeface="Cambria Math"/>
+                            </a:rPr>
+                            <m:t>′</m:t>
+                          </m:r>
+                          <m:r>
+                            <m:rPr>
+                              <m:nor/>
+                            </m:rPr>
+                            <a:rPr lang="en-US" altLang="zh-CN" sz="1200" dirty="0">
+                              <a:solidFill>
+                                <a:schemeClr val="tx1"/>
+                              </a:solidFill>
+                            </a:rPr>
+                            <m:t> </m:t>
+                          </m:r>
+                        </m:e>
+                        <m:sub>
+                          <m:r>
+                            <a:rPr lang="en-US" altLang="zh-CN" sz="1200" i="1">
+                              <a:latin typeface="Cambria Math"/>
+                            </a:rPr>
+                            <m:t>1</m:t>
+                          </m:r>
+                        </m:sub>
+                      </m:sSub>
+                      <m:r>
+                        <a:rPr lang="en-US" altLang="zh-CN" sz="1200" b="0" i="1" smtClean="0">
+                          <a:latin typeface="Cambria Math"/>
+                        </a:rPr>
+                        <m:t>∗</m:t>
+                      </m:r>
+                      <m:sSub>
+                        <m:sSubPr>
+                          <m:ctrlPr>
+                            <a:rPr lang="en-US" altLang="zh-CN" sz="1200" b="0" i="1" smtClean="0">
+                              <a:latin typeface="Cambria Math"/>
+                            </a:rPr>
+                          </m:ctrlPr>
+                        </m:sSubPr>
+                        <m:e>
+                          <m:r>
+                            <a:rPr lang="en-US" altLang="zh-CN" sz="1200" i="1">
+                              <a:latin typeface="Cambria Math"/>
+                              <a:ea typeface="Cambria Math"/>
+                            </a:rPr>
+                            <m:t>𝛽</m:t>
+                          </m:r>
+                          <m:r>
+                            <m:rPr>
+                              <m:nor/>
+                            </m:rPr>
+                            <a:rPr lang="en-US" altLang="zh-CN" sz="1200" dirty="0">
+                              <a:solidFill>
+                                <a:schemeClr val="tx1"/>
+                              </a:solidFill>
+                            </a:rPr>
+                            <m:t> </m:t>
+                          </m:r>
+                        </m:e>
+                        <m:sub>
+                          <m:r>
+                            <a:rPr lang="en-US" altLang="zh-CN" sz="1200" b="0" i="1" smtClean="0">
+                              <a:latin typeface="Cambria Math"/>
+                            </a:rPr>
+                            <m:t>1</m:t>
+                          </m:r>
+                        </m:sub>
+                      </m:sSub>
+                    </m:oMath>
+                  </m:oMathPara>
+                </a14:m>
+                <a:endParaRPr lang="en-US" altLang="zh-CN" sz="1200" dirty="0">
+                  <a:solidFill>
+                    <a:schemeClr val="tx1"/>
+                  </a:solidFill>
+                </a:endParaRPr>
+              </a:p>
+            </p:txBody>
+          </p:sp>
+        </mc:Choice>
+        <mc:Fallback>
+          <p:sp>
+            <p:nvSpPr>
+              <p:cNvPr id="4" name="Rounded Rectangle 30"/>
+              <p:cNvSpPr>
+                <a:spLocks noRot="1" noChangeAspect="1" noMove="1" noResize="1" noEditPoints="1" noAdjustHandles="1" noChangeArrowheads="1" noChangeShapeType="1" noTextEdit="1"/>
+              </p:cNvSpPr>
+              <p:nvPr/>
+            </p:nvSpPr>
+            <p:spPr>
+              <a:xfrm>
+                <a:off x="2667000" y="609601"/>
+                <a:ext cx="838200" cy="685799"/>
+              </a:xfrm>
+              <a:prstGeom prst="roundRect">
+                <a:avLst/>
+              </a:prstGeom>
+              <a:blipFill rotWithShape="1">
+                <a:blip r:embed="rId2"/>
+                <a:stretch>
+                  <a:fillRect/>
+                </a:stretch>
+              </a:blipFill>
+              <a:ln/>
+            </p:spPr>
+            <p:txBody>
+              <a:bodyPr/>
+              <a:lstStyle/>
+              <a:p>
+                <a:r>
+                  <a:rPr lang="zh-CN" altLang="en-US">
+                    <a:noFill/>
+                  </a:rPr>
+                  <a:t> </a:t>
+                </a:r>
+              </a:p>
+            </p:txBody>
+          </p:sp>
+        </mc:Fallback>
+      </mc:AlternateContent>
+      <mc:AlternateContent xmlns:mc="http://schemas.openxmlformats.org/markup-compatibility/2006" xmlns:a14="http://schemas.microsoft.com/office/drawing/2010/main">
+        <mc:Choice Requires="a14">
+          <p:sp>
+            <p:nvSpPr>
+              <p:cNvPr id="11" name="Rounded Rectangle 30"/>
+              <p:cNvSpPr/>
+              <p:nvPr/>
+            </p:nvSpPr>
+            <p:spPr>
+              <a:xfrm>
+                <a:off x="1143000" y="609601"/>
+                <a:ext cx="990600" cy="914399"/>
+              </a:xfrm>
+              <a:prstGeom prst="roundRect">
+                <a:avLst/>
+              </a:prstGeom>
+              <a:ln/>
+            </p:spPr>
+            <p:style>
+              <a:lnRef idx="1">
+                <a:schemeClr val="accent2"/>
+              </a:lnRef>
+              <a:fillRef idx="3">
+                <a:schemeClr val="accent2"/>
+              </a:fillRef>
+              <a:effectRef idx="2">
+                <a:schemeClr val="accent2"/>
+              </a:effectRef>
+              <a:fontRef idx="minor">
+                <a:schemeClr val="lt1"/>
+              </a:fontRef>
+            </p:style>
+            <p:txBody>
+              <a:bodyPr rtlCol="0" anchor="ctr"/>
+              <a:lstStyle/>
+              <a:p>
+                <a:pPr algn="ctr"/>
+                <a:r>
+                  <a:rPr lang="en-US" altLang="zh-CN" sz="2000" dirty="0" smtClean="0"/>
+                  <a:t>Target </a:t>
+                </a:r>
+                <a14:m>
+                  <m:oMath xmlns:m="http://schemas.openxmlformats.org/officeDocument/2006/math">
+                    <m:r>
+                      <a:rPr lang="en-US" altLang="zh-CN" sz="2000" i="1" smtClean="0">
+                        <a:latin typeface="Cambria Math"/>
+                      </a:rPr>
+                      <m:t>𝑓</m:t>
+                    </m:r>
+                  </m:oMath>
+                </a14:m>
+                <a:endParaRPr lang="en-US" sz="2000" dirty="0">
+                  <a:solidFill>
+                    <a:schemeClr val="tx1"/>
+                  </a:solidFill>
+                </a:endParaRPr>
+              </a:p>
+            </p:txBody>
+          </p:sp>
+        </mc:Choice>
+        <mc:Fallback xmlns="">
+          <p:sp>
+            <p:nvSpPr>
+              <p:cNvPr id="11" name="Rounded Rectangle 30"/>
+              <p:cNvSpPr>
+                <a:spLocks noRot="1" noChangeAspect="1" noMove="1" noResize="1" noEditPoints="1" noAdjustHandles="1" noChangeArrowheads="1" noChangeShapeType="1" noTextEdit="1"/>
+              </p:cNvSpPr>
+              <p:nvPr/>
+            </p:nvSpPr>
+            <p:spPr>
+              <a:xfrm>
+                <a:off x="1143000" y="609601"/>
+                <a:ext cx="990600" cy="914399"/>
+              </a:xfrm>
+              <a:prstGeom prst="roundRect">
+                <a:avLst/>
+              </a:prstGeom>
+              <a:blipFill rotWithShape="1">
+                <a:blip r:embed="rId3"/>
+                <a:stretch>
+                  <a:fillRect/>
+                </a:stretch>
+              </a:blipFill>
+              <a:ln/>
+            </p:spPr>
+            <p:txBody>
+              <a:bodyPr/>
+              <a:lstStyle/>
+              <a:p>
+                <a:r>
+                  <a:rPr lang="zh-CN" altLang="en-US">
+                    <a:noFill/>
+                  </a:rPr>
+                  <a:t> </a:t>
+                </a:r>
+              </a:p>
+            </p:txBody>
+          </p:sp>
+        </mc:Fallback>
+      </mc:AlternateContent>
+      <p:grpSp>
+        <p:nvGrpSpPr>
+          <p:cNvPr id="5" name="组合 4"/>
+          <p:cNvGrpSpPr/>
+          <p:nvPr/>
+        </p:nvGrpSpPr>
+        <p:grpSpPr>
+          <a:xfrm>
+            <a:off x="3683288" y="2291194"/>
+            <a:ext cx="1927148" cy="1079971"/>
+            <a:chOff x="4602268" y="2743200"/>
+            <a:chExt cx="1417532" cy="628055"/>
+          </a:xfrm>
+        </p:grpSpPr>
+        <p:sp>
+          <p:nvSpPr>
+            <p:cNvPr id="21" name="Rectangle 57"/>
+            <p:cNvSpPr/>
+            <p:nvPr/>
+          </p:nvSpPr>
+          <p:spPr>
+            <a:xfrm>
+              <a:off x="4983268" y="3048000"/>
+              <a:ext cx="76200" cy="76200"/>
+            </a:xfrm>
+            <a:prstGeom prst="rect">
+              <a:avLst/>
+            </a:prstGeom>
+            <a:ln/>
+          </p:spPr>
+          <p:style>
+            <a:lnRef idx="1">
+              <a:schemeClr val="accent6"/>
+            </a:lnRef>
+            <a:fillRef idx="3">
+              <a:schemeClr val="accent6"/>
+            </a:fillRef>
+            <a:effectRef idx="2">
+              <a:schemeClr val="accent6"/>
+            </a:effectRef>
+            <a:fontRef idx="minor">
+              <a:schemeClr val="lt1"/>
+            </a:fontRef>
+          </p:style>
+          <p:txBody>
+            <a:bodyPr rtlCol="0" anchor="ctr"/>
+            <a:lstStyle/>
+            <a:p>
+              <a:pPr algn="ctr"/>
+              <a:endParaRPr lang="en-US"/>
+            </a:p>
+          </p:txBody>
+        </p:sp>
+        <p:sp>
+          <p:nvSpPr>
+            <p:cNvPr id="22" name="Rectangle 59"/>
+            <p:cNvSpPr/>
+            <p:nvPr/>
+          </p:nvSpPr>
+          <p:spPr>
+            <a:xfrm>
+              <a:off x="5135668" y="2743200"/>
+              <a:ext cx="76200" cy="381000"/>
+            </a:xfrm>
+            <a:prstGeom prst="rect">
+              <a:avLst/>
+            </a:prstGeom>
+            <a:ln/>
+          </p:spPr>
+          <p:style>
+            <a:lnRef idx="1">
+              <a:schemeClr val="accent3"/>
+            </a:lnRef>
+            <a:fillRef idx="3">
+              <a:schemeClr val="accent3"/>
+            </a:fillRef>
+            <a:effectRef idx="2">
+              <a:schemeClr val="accent3"/>
+            </a:effectRef>
+            <a:fontRef idx="minor">
+              <a:schemeClr val="lt1"/>
+            </a:fontRef>
+          </p:style>
+          <p:txBody>
+            <a:bodyPr rtlCol="0" anchor="ctr"/>
+            <a:lstStyle/>
+            <a:p>
+              <a:pPr algn="ctr"/>
+              <a:endParaRPr lang="en-US"/>
+            </a:p>
+          </p:txBody>
+        </p:sp>
+        <p:sp>
+          <p:nvSpPr>
+            <p:cNvPr id="23" name="Rectangle 60"/>
+            <p:cNvSpPr/>
+            <p:nvPr/>
+          </p:nvSpPr>
+          <p:spPr>
+            <a:xfrm>
+              <a:off x="5288068" y="2933700"/>
+              <a:ext cx="76200" cy="190500"/>
+            </a:xfrm>
+            <a:prstGeom prst="rect">
+              <a:avLst/>
+            </a:prstGeom>
+            <a:ln/>
+          </p:spPr>
+          <p:style>
+            <a:lnRef idx="1">
+              <a:schemeClr val="accent5"/>
+            </a:lnRef>
+            <a:fillRef idx="3">
+              <a:schemeClr val="accent5"/>
+            </a:fillRef>
+            <a:effectRef idx="2">
+              <a:schemeClr val="accent5"/>
+            </a:effectRef>
+            <a:fontRef idx="minor">
+              <a:schemeClr val="lt1"/>
+            </a:fontRef>
+          </p:style>
+          <p:txBody>
+            <a:bodyPr rtlCol="0" anchor="ctr"/>
+            <a:lstStyle/>
+            <a:p>
+              <a:pPr algn="ctr"/>
+              <a:endParaRPr lang="en-US"/>
+            </a:p>
+          </p:txBody>
+        </p:sp>
+        <p:sp>
+          <p:nvSpPr>
+            <p:cNvPr id="24" name="Rectangle 64"/>
+            <p:cNvSpPr/>
+            <p:nvPr/>
+          </p:nvSpPr>
+          <p:spPr>
+            <a:xfrm>
+              <a:off x="5440468" y="2819400"/>
+              <a:ext cx="76200" cy="304800"/>
+            </a:xfrm>
+            <a:prstGeom prst="rect">
+              <a:avLst/>
+            </a:prstGeom>
+            <a:ln/>
+          </p:spPr>
+          <p:style>
+            <a:lnRef idx="1">
+              <a:schemeClr val="dk1"/>
+            </a:lnRef>
+            <a:fillRef idx="3">
+              <a:schemeClr val="dk1"/>
+            </a:fillRef>
+            <a:effectRef idx="2">
+              <a:schemeClr val="dk1"/>
+            </a:effectRef>
+            <a:fontRef idx="minor">
+              <a:schemeClr val="lt1"/>
+            </a:fontRef>
+          </p:style>
+          <p:txBody>
+            <a:bodyPr rtlCol="0" anchor="ctr"/>
+            <a:lstStyle/>
+            <a:p>
+              <a:pPr algn="ctr"/>
+              <a:endParaRPr lang="en-US"/>
+            </a:p>
+          </p:txBody>
+        </p:sp>
+        <p:sp>
+          <p:nvSpPr>
+            <p:cNvPr id="28" name="TextBox 27"/>
+            <p:cNvSpPr txBox="1"/>
+            <p:nvPr/>
+          </p:nvSpPr>
+          <p:spPr>
+            <a:xfrm>
+              <a:off x="4602268" y="3183319"/>
+              <a:ext cx="1417532" cy="187936"/>
+            </a:xfrm>
+            <a:prstGeom prst="rect">
+              <a:avLst/>
+            </a:prstGeom>
+            <a:noFill/>
+          </p:spPr>
+          <p:txBody>
+            <a:bodyPr wrap="square" rtlCol="0">
+              <a:spAutoFit/>
+            </a:bodyPr>
+            <a:lstStyle/>
+            <a:p>
+              <a:pPr algn="ctr"/>
+              <a:r>
+                <a:rPr lang="en-US" altLang="zh-CN" sz="1500" dirty="0" smtClean="0">
+                  <a:solidFill>
+                    <a:schemeClr val="accent1"/>
+                  </a:solidFill>
+                </a:rPr>
+                <a:t>Auxiliary Bias</a:t>
+              </a:r>
+              <a:endParaRPr lang="zh-CN" altLang="en-US" sz="1500" dirty="0">
+                <a:solidFill>
+                  <a:schemeClr val="accent1"/>
+                </a:solidFill>
+              </a:endParaRPr>
+            </a:p>
+          </p:txBody>
+        </p:sp>
+        <p:cxnSp>
+          <p:nvCxnSpPr>
+            <p:cNvPr id="20" name="Straight Arrow Connector 56"/>
+            <p:cNvCxnSpPr/>
+            <p:nvPr/>
+          </p:nvCxnSpPr>
+          <p:spPr>
+            <a:xfrm>
+              <a:off x="4983268" y="3124200"/>
+              <a:ext cx="685800" cy="0"/>
+            </a:xfrm>
+            <a:prstGeom prst="straightConnector1">
+              <a:avLst/>
+            </a:prstGeom>
+            <a:ln>
+              <a:tailEnd type="arrow"/>
+            </a:ln>
+          </p:spPr>
+          <p:style>
+            <a:lnRef idx="2">
+              <a:schemeClr val="accent2"/>
+            </a:lnRef>
+            <a:fillRef idx="0">
+              <a:schemeClr val="accent2"/>
+            </a:fillRef>
+            <a:effectRef idx="1">
+              <a:schemeClr val="accent2"/>
+            </a:effectRef>
+            <a:fontRef idx="minor">
+              <a:schemeClr val="tx1"/>
+            </a:fontRef>
+          </p:style>
+        </p:cxnSp>
+      </p:grpSp>
+      <p:grpSp>
+        <p:nvGrpSpPr>
+          <p:cNvPr id="3" name="组合 2"/>
+          <p:cNvGrpSpPr/>
+          <p:nvPr/>
+        </p:nvGrpSpPr>
+        <p:grpSpPr>
+          <a:xfrm>
+            <a:off x="6156375" y="2073374"/>
+            <a:ext cx="1911960" cy="1279425"/>
+            <a:chOff x="6583468" y="1905000"/>
+            <a:chExt cx="1417532" cy="800015"/>
+          </a:xfrm>
+        </p:grpSpPr>
+        <p:cxnSp>
+          <p:nvCxnSpPr>
+            <p:cNvPr id="36" name="Straight Arrow Connector 35"/>
+            <p:cNvCxnSpPr/>
+            <p:nvPr/>
+          </p:nvCxnSpPr>
+          <p:spPr>
+            <a:xfrm>
+              <a:off x="6964468" y="2438400"/>
+              <a:ext cx="685800" cy="0"/>
+            </a:xfrm>
+            <a:prstGeom prst="straightConnector1">
+              <a:avLst/>
+            </a:prstGeom>
+            <a:ln>
+              <a:tailEnd type="arrow"/>
+            </a:ln>
+          </p:spPr>
+          <p:style>
+            <a:lnRef idx="2">
+              <a:schemeClr val="accent4"/>
+            </a:lnRef>
+            <a:fillRef idx="0">
+              <a:schemeClr val="accent4"/>
+            </a:fillRef>
+            <a:effectRef idx="1">
+              <a:schemeClr val="accent4"/>
+            </a:effectRef>
+            <a:fontRef idx="minor">
+              <a:schemeClr val="tx1"/>
+            </a:fontRef>
+          </p:style>
+        </p:cxnSp>
+        <p:sp>
+          <p:nvSpPr>
+            <p:cNvPr id="37" name="Rectangle 39"/>
+            <p:cNvSpPr/>
+            <p:nvPr/>
+          </p:nvSpPr>
+          <p:spPr>
+            <a:xfrm>
+              <a:off x="6964468" y="2133600"/>
+              <a:ext cx="76200" cy="304800"/>
+            </a:xfrm>
+            <a:prstGeom prst="rect">
+              <a:avLst/>
+            </a:prstGeom>
+            <a:ln>
+              <a:noFill/>
+            </a:ln>
+          </p:spPr>
+          <p:style>
+            <a:lnRef idx="1">
+              <a:schemeClr val="accent4"/>
+            </a:lnRef>
+            <a:fillRef idx="3">
+              <a:schemeClr val="accent4"/>
+            </a:fillRef>
+            <a:effectRef idx="2">
+              <a:schemeClr val="accent4"/>
+            </a:effectRef>
+            <a:fontRef idx="minor">
+              <a:schemeClr val="lt1"/>
+            </a:fontRef>
+          </p:style>
+          <p:txBody>
+            <a:bodyPr rtlCol="0" anchor="ctr"/>
+            <a:lstStyle/>
+            <a:p>
+              <a:pPr algn="ctr"/>
+              <a:endParaRPr lang="en-US"/>
+            </a:p>
+          </p:txBody>
+        </p:sp>
+        <p:sp>
+          <p:nvSpPr>
+            <p:cNvPr id="38" name="Rectangle 41"/>
+            <p:cNvSpPr/>
+            <p:nvPr/>
+          </p:nvSpPr>
+          <p:spPr>
+            <a:xfrm>
+              <a:off x="7116868" y="1905000"/>
+              <a:ext cx="76200" cy="533400"/>
+            </a:xfrm>
+            <a:prstGeom prst="rect">
+              <a:avLst/>
+            </a:prstGeom>
+            <a:ln>
+              <a:noFill/>
+            </a:ln>
+          </p:spPr>
+          <p:style>
+            <a:lnRef idx="1">
+              <a:schemeClr val="accent4"/>
+            </a:lnRef>
+            <a:fillRef idx="3">
+              <a:schemeClr val="accent4"/>
+            </a:fillRef>
+            <a:effectRef idx="2">
+              <a:schemeClr val="accent4"/>
+            </a:effectRef>
+            <a:fontRef idx="minor">
+              <a:schemeClr val="lt1"/>
+            </a:fontRef>
+          </p:style>
+          <p:txBody>
+            <a:bodyPr rtlCol="0" anchor="ctr"/>
+            <a:lstStyle/>
+            <a:p>
+              <a:pPr algn="ctr"/>
+              <a:endParaRPr lang="en-US"/>
+            </a:p>
+          </p:txBody>
+        </p:sp>
+        <p:sp>
+          <p:nvSpPr>
+            <p:cNvPr id="39" name="Rectangle 44"/>
+            <p:cNvSpPr/>
+            <p:nvPr/>
+          </p:nvSpPr>
+          <p:spPr>
+            <a:xfrm>
+              <a:off x="7269268" y="2171700"/>
+              <a:ext cx="76200" cy="266700"/>
+            </a:xfrm>
+            <a:prstGeom prst="rect">
+              <a:avLst/>
+            </a:prstGeom>
+            <a:ln>
+              <a:noFill/>
+            </a:ln>
+          </p:spPr>
+          <p:style>
+            <a:lnRef idx="1">
+              <a:schemeClr val="accent4"/>
+            </a:lnRef>
+            <a:fillRef idx="3">
+              <a:schemeClr val="accent4"/>
+            </a:fillRef>
+            <a:effectRef idx="2">
+              <a:schemeClr val="accent4"/>
+            </a:effectRef>
+            <a:fontRef idx="minor">
+              <a:schemeClr val="lt1"/>
+            </a:fontRef>
+          </p:style>
+          <p:txBody>
+            <a:bodyPr rtlCol="0" anchor="ctr"/>
+            <a:lstStyle/>
+            <a:p>
+              <a:pPr algn="ctr"/>
+              <a:endParaRPr lang="en-US"/>
+            </a:p>
+          </p:txBody>
+        </p:sp>
+        <p:sp>
+          <p:nvSpPr>
+            <p:cNvPr id="40" name="Rectangle 46"/>
+            <p:cNvSpPr/>
+            <p:nvPr/>
+          </p:nvSpPr>
+          <p:spPr>
+            <a:xfrm>
+              <a:off x="7421668" y="2133600"/>
+              <a:ext cx="76200" cy="304800"/>
+            </a:xfrm>
+            <a:prstGeom prst="rect">
+              <a:avLst/>
+            </a:prstGeom>
+            <a:ln>
+              <a:noFill/>
+            </a:ln>
+          </p:spPr>
+          <p:style>
+            <a:lnRef idx="1">
+              <a:schemeClr val="accent4"/>
+            </a:lnRef>
+            <a:fillRef idx="3">
+              <a:schemeClr val="accent4"/>
+            </a:fillRef>
+            <a:effectRef idx="2">
+              <a:schemeClr val="accent4"/>
+            </a:effectRef>
+            <a:fontRef idx="minor">
+              <a:schemeClr val="lt1"/>
+            </a:fontRef>
+          </p:style>
+          <p:txBody>
+            <a:bodyPr rtlCol="0" anchor="ctr"/>
+            <a:lstStyle/>
+            <a:p>
+              <a:pPr algn="ctr"/>
+              <a:endParaRPr lang="en-US"/>
+            </a:p>
+          </p:txBody>
+        </p:sp>
+        <p:sp>
+          <p:nvSpPr>
+            <p:cNvPr id="41" name="TextBox 40"/>
+            <p:cNvSpPr txBox="1"/>
+            <p:nvPr/>
+          </p:nvSpPr>
+          <p:spPr>
+            <a:xfrm>
+              <a:off x="6583468" y="2502942"/>
+              <a:ext cx="1417532" cy="202073"/>
+            </a:xfrm>
+            <a:prstGeom prst="rect">
+              <a:avLst/>
+            </a:prstGeom>
+            <a:noFill/>
+            <a:ln>
+              <a:noFill/>
+            </a:ln>
+          </p:spPr>
+          <p:style>
+            <a:lnRef idx="2">
+              <a:schemeClr val="accent4"/>
+            </a:lnRef>
+            <a:fillRef idx="1">
+              <a:schemeClr val="lt1"/>
+            </a:fillRef>
+            <a:effectRef idx="0">
+              <a:schemeClr val="accent4"/>
+            </a:effectRef>
+            <a:fontRef idx="minor">
+              <a:schemeClr val="dk1"/>
+            </a:fontRef>
+          </p:style>
+          <p:txBody>
+            <a:bodyPr wrap="square" rtlCol="0">
+              <a:spAutoFit/>
+            </a:bodyPr>
+            <a:lstStyle/>
+            <a:p>
+              <a:pPr algn="ctr"/>
+              <a:r>
+                <a:rPr lang="en-US" altLang="zh-CN" sz="1500" dirty="0" smtClean="0">
+                  <a:solidFill>
+                    <a:srgbClr val="7030A0"/>
+                  </a:solidFill>
+                </a:rPr>
+                <a:t>Final Prediction</a:t>
+              </a:r>
+              <a:endParaRPr lang="zh-CN" altLang="en-US" sz="1500" dirty="0">
+                <a:solidFill>
+                  <a:srgbClr val="7030A0"/>
+                </a:solidFill>
+              </a:endParaRPr>
+            </a:p>
+          </p:txBody>
+        </p:sp>
+      </p:grpSp>
+      <p:grpSp>
+        <p:nvGrpSpPr>
+          <p:cNvPr id="2" name="组合 1"/>
+          <p:cNvGrpSpPr/>
+          <p:nvPr/>
+        </p:nvGrpSpPr>
+        <p:grpSpPr>
+          <a:xfrm>
+            <a:off x="838200" y="2190750"/>
+            <a:ext cx="1801911" cy="1390650"/>
+            <a:chOff x="4678468" y="1524000"/>
+            <a:chExt cx="1241622" cy="838200"/>
+          </a:xfrm>
+        </p:grpSpPr>
+        <p:sp>
+          <p:nvSpPr>
+            <p:cNvPr id="27" name="TextBox 26"/>
+            <p:cNvSpPr txBox="1"/>
+            <p:nvPr/>
+          </p:nvSpPr>
+          <p:spPr>
+            <a:xfrm>
+              <a:off x="4678468" y="2039035"/>
+              <a:ext cx="1241622" cy="323165"/>
+            </a:xfrm>
+            <a:prstGeom prst="rect">
+              <a:avLst/>
+            </a:prstGeom>
+            <a:noFill/>
+          </p:spPr>
+          <p:txBody>
+            <a:bodyPr wrap="none" rtlCol="0">
+              <a:spAutoFit/>
+            </a:bodyPr>
+            <a:lstStyle/>
+            <a:p>
+              <a:pPr algn="ctr"/>
+              <a:r>
+                <a:rPr lang="en-US" altLang="zh-CN" sz="1500" dirty="0" smtClean="0">
+                  <a:solidFill>
+                    <a:schemeClr val="accent2"/>
+                  </a:solidFill>
+                </a:rPr>
+                <a:t>Target output</a:t>
+              </a:r>
+              <a:endParaRPr lang="zh-CN" altLang="en-US" sz="1500" dirty="0">
+                <a:solidFill>
+                  <a:schemeClr val="accent2"/>
+                </a:solidFill>
+              </a:endParaRPr>
+            </a:p>
+          </p:txBody>
+        </p:sp>
+        <p:cxnSp>
+          <p:nvCxnSpPr>
+            <p:cNvPr id="50" name="Straight Arrow Connector 35"/>
+            <p:cNvCxnSpPr/>
+            <p:nvPr/>
+          </p:nvCxnSpPr>
+          <p:spPr>
+            <a:xfrm>
+              <a:off x="4983268" y="1981200"/>
+              <a:ext cx="685800" cy="0"/>
+            </a:xfrm>
+            <a:prstGeom prst="straightConnector1">
+              <a:avLst/>
+            </a:prstGeom>
+            <a:ln>
+              <a:tailEnd type="arrow"/>
+            </a:ln>
+          </p:spPr>
+          <p:style>
+            <a:lnRef idx="2">
+              <a:schemeClr val="accent2"/>
+            </a:lnRef>
+            <a:fillRef idx="0">
+              <a:schemeClr val="accent2"/>
+            </a:fillRef>
+            <a:effectRef idx="1">
+              <a:schemeClr val="accent2"/>
+            </a:effectRef>
+            <a:fontRef idx="minor">
+              <a:schemeClr val="tx1"/>
+            </a:fontRef>
+          </p:style>
+        </p:cxnSp>
+        <p:sp>
+          <p:nvSpPr>
+            <p:cNvPr id="51" name="Rectangle 39"/>
+            <p:cNvSpPr/>
+            <p:nvPr/>
+          </p:nvSpPr>
+          <p:spPr>
+            <a:xfrm>
+              <a:off x="4983268" y="1676400"/>
+              <a:ext cx="76200" cy="304800"/>
+            </a:xfrm>
+            <a:prstGeom prst="rect">
+              <a:avLst/>
+            </a:prstGeom>
+            <a:solidFill>
+              <a:schemeClr val="accent2"/>
+            </a:solidFill>
+            <a:ln>
+              <a:noFill/>
+            </a:ln>
+          </p:spPr>
+          <p:style>
+            <a:lnRef idx="2">
+              <a:schemeClr val="accent1">
+                <a:shade val="50000"/>
+              </a:schemeClr>
+            </a:lnRef>
+            <a:fillRef idx="1">
+              <a:schemeClr val="accent1"/>
+            </a:fillRef>
+            <a:effectRef idx="0">
+              <a:schemeClr val="accent1"/>
+            </a:effectRef>
+            <a:fontRef idx="minor">
+              <a:schemeClr val="lt1"/>
+            </a:fontRef>
+          </p:style>
+          <p:txBody>
+            <a:bodyPr rtlCol="0" anchor="ctr"/>
+            <a:lstStyle/>
+            <a:p>
+              <a:pPr algn="ctr"/>
+              <a:endParaRPr lang="en-US"/>
+            </a:p>
+          </p:txBody>
+        </p:sp>
+        <p:sp>
+          <p:nvSpPr>
+            <p:cNvPr id="52" name="Rectangle 41"/>
+            <p:cNvSpPr/>
+            <p:nvPr/>
+          </p:nvSpPr>
+          <p:spPr>
+            <a:xfrm>
+              <a:off x="5135668" y="1524000"/>
+              <a:ext cx="76200" cy="457200"/>
+            </a:xfrm>
+            <a:prstGeom prst="rect">
+              <a:avLst/>
+            </a:prstGeom>
+            <a:solidFill>
+              <a:schemeClr val="accent2"/>
+            </a:solidFill>
+            <a:ln>
+              <a:noFill/>
+            </a:ln>
+          </p:spPr>
+          <p:style>
+            <a:lnRef idx="2">
+              <a:schemeClr val="accent1">
+                <a:shade val="50000"/>
+              </a:schemeClr>
+            </a:lnRef>
+            <a:fillRef idx="1">
+              <a:schemeClr val="accent1"/>
+            </a:fillRef>
+            <a:effectRef idx="0">
+              <a:schemeClr val="accent1"/>
+            </a:effectRef>
+            <a:fontRef idx="minor">
+              <a:schemeClr val="lt1"/>
+            </a:fontRef>
+          </p:style>
+          <p:txBody>
+            <a:bodyPr rtlCol="0" anchor="ctr"/>
+            <a:lstStyle/>
+            <a:p>
+              <a:pPr algn="ctr"/>
+              <a:endParaRPr lang="en-US"/>
+            </a:p>
+          </p:txBody>
+        </p:sp>
+        <p:sp>
+          <p:nvSpPr>
+            <p:cNvPr id="53" name="Rectangle 44"/>
+            <p:cNvSpPr/>
+            <p:nvPr/>
+          </p:nvSpPr>
+          <p:spPr>
+            <a:xfrm>
+              <a:off x="5288068" y="1676400"/>
+              <a:ext cx="76200" cy="304800"/>
+            </a:xfrm>
+            <a:prstGeom prst="rect">
+              <a:avLst/>
+            </a:prstGeom>
+            <a:solidFill>
+              <a:schemeClr val="accent2"/>
+            </a:solidFill>
+            <a:ln>
+              <a:noFill/>
+            </a:ln>
+          </p:spPr>
+          <p:style>
+            <a:lnRef idx="2">
+              <a:schemeClr val="accent1">
+                <a:shade val="50000"/>
+              </a:schemeClr>
+            </a:lnRef>
+            <a:fillRef idx="1">
+              <a:schemeClr val="accent1"/>
+            </a:fillRef>
+            <a:effectRef idx="0">
+              <a:schemeClr val="accent1"/>
+            </a:effectRef>
+            <a:fontRef idx="minor">
+              <a:schemeClr val="lt1"/>
+            </a:fontRef>
+          </p:style>
+          <p:txBody>
+            <a:bodyPr rtlCol="0" anchor="ctr"/>
+            <a:lstStyle/>
+            <a:p>
+              <a:pPr algn="ctr"/>
+              <a:endParaRPr lang="en-US"/>
+            </a:p>
+          </p:txBody>
+        </p:sp>
+        <p:sp>
+          <p:nvSpPr>
+            <p:cNvPr id="54" name="Rectangle 46"/>
+            <p:cNvSpPr/>
+            <p:nvPr/>
+          </p:nvSpPr>
+          <p:spPr>
+            <a:xfrm>
+              <a:off x="5440468" y="1828800"/>
+              <a:ext cx="76200" cy="152400"/>
+            </a:xfrm>
+            <a:prstGeom prst="rect">
+              <a:avLst/>
+            </a:prstGeom>
+            <a:solidFill>
+              <a:schemeClr val="accent2"/>
+            </a:solidFill>
+            <a:ln>
+              <a:noFill/>
+            </a:ln>
+          </p:spPr>
+          <p:style>
+            <a:lnRef idx="2">
+              <a:schemeClr val="accent1">
+                <a:shade val="50000"/>
+              </a:schemeClr>
+            </a:lnRef>
+            <a:fillRef idx="1">
+              <a:schemeClr val="accent1"/>
+            </a:fillRef>
+            <a:effectRef idx="0">
+              <a:schemeClr val="accent1"/>
+            </a:effectRef>
+            <a:fontRef idx="minor">
+              <a:schemeClr val="lt1"/>
+            </a:fontRef>
+          </p:style>
+          <p:txBody>
+            <a:bodyPr rtlCol="0" anchor="ctr"/>
+            <a:lstStyle/>
+            <a:p>
+              <a:pPr algn="ctr"/>
+              <a:endParaRPr lang="en-US"/>
+            </a:p>
+          </p:txBody>
+        </p:sp>
+      </p:grpSp>
+      <p:sp>
+        <p:nvSpPr>
+          <p:cNvPr id="55" name="右箭头 54"/>
+          <p:cNvSpPr/>
+          <p:nvPr/>
+        </p:nvSpPr>
+        <p:spPr>
+          <a:xfrm rot="5400000">
+            <a:off x="1470766" y="1752600"/>
+            <a:ext cx="335068" cy="304800"/>
+          </a:xfrm>
+          <a:prstGeom prst="rightArrow">
+            <a:avLst/>
+          </a:prstGeom>
+          <a:ln>
+            <a:noFill/>
+          </a:ln>
+        </p:spPr>
+        <p:style>
+          <a:lnRef idx="2">
+            <a:schemeClr val="accent2">
+              <a:shade val="50000"/>
+            </a:schemeClr>
+          </a:lnRef>
+          <a:fillRef idx="1">
+            <a:schemeClr val="accent2"/>
+          </a:fillRef>
+          <a:effectRef idx="0">
+            <a:schemeClr val="accent2"/>
+          </a:effectRef>
+          <a:fontRef idx="minor">
+            <a:schemeClr val="lt1"/>
+          </a:fontRef>
+        </p:style>
+        <p:txBody>
+          <a:bodyPr rtlCol="0" anchor="ctr"/>
+          <a:lstStyle/>
+          <a:p>
+            <a:pPr algn="ctr"/>
+            <a:endParaRPr lang="zh-CN" altLang="en-US"/>
+          </a:p>
+        </p:txBody>
+      </p:sp>
+      <mc:AlternateContent xmlns:mc="http://schemas.openxmlformats.org/markup-compatibility/2006">
+        <mc:Choice xmlns:a14="http://schemas.microsoft.com/office/drawing/2010/main" Requires="a14">
+          <p:sp>
+            <p:nvSpPr>
+              <p:cNvPr id="30" name="Rounded Rectangle 30"/>
+              <p:cNvSpPr/>
+              <p:nvPr/>
+            </p:nvSpPr>
+            <p:spPr>
+              <a:xfrm>
+                <a:off x="3710834" y="609601"/>
+                <a:ext cx="838200" cy="685799"/>
+              </a:xfrm>
+              <a:prstGeom prst="roundRect">
+                <a:avLst/>
+              </a:prstGeom>
+              <a:ln/>
+            </p:spPr>
+            <p:style>
+              <a:lnRef idx="1">
+                <a:schemeClr val="accent3"/>
+              </a:lnRef>
+              <a:fillRef idx="3">
+                <a:schemeClr val="accent3"/>
+              </a:fillRef>
+              <a:effectRef idx="2">
+                <a:schemeClr val="accent3"/>
+              </a:effectRef>
+              <a:fontRef idx="minor">
+                <a:schemeClr val="lt1"/>
+              </a:fontRef>
+            </p:style>
+            <p:txBody>
+              <a:bodyPr rtlCol="0" anchor="ctr"/>
+              <a:lstStyle/>
+              <a:p>
+                <a:pPr algn="ctr"/>
+                <a14:m>
+                  <m:oMathPara xmlns:m="http://schemas.openxmlformats.org/officeDocument/2006/math">
+                    <m:oMathParaPr>
+                      <m:jc m:val="centerGroup"/>
+                    </m:oMathParaPr>
+                    <m:oMath xmlns:m="http://schemas.openxmlformats.org/officeDocument/2006/math">
+                      <m:sSub>
+                        <m:sSubPr>
+                          <m:ctrlPr>
+                            <a:rPr lang="en-US" altLang="zh-CN" sz="1200" i="1" smtClean="0">
+                              <a:latin typeface="Cambria Math"/>
+                            </a:rPr>
+                          </m:ctrlPr>
+                        </m:sSubPr>
+                        <m:e>
+                          <m:r>
+                            <a:rPr lang="en-US" altLang="zh-CN" sz="1200" b="0" i="1" smtClean="0">
+                              <a:latin typeface="Cambria Math"/>
+                              <a:ea typeface="Cambria Math"/>
+                            </a:rPr>
+                            <m:t>𝑓</m:t>
+                          </m:r>
+                          <m:r>
+                            <a:rPr lang="en-US" altLang="zh-CN" sz="1200" b="0" i="1" smtClean="0">
+                              <a:latin typeface="Cambria Math"/>
+                              <a:ea typeface="Cambria Math"/>
+                            </a:rPr>
+                            <m:t>′</m:t>
+                          </m:r>
+                          <m:r>
+                            <m:rPr>
+                              <m:nor/>
+                            </m:rPr>
+                            <a:rPr lang="en-US" altLang="zh-CN" sz="1200" dirty="0">
+                              <a:solidFill>
+                                <a:schemeClr val="tx1"/>
+                              </a:solidFill>
+                            </a:rPr>
+                            <m:t> </m:t>
+                          </m:r>
+                        </m:e>
+                        <m:sub>
+                          <m:r>
+                            <a:rPr lang="en-US" altLang="zh-CN" sz="1200" b="0" i="1" smtClean="0">
+                              <a:latin typeface="Cambria Math"/>
+                            </a:rPr>
+                            <m:t>2</m:t>
+                          </m:r>
+                        </m:sub>
+                      </m:sSub>
+                      <m:r>
+                        <a:rPr lang="en-US" altLang="zh-CN" sz="1200" b="0" i="1" smtClean="0">
+                          <a:latin typeface="Cambria Math"/>
+                        </a:rPr>
+                        <m:t>∗</m:t>
+                      </m:r>
+                      <m:sSub>
+                        <m:sSubPr>
+                          <m:ctrlPr>
+                            <a:rPr lang="en-US" altLang="zh-CN" sz="1200" b="0" i="1" smtClean="0">
+                              <a:latin typeface="Cambria Math"/>
+                            </a:rPr>
+                          </m:ctrlPr>
+                        </m:sSubPr>
+                        <m:e>
+                          <m:r>
+                            <a:rPr lang="en-US" altLang="zh-CN" sz="1200" i="1">
+                              <a:latin typeface="Cambria Math"/>
+                              <a:ea typeface="Cambria Math"/>
+                            </a:rPr>
+                            <m:t>𝛽</m:t>
+                          </m:r>
+                          <m:r>
+                            <m:rPr>
+                              <m:nor/>
+                            </m:rPr>
+                            <a:rPr lang="en-US" altLang="zh-CN" sz="1200" dirty="0">
+                              <a:solidFill>
+                                <a:schemeClr val="tx1"/>
+                              </a:solidFill>
+                            </a:rPr>
+                            <m:t> </m:t>
+                          </m:r>
+                        </m:e>
+                        <m:sub>
+                          <m:r>
+                            <a:rPr lang="en-US" altLang="zh-CN" sz="1200" b="0" i="1" smtClean="0">
+                              <a:latin typeface="Cambria Math"/>
+                            </a:rPr>
+                            <m:t>2</m:t>
+                          </m:r>
+                        </m:sub>
+                      </m:sSub>
+                    </m:oMath>
+                  </m:oMathPara>
+                </a14:m>
+                <a:endParaRPr lang="en-US" altLang="zh-CN" sz="1200" dirty="0">
+                  <a:solidFill>
+                    <a:schemeClr val="tx1"/>
+                  </a:solidFill>
+                </a:endParaRPr>
+              </a:p>
+            </p:txBody>
+          </p:sp>
+        </mc:Choice>
+        <mc:Fallback>
+          <p:sp>
+            <p:nvSpPr>
+              <p:cNvPr id="30" name="Rounded Rectangle 30"/>
+              <p:cNvSpPr>
+                <a:spLocks noRot="1" noChangeAspect="1" noMove="1" noResize="1" noEditPoints="1" noAdjustHandles="1" noChangeArrowheads="1" noChangeShapeType="1" noTextEdit="1"/>
+              </p:cNvSpPr>
+              <p:nvPr/>
+            </p:nvSpPr>
+            <p:spPr>
+              <a:xfrm>
+                <a:off x="3710834" y="609601"/>
+                <a:ext cx="838200" cy="685799"/>
+              </a:xfrm>
+              <a:prstGeom prst="roundRect">
+                <a:avLst/>
+              </a:prstGeom>
+              <a:blipFill rotWithShape="1">
+                <a:blip r:embed="rId4"/>
+                <a:stretch>
+                  <a:fillRect/>
+                </a:stretch>
+              </a:blipFill>
+              <a:ln/>
+            </p:spPr>
+            <p:txBody>
+              <a:bodyPr/>
+              <a:lstStyle/>
+              <a:p>
+                <a:r>
+                  <a:rPr lang="zh-CN" altLang="en-US">
+                    <a:noFill/>
+                  </a:rPr>
+                  <a:t> </a:t>
+                </a:r>
+              </a:p>
+            </p:txBody>
+          </p:sp>
+        </mc:Fallback>
+      </mc:AlternateContent>
+      <mc:AlternateContent xmlns:mc="http://schemas.openxmlformats.org/markup-compatibility/2006">
+        <mc:Choice xmlns:a14="http://schemas.microsoft.com/office/drawing/2010/main" Requires="a14">
+          <p:sp>
+            <p:nvSpPr>
+              <p:cNvPr id="31" name="Rounded Rectangle 30"/>
+              <p:cNvSpPr/>
+              <p:nvPr/>
+            </p:nvSpPr>
+            <p:spPr>
+              <a:xfrm>
+                <a:off x="4702386" y="609601"/>
+                <a:ext cx="838200" cy="685799"/>
+              </a:xfrm>
+              <a:prstGeom prst="roundRect">
+                <a:avLst/>
+              </a:prstGeom>
+              <a:ln/>
+            </p:spPr>
+            <p:style>
+              <a:lnRef idx="1">
+                <a:schemeClr val="accent5"/>
+              </a:lnRef>
+              <a:fillRef idx="3">
+                <a:schemeClr val="accent5"/>
+              </a:fillRef>
+              <a:effectRef idx="2">
+                <a:schemeClr val="accent5"/>
+              </a:effectRef>
+              <a:fontRef idx="minor">
+                <a:schemeClr val="lt1"/>
+              </a:fontRef>
+            </p:style>
+            <p:txBody>
+              <a:bodyPr rtlCol="0" anchor="ctr"/>
+              <a:lstStyle/>
+              <a:p>
+                <a:pPr algn="ctr"/>
+                <a14:m>
+                  <m:oMathPara xmlns:m="http://schemas.openxmlformats.org/officeDocument/2006/math">
+                    <m:oMathParaPr>
+                      <m:jc m:val="centerGroup"/>
+                    </m:oMathParaPr>
+                    <m:oMath xmlns:m="http://schemas.openxmlformats.org/officeDocument/2006/math">
+                      <m:sSub>
+                        <m:sSubPr>
+                          <m:ctrlPr>
+                            <a:rPr lang="en-US" altLang="zh-CN" sz="1200" i="1" smtClean="0">
+                              <a:latin typeface="Cambria Math"/>
+                            </a:rPr>
+                          </m:ctrlPr>
+                        </m:sSubPr>
+                        <m:e>
+                          <m:r>
+                            <a:rPr lang="en-US" altLang="zh-CN" sz="1200" b="0" i="1" smtClean="0">
+                              <a:latin typeface="Cambria Math"/>
+                              <a:ea typeface="Cambria Math"/>
+                            </a:rPr>
+                            <m:t>𝑓</m:t>
+                          </m:r>
+                          <m:r>
+                            <a:rPr lang="en-US" altLang="zh-CN" sz="1200" b="0" i="1" smtClean="0">
+                              <a:latin typeface="Cambria Math"/>
+                              <a:ea typeface="Cambria Math"/>
+                            </a:rPr>
+                            <m:t>′</m:t>
+                          </m:r>
+                          <m:r>
+                            <m:rPr>
+                              <m:nor/>
+                            </m:rPr>
+                            <a:rPr lang="en-US" altLang="zh-CN" sz="1200" dirty="0">
+                              <a:solidFill>
+                                <a:schemeClr val="tx1"/>
+                              </a:solidFill>
+                            </a:rPr>
+                            <m:t> </m:t>
+                          </m:r>
+                        </m:e>
+                        <m:sub>
+                          <m:r>
+                            <a:rPr lang="en-US" altLang="zh-CN" sz="1200" b="0" i="1" smtClean="0">
+                              <a:latin typeface="Cambria Math"/>
+                            </a:rPr>
+                            <m:t>3</m:t>
+                          </m:r>
+                        </m:sub>
+                      </m:sSub>
+                      <m:r>
+                        <a:rPr lang="en-US" altLang="zh-CN" sz="1200" b="0" i="1" smtClean="0">
+                          <a:latin typeface="Cambria Math"/>
+                        </a:rPr>
+                        <m:t>∗</m:t>
+                      </m:r>
+                      <m:sSub>
+                        <m:sSubPr>
+                          <m:ctrlPr>
+                            <a:rPr lang="en-US" altLang="zh-CN" sz="1200" b="0" i="1" smtClean="0">
+                              <a:latin typeface="Cambria Math"/>
+                            </a:rPr>
+                          </m:ctrlPr>
+                        </m:sSubPr>
+                        <m:e>
+                          <m:r>
+                            <a:rPr lang="en-US" altLang="zh-CN" sz="1200" i="1">
+                              <a:latin typeface="Cambria Math"/>
+                              <a:ea typeface="Cambria Math"/>
+                            </a:rPr>
+                            <m:t>𝛽</m:t>
+                          </m:r>
+                          <m:r>
+                            <m:rPr>
+                              <m:nor/>
+                            </m:rPr>
+                            <a:rPr lang="en-US" altLang="zh-CN" sz="1200" dirty="0">
+                              <a:solidFill>
+                                <a:schemeClr val="tx1"/>
+                              </a:solidFill>
+                            </a:rPr>
+                            <m:t> </m:t>
+                          </m:r>
+                        </m:e>
+                        <m:sub>
+                          <m:r>
+                            <a:rPr lang="en-US" altLang="zh-CN" sz="1200" b="0" i="1" smtClean="0">
+                              <a:latin typeface="Cambria Math"/>
+                            </a:rPr>
+                            <m:t>3</m:t>
+                          </m:r>
+                        </m:sub>
+                      </m:sSub>
+                    </m:oMath>
+                  </m:oMathPara>
+                </a14:m>
+                <a:endParaRPr lang="en-US" altLang="zh-CN" sz="1200" dirty="0">
+                  <a:solidFill>
+                    <a:schemeClr val="tx1"/>
+                  </a:solidFill>
+                </a:endParaRPr>
+              </a:p>
+            </p:txBody>
+          </p:sp>
+        </mc:Choice>
+        <mc:Fallback>
+          <p:sp>
+            <p:nvSpPr>
+              <p:cNvPr id="31" name="Rounded Rectangle 30"/>
+              <p:cNvSpPr>
+                <a:spLocks noRot="1" noChangeAspect="1" noMove="1" noResize="1" noEditPoints="1" noAdjustHandles="1" noChangeArrowheads="1" noChangeShapeType="1" noTextEdit="1"/>
+              </p:cNvSpPr>
+              <p:nvPr/>
+            </p:nvSpPr>
+            <p:spPr>
+              <a:xfrm>
+                <a:off x="4702386" y="609601"/>
+                <a:ext cx="838200" cy="685799"/>
+              </a:xfrm>
+              <a:prstGeom prst="roundRect">
+                <a:avLst/>
+              </a:prstGeom>
+              <a:blipFill rotWithShape="1">
+                <a:blip r:embed="rId5"/>
+                <a:stretch>
+                  <a:fillRect/>
+                </a:stretch>
+              </a:blipFill>
+              <a:ln/>
+            </p:spPr>
+            <p:txBody>
+              <a:bodyPr/>
+              <a:lstStyle/>
+              <a:p>
+                <a:r>
+                  <a:rPr lang="zh-CN" altLang="en-US">
+                    <a:noFill/>
+                  </a:rPr>
+                  <a:t> </a:t>
+                </a:r>
+              </a:p>
+            </p:txBody>
+          </p:sp>
+        </mc:Fallback>
+      </mc:AlternateContent>
+      <mc:AlternateContent xmlns:mc="http://schemas.openxmlformats.org/markup-compatibility/2006">
+        <mc:Choice xmlns:a14="http://schemas.microsoft.com/office/drawing/2010/main" Requires="a14">
+          <p:sp>
+            <p:nvSpPr>
+              <p:cNvPr id="32" name="Rounded Rectangle 30"/>
+              <p:cNvSpPr/>
+              <p:nvPr/>
+            </p:nvSpPr>
+            <p:spPr>
+              <a:xfrm>
+                <a:off x="5707168" y="609601"/>
+                <a:ext cx="838200" cy="685799"/>
+              </a:xfrm>
+              <a:prstGeom prst="roundRect">
+                <a:avLst/>
+              </a:prstGeom>
+              <a:ln/>
+            </p:spPr>
+            <p:style>
+              <a:lnRef idx="1">
+                <a:schemeClr val="dk1"/>
+              </a:lnRef>
+              <a:fillRef idx="3">
+                <a:schemeClr val="dk1"/>
+              </a:fillRef>
+              <a:effectRef idx="2">
+                <a:schemeClr val="dk1"/>
+              </a:effectRef>
+              <a:fontRef idx="minor">
+                <a:schemeClr val="lt1"/>
+              </a:fontRef>
+            </p:style>
+            <p:txBody>
+              <a:bodyPr rtlCol="0" anchor="ctr"/>
+              <a:lstStyle/>
+              <a:p>
+                <a:pPr algn="ctr"/>
+                <a14:m>
+                  <m:oMathPara xmlns:m="http://schemas.openxmlformats.org/officeDocument/2006/math">
+                    <m:oMathParaPr>
+                      <m:jc m:val="centerGroup"/>
+                    </m:oMathParaPr>
+                    <m:oMath xmlns:m="http://schemas.openxmlformats.org/officeDocument/2006/math">
+                      <m:sSub>
+                        <m:sSubPr>
+                          <m:ctrlPr>
+                            <a:rPr lang="en-US" altLang="zh-CN" sz="1200" i="1" smtClean="0">
+                              <a:latin typeface="Cambria Math"/>
+                            </a:rPr>
+                          </m:ctrlPr>
+                        </m:sSubPr>
+                        <m:e>
+                          <m:r>
+                            <a:rPr lang="en-US" altLang="zh-CN" sz="1200" b="0" i="1" smtClean="0">
+                              <a:latin typeface="Cambria Math"/>
+                              <a:ea typeface="Cambria Math"/>
+                            </a:rPr>
+                            <m:t>𝑓</m:t>
+                          </m:r>
+                          <m:r>
+                            <a:rPr lang="en-US" altLang="zh-CN" sz="1200" b="0" i="1" smtClean="0">
+                              <a:latin typeface="Cambria Math"/>
+                              <a:ea typeface="Cambria Math"/>
+                            </a:rPr>
+                            <m:t>′</m:t>
+                          </m:r>
+                          <m:r>
+                            <m:rPr>
+                              <m:nor/>
+                            </m:rPr>
+                            <a:rPr lang="en-US" altLang="zh-CN" sz="1200" dirty="0">
+                              <a:solidFill>
+                                <a:schemeClr val="tx1"/>
+                              </a:solidFill>
+                            </a:rPr>
+                            <m:t> </m:t>
+                          </m:r>
+                        </m:e>
+                        <m:sub>
+                          <m:r>
+                            <a:rPr lang="en-US" altLang="zh-CN" sz="1200" b="0" i="1" smtClean="0">
+                              <a:latin typeface="Cambria Math"/>
+                            </a:rPr>
+                            <m:t>4</m:t>
+                          </m:r>
+                        </m:sub>
+                      </m:sSub>
+                      <m:r>
+                        <a:rPr lang="en-US" altLang="zh-CN" sz="1200" b="0" i="1" smtClean="0">
+                          <a:latin typeface="Cambria Math"/>
+                        </a:rPr>
+                        <m:t>∗</m:t>
+                      </m:r>
+                      <m:sSub>
+                        <m:sSubPr>
+                          <m:ctrlPr>
+                            <a:rPr lang="en-US" altLang="zh-CN" sz="1200" b="0" i="1" smtClean="0">
+                              <a:latin typeface="Cambria Math"/>
+                            </a:rPr>
+                          </m:ctrlPr>
+                        </m:sSubPr>
+                        <m:e>
+                          <m:r>
+                            <a:rPr lang="en-US" altLang="zh-CN" sz="1200" i="1">
+                              <a:latin typeface="Cambria Math"/>
+                              <a:ea typeface="Cambria Math"/>
+                            </a:rPr>
+                            <m:t>𝛽</m:t>
+                          </m:r>
+                          <m:r>
+                            <m:rPr>
+                              <m:nor/>
+                            </m:rPr>
+                            <a:rPr lang="en-US" altLang="zh-CN" sz="1200" dirty="0">
+                              <a:solidFill>
+                                <a:schemeClr val="tx1"/>
+                              </a:solidFill>
+                            </a:rPr>
+                            <m:t> </m:t>
+                          </m:r>
+                        </m:e>
+                        <m:sub>
+                          <m:r>
+                            <a:rPr lang="en-US" altLang="zh-CN" sz="1200" b="0" i="1" smtClean="0">
+                              <a:latin typeface="Cambria Math"/>
+                            </a:rPr>
+                            <m:t>4</m:t>
+                          </m:r>
+                        </m:sub>
+                      </m:sSub>
+                    </m:oMath>
+                  </m:oMathPara>
+                </a14:m>
+                <a:endParaRPr lang="en-US" altLang="zh-CN" sz="1200" dirty="0">
+                  <a:solidFill>
+                    <a:schemeClr val="tx1"/>
+                  </a:solidFill>
+                </a:endParaRPr>
+              </a:p>
+            </p:txBody>
+          </p:sp>
+        </mc:Choice>
+        <mc:Fallback>
+          <p:sp>
+            <p:nvSpPr>
+              <p:cNvPr id="32" name="Rounded Rectangle 30"/>
+              <p:cNvSpPr>
+                <a:spLocks noRot="1" noChangeAspect="1" noMove="1" noResize="1" noEditPoints="1" noAdjustHandles="1" noChangeArrowheads="1" noChangeShapeType="1" noTextEdit="1"/>
+              </p:cNvSpPr>
+              <p:nvPr/>
+            </p:nvSpPr>
+            <p:spPr>
+              <a:xfrm>
+                <a:off x="5707168" y="609601"/>
+                <a:ext cx="838200" cy="685799"/>
+              </a:xfrm>
+              <a:prstGeom prst="roundRect">
+                <a:avLst/>
+              </a:prstGeom>
+              <a:blipFill rotWithShape="1">
+                <a:blip r:embed="rId6"/>
+                <a:stretch>
+                  <a:fillRect/>
+                </a:stretch>
+              </a:blipFill>
+              <a:ln/>
+            </p:spPr>
+            <p:txBody>
+              <a:bodyPr/>
+              <a:lstStyle/>
+              <a:p>
+                <a:r>
+                  <a:rPr lang="zh-CN" altLang="en-US">
+                    <a:noFill/>
+                  </a:rPr>
+                  <a:t> </a:t>
+                </a:r>
+              </a:p>
+            </p:txBody>
+          </p:sp>
+        </mc:Fallback>
+      </mc:AlternateContent>
+      <p:sp>
+        <p:nvSpPr>
+          <p:cNvPr id="6" name="加号 5"/>
+          <p:cNvSpPr/>
+          <p:nvPr/>
+        </p:nvSpPr>
+        <p:spPr>
+          <a:xfrm>
+            <a:off x="2890188" y="2286000"/>
+            <a:ext cx="538812" cy="482817"/>
+          </a:xfrm>
+          <a:prstGeom prst="mathPlus">
+            <a:avLst/>
+          </a:prstGeom>
+          <a:ln>
+            <a:noFill/>
+          </a:ln>
+        </p:spPr>
+        <p:style>
+          <a:lnRef idx="2">
+            <a:schemeClr val="accent4">
+              <a:shade val="50000"/>
+            </a:schemeClr>
+          </a:lnRef>
+          <a:fillRef idx="1">
+            <a:schemeClr val="accent4"/>
+          </a:fillRef>
+          <a:effectRef idx="0">
+            <a:schemeClr val="accent4"/>
+          </a:effectRef>
+          <a:fontRef idx="minor">
+            <a:schemeClr val="lt1"/>
+          </a:fontRef>
+        </p:style>
+        <p:txBody>
+          <a:bodyPr rtlCol="0" anchor="ctr"/>
+          <a:lstStyle/>
+          <a:p>
+            <a:pPr algn="ctr"/>
+            <a:endParaRPr lang="zh-CN" altLang="en-US"/>
+          </a:p>
+        </p:txBody>
+      </p:sp>
+      <p:sp>
+        <p:nvSpPr>
+          <p:cNvPr id="46" name="右箭头 45"/>
+          <p:cNvSpPr/>
+          <p:nvPr/>
+        </p:nvSpPr>
+        <p:spPr>
+          <a:xfrm>
+            <a:off x="5677852" y="2458729"/>
+            <a:ext cx="493948" cy="304800"/>
+          </a:xfrm>
+          <a:prstGeom prst="rightArrow">
+            <a:avLst/>
+          </a:prstGeom>
+          <a:ln/>
+        </p:spPr>
+        <p:style>
+          <a:lnRef idx="1">
+            <a:schemeClr val="accent4"/>
+          </a:lnRef>
+          <a:fillRef idx="3">
+            <a:schemeClr val="accent4"/>
+          </a:fillRef>
+          <a:effectRef idx="2">
+            <a:schemeClr val="accent4"/>
+          </a:effectRef>
+          <a:fontRef idx="minor">
+            <a:schemeClr val="lt1"/>
+          </a:fontRef>
+        </p:style>
+        <p:txBody>
+          <a:bodyPr rtlCol="0" anchor="ctr"/>
+          <a:lstStyle/>
+          <a:p>
+            <a:pPr algn="ctr"/>
+            <a:endParaRPr lang="zh-CN" altLang="en-US"/>
+          </a:p>
+        </p:txBody>
+      </p:sp>
+      <p:sp>
+        <p:nvSpPr>
+          <p:cNvPr id="8" name="TextBox 7"/>
+          <p:cNvSpPr txBox="1"/>
+          <p:nvPr/>
+        </p:nvSpPr>
+        <p:spPr>
+          <a:xfrm>
+            <a:off x="3570556" y="152400"/>
+            <a:ext cx="2208618" cy="369332"/>
+          </a:xfrm>
+          <a:prstGeom prst="rect">
+            <a:avLst/>
+          </a:prstGeom>
+          <a:noFill/>
+        </p:spPr>
+        <p:txBody>
+          <a:bodyPr wrap="none" rtlCol="0">
+            <a:spAutoFit/>
+          </a:bodyPr>
+          <a:lstStyle/>
+          <a:p>
+            <a:r>
+              <a:rPr lang="en-US" altLang="zh-CN" dirty="0" smtClean="0"/>
+              <a:t>Binary Source Models</a:t>
+            </a:r>
+            <a:endParaRPr lang="zh-CN" altLang="en-US" dirty="0"/>
+          </a:p>
+        </p:txBody>
+      </p:sp>
+      <p:sp>
+        <p:nvSpPr>
+          <p:cNvPr id="48" name="右箭头 47"/>
+          <p:cNvSpPr/>
+          <p:nvPr/>
+        </p:nvSpPr>
+        <p:spPr>
+          <a:xfrm rot="5400000">
+            <a:off x="3964740" y="1610372"/>
+            <a:ext cx="619524" cy="304800"/>
+          </a:xfrm>
+          <a:prstGeom prst="rightArrow">
+            <a:avLst/>
+          </a:prstGeom>
+          <a:ln/>
+        </p:spPr>
+        <p:style>
+          <a:lnRef idx="2">
+            <a:schemeClr val="accent3">
+              <a:shade val="50000"/>
+            </a:schemeClr>
+          </a:lnRef>
+          <a:fillRef idx="1">
+            <a:schemeClr val="accent3"/>
+          </a:fillRef>
+          <a:effectRef idx="0">
+            <a:schemeClr val="accent3"/>
+          </a:effectRef>
+          <a:fontRef idx="minor">
+            <a:schemeClr val="lt1"/>
+          </a:fontRef>
+        </p:style>
+        <p:txBody>
+          <a:bodyPr rtlCol="0" anchor="ctr"/>
+          <a:lstStyle/>
+          <a:p>
+            <a:pPr algn="ctr"/>
+            <a:endParaRPr lang="zh-CN" altLang="en-US"/>
+          </a:p>
+        </p:txBody>
+      </p:sp>
+      <p:sp>
+        <p:nvSpPr>
+          <p:cNvPr id="49" name="右箭头 48"/>
+          <p:cNvSpPr/>
+          <p:nvPr/>
+        </p:nvSpPr>
+        <p:spPr>
+          <a:xfrm rot="3124438">
+            <a:off x="3194893" y="1674125"/>
+            <a:ext cx="708670" cy="304800"/>
+          </a:xfrm>
+          <a:prstGeom prst="rightArrow">
+            <a:avLst/>
+          </a:prstGeom>
+          <a:ln/>
+        </p:spPr>
+        <p:style>
+          <a:lnRef idx="2">
+            <a:schemeClr val="accent6">
+              <a:shade val="50000"/>
+            </a:schemeClr>
+          </a:lnRef>
+          <a:fillRef idx="1">
+            <a:schemeClr val="accent6"/>
+          </a:fillRef>
+          <a:effectRef idx="0">
+            <a:schemeClr val="accent6"/>
+          </a:effectRef>
+          <a:fontRef idx="minor">
+            <a:schemeClr val="lt1"/>
+          </a:fontRef>
+        </p:style>
+        <p:txBody>
+          <a:bodyPr rtlCol="0" anchor="ctr"/>
+          <a:lstStyle/>
+          <a:p>
+            <a:pPr algn="ctr"/>
+            <a:endParaRPr lang="zh-CN" altLang="en-US"/>
+          </a:p>
+        </p:txBody>
+      </p:sp>
+      <p:sp>
+        <p:nvSpPr>
+          <p:cNvPr id="57" name="右箭头 56"/>
+          <p:cNvSpPr/>
+          <p:nvPr/>
+        </p:nvSpPr>
+        <p:spPr>
+          <a:xfrm rot="8047006">
+            <a:off x="5498851" y="1634552"/>
+            <a:ext cx="838158" cy="304800"/>
+          </a:xfrm>
+          <a:prstGeom prst="rightArrow">
+            <a:avLst/>
+          </a:prstGeom>
+          <a:ln/>
+        </p:spPr>
+        <p:style>
+          <a:lnRef idx="2">
+            <a:schemeClr val="dk1">
+              <a:shade val="50000"/>
+            </a:schemeClr>
+          </a:lnRef>
+          <a:fillRef idx="1">
+            <a:schemeClr val="dk1"/>
+          </a:fillRef>
+          <a:effectRef idx="0">
+            <a:schemeClr val="dk1"/>
+          </a:effectRef>
+          <a:fontRef idx="minor">
+            <a:schemeClr val="lt1"/>
+          </a:fontRef>
+        </p:style>
+        <p:txBody>
+          <a:bodyPr rtlCol="0" anchor="ctr"/>
+          <a:lstStyle/>
+          <a:p>
+            <a:pPr algn="ctr"/>
+            <a:endParaRPr lang="zh-CN" altLang="en-US"/>
+          </a:p>
+        </p:txBody>
+      </p:sp>
+      <p:sp>
+        <p:nvSpPr>
+          <p:cNvPr id="58" name="右箭头 57"/>
+          <p:cNvSpPr/>
+          <p:nvPr/>
+        </p:nvSpPr>
+        <p:spPr>
+          <a:xfrm rot="6099865">
+            <a:off x="4809766" y="1608414"/>
+            <a:ext cx="623440" cy="304800"/>
+          </a:xfrm>
+          <a:prstGeom prst="rightArrow">
+            <a:avLst/>
+          </a:prstGeom>
+          <a:ln/>
+        </p:spPr>
+        <p:style>
+          <a:lnRef idx="2">
+            <a:schemeClr val="accent5">
+              <a:shade val="50000"/>
+            </a:schemeClr>
+          </a:lnRef>
+          <a:fillRef idx="1">
+            <a:schemeClr val="accent5"/>
+          </a:fillRef>
+          <a:effectRef idx="0">
+            <a:schemeClr val="accent5"/>
+          </a:effectRef>
+          <a:fontRef idx="minor">
+            <a:schemeClr val="lt1"/>
+          </a:fontRef>
+        </p:style>
+        <p:txBody>
+          <a:bodyPr rtlCol="0" anchor="ctr"/>
+          <a:lstStyle/>
+          <a:p>
+            <a:pPr algn="ctr"/>
+            <a:endParaRPr lang="zh-CN" altLang="en-US"/>
+          </a:p>
+        </p:txBody>
+      </p:sp>
+    </p:spTree>
+    <p:extLst>
+      <p:ext uri="{BB962C8B-B14F-4D97-AF65-F5344CB8AC3E}">
+        <p14:creationId xmlns:p14="http://schemas.microsoft.com/office/powerpoint/2010/main" val="3543377538"/>
+      </p:ext>
+    </p:extLst>
+  </p:cSld>
+  <p:clrMapOvr>
+    <a:masterClrMapping/>
+  </p:clrMapOvr>
+</p:sld>
+</file>
+
+<file path=ppt/slides/slide5.xml><?xml version="1.0" encoding="utf-8"?>
+<p:sld xmlns:a="http://schemas.openxmlformats.org/drawingml/2006/main" xmlns:r="http://schemas.openxmlformats.org/officeDocument/2006/relationships" xmlns:p="http://schemas.openxmlformats.org/presentationml/2006/main">
+  <p:cSld>
+    <p:spTree>
+      <p:nvGrpSpPr>
+        <p:cNvPr id="1" name=""/>
+        <p:cNvGrpSpPr/>
+        <p:nvPr/>
+      </p:nvGrpSpPr>
+      <p:grpSpPr>
+        <a:xfrm>
+          <a:off x="0" y="0"/>
+          <a:ext cx="0" cy="0"/>
+          <a:chOff x="0" y="0"/>
+          <a:chExt cx="0" cy="0"/>
+        </a:xfrm>
+      </p:grpSpPr>
+      <mc:AlternateContent xmlns:mc="http://schemas.openxmlformats.org/markup-compatibility/2006" xmlns:a14="http://schemas.microsoft.com/office/drawing/2010/main">
+        <mc:Choice Requires="a14">
           <p:graphicFrame>
             <p:nvGraphicFramePr>
               <p:cNvPr id="4" name="表格 3"/>
@@ -7071,14 +9032,14 @@
               <p:nvPr>
                 <p:extLst>
                   <p:ext uri="{D42A27DB-BD31-4B8C-83A1-F6EECF244321}">
-                    <p14:modId xmlns:p14="http://schemas.microsoft.com/office/powerpoint/2010/main" val="775878609"/>
+                    <p14:modId xmlns:p14="http://schemas.microsoft.com/office/powerpoint/2010/main" val="959424960"/>
                   </p:ext>
                 </p:extLst>
               </p:nvPr>
             </p:nvGraphicFramePr>
             <p:xfrm>
-              <a:off x="990600" y="1397000"/>
-              <a:ext cx="3276600" cy="365760"/>
+              <a:off x="533400" y="1397000"/>
+              <a:ext cx="4495800" cy="365760"/>
             </p:xfrm>
             <a:graphic>
               <a:graphicData uri="http://schemas.openxmlformats.org/drawingml/2006/table">
@@ -7087,10 +9048,12 @@
                     <a:tableStyleId>{2D5ABB26-0587-4C30-8999-92F81FD0307C}</a:tableStyleId>
                   </a:tblPr>
                   <a:tblGrid>
-                    <a:gridCol w="819150"/>
-                    <a:gridCol w="819150"/>
-                    <a:gridCol w="819150"/>
-                    <a:gridCol w="819150"/>
+                    <a:gridCol w="749300"/>
+                    <a:gridCol w="749300"/>
+                    <a:gridCol w="749300"/>
+                    <a:gridCol w="749300"/>
+                    <a:gridCol w="749300"/>
+                    <a:gridCol w="749300"/>
                   </a:tblGrid>
                   <a:tr h="355600">
                     <a:tc>
@@ -7099,20 +9062,19 @@
                         <a:lstStyle/>
                         <a:p>
                           <a:pPr algn="ctr"/>
+                          <a:r>
+                            <a:rPr lang="en-US" altLang="zh-CN" b="0" dirty="0" smtClean="0"/>
+                            <a:t>w</a:t>
+                          </a:r>
                           <a14:m>
-                            <m:oMathPara xmlns:m="http://schemas.openxmlformats.org/officeDocument/2006/math">
-                              <m:oMathParaPr>
-                                <m:jc m:val="centerGroup"/>
-                              </m:oMathParaPr>
-                              <m:oMath xmlns:m="http://schemas.openxmlformats.org/officeDocument/2006/math">
-                                <m:r>
-                                  <a:rPr lang="en-US" altLang="zh-CN" b="0" i="1" smtClean="0">
-                                    <a:latin typeface="Cambria Math"/>
-                                  </a:rPr>
-                                  <m:t>𝑥</m:t>
-                                </m:r>
-                              </m:oMath>
-                            </m:oMathPara>
+                            <m:oMath xmlns:m="http://schemas.openxmlformats.org/officeDocument/2006/math">
+                              <m:r>
+                                <a:rPr lang="en-US" altLang="zh-CN" b="0" i="1" smtClean="0">
+                                  <a:latin typeface="Cambria Math"/>
+                                </a:rPr>
+                                <m:t>𝑥</m:t>
+                              </m:r>
+                            </m:oMath>
                           </a14:m>
                           <a:endParaRPr lang="zh-CN" altLang="en-US" dirty="0"/>
                         </a:p>
@@ -7220,13 +9182,7 @@
                                       <a:rPr lang="en-US" altLang="zh-CN" b="0" i="1" smtClean="0">
                                         <a:latin typeface="Cambria Math"/>
                                       </a:rPr>
-                                      <m:t>1</m:t>
-                                    </m:r>
-                                    <m:r>
-                                      <a:rPr lang="en-US" altLang="zh-CN" b="0" i="1" smtClean="0">
-                                        <a:latin typeface="Cambria Math"/>
-                                      </a:rPr>
-                                      <m:t>1</m:t>
+                                      <m:t>11</m:t>
                                     </m:r>
                                   </m:sub>
                                 </m:sSub>
@@ -7339,13 +9295,7 @@
                                       <a:rPr lang="en-US" altLang="zh-CN" b="0" i="1" smtClean="0">
                                         <a:latin typeface="Cambria Math"/>
                                       </a:rPr>
-                                      <m:t>1</m:t>
-                                    </m:r>
-                                    <m:r>
-                                      <a:rPr lang="en-US" altLang="zh-CN" b="0" i="1" smtClean="0">
-                                        <a:latin typeface="Cambria Math"/>
-                                      </a:rPr>
-                                      <m:t>2</m:t>
+                                      <m:t>12</m:t>
                                     </m:r>
                                   </m:sub>
                                 </m:sSub>
@@ -7458,13 +9408,7 @@
                                       <a:rPr lang="en-US" altLang="zh-CN" b="0" i="1" smtClean="0">
                                         <a:latin typeface="Cambria Math"/>
                                       </a:rPr>
-                                      <m:t>1</m:t>
-                                    </m:r>
-                                    <m:r>
-                                      <a:rPr lang="en-US" altLang="zh-CN" b="0" i="1" smtClean="0">
-                                        <a:latin typeface="Cambria Math"/>
-                                      </a:rPr>
-                                      <m:t>3</m:t>
+                                      <m:t>13</m:t>
                                     </m:r>
                                   </m:sub>
                                 </m:sSub>
@@ -7513,13 +9457,200 @@
                         </a:lnB>
                       </a:tcPr>
                     </a:tc>
+                    <a:tc>
+                      <a:txBody>
+                        <a:bodyPr/>
+                        <a:lstStyle/>
+                        <a:p>
+                          <a:pPr algn="ctr"/>
+                          <a:r>
+                            <a:rPr lang="en-US" altLang="zh-CN" dirty="0" smtClean="0"/>
+                            <a:t>…</a:t>
+                          </a:r>
+                          <a:endParaRPr lang="zh-CN" altLang="en-US" dirty="0"/>
+                        </a:p>
+                      </a:txBody>
+                      <a:tcPr>
+                        <a:lnL w="12700" cap="flat" cmpd="sng" algn="ctr">
+                          <a:solidFill>
+                            <a:schemeClr val="tx1"/>
+                          </a:solidFill>
+                          <a:prstDash val="solid"/>
+                          <a:round/>
+                          <a:headEnd type="none" w="med" len="med"/>
+                          <a:tailEnd type="none" w="med" len="med"/>
+                        </a:lnL>
+                        <a:lnR w="12700" cap="flat" cmpd="sng" algn="ctr">
+                          <a:solidFill>
+                            <a:schemeClr val="tx1"/>
+                          </a:solidFill>
+                          <a:prstDash val="solid"/>
+                          <a:round/>
+                          <a:headEnd type="none" w="med" len="med"/>
+                          <a:tailEnd type="none" w="med" len="med"/>
+                        </a:lnR>
+                        <a:lnT w="12700" cap="flat" cmpd="sng" algn="ctr">
+                          <a:solidFill>
+                            <a:schemeClr val="tx1"/>
+                          </a:solidFill>
+                          <a:prstDash val="solid"/>
+                          <a:round/>
+                          <a:headEnd type="none" w="med" len="med"/>
+                          <a:tailEnd type="none" w="med" len="med"/>
+                        </a:lnT>
+                        <a:lnB w="12700" cap="flat" cmpd="sng" algn="ctr">
+                          <a:solidFill>
+                            <a:schemeClr val="tx1"/>
+                          </a:solidFill>
+                          <a:prstDash val="solid"/>
+                          <a:round/>
+                          <a:headEnd type="none" w="med" len="med"/>
+                          <a:tailEnd type="none" w="med" len="med"/>
+                        </a:lnB>
+                      </a:tcPr>
+                    </a:tc>
+                    <a:tc>
+                      <a:txBody>
+                        <a:bodyPr/>
+                        <a:lstStyle/>
+                        <a:p>
+                          <a:pPr marL="0" marR="0" indent="0" algn="ctr" defTabSz="914400" rtl="0" eaLnBrk="1" fontAlgn="auto" latinLnBrk="0" hangingPunct="1">
+                            <a:lnSpc>
+                              <a:spcPct val="100000"/>
+                            </a:lnSpc>
+                            <a:spcBef>
+                              <a:spcPts val="0"/>
+                            </a:spcBef>
+                            <a:spcAft>
+                              <a:spcPts val="0"/>
+                            </a:spcAft>
+                            <a:buClrTx/>
+                            <a:buSzTx/>
+                            <a:buFontTx/>
+                            <a:buNone/>
+                            <a:tabLst/>
+                            <a:defRPr/>
+                          </a:pPr>
+                          <a14:m>
+                            <m:oMathPara xmlns:m="http://schemas.openxmlformats.org/officeDocument/2006/math">
+                              <m:oMathParaPr>
+                                <m:jc m:val="centerGroup"/>
+                              </m:oMathParaPr>
+                              <m:oMath xmlns:m="http://schemas.openxmlformats.org/officeDocument/2006/math">
+                                <m:sSub>
+                                  <m:sSubPr>
+                                    <m:ctrlPr>
+                                      <a:rPr lang="en-US" altLang="zh-CN" b="0" i="1" smtClean="0">
+                                        <a:latin typeface="Cambria Math"/>
+                                      </a:rPr>
+                                    </m:ctrlPr>
+                                  </m:sSubPr>
+                                  <m:e>
+                                    <m:r>
+                                      <a:rPr lang="en-US" altLang="zh-CN" b="0" i="1" smtClean="0">
+                                        <a:latin typeface="Cambria Math"/>
+                                      </a:rPr>
+                                      <m:t>𝑓</m:t>
+                                    </m:r>
+                                    <m:r>
+                                      <a:rPr lang="en-US" altLang="zh-CN" b="0" i="1" smtClean="0">
+                                        <a:latin typeface="Cambria Math"/>
+                                      </a:rPr>
+                                      <m:t>′</m:t>
+                                    </m:r>
+                                  </m:e>
+                                  <m:sub>
+                                    <m:r>
+                                      <a:rPr lang="en-US" altLang="zh-CN" b="0" i="1" smtClean="0">
+                                        <a:latin typeface="Cambria Math"/>
+                                      </a:rPr>
+                                      <m:t>𝑛</m:t>
+                                    </m:r>
+                                  </m:sub>
+                                </m:sSub>
+                                <m:sSub>
+                                  <m:sSubPr>
+                                    <m:ctrlPr>
+                                      <a:rPr lang="en-US" altLang="zh-CN" b="0" i="1" smtClean="0">
+                                        <a:latin typeface="Cambria Math"/>
+                                      </a:rPr>
+                                    </m:ctrlPr>
+                                  </m:sSubPr>
+                                  <m:e>
+                                    <m:r>
+                                      <a:rPr lang="zh-CN" altLang="en-US" b="0" i="1" smtClean="0">
+                                        <a:latin typeface="Cambria Math"/>
+                                      </a:rPr>
+                                      <m:t>𝛽</m:t>
+                                    </m:r>
+                                  </m:e>
+                                  <m:sub>
+                                    <m:r>
+                                      <a:rPr lang="en-US" altLang="zh-CN" b="0" i="1" smtClean="0">
+                                        <a:latin typeface="Cambria Math"/>
+                                      </a:rPr>
+                                      <m:t>1</m:t>
+                                    </m:r>
+                                    <m:r>
+                                      <a:rPr lang="en-US" altLang="zh-CN" b="0" i="1" smtClean="0">
+                                        <a:latin typeface="Cambria Math"/>
+                                      </a:rPr>
+                                      <m:t>𝑛</m:t>
+                                    </m:r>
+                                  </m:sub>
+                                </m:sSub>
+                              </m:oMath>
+                            </m:oMathPara>
+                          </a14:m>
+                          <a:endParaRPr lang="zh-CN" altLang="en-US" dirty="0"/>
+                        </a:p>
+                      </a:txBody>
+                      <a:tcPr>
+                        <a:lnL w="12700" cap="flat" cmpd="sng" algn="ctr">
+                          <a:solidFill>
+                            <a:schemeClr val="tx1"/>
+                          </a:solidFill>
+                          <a:prstDash val="solid"/>
+                          <a:round/>
+                          <a:headEnd type="none" w="med" len="med"/>
+                          <a:tailEnd type="none" w="med" len="med"/>
+                        </a:lnL>
+                        <a:lnR w="12700" cap="flat" cmpd="sng" algn="ctr">
+                          <a:solidFill>
+                            <a:schemeClr val="tx1"/>
+                          </a:solidFill>
+                          <a:prstDash val="solid"/>
+                          <a:round/>
+                          <a:headEnd type="none" w="med" len="med"/>
+                          <a:tailEnd type="none" w="med" len="med"/>
+                        </a:lnR>
+                        <a:lnT w="12700" cap="flat" cmpd="sng" algn="ctr">
+                          <a:solidFill>
+                            <a:schemeClr val="tx1"/>
+                          </a:solidFill>
+                          <a:prstDash val="solid"/>
+                          <a:round/>
+                          <a:headEnd type="none" w="med" len="med"/>
+                          <a:tailEnd type="none" w="med" len="med"/>
+                        </a:lnT>
+                        <a:lnB w="12700" cap="flat" cmpd="sng" algn="ctr">
+                          <a:solidFill>
+                            <a:schemeClr val="tx1"/>
+                          </a:solidFill>
+                          <a:prstDash val="solid"/>
+                          <a:round/>
+                          <a:headEnd type="none" w="med" len="med"/>
+                          <a:tailEnd type="none" w="med" len="med"/>
+                        </a:lnB>
+                      </a:tcPr>
+                    </a:tc>
                   </a:tr>
                 </a:tbl>
               </a:graphicData>
             </a:graphic>
           </p:graphicFrame>
         </mc:Choice>
-        <mc:Fallback>
+        <mc:Fallback xmlns="">
           <p:graphicFrame>
             <p:nvGraphicFramePr>
               <p:cNvPr id="4" name="表格 3"/>
@@ -7529,14 +9660,14 @@
               <p:nvPr>
                 <p:extLst>
                   <p:ext uri="{D42A27DB-BD31-4B8C-83A1-F6EECF244321}">
-                    <p14:modId xmlns:p14="http://schemas.microsoft.com/office/powerpoint/2010/main" val="775878609"/>
+                    <p14:modId xmlns:p14="http://schemas.microsoft.com/office/powerpoint/2010/main" val="959424960"/>
                   </p:ext>
                 </p:extLst>
               </p:nvPr>
             </p:nvGraphicFramePr>
             <p:xfrm>
-              <a:off x="990600" y="1397000"/>
-              <a:ext cx="3276600" cy="365760"/>
+              <a:off x="533400" y="1397000"/>
+              <a:ext cx="4495800" cy="365760"/>
             </p:xfrm>
             <a:graphic>
               <a:graphicData uri="http://schemas.openxmlformats.org/drawingml/2006/table">
@@ -7545,10 +9676,12 @@
                     <a:tableStyleId>{2D5ABB26-0587-4C30-8999-92F81FD0307C}</a:tableStyleId>
                   </a:tblPr>
                   <a:tblGrid>
-                    <a:gridCol w="819150"/>
-                    <a:gridCol w="819150"/>
-                    <a:gridCol w="819150"/>
-                    <a:gridCol w="819150"/>
+                    <a:gridCol w="749300"/>
+                    <a:gridCol w="749300"/>
+                    <a:gridCol w="749300"/>
+                    <a:gridCol w="749300"/>
+                    <a:gridCol w="749300"/>
+                    <a:gridCol w="749300"/>
                   </a:tblGrid>
                   <a:tr h="365760">
                     <a:tc>
@@ -7599,7 +9732,7 @@
                         <a:blipFill rotWithShape="1">
                           <a:blip r:embed="rId2"/>
                           <a:stretch>
-                            <a:fillRect l="-746" r="-300746" b="-15000"/>
+                            <a:fillRect l="-813" t="-8333" r="-499187" b="-26667"/>
                           </a:stretch>
                         </a:blipFill>
                       </a:tcPr>
@@ -7652,7 +9785,7 @@
                         <a:blipFill rotWithShape="1">
                           <a:blip r:embed="rId2"/>
                           <a:stretch>
-                            <a:fillRect l="-100000" r="-198519" b="-15000"/>
+                            <a:fillRect l="-100813" t="-8333" r="-399187" b="-26667"/>
                           </a:stretch>
                         </a:blipFill>
                       </a:tcPr>
@@ -7705,7 +9838,7 @@
                         <a:blipFill rotWithShape="1">
                           <a:blip r:embed="rId2"/>
                           <a:stretch>
-                            <a:fillRect l="-201493" r="-100000" b="-15000"/>
+                            <a:fillRect l="-200813" t="-8333" r="-299187" b="-26667"/>
                           </a:stretch>
                         </a:blipFill>
                       </a:tcPr>
@@ -7758,7 +9891,112 @@
                         <a:blipFill rotWithShape="1">
                           <a:blip r:embed="rId2"/>
                           <a:stretch>
-                            <a:fillRect l="-301493" b="-15000"/>
+                            <a:fillRect l="-303279" t="-8333" r="-201639" b="-26667"/>
+                          </a:stretch>
+                        </a:blipFill>
+                      </a:tcPr>
+                    </a:tc>
+                    <a:tc>
+                      <a:txBody>
+                        <a:bodyPr/>
+                        <a:lstStyle/>
+                        <a:p>
+                          <a:pPr algn="ctr"/>
+                          <a:r>
+                            <a:rPr lang="en-US" altLang="zh-CN" dirty="0" smtClean="0"/>
+                            <a:t>…</a:t>
+                          </a:r>
+                          <a:endParaRPr lang="zh-CN" altLang="en-US" dirty="0"/>
+                        </a:p>
+                      </a:txBody>
+                      <a:tcPr>
+                        <a:lnL w="12700" cap="flat" cmpd="sng" algn="ctr">
+                          <a:solidFill>
+                            <a:schemeClr val="tx1"/>
+                          </a:solidFill>
+                          <a:prstDash val="solid"/>
+                          <a:round/>
+                          <a:headEnd type="none" w="med" len="med"/>
+                          <a:tailEnd type="none" w="med" len="med"/>
+                        </a:lnL>
+                        <a:lnR w="12700" cap="flat" cmpd="sng" algn="ctr">
+                          <a:solidFill>
+                            <a:schemeClr val="tx1"/>
+                          </a:solidFill>
+                          <a:prstDash val="solid"/>
+                          <a:round/>
+                          <a:headEnd type="none" w="med" len="med"/>
+                          <a:tailEnd type="none" w="med" len="med"/>
+                        </a:lnR>
+                        <a:lnT w="12700" cap="flat" cmpd="sng" algn="ctr">
+                          <a:solidFill>
+                            <a:schemeClr val="tx1"/>
+                          </a:solidFill>
+                          <a:prstDash val="solid"/>
+                          <a:round/>
+                          <a:headEnd type="none" w="med" len="med"/>
+                          <a:tailEnd type="none" w="med" len="med"/>
+                        </a:lnT>
+                        <a:lnB w="12700" cap="flat" cmpd="sng" algn="ctr">
+                          <a:solidFill>
+                            <a:schemeClr val="tx1"/>
+                          </a:solidFill>
+                          <a:prstDash val="solid"/>
+                          <a:round/>
+                          <a:headEnd type="none" w="med" len="med"/>
+                          <a:tailEnd type="none" w="med" len="med"/>
+                        </a:lnB>
+                      </a:tcPr>
+                    </a:tc>
+                    <a:tc>
+                      <a:txBody>
+                        <a:bodyPr/>
+                        <a:lstStyle/>
+                        <a:p>
+                          <a:endParaRPr lang="zh-CN"/>
+                        </a:p>
+                      </a:txBody>
+                      <a:tcPr>
+                        <a:lnL w="12700" cap="flat" cmpd="sng" algn="ctr">
+                          <a:solidFill>
+                            <a:schemeClr val="tx1"/>
+                          </a:solidFill>
+                          <a:prstDash val="solid"/>
+                          <a:round/>
+                          <a:headEnd type="none" w="med" len="med"/>
+                          <a:tailEnd type="none" w="med" len="med"/>
+                        </a:lnL>
+                        <a:lnR w="12700" cap="flat" cmpd="sng" algn="ctr">
+                          <a:solidFill>
+                            <a:schemeClr val="tx1"/>
+                          </a:solidFill>
+                          <a:prstDash val="solid"/>
+                          <a:round/>
+                          <a:headEnd type="none" w="med" len="med"/>
+                          <a:tailEnd type="none" w="med" len="med"/>
+                        </a:lnR>
+                        <a:lnT w="12700" cap="flat" cmpd="sng" algn="ctr">
+                          <a:solidFill>
+                            <a:schemeClr val="tx1"/>
+                          </a:solidFill>
+                          <a:prstDash val="solid"/>
+                          <a:round/>
+                          <a:headEnd type="none" w="med" len="med"/>
+                          <a:tailEnd type="none" w="med" len="med"/>
+                        </a:lnT>
+                        <a:lnB w="12700" cap="flat" cmpd="sng" algn="ctr">
+                          <a:solidFill>
+                            <a:schemeClr val="tx1"/>
+                          </a:solidFill>
+                          <a:prstDash val="solid"/>
+                          <a:round/>
+                          <a:headEnd type="none" w="med" len="med"/>
+                          <a:tailEnd type="none" w="med" len="med"/>
+                        </a:lnB>
+                        <a:blipFill rotWithShape="1">
+                          <a:blip r:embed="rId2"/>
+                          <a:stretch>
+                            <a:fillRect l="-500000" t="-8333" b="-26667"/>
                           </a:stretch>
                         </a:blipFill>
                       </a:tcPr>
@@ -7770,8 +10008,8 @@
           </p:graphicFrame>
         </mc:Fallback>
       </mc:AlternateContent>
-      <mc:AlternateContent xmlns:mc="http://schemas.openxmlformats.org/markup-compatibility/2006">
-        <mc:Choice xmlns:a14="http://schemas.microsoft.com/office/drawing/2010/main" Requires="a14">
+      <mc:AlternateContent xmlns:mc="http://schemas.openxmlformats.org/markup-compatibility/2006" xmlns:a14="http://schemas.microsoft.com/office/drawing/2010/main">
+        <mc:Choice Requires="a14">
           <p:graphicFrame>
             <p:nvGraphicFramePr>
               <p:cNvPr id="9" name="表格 8"/>
@@ -7781,13 +10019,13 @@
               <p:nvPr>
                 <p:extLst>
                   <p:ext uri="{D42A27DB-BD31-4B8C-83A1-F6EECF244321}">
-                    <p14:modId xmlns:p14="http://schemas.microsoft.com/office/powerpoint/2010/main" val="3252671211"/>
+                    <p14:modId xmlns:p14="http://schemas.microsoft.com/office/powerpoint/2010/main" val="2892010843"/>
                   </p:ext>
                 </p:extLst>
               </p:nvPr>
             </p:nvGraphicFramePr>
             <p:xfrm>
-              <a:off x="4953000" y="1386840"/>
+              <a:off x="5715000" y="1386840"/>
               <a:ext cx="819150" cy="365760"/>
             </p:xfrm>
             <a:graphic>
@@ -7838,10 +10076,10 @@
                                   </m:sSubPr>
                                   <m:e>
                                     <m:r>
-                                      <a:rPr lang="zh-CN" altLang="en-US" i="1">
+                                      <a:rPr lang="en-US" altLang="zh-CN" i="1" smtClean="0">
                                         <a:latin typeface="Cambria Math"/>
                                       </a:rPr>
-                                      <m:t>𝜙</m:t>
+                                      <m:t>𝑌</m:t>
                                     </m:r>
                                   </m:e>
                                   <m:sub>
@@ -7853,24 +10091,6 @@
                                     </m:r>
                                   </m:sub>
                                 </m:sSub>
-                                <m:r>
-                                  <a:rPr lang="en-US" altLang="zh-CN" b="0" i="1" smtClean="0">
-                                    <a:latin typeface="Cambria Math"/>
-                                  </a:rPr>
-                                  <m:t>(</m:t>
-                                </m:r>
-                                <m:r>
-                                  <a:rPr lang="en-US" altLang="zh-CN" i="1" smtClean="0">
-                                    <a:latin typeface="Cambria Math"/>
-                                  </a:rPr>
-                                  <m:t>𝑥</m:t>
-                                </m:r>
-                                <m:r>
-                                  <a:rPr lang="en-US" altLang="zh-CN" b="0" i="1" smtClean="0">
-                                    <a:latin typeface="Cambria Math"/>
-                                  </a:rPr>
-                                  <m:t>)</m:t>
-                                </m:r>
                               </m:oMath>
                             </m:oMathPara>
                           </a14:m>
@@ -7922,7 +10142,7 @@
             </a:graphic>
           </p:graphicFrame>
         </mc:Choice>
-        <mc:Fallback>
+        <mc:Fallback xmlns="">
           <p:graphicFrame>
             <p:nvGraphicFramePr>
               <p:cNvPr id="9" name="表格 8"/>
@@ -7932,13 +10152,13 @@
               <p:nvPr>
                 <p:extLst>
                   <p:ext uri="{D42A27DB-BD31-4B8C-83A1-F6EECF244321}">
-                    <p14:modId xmlns:p14="http://schemas.microsoft.com/office/powerpoint/2010/main" val="3252671211"/>
+                    <p14:modId xmlns:p14="http://schemas.microsoft.com/office/powerpoint/2010/main" val="2892010843"/>
                   </p:ext>
                 </p:extLst>
               </p:nvPr>
             </p:nvGraphicFramePr>
             <p:xfrm>
-              <a:off x="4953000" y="1386840"/>
+              <a:off x="5715000" y="1386840"/>
               <a:ext cx="819150" cy="365760"/>
             </p:xfrm>
             <a:graphic>
@@ -7999,7 +10219,7 @@
                         <a:blipFill rotWithShape="1">
                           <a:blip r:embed="rId3"/>
                           <a:stretch>
-                            <a:fillRect l="-746" t="-1667" b="-11667"/>
+                            <a:fillRect l="-746" t="-1667"/>
                           </a:stretch>
                         </a:blipFill>
                       </a:tcPr>
@@ -8019,7 +10239,7 @@
         </p:nvSpPr>
         <p:spPr>
           <a:xfrm>
-            <a:off x="4419600" y="1447800"/>
+            <a:off x="5181600" y="1447800"/>
             <a:ext cx="381000" cy="228600"/>
           </a:xfrm>
           <a:prstGeom prst="rightArrow">
@@ -8051,8 +10271,8 @@
           </a:p>
         </p:txBody>
       </p:sp>
-      <mc:AlternateContent xmlns:mc="http://schemas.openxmlformats.org/markup-compatibility/2006">
-        <mc:Choice xmlns:a14="http://schemas.microsoft.com/office/drawing/2010/main" Requires="a14">
+      <mc:AlternateContent xmlns:mc="http://schemas.openxmlformats.org/markup-compatibility/2006" xmlns:a14="http://schemas.microsoft.com/office/drawing/2010/main">
+        <mc:Choice Requires="a14">
           <p:graphicFrame>
             <p:nvGraphicFramePr>
               <p:cNvPr id="12" name="表格 11"/>
@@ -8062,14 +10282,14 @@
               <p:nvPr>
                 <p:extLst>
                   <p:ext uri="{D42A27DB-BD31-4B8C-83A1-F6EECF244321}">
-                    <p14:modId xmlns:p14="http://schemas.microsoft.com/office/powerpoint/2010/main" val="2962309447"/>
+                    <p14:modId xmlns:p14="http://schemas.microsoft.com/office/powerpoint/2010/main" val="1964167159"/>
                   </p:ext>
                 </p:extLst>
               </p:nvPr>
             </p:nvGraphicFramePr>
             <p:xfrm>
-              <a:off x="1009650" y="2301240"/>
-              <a:ext cx="3276600" cy="365760"/>
+              <a:off x="533400" y="2301240"/>
+              <a:ext cx="4495800" cy="365760"/>
             </p:xfrm>
             <a:graphic>
               <a:graphicData uri="http://schemas.openxmlformats.org/drawingml/2006/table">
@@ -8078,10 +10298,12 @@
                     <a:tableStyleId>{2D5ABB26-0587-4C30-8999-92F81FD0307C}</a:tableStyleId>
                   </a:tblPr>
                   <a:tblGrid>
-                    <a:gridCol w="819150"/>
-                    <a:gridCol w="819150"/>
-                    <a:gridCol w="819150"/>
-                    <a:gridCol w="819150"/>
+                    <a:gridCol w="749300"/>
+                    <a:gridCol w="749300"/>
+                    <a:gridCol w="749300"/>
+                    <a:gridCol w="749300"/>
+                    <a:gridCol w="749300"/>
+                    <a:gridCol w="749300"/>
                   </a:tblGrid>
                   <a:tr h="355600">
                     <a:tc>
@@ -8090,20 +10312,19 @@
                         <a:lstStyle/>
                         <a:p>
                           <a:pPr algn="ctr"/>
+                          <a:r>
+                            <a:rPr lang="en-US" altLang="zh-CN" b="0" dirty="0" smtClean="0"/>
+                            <a:t>w</a:t>
+                          </a:r>
                           <a14:m>
-                            <m:oMathPara xmlns:m="http://schemas.openxmlformats.org/officeDocument/2006/math">
-                              <m:oMathParaPr>
-                                <m:jc m:val="centerGroup"/>
-                              </m:oMathParaPr>
-                              <m:oMath xmlns:m="http://schemas.openxmlformats.org/officeDocument/2006/math">
-                                <m:r>
-                                  <a:rPr lang="en-US" altLang="zh-CN" b="0" i="1" smtClean="0">
-                                    <a:latin typeface="Cambria Math"/>
-                                  </a:rPr>
-                                  <m:t>𝑥</m:t>
-                                </m:r>
-                              </m:oMath>
-                            </m:oMathPara>
+                            <m:oMath xmlns:m="http://schemas.openxmlformats.org/officeDocument/2006/math">
+                              <m:r>
+                                <a:rPr lang="en-US" altLang="zh-CN" b="0" i="1" smtClean="0">
+                                  <a:latin typeface="Cambria Math"/>
+                                </a:rPr>
+                                <m:t>𝑥</m:t>
+                              </m:r>
+                            </m:oMath>
                           </a14:m>
                           <a:endParaRPr lang="zh-CN" altLang="en-US" dirty="0"/>
                         </a:p>
@@ -8504,13 +10725,194 @@
                         </a:lnB>
                       </a:tcPr>
                     </a:tc>
+                    <a:tc>
+                      <a:txBody>
+                        <a:bodyPr/>
+                        <a:lstStyle/>
+                        <a:p>
+                          <a:pPr algn="ctr"/>
+                          <a:r>
+                            <a:rPr lang="en-US" altLang="zh-CN" dirty="0" smtClean="0"/>
+                            <a:t>…</a:t>
+                          </a:r>
+                          <a:endParaRPr lang="zh-CN" altLang="en-US" dirty="0"/>
+                        </a:p>
+                      </a:txBody>
+                      <a:tcPr>
+                        <a:lnL w="12700" cap="flat" cmpd="sng" algn="ctr">
+                          <a:solidFill>
+                            <a:schemeClr val="tx1"/>
+                          </a:solidFill>
+                          <a:prstDash val="solid"/>
+                          <a:round/>
+                          <a:headEnd type="none" w="med" len="med"/>
+                          <a:tailEnd type="none" w="med" len="med"/>
+                        </a:lnL>
+                        <a:lnR w="12700" cap="flat" cmpd="sng" algn="ctr">
+                          <a:solidFill>
+                            <a:schemeClr val="tx1"/>
+                          </a:solidFill>
+                          <a:prstDash val="solid"/>
+                          <a:round/>
+                          <a:headEnd type="none" w="med" len="med"/>
+                          <a:tailEnd type="none" w="med" len="med"/>
+                        </a:lnR>
+                        <a:lnT w="12700" cap="flat" cmpd="sng" algn="ctr">
+                          <a:solidFill>
+                            <a:schemeClr val="tx1"/>
+                          </a:solidFill>
+                          <a:prstDash val="solid"/>
+                          <a:round/>
+                          <a:headEnd type="none" w="med" len="med"/>
+                          <a:tailEnd type="none" w="med" len="med"/>
+                        </a:lnT>
+                        <a:lnB w="12700" cap="flat" cmpd="sng" algn="ctr">
+                          <a:solidFill>
+                            <a:schemeClr val="tx1"/>
+                          </a:solidFill>
+                          <a:prstDash val="solid"/>
+                          <a:round/>
+                          <a:headEnd type="none" w="med" len="med"/>
+                          <a:tailEnd type="none" w="med" len="med"/>
+                        </a:lnB>
+                      </a:tcPr>
+                    </a:tc>
+                    <a:tc>
+                      <a:txBody>
+                        <a:bodyPr/>
+                        <a:lstStyle/>
+                        <a:p>
+                          <a:pPr marL="0" marR="0" indent="0" algn="ctr" defTabSz="914400" rtl="0" eaLnBrk="1" fontAlgn="auto" latinLnBrk="0" hangingPunct="1">
+                            <a:lnSpc>
+                              <a:spcPct val="100000"/>
+                            </a:lnSpc>
+                            <a:spcBef>
+                              <a:spcPts val="0"/>
+                            </a:spcBef>
+                            <a:spcAft>
+                              <a:spcPts val="0"/>
+                            </a:spcAft>
+                            <a:buClrTx/>
+                            <a:buSzTx/>
+                            <a:buFontTx/>
+                            <a:buNone/>
+                            <a:tabLst/>
+                            <a:defRPr/>
+                          </a:pPr>
+                          <a14:m>
+                            <m:oMathPara xmlns:m="http://schemas.openxmlformats.org/officeDocument/2006/math">
+                              <m:oMathParaPr>
+                                <m:jc m:val="centerGroup"/>
+                              </m:oMathParaPr>
+                              <m:oMath xmlns:m="http://schemas.openxmlformats.org/officeDocument/2006/math">
+                                <m:sSub>
+                                  <m:sSubPr>
+                                    <m:ctrlPr>
+                                      <a:rPr lang="en-US" altLang="zh-CN" b="0" i="1" smtClean="0">
+                                        <a:latin typeface="Cambria Math"/>
+                                      </a:rPr>
+                                    </m:ctrlPr>
+                                  </m:sSubPr>
+                                  <m:e>
+                                    <m:r>
+                                      <a:rPr lang="en-US" altLang="zh-CN" b="0" i="1" smtClean="0">
+                                        <a:latin typeface="Cambria Math"/>
+                                      </a:rPr>
+                                      <m:t>𝑓</m:t>
+                                    </m:r>
+                                    <m:r>
+                                      <a:rPr lang="en-US" altLang="zh-CN" b="0" i="1" smtClean="0">
+                                        <a:latin typeface="Cambria Math"/>
+                                      </a:rPr>
+                                      <m:t>′</m:t>
+                                    </m:r>
+                                  </m:e>
+                                  <m:sub>
+                                    <m:r>
+                                      <a:rPr lang="en-US" altLang="zh-CN" b="0" i="1" smtClean="0">
+                                        <a:latin typeface="Cambria Math"/>
+                                      </a:rPr>
+                                      <m:t>𝑛</m:t>
+                                    </m:r>
+                                  </m:sub>
+                                </m:sSub>
+                                <m:sSub>
+                                  <m:sSubPr>
+                                    <m:ctrlPr>
+                                      <a:rPr lang="en-US" altLang="zh-CN" b="0" i="1" smtClean="0">
+                                        <a:latin typeface="Cambria Math"/>
+                                      </a:rPr>
+                                    </m:ctrlPr>
+                                  </m:sSubPr>
+                                  <m:e>
+                                    <m:r>
+                                      <a:rPr lang="zh-CN" altLang="en-US" b="0" i="1" smtClean="0">
+                                        <a:latin typeface="Cambria Math"/>
+                                      </a:rPr>
+                                      <m:t>𝛽</m:t>
+                                    </m:r>
+                                  </m:e>
+                                  <m:sub>
+                                    <m:r>
+                                      <a:rPr lang="en-US" altLang="zh-CN" b="0" i="1" smtClean="0">
+                                        <a:latin typeface="Cambria Math"/>
+                                      </a:rPr>
+                                      <m:t>𝑛𝑛</m:t>
+                                    </m:r>
+                                  </m:sub>
+                                </m:sSub>
+                              </m:oMath>
+                            </m:oMathPara>
+                          </a14:m>
+                          <a:endParaRPr lang="zh-CN" altLang="en-US" dirty="0"/>
+                        </a:p>
+                      </a:txBody>
+                      <a:tcPr>
+                        <a:lnL w="12700" cap="flat" cmpd="sng" algn="ctr">
+                          <a:solidFill>
+                            <a:schemeClr val="tx1"/>
+                          </a:solidFill>
+                          <a:prstDash val="solid"/>
+                          <a:round/>
+                          <a:headEnd type="none" w="med" len="med"/>
+                          <a:tailEnd type="none" w="med" len="med"/>
+                        </a:lnL>
+                        <a:lnR w="12700" cap="flat" cmpd="sng" algn="ctr">
+                          <a:solidFill>
+                            <a:schemeClr val="tx1"/>
+                          </a:solidFill>
+                          <a:prstDash val="solid"/>
+                          <a:round/>
+                          <a:headEnd type="none" w="med" len="med"/>
+                          <a:tailEnd type="none" w="med" len="med"/>
+                        </a:lnR>
+                        <a:lnT w="12700" cap="flat" cmpd="sng" algn="ctr">
+                          <a:solidFill>
+                            <a:schemeClr val="tx1"/>
+                          </a:solidFill>
+                          <a:prstDash val="solid"/>
+                          <a:round/>
+                          <a:headEnd type="none" w="med" len="med"/>
+                          <a:tailEnd type="none" w="med" len="med"/>
+                        </a:lnT>
+                        <a:lnB w="12700" cap="flat" cmpd="sng" algn="ctr">
+                          <a:solidFill>
+                            <a:schemeClr val="tx1"/>
+                          </a:solidFill>
+                          <a:prstDash val="solid"/>
+                          <a:round/>
+                          <a:headEnd type="none" w="med" len="med"/>
+                          <a:tailEnd type="none" w="med" len="med"/>
+                        </a:lnB>
+                      </a:tcPr>
+                    </a:tc>
                   </a:tr>
                 </a:tbl>
               </a:graphicData>
             </a:graphic>
           </p:graphicFrame>
         </mc:Choice>
-        <mc:Fallback>
+        <mc:Fallback xmlns="">
           <p:graphicFrame>
             <p:nvGraphicFramePr>
               <p:cNvPr id="12" name="表格 11"/>
@@ -8520,14 +10922,14 @@
               <p:nvPr>
                 <p:extLst>
                   <p:ext uri="{D42A27DB-BD31-4B8C-83A1-F6EECF244321}">
-                    <p14:modId xmlns:p14="http://schemas.microsoft.com/office/powerpoint/2010/main" val="2962309447"/>
+                    <p14:modId xmlns:p14="http://schemas.microsoft.com/office/powerpoint/2010/main" val="1964167159"/>
                   </p:ext>
                 </p:extLst>
               </p:nvPr>
             </p:nvGraphicFramePr>
             <p:xfrm>
-              <a:off x="1009650" y="2301240"/>
-              <a:ext cx="3276600" cy="365760"/>
+              <a:off x="533400" y="2301240"/>
+              <a:ext cx="4495800" cy="365760"/>
             </p:xfrm>
             <a:graphic>
               <a:graphicData uri="http://schemas.openxmlformats.org/drawingml/2006/table">
@@ -8536,10 +10938,12 @@
                     <a:tableStyleId>{2D5ABB26-0587-4C30-8999-92F81FD0307C}</a:tableStyleId>
                   </a:tblPr>
                   <a:tblGrid>
-                    <a:gridCol w="819150"/>
-                    <a:gridCol w="819150"/>
-                    <a:gridCol w="819150"/>
-                    <a:gridCol w="819150"/>
+                    <a:gridCol w="749300"/>
+                    <a:gridCol w="749300"/>
+                    <a:gridCol w="749300"/>
+                    <a:gridCol w="749300"/>
+                    <a:gridCol w="749300"/>
+                    <a:gridCol w="749300"/>
                   </a:tblGrid>
                   <a:tr h="365760">
                     <a:tc>
@@ -8590,7 +10994,7 @@
                         <a:blipFill rotWithShape="1">
                           <a:blip r:embed="rId4"/>
                           <a:stretch>
-                            <a:fillRect l="-746" t="-1667" r="-301493" b="-13333"/>
+                            <a:fillRect l="-813" t="-8333" r="-499187" b="-25000"/>
                           </a:stretch>
                         </a:blipFill>
                       </a:tcPr>
@@ -8643,7 +11047,7 @@
                         <a:blipFill rotWithShape="1">
                           <a:blip r:embed="rId4"/>
                           <a:stretch>
-                            <a:fillRect l="-100000" t="-1667" r="-199259" b="-13333"/>
+                            <a:fillRect l="-100813" t="-8333" r="-399187" b="-25000"/>
                           </a:stretch>
                         </a:blipFill>
                       </a:tcPr>
@@ -8696,7 +11100,7 @@
                         <a:blipFill rotWithShape="1">
                           <a:blip r:embed="rId4"/>
                           <a:stretch>
-                            <a:fillRect l="-201493" t="-1667" r="-100746" b="-13333"/>
+                            <a:fillRect l="-200813" t="-8333" r="-299187" b="-25000"/>
                           </a:stretch>
                         </a:blipFill>
                       </a:tcPr>
@@ -8749,7 +11153,112 @@
                         <a:blipFill rotWithShape="1">
                           <a:blip r:embed="rId4"/>
                           <a:stretch>
-                            <a:fillRect l="-301493" t="-1667" r="-746" b="-13333"/>
+                            <a:fillRect l="-303279" t="-8333" r="-201639" b="-25000"/>
+                          </a:stretch>
+                        </a:blipFill>
+                      </a:tcPr>
+                    </a:tc>
+                    <a:tc>
+                      <a:txBody>
+                        <a:bodyPr/>
+                        <a:lstStyle/>
+                        <a:p>
+                          <a:pPr algn="ctr"/>
+                          <a:r>
+                            <a:rPr lang="en-US" altLang="zh-CN" dirty="0" smtClean="0"/>
+                            <a:t>…</a:t>
+                          </a:r>
+                          <a:endParaRPr lang="zh-CN" altLang="en-US" dirty="0"/>
+                        </a:p>
+                      </a:txBody>
+                      <a:tcPr>
+                        <a:lnL w="12700" cap="flat" cmpd="sng" algn="ctr">
+                          <a:solidFill>
+                            <a:schemeClr val="tx1"/>
+                          </a:solidFill>
+                          <a:prstDash val="solid"/>
+                          <a:round/>
+                          <a:headEnd type="none" w="med" len="med"/>
+                          <a:tailEnd type="none" w="med" len="med"/>
+                        </a:lnL>
+                        <a:lnR w="12700" cap="flat" cmpd="sng" algn="ctr">
+                          <a:solidFill>
+                            <a:schemeClr val="tx1"/>
+                          </a:solidFill>
+                          <a:prstDash val="solid"/>
+                          <a:round/>
+                          <a:headEnd type="none" w="med" len="med"/>
+                          <a:tailEnd type="none" w="med" len="med"/>
+                        </a:lnR>
+                        <a:lnT w="12700" cap="flat" cmpd="sng" algn="ctr">
+                          <a:solidFill>
+                            <a:schemeClr val="tx1"/>
+                          </a:solidFill>
+                          <a:prstDash val="solid"/>
+                          <a:round/>
+                          <a:headEnd type="none" w="med" len="med"/>
+                          <a:tailEnd type="none" w="med" len="med"/>
+                        </a:lnT>
+                        <a:lnB w="12700" cap="flat" cmpd="sng" algn="ctr">
+                          <a:solidFill>
+                            <a:schemeClr val="tx1"/>
+                          </a:solidFill>
+                          <a:prstDash val="solid"/>
+                          <a:round/>
+                          <a:headEnd type="none" w="med" len="med"/>
+                          <a:tailEnd type="none" w="med" len="med"/>
+                        </a:lnB>
+                      </a:tcPr>
+                    </a:tc>
+                    <a:tc>
+                      <a:txBody>
+                        <a:bodyPr/>
+                        <a:lstStyle/>
+                        <a:p>
+                          <a:endParaRPr lang="zh-CN"/>
+                        </a:p>
+                      </a:txBody>
+                      <a:tcPr>
+                        <a:lnL w="12700" cap="flat" cmpd="sng" algn="ctr">
+                          <a:solidFill>
+                            <a:schemeClr val="tx1"/>
+                          </a:solidFill>
+                          <a:prstDash val="solid"/>
+                          <a:round/>
+                          <a:headEnd type="none" w="med" len="med"/>
+                          <a:tailEnd type="none" w="med" len="med"/>
+                        </a:lnL>
+                        <a:lnR w="12700" cap="flat" cmpd="sng" algn="ctr">
+                          <a:solidFill>
+                            <a:schemeClr val="tx1"/>
+                          </a:solidFill>
+                          <a:prstDash val="solid"/>
+                          <a:round/>
+                          <a:headEnd type="none" w="med" len="med"/>
+                          <a:tailEnd type="none" w="med" len="med"/>
+                        </a:lnR>
+                        <a:lnT w="12700" cap="flat" cmpd="sng" algn="ctr">
+                          <a:solidFill>
+                            <a:schemeClr val="tx1"/>
+                          </a:solidFill>
+                          <a:prstDash val="solid"/>
+                          <a:round/>
+                          <a:headEnd type="none" w="med" len="med"/>
+                          <a:tailEnd type="none" w="med" len="med"/>
+                        </a:lnT>
+                        <a:lnB w="12700" cap="flat" cmpd="sng" algn="ctr">
+                          <a:solidFill>
+                            <a:schemeClr val="tx1"/>
+                          </a:solidFill>
+                          <a:prstDash val="solid"/>
+                          <a:round/>
+                          <a:headEnd type="none" w="med" len="med"/>
+                          <a:tailEnd type="none" w="med" len="med"/>
+                        </a:lnB>
+                        <a:blipFill rotWithShape="1">
+                          <a:blip r:embed="rId4"/>
+                          <a:stretch>
+                            <a:fillRect l="-500000" t="-8333" b="-25000"/>
                           </a:stretch>
                         </a:blipFill>
                       </a:tcPr>
@@ -8761,8 +11270,8 @@
           </p:graphicFrame>
         </mc:Fallback>
       </mc:AlternateContent>
-      <mc:AlternateContent xmlns:mc="http://schemas.openxmlformats.org/markup-compatibility/2006">
-        <mc:Choice xmlns:a14="http://schemas.microsoft.com/office/drawing/2010/main" Requires="a14">
+      <mc:AlternateContent xmlns:mc="http://schemas.openxmlformats.org/markup-compatibility/2006" xmlns:a14="http://schemas.microsoft.com/office/drawing/2010/main">
+        <mc:Choice Requires="a14">
           <p:graphicFrame>
             <p:nvGraphicFramePr>
               <p:cNvPr id="13" name="表格 12"/>
@@ -8772,13 +11281,13 @@
               <p:nvPr>
                 <p:extLst>
                   <p:ext uri="{D42A27DB-BD31-4B8C-83A1-F6EECF244321}">
-                    <p14:modId xmlns:p14="http://schemas.microsoft.com/office/powerpoint/2010/main" val="1496324630"/>
+                    <p14:modId xmlns:p14="http://schemas.microsoft.com/office/powerpoint/2010/main" val="268998921"/>
                   </p:ext>
                 </p:extLst>
               </p:nvPr>
             </p:nvGraphicFramePr>
             <p:xfrm>
-              <a:off x="4972050" y="2291080"/>
+              <a:off x="5734050" y="2291080"/>
               <a:ext cx="819150" cy="365760"/>
             </p:xfrm>
             <a:graphic>
@@ -8829,10 +11338,10 @@
                                   </m:sSubPr>
                                   <m:e>
                                     <m:r>
-                                      <a:rPr lang="zh-CN" altLang="en-US" i="1">
+                                      <a:rPr lang="en-US" altLang="zh-CN" i="1" smtClean="0">
                                         <a:latin typeface="Cambria Math"/>
                                       </a:rPr>
-                                      <m:t>𝜙</m:t>
+                                      <m:t>𝑌</m:t>
                                     </m:r>
                                   </m:e>
                                   <m:sub>
@@ -8844,24 +11353,6 @@
                                     </m:r>
                                   </m:sub>
                                 </m:sSub>
-                                <m:r>
-                                  <a:rPr lang="en-US" altLang="zh-CN" b="0" i="1" smtClean="0">
-                                    <a:latin typeface="Cambria Math"/>
-                                  </a:rPr>
-                                  <m:t>(</m:t>
-                                </m:r>
-                                <m:r>
-                                  <a:rPr lang="en-US" altLang="zh-CN" i="1" smtClean="0">
-                                    <a:latin typeface="Cambria Math"/>
-                                  </a:rPr>
-                                  <m:t>𝑥</m:t>
-                                </m:r>
-                                <m:r>
-                                  <a:rPr lang="en-US" altLang="zh-CN" b="0" i="1" smtClean="0">
-                                    <a:latin typeface="Cambria Math"/>
-                                  </a:rPr>
-                                  <m:t>)</m:t>
-                                </m:r>
                               </m:oMath>
                             </m:oMathPara>
                           </a14:m>
@@ -8913,7 +11404,7 @@
             </a:graphic>
           </p:graphicFrame>
         </mc:Choice>
-        <mc:Fallback>
+        <mc:Fallback xmlns="">
           <p:graphicFrame>
             <p:nvGraphicFramePr>
               <p:cNvPr id="13" name="表格 12"/>
@@ -8923,13 +11414,13 @@
               <p:nvPr>
                 <p:extLst>
                   <p:ext uri="{D42A27DB-BD31-4B8C-83A1-F6EECF244321}">
-                    <p14:modId xmlns:p14="http://schemas.microsoft.com/office/powerpoint/2010/main" val="1496324630"/>
+                    <p14:modId xmlns:p14="http://schemas.microsoft.com/office/powerpoint/2010/main" val="268998921"/>
                   </p:ext>
                 </p:extLst>
               </p:nvPr>
             </p:nvGraphicFramePr>
             <p:xfrm>
-              <a:off x="4972050" y="2291080"/>
+              <a:off x="5734050" y="2291080"/>
               <a:ext cx="819150" cy="365760"/>
             </p:xfrm>
             <a:graphic>
@@ -8990,7 +11481,7 @@
                         <a:blipFill rotWithShape="1">
                           <a:blip r:embed="rId5"/>
                           <a:stretch>
-                            <a:fillRect l="-746" t="-1667" b="-13333"/>
+                            <a:fillRect l="-746" t="-1667"/>
                           </a:stretch>
                         </a:blipFill>
                       </a:tcPr>
@@ -9010,7 +11501,7 @@
         </p:nvSpPr>
         <p:spPr>
           <a:xfrm>
-            <a:off x="4438650" y="2352040"/>
+            <a:off x="5200650" y="2352040"/>
             <a:ext cx="381000" cy="228600"/>
           </a:xfrm>
           <a:prstGeom prst="rightArrow">
@@ -9080,7 +11571,7 @@
         </p:nvSpPr>
         <p:spPr>
           <a:xfrm>
-            <a:off x="5105400" y="1828800"/>
+            <a:off x="5867400" y="1828800"/>
             <a:ext cx="461665" cy="366447"/>
           </a:xfrm>
           <a:prstGeom prst="rect">
@@ -9106,6 +11597,2646 @@
     <p:extLst>
       <p:ext uri="{BB962C8B-B14F-4D97-AF65-F5344CB8AC3E}">
         <p14:creationId xmlns:p14="http://schemas.microsoft.com/office/powerpoint/2010/main" val="3322828446"/>
+      </p:ext>
+    </p:extLst>
+  </p:cSld>
+  <p:clrMapOvr>
+    <a:masterClrMapping/>
+  </p:clrMapOvr>
+</p:sld>
+</file>
+
+<file path=ppt/slides/slide6.xml><?xml version="1.0" encoding="utf-8"?>
+<p:sld xmlns:a="http://schemas.openxmlformats.org/drawingml/2006/main" xmlns:r="http://schemas.openxmlformats.org/officeDocument/2006/relationships" xmlns:p="http://schemas.openxmlformats.org/presentationml/2006/main">
+  <p:cSld>
+    <p:spTree>
+      <p:nvGrpSpPr>
+        <p:cNvPr id="1" name=""/>
+        <p:cNvGrpSpPr/>
+        <p:nvPr/>
+      </p:nvGrpSpPr>
+      <p:grpSpPr>
+        <a:xfrm>
+          <a:off x="0" y="0"/>
+          <a:ext cx="0" cy="0"/>
+          <a:chOff x="0" y="0"/>
+          <a:chExt cx="0" cy="0"/>
+        </a:xfrm>
+      </p:grpSpPr>
+      <mc:AlternateContent xmlns:mc="http://schemas.openxmlformats.org/markup-compatibility/2006">
+        <mc:Choice xmlns:a14="http://schemas.microsoft.com/office/drawing/2010/main" Requires="a14">
+          <p:graphicFrame>
+            <p:nvGraphicFramePr>
+              <p:cNvPr id="4" name="表格 3"/>
+              <p:cNvGraphicFramePr>
+                <a:graphicFrameLocks noGrp="1"/>
+              </p:cNvGraphicFramePr>
+              <p:nvPr>
+                <p:extLst>
+                  <p:ext uri="{D42A27DB-BD31-4B8C-83A1-F6EECF244321}">
+                    <p14:modId xmlns:p14="http://schemas.microsoft.com/office/powerpoint/2010/main" val="2074652798"/>
+                  </p:ext>
+                </p:extLst>
+              </p:nvPr>
+            </p:nvGraphicFramePr>
+            <p:xfrm>
+              <a:off x="533400" y="1397000"/>
+              <a:ext cx="4495800" cy="365760"/>
+            </p:xfrm>
+            <a:graphic>
+              <a:graphicData uri="http://schemas.openxmlformats.org/drawingml/2006/table">
+                <a:tbl>
+                  <a:tblPr firstRow="1" bandRow="1">
+                    <a:tableStyleId>{2D5ABB26-0587-4C30-8999-92F81FD0307C}</a:tableStyleId>
+                  </a:tblPr>
+                  <a:tblGrid>
+                    <a:gridCol w="749300"/>
+                    <a:gridCol w="749300"/>
+                    <a:gridCol w="749300"/>
+                    <a:gridCol w="749300"/>
+                    <a:gridCol w="749300"/>
+                    <a:gridCol w="749300"/>
+                  </a:tblGrid>
+                  <a:tr h="355600">
+                    <a:tc>
+                      <a:txBody>
+                        <a:bodyPr/>
+                        <a:lstStyle/>
+                        <a:p>
+                          <a:pPr algn="ctr"/>
+                          <a14:m>
+                            <m:oMathPara xmlns:m="http://schemas.openxmlformats.org/officeDocument/2006/math">
+                              <m:oMathParaPr>
+                                <m:jc m:val="centerGroup"/>
+                              </m:oMathParaPr>
+                              <m:oMath xmlns:m="http://schemas.openxmlformats.org/officeDocument/2006/math">
+                                <m:r>
+                                  <a:rPr lang="en-US" altLang="zh-CN" b="0" i="1" smtClean="0">
+                                    <a:latin typeface="Cambria Math"/>
+                                  </a:rPr>
+                                  <m:t>𝑥</m:t>
+                                </m:r>
+                              </m:oMath>
+                            </m:oMathPara>
+                          </a14:m>
+                          <a:endParaRPr lang="zh-CN" altLang="en-US" dirty="0"/>
+                        </a:p>
+                      </a:txBody>
+                      <a:tcPr>
+                        <a:lnL w="12700" cap="flat" cmpd="sng" algn="ctr">
+                          <a:solidFill>
+                            <a:schemeClr val="tx1"/>
+                          </a:solidFill>
+                          <a:prstDash val="solid"/>
+                          <a:round/>
+                          <a:headEnd type="none" w="med" len="med"/>
+                          <a:tailEnd type="none" w="med" len="med"/>
+                        </a:lnL>
+                        <a:lnR w="12700" cap="flat" cmpd="sng" algn="ctr">
+                          <a:solidFill>
+                            <a:schemeClr val="tx1"/>
+                          </a:solidFill>
+                          <a:prstDash val="solid"/>
+                          <a:round/>
+                          <a:headEnd type="none" w="med" len="med"/>
+                          <a:tailEnd type="none" w="med" len="med"/>
+                        </a:lnR>
+                        <a:lnT w="12700" cap="flat" cmpd="sng" algn="ctr">
+                          <a:solidFill>
+                            <a:schemeClr val="tx1"/>
+                          </a:solidFill>
+                          <a:prstDash val="solid"/>
+                          <a:round/>
+                          <a:headEnd type="none" w="med" len="med"/>
+                          <a:tailEnd type="none" w="med" len="med"/>
+                        </a:lnT>
+                        <a:lnB w="12700" cap="flat" cmpd="sng" algn="ctr">
+                          <a:solidFill>
+                            <a:schemeClr val="tx1"/>
+                          </a:solidFill>
+                          <a:prstDash val="solid"/>
+                          <a:round/>
+                          <a:headEnd type="none" w="med" len="med"/>
+                          <a:tailEnd type="none" w="med" len="med"/>
+                        </a:lnB>
+                      </a:tcPr>
+                    </a:tc>
+                    <a:tc>
+                      <a:txBody>
+                        <a:bodyPr/>
+                        <a:lstStyle/>
+                        <a:p>
+                          <a:pPr algn="ctr"/>
+                          <a14:m>
+                            <m:oMathPara xmlns:m="http://schemas.openxmlformats.org/officeDocument/2006/math">
+                              <m:oMathParaPr>
+                                <m:jc m:val="centerGroup"/>
+                              </m:oMathParaPr>
+                              <m:oMath xmlns:m="http://schemas.openxmlformats.org/officeDocument/2006/math">
+                                <m:sSub>
+                                  <m:sSubPr>
+                                    <m:ctrlPr>
+                                      <a:rPr lang="en-US" altLang="zh-CN" b="0" i="1" smtClean="0">
+                                        <a:latin typeface="Cambria Math"/>
+                                      </a:rPr>
+                                    </m:ctrlPr>
+                                  </m:sSubPr>
+                                  <m:e>
+                                    <m:r>
+                                      <a:rPr lang="en-US" altLang="zh-CN" b="0" i="1" smtClean="0">
+                                        <a:latin typeface="Cambria Math"/>
+                                      </a:rPr>
+                                      <m:t>𝑓</m:t>
+                                    </m:r>
+                                    <m:r>
+                                      <a:rPr lang="en-US" altLang="zh-CN" b="0" i="1" smtClean="0">
+                                        <a:latin typeface="Cambria Math"/>
+                                      </a:rPr>
+                                      <m:t>′</m:t>
+                                    </m:r>
+                                  </m:e>
+                                  <m:sub>
+                                    <m:r>
+                                      <a:rPr lang="en-US" altLang="zh-CN" b="0" i="1" smtClean="0">
+                                        <a:latin typeface="Cambria Math"/>
+                                      </a:rPr>
+                                      <m:t>1</m:t>
+                                    </m:r>
+                                  </m:sub>
+                                </m:sSub>
+                                <m:sSub>
+                                  <m:sSubPr>
+                                    <m:ctrlPr>
+                                      <a:rPr lang="en-US" altLang="zh-CN" b="0" i="1" smtClean="0">
+                                        <a:latin typeface="Cambria Math"/>
+                                      </a:rPr>
+                                    </m:ctrlPr>
+                                  </m:sSubPr>
+                                  <m:e>
+                                    <m:r>
+                                      <a:rPr lang="zh-CN" altLang="en-US" b="0" i="1" smtClean="0">
+                                        <a:latin typeface="Cambria Math"/>
+                                      </a:rPr>
+                                      <m:t>𝛽</m:t>
+                                    </m:r>
+                                  </m:e>
+                                  <m:sub>
+                                    <m:r>
+                                      <a:rPr lang="en-US" altLang="zh-CN" b="0" i="1" smtClean="0">
+                                        <a:latin typeface="Cambria Math"/>
+                                      </a:rPr>
+                                      <m:t>11</m:t>
+                                    </m:r>
+                                  </m:sub>
+                                </m:sSub>
+                              </m:oMath>
+                            </m:oMathPara>
+                          </a14:m>
+                          <a:endParaRPr lang="zh-CN" altLang="en-US" dirty="0"/>
+                        </a:p>
+                      </a:txBody>
+                      <a:tcPr>
+                        <a:lnL w="12700" cap="flat" cmpd="sng" algn="ctr">
+                          <a:solidFill>
+                            <a:schemeClr val="tx1"/>
+                          </a:solidFill>
+                          <a:prstDash val="solid"/>
+                          <a:round/>
+                          <a:headEnd type="none" w="med" len="med"/>
+                          <a:tailEnd type="none" w="med" len="med"/>
+                        </a:lnL>
+                        <a:lnR w="12700" cap="flat" cmpd="sng" algn="ctr">
+                          <a:solidFill>
+                            <a:schemeClr val="tx1"/>
+                          </a:solidFill>
+                          <a:prstDash val="solid"/>
+                          <a:round/>
+                          <a:headEnd type="none" w="med" len="med"/>
+                          <a:tailEnd type="none" w="med" len="med"/>
+                        </a:lnR>
+                        <a:lnT w="12700" cap="flat" cmpd="sng" algn="ctr">
+                          <a:solidFill>
+                            <a:schemeClr val="tx1"/>
+                          </a:solidFill>
+                          <a:prstDash val="solid"/>
+                          <a:round/>
+                          <a:headEnd type="none" w="med" len="med"/>
+                          <a:tailEnd type="none" w="med" len="med"/>
+                        </a:lnT>
+                        <a:lnB w="12700" cap="flat" cmpd="sng" algn="ctr">
+                          <a:solidFill>
+                            <a:schemeClr val="tx1"/>
+                          </a:solidFill>
+                          <a:prstDash val="solid"/>
+                          <a:round/>
+                          <a:headEnd type="none" w="med" len="med"/>
+                          <a:tailEnd type="none" w="med" len="med"/>
+                        </a:lnB>
+                      </a:tcPr>
+                    </a:tc>
+                    <a:tc>
+                      <a:txBody>
+                        <a:bodyPr/>
+                        <a:lstStyle/>
+                        <a:p>
+                          <a:pPr algn="ctr"/>
+                          <a14:m>
+                            <m:oMathPara xmlns:m="http://schemas.openxmlformats.org/officeDocument/2006/math">
+                              <m:oMathParaPr>
+                                <m:jc m:val="centerGroup"/>
+                              </m:oMathParaPr>
+                              <m:oMath xmlns:m="http://schemas.openxmlformats.org/officeDocument/2006/math">
+                                <m:sSub>
+                                  <m:sSubPr>
+                                    <m:ctrlPr>
+                                      <a:rPr lang="en-US" altLang="zh-CN" b="0" i="1" smtClean="0">
+                                        <a:latin typeface="Cambria Math"/>
+                                      </a:rPr>
+                                    </m:ctrlPr>
+                                  </m:sSubPr>
+                                  <m:e>
+                                    <m:r>
+                                      <a:rPr lang="en-US" altLang="zh-CN" b="0" i="1" smtClean="0">
+                                        <a:latin typeface="Cambria Math"/>
+                                      </a:rPr>
+                                      <m:t>𝑓</m:t>
+                                    </m:r>
+                                    <m:r>
+                                      <a:rPr lang="en-US" altLang="zh-CN" b="0" i="1" smtClean="0">
+                                        <a:latin typeface="Cambria Math"/>
+                                      </a:rPr>
+                                      <m:t>′</m:t>
+                                    </m:r>
+                                  </m:e>
+                                  <m:sub>
+                                    <m:r>
+                                      <a:rPr lang="en-US" altLang="zh-CN" b="0" i="1" smtClean="0">
+                                        <a:latin typeface="Cambria Math"/>
+                                      </a:rPr>
+                                      <m:t>2</m:t>
+                                    </m:r>
+                                  </m:sub>
+                                </m:sSub>
+                                <m:sSub>
+                                  <m:sSubPr>
+                                    <m:ctrlPr>
+                                      <a:rPr lang="en-US" altLang="zh-CN" b="0" i="1" smtClean="0">
+                                        <a:latin typeface="Cambria Math"/>
+                                      </a:rPr>
+                                    </m:ctrlPr>
+                                  </m:sSubPr>
+                                  <m:e>
+                                    <m:r>
+                                      <a:rPr lang="zh-CN" altLang="en-US" b="0" i="1" smtClean="0">
+                                        <a:latin typeface="Cambria Math"/>
+                                      </a:rPr>
+                                      <m:t>𝛽</m:t>
+                                    </m:r>
+                                  </m:e>
+                                  <m:sub>
+                                    <m:r>
+                                      <a:rPr lang="en-US" altLang="zh-CN" b="0" i="1" smtClean="0">
+                                        <a:latin typeface="Cambria Math"/>
+                                      </a:rPr>
+                                      <m:t>12</m:t>
+                                    </m:r>
+                                  </m:sub>
+                                </m:sSub>
+                              </m:oMath>
+                            </m:oMathPara>
+                          </a14:m>
+                          <a:endParaRPr lang="zh-CN" altLang="en-US" dirty="0"/>
+                        </a:p>
+                      </a:txBody>
+                      <a:tcPr>
+                        <a:lnL w="12700" cap="flat" cmpd="sng" algn="ctr">
+                          <a:solidFill>
+                            <a:schemeClr val="tx1"/>
+                          </a:solidFill>
+                          <a:prstDash val="solid"/>
+                          <a:round/>
+                          <a:headEnd type="none" w="med" len="med"/>
+                          <a:tailEnd type="none" w="med" len="med"/>
+                        </a:lnL>
+                        <a:lnR w="12700" cap="flat" cmpd="sng" algn="ctr">
+                          <a:solidFill>
+                            <a:schemeClr val="tx1"/>
+                          </a:solidFill>
+                          <a:prstDash val="solid"/>
+                          <a:round/>
+                          <a:headEnd type="none" w="med" len="med"/>
+                          <a:tailEnd type="none" w="med" len="med"/>
+                        </a:lnR>
+                        <a:lnT w="12700" cap="flat" cmpd="sng" algn="ctr">
+                          <a:solidFill>
+                            <a:schemeClr val="tx1"/>
+                          </a:solidFill>
+                          <a:prstDash val="solid"/>
+                          <a:round/>
+                          <a:headEnd type="none" w="med" len="med"/>
+                          <a:tailEnd type="none" w="med" len="med"/>
+                        </a:lnT>
+                        <a:lnB w="12700" cap="flat" cmpd="sng" algn="ctr">
+                          <a:solidFill>
+                            <a:schemeClr val="tx1"/>
+                          </a:solidFill>
+                          <a:prstDash val="solid"/>
+                          <a:round/>
+                          <a:headEnd type="none" w="med" len="med"/>
+                          <a:tailEnd type="none" w="med" len="med"/>
+                        </a:lnB>
+                      </a:tcPr>
+                    </a:tc>
+                    <a:tc>
+                      <a:txBody>
+                        <a:bodyPr/>
+                        <a:lstStyle/>
+                        <a:p>
+                          <a:pPr algn="ctr"/>
+                          <a14:m>
+                            <m:oMathPara xmlns:m="http://schemas.openxmlformats.org/officeDocument/2006/math">
+                              <m:oMathParaPr>
+                                <m:jc m:val="centerGroup"/>
+                              </m:oMathParaPr>
+                              <m:oMath xmlns:m="http://schemas.openxmlformats.org/officeDocument/2006/math">
+                                <m:sSub>
+                                  <m:sSubPr>
+                                    <m:ctrlPr>
+                                      <a:rPr lang="en-US" altLang="zh-CN" b="0" i="1" smtClean="0">
+                                        <a:latin typeface="Cambria Math"/>
+                                      </a:rPr>
+                                    </m:ctrlPr>
+                                  </m:sSubPr>
+                                  <m:e>
+                                    <m:r>
+                                      <a:rPr lang="en-US" altLang="zh-CN" b="0" i="1" smtClean="0">
+                                        <a:latin typeface="Cambria Math"/>
+                                      </a:rPr>
+                                      <m:t>𝑓</m:t>
+                                    </m:r>
+                                    <m:r>
+                                      <a:rPr lang="en-US" altLang="zh-CN" b="0" i="1" smtClean="0">
+                                        <a:latin typeface="Cambria Math"/>
+                                      </a:rPr>
+                                      <m:t>′</m:t>
+                                    </m:r>
+                                  </m:e>
+                                  <m:sub>
+                                    <m:r>
+                                      <a:rPr lang="en-US" altLang="zh-CN" b="0" i="1" smtClean="0">
+                                        <a:latin typeface="Cambria Math"/>
+                                      </a:rPr>
+                                      <m:t>3</m:t>
+                                    </m:r>
+                                  </m:sub>
+                                </m:sSub>
+                                <m:sSub>
+                                  <m:sSubPr>
+                                    <m:ctrlPr>
+                                      <a:rPr lang="en-US" altLang="zh-CN" b="0" i="1" smtClean="0">
+                                        <a:latin typeface="Cambria Math"/>
+                                      </a:rPr>
+                                    </m:ctrlPr>
+                                  </m:sSubPr>
+                                  <m:e>
+                                    <m:r>
+                                      <a:rPr lang="zh-CN" altLang="en-US" b="0" i="1" smtClean="0">
+                                        <a:latin typeface="Cambria Math"/>
+                                      </a:rPr>
+                                      <m:t>𝛽</m:t>
+                                    </m:r>
+                                  </m:e>
+                                  <m:sub>
+                                    <m:r>
+                                      <a:rPr lang="en-US" altLang="zh-CN" b="0" i="1" smtClean="0">
+                                        <a:latin typeface="Cambria Math"/>
+                                      </a:rPr>
+                                      <m:t>13</m:t>
+                                    </m:r>
+                                  </m:sub>
+                                </m:sSub>
+                              </m:oMath>
+                            </m:oMathPara>
+                          </a14:m>
+                          <a:endParaRPr lang="zh-CN" altLang="en-US" dirty="0"/>
+                        </a:p>
+                      </a:txBody>
+                      <a:tcPr>
+                        <a:lnL w="12700" cap="flat" cmpd="sng" algn="ctr">
+                          <a:solidFill>
+                            <a:schemeClr val="tx1"/>
+                          </a:solidFill>
+                          <a:prstDash val="solid"/>
+                          <a:round/>
+                          <a:headEnd type="none" w="med" len="med"/>
+                          <a:tailEnd type="none" w="med" len="med"/>
+                        </a:lnL>
+                        <a:lnR w="12700" cap="flat" cmpd="sng" algn="ctr">
+                          <a:solidFill>
+                            <a:schemeClr val="tx1"/>
+                          </a:solidFill>
+                          <a:prstDash val="solid"/>
+                          <a:round/>
+                          <a:headEnd type="none" w="med" len="med"/>
+                          <a:tailEnd type="none" w="med" len="med"/>
+                        </a:lnR>
+                        <a:lnT w="12700" cap="flat" cmpd="sng" algn="ctr">
+                          <a:solidFill>
+                            <a:schemeClr val="tx1"/>
+                          </a:solidFill>
+                          <a:prstDash val="solid"/>
+                          <a:round/>
+                          <a:headEnd type="none" w="med" len="med"/>
+                          <a:tailEnd type="none" w="med" len="med"/>
+                        </a:lnT>
+                        <a:lnB w="12700" cap="flat" cmpd="sng" algn="ctr">
+                          <a:solidFill>
+                            <a:schemeClr val="tx1"/>
+                          </a:solidFill>
+                          <a:prstDash val="solid"/>
+                          <a:round/>
+                          <a:headEnd type="none" w="med" len="med"/>
+                          <a:tailEnd type="none" w="med" len="med"/>
+                        </a:lnB>
+                      </a:tcPr>
+                    </a:tc>
+                    <a:tc>
+                      <a:txBody>
+                        <a:bodyPr/>
+                        <a:lstStyle/>
+                        <a:p>
+                          <a:pPr algn="ctr"/>
+                          <a:r>
+                            <a:rPr lang="en-US" altLang="zh-CN" dirty="0" smtClean="0"/>
+                            <a:t>…</a:t>
+                          </a:r>
+                          <a:endParaRPr lang="zh-CN" altLang="en-US" dirty="0"/>
+                        </a:p>
+                      </a:txBody>
+                      <a:tcPr>
+                        <a:lnL w="12700" cap="flat" cmpd="sng" algn="ctr">
+                          <a:solidFill>
+                            <a:schemeClr val="tx1"/>
+                          </a:solidFill>
+                          <a:prstDash val="solid"/>
+                          <a:round/>
+                          <a:headEnd type="none" w="med" len="med"/>
+                          <a:tailEnd type="none" w="med" len="med"/>
+                        </a:lnL>
+                        <a:lnR w="12700" cap="flat" cmpd="sng" algn="ctr">
+                          <a:solidFill>
+                            <a:schemeClr val="tx1"/>
+                          </a:solidFill>
+                          <a:prstDash val="solid"/>
+                          <a:round/>
+                          <a:headEnd type="none" w="med" len="med"/>
+                          <a:tailEnd type="none" w="med" len="med"/>
+                        </a:lnR>
+                        <a:lnT w="12700" cap="flat" cmpd="sng" algn="ctr">
+                          <a:solidFill>
+                            <a:schemeClr val="tx1"/>
+                          </a:solidFill>
+                          <a:prstDash val="solid"/>
+                          <a:round/>
+                          <a:headEnd type="none" w="med" len="med"/>
+                          <a:tailEnd type="none" w="med" len="med"/>
+                        </a:lnT>
+                        <a:lnB w="12700" cap="flat" cmpd="sng" algn="ctr">
+                          <a:solidFill>
+                            <a:schemeClr val="tx1"/>
+                          </a:solidFill>
+                          <a:prstDash val="solid"/>
+                          <a:round/>
+                          <a:headEnd type="none" w="med" len="med"/>
+                          <a:tailEnd type="none" w="med" len="med"/>
+                        </a:lnB>
+                      </a:tcPr>
+                    </a:tc>
+                    <a:tc>
+                      <a:txBody>
+                        <a:bodyPr/>
+                        <a:lstStyle/>
+                        <a:p>
+                          <a:pPr marL="0" marR="0" indent="0" algn="ctr" defTabSz="914400" rtl="0" eaLnBrk="1" fontAlgn="auto" latinLnBrk="0" hangingPunct="1">
+                            <a:lnSpc>
+                              <a:spcPct val="100000"/>
+                            </a:lnSpc>
+                            <a:spcBef>
+                              <a:spcPts val="0"/>
+                            </a:spcBef>
+                            <a:spcAft>
+                              <a:spcPts val="0"/>
+                            </a:spcAft>
+                            <a:buClrTx/>
+                            <a:buSzTx/>
+                            <a:buFontTx/>
+                            <a:buNone/>
+                            <a:tabLst/>
+                            <a:defRPr/>
+                          </a:pPr>
+                          <a14:m>
+                            <m:oMathPara xmlns:m="http://schemas.openxmlformats.org/officeDocument/2006/math">
+                              <m:oMathParaPr>
+                                <m:jc m:val="centerGroup"/>
+                              </m:oMathParaPr>
+                              <m:oMath xmlns:m="http://schemas.openxmlformats.org/officeDocument/2006/math">
+                                <m:sSub>
+                                  <m:sSubPr>
+                                    <m:ctrlPr>
+                                      <a:rPr lang="en-US" altLang="zh-CN" b="0" i="1" smtClean="0">
+                                        <a:latin typeface="Cambria Math"/>
+                                      </a:rPr>
+                                    </m:ctrlPr>
+                                  </m:sSubPr>
+                                  <m:e>
+                                    <m:r>
+                                      <a:rPr lang="en-US" altLang="zh-CN" b="0" i="1" smtClean="0">
+                                        <a:latin typeface="Cambria Math"/>
+                                      </a:rPr>
+                                      <m:t>𝑓</m:t>
+                                    </m:r>
+                                    <m:r>
+                                      <a:rPr lang="en-US" altLang="zh-CN" b="0" i="1" smtClean="0">
+                                        <a:latin typeface="Cambria Math"/>
+                                      </a:rPr>
+                                      <m:t>′</m:t>
+                                    </m:r>
+                                  </m:e>
+                                  <m:sub>
+                                    <m:r>
+                                      <a:rPr lang="en-US" altLang="zh-CN" b="0" i="1" smtClean="0">
+                                        <a:latin typeface="Cambria Math"/>
+                                      </a:rPr>
+                                      <m:t>𝑛</m:t>
+                                    </m:r>
+                                  </m:sub>
+                                </m:sSub>
+                                <m:sSub>
+                                  <m:sSubPr>
+                                    <m:ctrlPr>
+                                      <a:rPr lang="en-US" altLang="zh-CN" b="0" i="1" smtClean="0">
+                                        <a:latin typeface="Cambria Math"/>
+                                      </a:rPr>
+                                    </m:ctrlPr>
+                                  </m:sSubPr>
+                                  <m:e>
+                                    <m:r>
+                                      <a:rPr lang="zh-CN" altLang="en-US" b="0" i="1" smtClean="0">
+                                        <a:latin typeface="Cambria Math"/>
+                                      </a:rPr>
+                                      <m:t>𝛽</m:t>
+                                    </m:r>
+                                  </m:e>
+                                  <m:sub>
+                                    <m:r>
+                                      <a:rPr lang="en-US" altLang="zh-CN" b="0" i="1" smtClean="0">
+                                        <a:latin typeface="Cambria Math"/>
+                                      </a:rPr>
+                                      <m:t>1</m:t>
+                                    </m:r>
+                                    <m:r>
+                                      <a:rPr lang="en-US" altLang="zh-CN" b="0" i="1" smtClean="0">
+                                        <a:latin typeface="Cambria Math"/>
+                                      </a:rPr>
+                                      <m:t>𝑛</m:t>
+                                    </m:r>
+                                  </m:sub>
+                                </m:sSub>
+                              </m:oMath>
+                            </m:oMathPara>
+                          </a14:m>
+                          <a:endParaRPr lang="zh-CN" altLang="en-US" dirty="0"/>
+                        </a:p>
+                      </a:txBody>
+                      <a:tcPr>
+                        <a:lnL w="12700" cap="flat" cmpd="sng" algn="ctr">
+                          <a:solidFill>
+                            <a:schemeClr val="tx1"/>
+                          </a:solidFill>
+                          <a:prstDash val="solid"/>
+                          <a:round/>
+                          <a:headEnd type="none" w="med" len="med"/>
+                          <a:tailEnd type="none" w="med" len="med"/>
+                        </a:lnL>
+                        <a:lnR w="12700" cap="flat" cmpd="sng" algn="ctr">
+                          <a:solidFill>
+                            <a:schemeClr val="tx1"/>
+                          </a:solidFill>
+                          <a:prstDash val="solid"/>
+                          <a:round/>
+                          <a:headEnd type="none" w="med" len="med"/>
+                          <a:tailEnd type="none" w="med" len="med"/>
+                        </a:lnR>
+                        <a:lnT w="12700" cap="flat" cmpd="sng" algn="ctr">
+                          <a:solidFill>
+                            <a:schemeClr val="tx1"/>
+                          </a:solidFill>
+                          <a:prstDash val="solid"/>
+                          <a:round/>
+                          <a:headEnd type="none" w="med" len="med"/>
+                          <a:tailEnd type="none" w="med" len="med"/>
+                        </a:lnT>
+                        <a:lnB w="12700" cap="flat" cmpd="sng" algn="ctr">
+                          <a:solidFill>
+                            <a:schemeClr val="tx1"/>
+                          </a:solidFill>
+                          <a:prstDash val="solid"/>
+                          <a:round/>
+                          <a:headEnd type="none" w="med" len="med"/>
+                          <a:tailEnd type="none" w="med" len="med"/>
+                        </a:lnB>
+                      </a:tcPr>
+                    </a:tc>
+                  </a:tr>
+                </a:tbl>
+              </a:graphicData>
+            </a:graphic>
+          </p:graphicFrame>
+        </mc:Choice>
+        <mc:Fallback>
+          <p:graphicFrame>
+            <p:nvGraphicFramePr>
+              <p:cNvPr id="4" name="表格 3"/>
+              <p:cNvGraphicFramePr>
+                <a:graphicFrameLocks noGrp="1"/>
+              </p:cNvGraphicFramePr>
+              <p:nvPr>
+                <p:extLst>
+                  <p:ext uri="{D42A27DB-BD31-4B8C-83A1-F6EECF244321}">
+                    <p14:modId xmlns:p14="http://schemas.microsoft.com/office/powerpoint/2010/main" val="2074652798"/>
+                  </p:ext>
+                </p:extLst>
+              </p:nvPr>
+            </p:nvGraphicFramePr>
+            <p:xfrm>
+              <a:off x="533400" y="1397000"/>
+              <a:ext cx="4495800" cy="365760"/>
+            </p:xfrm>
+            <a:graphic>
+              <a:graphicData uri="http://schemas.openxmlformats.org/drawingml/2006/table">
+                <a:tbl>
+                  <a:tblPr firstRow="1" bandRow="1">
+                    <a:tableStyleId>{2D5ABB26-0587-4C30-8999-92F81FD0307C}</a:tableStyleId>
+                  </a:tblPr>
+                  <a:tblGrid>
+                    <a:gridCol w="749300"/>
+                    <a:gridCol w="749300"/>
+                    <a:gridCol w="749300"/>
+                    <a:gridCol w="749300"/>
+                    <a:gridCol w="749300"/>
+                    <a:gridCol w="749300"/>
+                  </a:tblGrid>
+                  <a:tr h="365760">
+                    <a:tc>
+                      <a:txBody>
+                        <a:bodyPr/>
+                        <a:lstStyle/>
+                        <a:p>
+                          <a:endParaRPr lang="zh-CN"/>
+                        </a:p>
+                      </a:txBody>
+                      <a:tcPr>
+                        <a:lnL w="12700" cap="flat" cmpd="sng" algn="ctr">
+                          <a:solidFill>
+                            <a:schemeClr val="tx1"/>
+                          </a:solidFill>
+                          <a:prstDash val="solid"/>
+                          <a:round/>
+                          <a:headEnd type="none" w="med" len="med"/>
+                          <a:tailEnd type="none" w="med" len="med"/>
+                        </a:lnL>
+                        <a:lnR w="12700" cap="flat" cmpd="sng" algn="ctr">
+                          <a:solidFill>
+                            <a:schemeClr val="tx1"/>
+                          </a:solidFill>
+                          <a:prstDash val="solid"/>
+                          <a:round/>
+                          <a:headEnd type="none" w="med" len="med"/>
+                          <a:tailEnd type="none" w="med" len="med"/>
+                        </a:lnR>
+                        <a:lnT w="12700" cap="flat" cmpd="sng" algn="ctr">
+                          <a:solidFill>
+                            <a:schemeClr val="tx1"/>
+                          </a:solidFill>
+                          <a:prstDash val="solid"/>
+                          <a:round/>
+                          <a:headEnd type="none" w="med" len="med"/>
+                          <a:tailEnd type="none" w="med" len="med"/>
+                        </a:lnT>
+                        <a:lnB w="12700" cap="flat" cmpd="sng" algn="ctr">
+                          <a:solidFill>
+                            <a:schemeClr val="tx1"/>
+                          </a:solidFill>
+                          <a:prstDash val="solid"/>
+                          <a:round/>
+                          <a:headEnd type="none" w="med" len="med"/>
+                          <a:tailEnd type="none" w="med" len="med"/>
+                        </a:lnB>
+                        <a:blipFill rotWithShape="1">
+                          <a:blip r:embed="rId2"/>
+                          <a:stretch>
+                            <a:fillRect l="-813" t="-8333" r="-499187" b="-26667"/>
+                          </a:stretch>
+                        </a:blipFill>
+                      </a:tcPr>
+                    </a:tc>
+                    <a:tc>
+                      <a:txBody>
+                        <a:bodyPr/>
+                        <a:lstStyle/>
+                        <a:p>
+                          <a:endParaRPr lang="zh-CN"/>
+                        </a:p>
+                      </a:txBody>
+                      <a:tcPr>
+                        <a:lnL w="12700" cap="flat" cmpd="sng" algn="ctr">
+                          <a:solidFill>
+                            <a:schemeClr val="tx1"/>
+                          </a:solidFill>
+                          <a:prstDash val="solid"/>
+                          <a:round/>
+                          <a:headEnd type="none" w="med" len="med"/>
+                          <a:tailEnd type="none" w="med" len="med"/>
+                        </a:lnL>
+                        <a:lnR w="12700" cap="flat" cmpd="sng" algn="ctr">
+                          <a:solidFill>
+                            <a:schemeClr val="tx1"/>
+                          </a:solidFill>
+                          <a:prstDash val="solid"/>
+                          <a:round/>
+                          <a:headEnd type="none" w="med" len="med"/>
+                          <a:tailEnd type="none" w="med" len="med"/>
+                        </a:lnR>
+                        <a:lnT w="12700" cap="flat" cmpd="sng" algn="ctr">
+                          <a:solidFill>
+                            <a:schemeClr val="tx1"/>
+                          </a:solidFill>
+                          <a:prstDash val="solid"/>
+                          <a:round/>
+                          <a:headEnd type="none" w="med" len="med"/>
+                          <a:tailEnd type="none" w="med" len="med"/>
+                        </a:lnT>
+                        <a:lnB w="12700" cap="flat" cmpd="sng" algn="ctr">
+                          <a:solidFill>
+                            <a:schemeClr val="tx1"/>
+                          </a:solidFill>
+                          <a:prstDash val="solid"/>
+                          <a:round/>
+                          <a:headEnd type="none" w="med" len="med"/>
+                          <a:tailEnd type="none" w="med" len="med"/>
+                        </a:lnB>
+                        <a:blipFill rotWithShape="1">
+                          <a:blip r:embed="rId2"/>
+                          <a:stretch>
+                            <a:fillRect l="-100813" t="-8333" r="-399187" b="-26667"/>
+                          </a:stretch>
+                        </a:blipFill>
+                      </a:tcPr>
+                    </a:tc>
+                    <a:tc>
+                      <a:txBody>
+                        <a:bodyPr/>
+                        <a:lstStyle/>
+                        <a:p>
+                          <a:endParaRPr lang="zh-CN"/>
+                        </a:p>
+                      </a:txBody>
+                      <a:tcPr>
+                        <a:lnL w="12700" cap="flat" cmpd="sng" algn="ctr">
+                          <a:solidFill>
+                            <a:schemeClr val="tx1"/>
+                          </a:solidFill>
+                          <a:prstDash val="solid"/>
+                          <a:round/>
+                          <a:headEnd type="none" w="med" len="med"/>
+                          <a:tailEnd type="none" w="med" len="med"/>
+                        </a:lnL>
+                        <a:lnR w="12700" cap="flat" cmpd="sng" algn="ctr">
+                          <a:solidFill>
+                            <a:schemeClr val="tx1"/>
+                          </a:solidFill>
+                          <a:prstDash val="solid"/>
+                          <a:round/>
+                          <a:headEnd type="none" w="med" len="med"/>
+                          <a:tailEnd type="none" w="med" len="med"/>
+                        </a:lnR>
+                        <a:lnT w="12700" cap="flat" cmpd="sng" algn="ctr">
+                          <a:solidFill>
+                            <a:schemeClr val="tx1"/>
+                          </a:solidFill>
+                          <a:prstDash val="solid"/>
+                          <a:round/>
+                          <a:headEnd type="none" w="med" len="med"/>
+                          <a:tailEnd type="none" w="med" len="med"/>
+                        </a:lnT>
+                        <a:lnB w="12700" cap="flat" cmpd="sng" algn="ctr">
+                          <a:solidFill>
+                            <a:schemeClr val="tx1"/>
+                          </a:solidFill>
+                          <a:prstDash val="solid"/>
+                          <a:round/>
+                          <a:headEnd type="none" w="med" len="med"/>
+                          <a:tailEnd type="none" w="med" len="med"/>
+                        </a:lnB>
+                        <a:blipFill rotWithShape="1">
+                          <a:blip r:embed="rId2"/>
+                          <a:stretch>
+                            <a:fillRect l="-200813" t="-8333" r="-299187" b="-26667"/>
+                          </a:stretch>
+                        </a:blipFill>
+                      </a:tcPr>
+                    </a:tc>
+                    <a:tc>
+                      <a:txBody>
+                        <a:bodyPr/>
+                        <a:lstStyle/>
+                        <a:p>
+                          <a:endParaRPr lang="zh-CN"/>
+                        </a:p>
+                      </a:txBody>
+                      <a:tcPr>
+                        <a:lnL w="12700" cap="flat" cmpd="sng" algn="ctr">
+                          <a:solidFill>
+                            <a:schemeClr val="tx1"/>
+                          </a:solidFill>
+                          <a:prstDash val="solid"/>
+                          <a:round/>
+                          <a:headEnd type="none" w="med" len="med"/>
+                          <a:tailEnd type="none" w="med" len="med"/>
+                        </a:lnL>
+                        <a:lnR w="12700" cap="flat" cmpd="sng" algn="ctr">
+                          <a:solidFill>
+                            <a:schemeClr val="tx1"/>
+                          </a:solidFill>
+                          <a:prstDash val="solid"/>
+                          <a:round/>
+                          <a:headEnd type="none" w="med" len="med"/>
+                          <a:tailEnd type="none" w="med" len="med"/>
+                        </a:lnR>
+                        <a:lnT w="12700" cap="flat" cmpd="sng" algn="ctr">
+                          <a:solidFill>
+                            <a:schemeClr val="tx1"/>
+                          </a:solidFill>
+                          <a:prstDash val="solid"/>
+                          <a:round/>
+                          <a:headEnd type="none" w="med" len="med"/>
+                          <a:tailEnd type="none" w="med" len="med"/>
+                        </a:lnT>
+                        <a:lnB w="12700" cap="flat" cmpd="sng" algn="ctr">
+                          <a:solidFill>
+                            <a:schemeClr val="tx1"/>
+                          </a:solidFill>
+                          <a:prstDash val="solid"/>
+                          <a:round/>
+                          <a:headEnd type="none" w="med" len="med"/>
+                          <a:tailEnd type="none" w="med" len="med"/>
+                        </a:lnB>
+                        <a:blipFill rotWithShape="1">
+                          <a:blip r:embed="rId2"/>
+                          <a:stretch>
+                            <a:fillRect l="-303279" t="-8333" r="-201639" b="-26667"/>
+                          </a:stretch>
+                        </a:blipFill>
+                      </a:tcPr>
+                    </a:tc>
+                    <a:tc>
+                      <a:txBody>
+                        <a:bodyPr/>
+                        <a:lstStyle/>
+                        <a:p>
+                          <a:pPr algn="ctr"/>
+                          <a:r>
+                            <a:rPr lang="en-US" altLang="zh-CN" dirty="0" smtClean="0"/>
+                            <a:t>…</a:t>
+                          </a:r>
+                          <a:endParaRPr lang="zh-CN" altLang="en-US" dirty="0"/>
+                        </a:p>
+                      </a:txBody>
+                      <a:tcPr>
+                        <a:lnL w="12700" cap="flat" cmpd="sng" algn="ctr">
+                          <a:solidFill>
+                            <a:schemeClr val="tx1"/>
+                          </a:solidFill>
+                          <a:prstDash val="solid"/>
+                          <a:round/>
+                          <a:headEnd type="none" w="med" len="med"/>
+                          <a:tailEnd type="none" w="med" len="med"/>
+                        </a:lnL>
+                        <a:lnR w="12700" cap="flat" cmpd="sng" algn="ctr">
+                          <a:solidFill>
+                            <a:schemeClr val="tx1"/>
+                          </a:solidFill>
+                          <a:prstDash val="solid"/>
+                          <a:round/>
+                          <a:headEnd type="none" w="med" len="med"/>
+                          <a:tailEnd type="none" w="med" len="med"/>
+                        </a:lnR>
+                        <a:lnT w="12700" cap="flat" cmpd="sng" algn="ctr">
+                          <a:solidFill>
+                            <a:schemeClr val="tx1"/>
+                          </a:solidFill>
+                          <a:prstDash val="solid"/>
+                          <a:round/>
+                          <a:headEnd type="none" w="med" len="med"/>
+                          <a:tailEnd type="none" w="med" len="med"/>
+                        </a:lnT>
+                        <a:lnB w="12700" cap="flat" cmpd="sng" algn="ctr">
+                          <a:solidFill>
+                            <a:schemeClr val="tx1"/>
+                          </a:solidFill>
+                          <a:prstDash val="solid"/>
+                          <a:round/>
+                          <a:headEnd type="none" w="med" len="med"/>
+                          <a:tailEnd type="none" w="med" len="med"/>
+                        </a:lnB>
+                      </a:tcPr>
+                    </a:tc>
+                    <a:tc>
+                      <a:txBody>
+                        <a:bodyPr/>
+                        <a:lstStyle/>
+                        <a:p>
+                          <a:endParaRPr lang="zh-CN"/>
+                        </a:p>
+                      </a:txBody>
+                      <a:tcPr>
+                        <a:lnL w="12700" cap="flat" cmpd="sng" algn="ctr">
+                          <a:solidFill>
+                            <a:schemeClr val="tx1"/>
+                          </a:solidFill>
+                          <a:prstDash val="solid"/>
+                          <a:round/>
+                          <a:headEnd type="none" w="med" len="med"/>
+                          <a:tailEnd type="none" w="med" len="med"/>
+                        </a:lnL>
+                        <a:lnR w="12700" cap="flat" cmpd="sng" algn="ctr">
+                          <a:solidFill>
+                            <a:schemeClr val="tx1"/>
+                          </a:solidFill>
+                          <a:prstDash val="solid"/>
+                          <a:round/>
+                          <a:headEnd type="none" w="med" len="med"/>
+                          <a:tailEnd type="none" w="med" len="med"/>
+                        </a:lnR>
+                        <a:lnT w="12700" cap="flat" cmpd="sng" algn="ctr">
+                          <a:solidFill>
+                            <a:schemeClr val="tx1"/>
+                          </a:solidFill>
+                          <a:prstDash val="solid"/>
+                          <a:round/>
+                          <a:headEnd type="none" w="med" len="med"/>
+                          <a:tailEnd type="none" w="med" len="med"/>
+                        </a:lnT>
+                        <a:lnB w="12700" cap="flat" cmpd="sng" algn="ctr">
+                          <a:solidFill>
+                            <a:schemeClr val="tx1"/>
+                          </a:solidFill>
+                          <a:prstDash val="solid"/>
+                          <a:round/>
+                          <a:headEnd type="none" w="med" len="med"/>
+                          <a:tailEnd type="none" w="med" len="med"/>
+                        </a:lnB>
+                        <a:blipFill rotWithShape="1">
+                          <a:blip r:embed="rId2"/>
+                          <a:stretch>
+                            <a:fillRect l="-500000" t="-8333" b="-26667"/>
+                          </a:stretch>
+                        </a:blipFill>
+                      </a:tcPr>
+                    </a:tc>
+                  </a:tr>
+                </a:tbl>
+              </a:graphicData>
+            </a:graphic>
+          </p:graphicFrame>
+        </mc:Fallback>
+      </mc:AlternateContent>
+      <mc:AlternateContent xmlns:mc="http://schemas.openxmlformats.org/markup-compatibility/2006">
+        <mc:Choice xmlns:a14="http://schemas.microsoft.com/office/drawing/2010/main" Requires="a14">
+          <p:graphicFrame>
+            <p:nvGraphicFramePr>
+              <p:cNvPr id="5" name="表格 4"/>
+              <p:cNvGraphicFramePr>
+                <a:graphicFrameLocks noGrp="1"/>
+              </p:cNvGraphicFramePr>
+              <p:nvPr>
+                <p:extLst>
+                  <p:ext uri="{D42A27DB-BD31-4B8C-83A1-F6EECF244321}">
+                    <p14:modId xmlns:p14="http://schemas.microsoft.com/office/powerpoint/2010/main" val="2550514465"/>
+                  </p:ext>
+                </p:extLst>
+              </p:nvPr>
+            </p:nvGraphicFramePr>
+            <p:xfrm>
+              <a:off x="5715000" y="1386840"/>
+              <a:ext cx="819150" cy="365760"/>
+            </p:xfrm>
+            <a:graphic>
+              <a:graphicData uri="http://schemas.openxmlformats.org/drawingml/2006/table">
+                <a:tbl>
+                  <a:tblPr firstRow="1" bandRow="1">
+                    <a:tableStyleId>{2D5ABB26-0587-4C30-8999-92F81FD0307C}</a:tableStyleId>
+                  </a:tblPr>
+                  <a:tblGrid>
+                    <a:gridCol w="819150"/>
+                  </a:tblGrid>
+                  <a:tr h="355600">
+                    <a:tc>
+                      <a:txBody>
+                        <a:bodyPr/>
+                        <a:lstStyle/>
+                        <a:p>
+                          <a:pPr marL="0" marR="0" indent="0" algn="ctr" defTabSz="914400" rtl="0" eaLnBrk="1" fontAlgn="auto" latinLnBrk="0" hangingPunct="1">
+                            <a:lnSpc>
+                              <a:spcPct val="100000"/>
+                            </a:lnSpc>
+                            <a:spcBef>
+                              <a:spcPts val="0"/>
+                            </a:spcBef>
+                            <a:spcAft>
+                              <a:spcPts val="0"/>
+                            </a:spcAft>
+                            <a:buClrTx/>
+                            <a:buSzTx/>
+                            <a:buFontTx/>
+                            <a:buNone/>
+                            <a:tabLst/>
+                            <a:defRPr/>
+                          </a:pPr>
+                          <a14:m>
+                            <m:oMathPara xmlns:m="http://schemas.openxmlformats.org/officeDocument/2006/math">
+                              <m:oMathParaPr>
+                                <m:jc m:val="centerGroup"/>
+                              </m:oMathParaPr>
+                              <m:oMath xmlns:m="http://schemas.openxmlformats.org/officeDocument/2006/math">
+                                <m:sSub>
+                                  <m:sSubPr>
+                                    <m:ctrlPr>
+                                      <a:rPr lang="en-US" altLang="zh-CN" i="1" smtClean="0">
+                                        <a:latin typeface="Cambria Math"/>
+                                      </a:rPr>
+                                    </m:ctrlPr>
+                                  </m:sSubPr>
+                                  <m:e>
+                                    <m:r>
+                                      <a:rPr lang="zh-CN" altLang="en-US" i="1" smtClean="0">
+                                        <a:latin typeface="Cambria Math"/>
+                                      </a:rPr>
+                                      <m:t>𝜙</m:t>
+                                    </m:r>
+                                  </m:e>
+                                  <m:sub>
+                                    <m:r>
+                                      <a:rPr lang="en-US" altLang="zh-CN" b="0" i="1" smtClean="0">
+                                        <a:latin typeface="Cambria Math"/>
+                                      </a:rPr>
+                                      <m:t>1</m:t>
+                                    </m:r>
+                                  </m:sub>
+                                </m:sSub>
+                                <m:r>
+                                  <a:rPr lang="en-US" altLang="zh-CN" b="0" i="1" smtClean="0">
+                                    <a:latin typeface="Cambria Math"/>
+                                  </a:rPr>
+                                  <m:t>(</m:t>
+                                </m:r>
+                                <m:r>
+                                  <a:rPr lang="en-US" altLang="zh-CN" b="0" i="1" smtClean="0">
+                                    <a:latin typeface="Cambria Math"/>
+                                  </a:rPr>
+                                  <m:t>𝑥</m:t>
+                                </m:r>
+                                <m:r>
+                                  <a:rPr lang="en-US" altLang="zh-CN" b="0" i="1" smtClean="0">
+                                    <a:latin typeface="Cambria Math"/>
+                                  </a:rPr>
+                                  <m:t>)</m:t>
+                                </m:r>
+                              </m:oMath>
+                            </m:oMathPara>
+                          </a14:m>
+                          <a:endParaRPr lang="zh-CN" altLang="en-US" dirty="0"/>
+                        </a:p>
+                      </a:txBody>
+                      <a:tcPr>
+                        <a:lnL w="12700" cap="flat" cmpd="sng" algn="ctr">
+                          <a:solidFill>
+                            <a:schemeClr val="tx1"/>
+                          </a:solidFill>
+                          <a:prstDash val="solid"/>
+                          <a:round/>
+                          <a:headEnd type="none" w="med" len="med"/>
+                          <a:tailEnd type="none" w="med" len="med"/>
+                        </a:lnL>
+                        <a:lnR w="12700" cap="flat" cmpd="sng" algn="ctr">
+                          <a:solidFill>
+                            <a:schemeClr val="tx1"/>
+                          </a:solidFill>
+                          <a:prstDash val="solid"/>
+                          <a:round/>
+                          <a:headEnd type="none" w="med" len="med"/>
+                          <a:tailEnd type="none" w="med" len="med"/>
+                        </a:lnR>
+                        <a:lnT w="12700" cap="flat" cmpd="sng" algn="ctr">
+                          <a:solidFill>
+                            <a:schemeClr val="tx1"/>
+                          </a:solidFill>
+                          <a:prstDash val="solid"/>
+                          <a:round/>
+                          <a:headEnd type="none" w="med" len="med"/>
+                          <a:tailEnd type="none" w="med" len="med"/>
+                        </a:lnT>
+                        <a:lnB w="12700" cap="flat" cmpd="sng" algn="ctr">
+                          <a:solidFill>
+                            <a:schemeClr val="tx1"/>
+                          </a:solidFill>
+                          <a:prstDash val="solid"/>
+                          <a:round/>
+                          <a:headEnd type="none" w="med" len="med"/>
+                          <a:tailEnd type="none" w="med" len="med"/>
+                        </a:lnB>
+                      </a:tcPr>
+                    </a:tc>
+                  </a:tr>
+                </a:tbl>
+              </a:graphicData>
+            </a:graphic>
+          </p:graphicFrame>
+        </mc:Choice>
+        <mc:Fallback>
+          <p:graphicFrame>
+            <p:nvGraphicFramePr>
+              <p:cNvPr id="5" name="表格 4"/>
+              <p:cNvGraphicFramePr>
+                <a:graphicFrameLocks noGrp="1"/>
+              </p:cNvGraphicFramePr>
+              <p:nvPr>
+                <p:extLst>
+                  <p:ext uri="{D42A27DB-BD31-4B8C-83A1-F6EECF244321}">
+                    <p14:modId xmlns:p14="http://schemas.microsoft.com/office/powerpoint/2010/main" val="2550514465"/>
+                  </p:ext>
+                </p:extLst>
+              </p:nvPr>
+            </p:nvGraphicFramePr>
+            <p:xfrm>
+              <a:off x="5715000" y="1386840"/>
+              <a:ext cx="819150" cy="365760"/>
+            </p:xfrm>
+            <a:graphic>
+              <a:graphicData uri="http://schemas.openxmlformats.org/drawingml/2006/table">
+                <a:tbl>
+                  <a:tblPr firstRow="1" bandRow="1">
+                    <a:tableStyleId>{2D5ABB26-0587-4C30-8999-92F81FD0307C}</a:tableStyleId>
+                  </a:tblPr>
+                  <a:tblGrid>
+                    <a:gridCol w="819150"/>
+                  </a:tblGrid>
+                  <a:tr h="365760">
+                    <a:tc>
+                      <a:txBody>
+                        <a:bodyPr/>
+                        <a:lstStyle/>
+                        <a:p>
+                          <a:endParaRPr lang="zh-CN"/>
+                        </a:p>
+                      </a:txBody>
+                      <a:tcPr>
+                        <a:lnL w="12700" cap="flat" cmpd="sng" algn="ctr">
+                          <a:solidFill>
+                            <a:schemeClr val="tx1"/>
+                          </a:solidFill>
+                          <a:prstDash val="solid"/>
+                          <a:round/>
+                          <a:headEnd type="none" w="med" len="med"/>
+                          <a:tailEnd type="none" w="med" len="med"/>
+                        </a:lnL>
+                        <a:lnR w="12700" cap="flat" cmpd="sng" algn="ctr">
+                          <a:solidFill>
+                            <a:schemeClr val="tx1"/>
+                          </a:solidFill>
+                          <a:prstDash val="solid"/>
+                          <a:round/>
+                          <a:headEnd type="none" w="med" len="med"/>
+                          <a:tailEnd type="none" w="med" len="med"/>
+                        </a:lnR>
+                        <a:lnT w="12700" cap="flat" cmpd="sng" algn="ctr">
+                          <a:solidFill>
+                            <a:schemeClr val="tx1"/>
+                          </a:solidFill>
+                          <a:prstDash val="solid"/>
+                          <a:round/>
+                          <a:headEnd type="none" w="med" len="med"/>
+                          <a:tailEnd type="none" w="med" len="med"/>
+                        </a:lnT>
+                        <a:lnB w="12700" cap="flat" cmpd="sng" algn="ctr">
+                          <a:solidFill>
+                            <a:schemeClr val="tx1"/>
+                          </a:solidFill>
+                          <a:prstDash val="solid"/>
+                          <a:round/>
+                          <a:headEnd type="none" w="med" len="med"/>
+                          <a:tailEnd type="none" w="med" len="med"/>
+                        </a:lnB>
+                        <a:blipFill rotWithShape="1">
+                          <a:blip r:embed="rId3"/>
+                          <a:stretch>
+                            <a:fillRect l="-746" t="-1667" b="-11667"/>
+                          </a:stretch>
+                        </a:blipFill>
+                      </a:tcPr>
+                    </a:tc>
+                  </a:tr>
+                </a:tbl>
+              </a:graphicData>
+            </a:graphic>
+          </p:graphicFrame>
+        </mc:Fallback>
+      </mc:AlternateContent>
+      <p:sp>
+        <p:nvSpPr>
+          <p:cNvPr id="6" name="右箭头 5"/>
+          <p:cNvSpPr/>
+          <p:nvPr/>
+        </p:nvSpPr>
+        <p:spPr>
+          <a:xfrm>
+            <a:off x="5181600" y="1447800"/>
+            <a:ext cx="381000" cy="228600"/>
+          </a:xfrm>
+          <a:prstGeom prst="rightArrow">
+            <a:avLst/>
+          </a:prstGeom>
+        </p:spPr>
+        <p:style>
+          <a:lnRef idx="2">
+            <a:schemeClr val="dk1">
+              <a:shade val="50000"/>
+            </a:schemeClr>
+          </a:lnRef>
+          <a:fillRef idx="1">
+            <a:schemeClr val="dk1"/>
+          </a:fillRef>
+          <a:effectRef idx="0">
+            <a:schemeClr val="dk1"/>
+          </a:effectRef>
+          <a:fontRef idx="minor">
+            <a:schemeClr val="lt1"/>
+          </a:fontRef>
+        </p:style>
+        <p:txBody>
+          <a:bodyPr rtlCol="0" anchor="ctr"/>
+          <a:lstStyle/>
+          <a:p>
+            <a:pPr algn="ctr"/>
+            <a:endParaRPr lang="zh-CN" altLang="en-US"/>
+          </a:p>
+        </p:txBody>
+      </p:sp>
+      <mc:AlternateContent xmlns:mc="http://schemas.openxmlformats.org/markup-compatibility/2006">
+        <mc:Choice xmlns:a14="http://schemas.microsoft.com/office/drawing/2010/main" Requires="a14">
+          <p:graphicFrame>
+            <p:nvGraphicFramePr>
+              <p:cNvPr id="7" name="表格 6"/>
+              <p:cNvGraphicFramePr>
+                <a:graphicFrameLocks noGrp="1"/>
+              </p:cNvGraphicFramePr>
+              <p:nvPr>
+                <p:extLst>
+                  <p:ext uri="{D42A27DB-BD31-4B8C-83A1-F6EECF244321}">
+                    <p14:modId xmlns:p14="http://schemas.microsoft.com/office/powerpoint/2010/main" val="2876771685"/>
+                  </p:ext>
+                </p:extLst>
+              </p:nvPr>
+            </p:nvGraphicFramePr>
+            <p:xfrm>
+              <a:off x="533400" y="2301240"/>
+              <a:ext cx="4495800" cy="365760"/>
+            </p:xfrm>
+            <a:graphic>
+              <a:graphicData uri="http://schemas.openxmlformats.org/drawingml/2006/table">
+                <a:tbl>
+                  <a:tblPr firstRow="1" bandRow="1">
+                    <a:tableStyleId>{2D5ABB26-0587-4C30-8999-92F81FD0307C}</a:tableStyleId>
+                  </a:tblPr>
+                  <a:tblGrid>
+                    <a:gridCol w="749300"/>
+                    <a:gridCol w="749300"/>
+                    <a:gridCol w="749300"/>
+                    <a:gridCol w="749300"/>
+                    <a:gridCol w="749300"/>
+                    <a:gridCol w="749300"/>
+                  </a:tblGrid>
+                  <a:tr h="355600">
+                    <a:tc>
+                      <a:txBody>
+                        <a:bodyPr/>
+                        <a:lstStyle/>
+                        <a:p>
+                          <a:pPr algn="ctr"/>
+                          <a14:m>
+                            <m:oMathPara xmlns:m="http://schemas.openxmlformats.org/officeDocument/2006/math">
+                              <m:oMathParaPr>
+                                <m:jc m:val="centerGroup"/>
+                              </m:oMathParaPr>
+                              <m:oMath xmlns:m="http://schemas.openxmlformats.org/officeDocument/2006/math">
+                                <m:r>
+                                  <a:rPr lang="en-US" altLang="zh-CN" b="0" i="1" smtClean="0">
+                                    <a:latin typeface="Cambria Math"/>
+                                  </a:rPr>
+                                  <m:t>𝑥</m:t>
+                                </m:r>
+                              </m:oMath>
+                            </m:oMathPara>
+                          </a14:m>
+                          <a:endParaRPr lang="zh-CN" altLang="en-US" dirty="0"/>
+                        </a:p>
+                      </a:txBody>
+                      <a:tcPr>
+                        <a:lnL w="12700" cap="flat" cmpd="sng" algn="ctr">
+                          <a:solidFill>
+                            <a:schemeClr val="tx1"/>
+                          </a:solidFill>
+                          <a:prstDash val="solid"/>
+                          <a:round/>
+                          <a:headEnd type="none" w="med" len="med"/>
+                          <a:tailEnd type="none" w="med" len="med"/>
+                        </a:lnL>
+                        <a:lnR w="12700" cap="flat" cmpd="sng" algn="ctr">
+                          <a:solidFill>
+                            <a:schemeClr val="tx1"/>
+                          </a:solidFill>
+                          <a:prstDash val="solid"/>
+                          <a:round/>
+                          <a:headEnd type="none" w="med" len="med"/>
+                          <a:tailEnd type="none" w="med" len="med"/>
+                        </a:lnR>
+                        <a:lnT w="12700" cap="flat" cmpd="sng" algn="ctr">
+                          <a:solidFill>
+                            <a:schemeClr val="tx1"/>
+                          </a:solidFill>
+                          <a:prstDash val="solid"/>
+                          <a:round/>
+                          <a:headEnd type="none" w="med" len="med"/>
+                          <a:tailEnd type="none" w="med" len="med"/>
+                        </a:lnT>
+                        <a:lnB w="12700" cap="flat" cmpd="sng" algn="ctr">
+                          <a:solidFill>
+                            <a:schemeClr val="tx1"/>
+                          </a:solidFill>
+                          <a:prstDash val="solid"/>
+                          <a:round/>
+                          <a:headEnd type="none" w="med" len="med"/>
+                          <a:tailEnd type="none" w="med" len="med"/>
+                        </a:lnB>
+                      </a:tcPr>
+                    </a:tc>
+                    <a:tc>
+                      <a:txBody>
+                        <a:bodyPr/>
+                        <a:lstStyle/>
+                        <a:p>
+                          <a:pPr algn="ctr"/>
+                          <a14:m>
+                            <m:oMathPara xmlns:m="http://schemas.openxmlformats.org/officeDocument/2006/math">
+                              <m:oMathParaPr>
+                                <m:jc m:val="centerGroup"/>
+                              </m:oMathParaPr>
+                              <m:oMath xmlns:m="http://schemas.openxmlformats.org/officeDocument/2006/math">
+                                <m:sSub>
+                                  <m:sSubPr>
+                                    <m:ctrlPr>
+                                      <a:rPr lang="en-US" altLang="zh-CN" b="0" i="1" smtClean="0">
+                                        <a:latin typeface="Cambria Math"/>
+                                      </a:rPr>
+                                    </m:ctrlPr>
+                                  </m:sSubPr>
+                                  <m:e>
+                                    <m:r>
+                                      <a:rPr lang="en-US" altLang="zh-CN" b="0" i="1" smtClean="0">
+                                        <a:latin typeface="Cambria Math"/>
+                                      </a:rPr>
+                                      <m:t>𝑓</m:t>
+                                    </m:r>
+                                    <m:r>
+                                      <a:rPr lang="en-US" altLang="zh-CN" b="0" i="1" smtClean="0">
+                                        <a:latin typeface="Cambria Math"/>
+                                      </a:rPr>
+                                      <m:t>′</m:t>
+                                    </m:r>
+                                  </m:e>
+                                  <m:sub>
+                                    <m:r>
+                                      <a:rPr lang="en-US" altLang="zh-CN" b="0" i="1" smtClean="0">
+                                        <a:latin typeface="Cambria Math"/>
+                                      </a:rPr>
+                                      <m:t>1</m:t>
+                                    </m:r>
+                                  </m:sub>
+                                </m:sSub>
+                                <m:sSub>
+                                  <m:sSubPr>
+                                    <m:ctrlPr>
+                                      <a:rPr lang="en-US" altLang="zh-CN" b="0" i="1" smtClean="0">
+                                        <a:latin typeface="Cambria Math"/>
+                                      </a:rPr>
+                                    </m:ctrlPr>
+                                  </m:sSubPr>
+                                  <m:e>
+                                    <m:r>
+                                      <a:rPr lang="zh-CN" altLang="en-US" b="0" i="1" smtClean="0">
+                                        <a:latin typeface="Cambria Math"/>
+                                      </a:rPr>
+                                      <m:t>𝛽</m:t>
+                                    </m:r>
+                                  </m:e>
+                                  <m:sub>
+                                    <m:r>
+                                      <a:rPr lang="en-US" altLang="zh-CN" b="0" i="1" smtClean="0">
+                                        <a:latin typeface="Cambria Math"/>
+                                      </a:rPr>
+                                      <m:t>𝑛</m:t>
+                                    </m:r>
+                                    <m:r>
+                                      <a:rPr lang="en-US" altLang="zh-CN" b="0" i="1" smtClean="0">
+                                        <a:latin typeface="Cambria Math"/>
+                                      </a:rPr>
+                                      <m:t>1</m:t>
+                                    </m:r>
+                                  </m:sub>
+                                </m:sSub>
+                              </m:oMath>
+                            </m:oMathPara>
+                          </a14:m>
+                          <a:endParaRPr lang="zh-CN" altLang="en-US" dirty="0"/>
+                        </a:p>
+                      </a:txBody>
+                      <a:tcPr>
+                        <a:lnL w="12700" cap="flat" cmpd="sng" algn="ctr">
+                          <a:solidFill>
+                            <a:schemeClr val="tx1"/>
+                          </a:solidFill>
+                          <a:prstDash val="solid"/>
+                          <a:round/>
+                          <a:headEnd type="none" w="med" len="med"/>
+                          <a:tailEnd type="none" w="med" len="med"/>
+                        </a:lnL>
+                        <a:lnR w="12700" cap="flat" cmpd="sng" algn="ctr">
+                          <a:solidFill>
+                            <a:schemeClr val="tx1"/>
+                          </a:solidFill>
+                          <a:prstDash val="solid"/>
+                          <a:round/>
+                          <a:headEnd type="none" w="med" len="med"/>
+                          <a:tailEnd type="none" w="med" len="med"/>
+                        </a:lnR>
+                        <a:lnT w="12700" cap="flat" cmpd="sng" algn="ctr">
+                          <a:solidFill>
+                            <a:schemeClr val="tx1"/>
+                          </a:solidFill>
+                          <a:prstDash val="solid"/>
+                          <a:round/>
+                          <a:headEnd type="none" w="med" len="med"/>
+                          <a:tailEnd type="none" w="med" len="med"/>
+                        </a:lnT>
+                        <a:lnB w="12700" cap="flat" cmpd="sng" algn="ctr">
+                          <a:solidFill>
+                            <a:schemeClr val="tx1"/>
+                          </a:solidFill>
+                          <a:prstDash val="solid"/>
+                          <a:round/>
+                          <a:headEnd type="none" w="med" len="med"/>
+                          <a:tailEnd type="none" w="med" len="med"/>
+                        </a:lnB>
+                      </a:tcPr>
+                    </a:tc>
+                    <a:tc>
+                      <a:txBody>
+                        <a:bodyPr/>
+                        <a:lstStyle/>
+                        <a:p>
+                          <a:pPr algn="ctr"/>
+                          <a14:m>
+                            <m:oMathPara xmlns:m="http://schemas.openxmlformats.org/officeDocument/2006/math">
+                              <m:oMathParaPr>
+                                <m:jc m:val="centerGroup"/>
+                              </m:oMathParaPr>
+                              <m:oMath xmlns:m="http://schemas.openxmlformats.org/officeDocument/2006/math">
+                                <m:sSub>
+                                  <m:sSubPr>
+                                    <m:ctrlPr>
+                                      <a:rPr lang="en-US" altLang="zh-CN" b="0" i="1" smtClean="0">
+                                        <a:latin typeface="Cambria Math"/>
+                                      </a:rPr>
+                                    </m:ctrlPr>
+                                  </m:sSubPr>
+                                  <m:e>
+                                    <m:r>
+                                      <a:rPr lang="en-US" altLang="zh-CN" b="0" i="1" smtClean="0">
+                                        <a:latin typeface="Cambria Math"/>
+                                      </a:rPr>
+                                      <m:t>𝑓</m:t>
+                                    </m:r>
+                                    <m:r>
+                                      <a:rPr lang="en-US" altLang="zh-CN" b="0" i="1" smtClean="0">
+                                        <a:latin typeface="Cambria Math"/>
+                                      </a:rPr>
+                                      <m:t>′</m:t>
+                                    </m:r>
+                                  </m:e>
+                                  <m:sub>
+                                    <m:r>
+                                      <a:rPr lang="en-US" altLang="zh-CN" b="0" i="1" smtClean="0">
+                                        <a:latin typeface="Cambria Math"/>
+                                      </a:rPr>
+                                      <m:t>2</m:t>
+                                    </m:r>
+                                  </m:sub>
+                                </m:sSub>
+                                <m:sSub>
+                                  <m:sSubPr>
+                                    <m:ctrlPr>
+                                      <a:rPr lang="en-US" altLang="zh-CN" b="0" i="1" smtClean="0">
+                                        <a:latin typeface="Cambria Math"/>
+                                      </a:rPr>
+                                    </m:ctrlPr>
+                                  </m:sSubPr>
+                                  <m:e>
+                                    <m:r>
+                                      <a:rPr lang="zh-CN" altLang="en-US" b="0" i="1" smtClean="0">
+                                        <a:latin typeface="Cambria Math"/>
+                                      </a:rPr>
+                                      <m:t>𝛽</m:t>
+                                    </m:r>
+                                  </m:e>
+                                  <m:sub>
+                                    <m:r>
+                                      <a:rPr lang="en-US" altLang="zh-CN" b="0" i="1" smtClean="0">
+                                        <a:latin typeface="Cambria Math"/>
+                                      </a:rPr>
+                                      <m:t>𝑛</m:t>
+                                    </m:r>
+                                    <m:r>
+                                      <a:rPr lang="en-US" altLang="zh-CN" b="0" i="1" smtClean="0">
+                                        <a:latin typeface="Cambria Math"/>
+                                      </a:rPr>
+                                      <m:t>2</m:t>
+                                    </m:r>
+                                  </m:sub>
+                                </m:sSub>
+                              </m:oMath>
+                            </m:oMathPara>
+                          </a14:m>
+                          <a:endParaRPr lang="zh-CN" altLang="en-US" dirty="0"/>
+                        </a:p>
+                      </a:txBody>
+                      <a:tcPr>
+                        <a:lnL w="12700" cap="flat" cmpd="sng" algn="ctr">
+                          <a:solidFill>
+                            <a:schemeClr val="tx1"/>
+                          </a:solidFill>
+                          <a:prstDash val="solid"/>
+                          <a:round/>
+                          <a:headEnd type="none" w="med" len="med"/>
+                          <a:tailEnd type="none" w="med" len="med"/>
+                        </a:lnL>
+                        <a:lnR w="12700" cap="flat" cmpd="sng" algn="ctr">
+                          <a:solidFill>
+                            <a:schemeClr val="tx1"/>
+                          </a:solidFill>
+                          <a:prstDash val="solid"/>
+                          <a:round/>
+                          <a:headEnd type="none" w="med" len="med"/>
+                          <a:tailEnd type="none" w="med" len="med"/>
+                        </a:lnR>
+                        <a:lnT w="12700" cap="flat" cmpd="sng" algn="ctr">
+                          <a:solidFill>
+                            <a:schemeClr val="tx1"/>
+                          </a:solidFill>
+                          <a:prstDash val="solid"/>
+                          <a:round/>
+                          <a:headEnd type="none" w="med" len="med"/>
+                          <a:tailEnd type="none" w="med" len="med"/>
+                        </a:lnT>
+                        <a:lnB w="12700" cap="flat" cmpd="sng" algn="ctr">
+                          <a:solidFill>
+                            <a:schemeClr val="tx1"/>
+                          </a:solidFill>
+                          <a:prstDash val="solid"/>
+                          <a:round/>
+                          <a:headEnd type="none" w="med" len="med"/>
+                          <a:tailEnd type="none" w="med" len="med"/>
+                        </a:lnB>
+                      </a:tcPr>
+                    </a:tc>
+                    <a:tc>
+                      <a:txBody>
+                        <a:bodyPr/>
+                        <a:lstStyle/>
+                        <a:p>
+                          <a:pPr algn="ctr"/>
+                          <a14:m>
+                            <m:oMathPara xmlns:m="http://schemas.openxmlformats.org/officeDocument/2006/math">
+                              <m:oMathParaPr>
+                                <m:jc m:val="centerGroup"/>
+                              </m:oMathParaPr>
+                              <m:oMath xmlns:m="http://schemas.openxmlformats.org/officeDocument/2006/math">
+                                <m:sSub>
+                                  <m:sSubPr>
+                                    <m:ctrlPr>
+                                      <a:rPr lang="en-US" altLang="zh-CN" b="0" i="1" smtClean="0">
+                                        <a:latin typeface="Cambria Math"/>
+                                      </a:rPr>
+                                    </m:ctrlPr>
+                                  </m:sSubPr>
+                                  <m:e>
+                                    <m:r>
+                                      <a:rPr lang="en-US" altLang="zh-CN" b="0" i="1" smtClean="0">
+                                        <a:latin typeface="Cambria Math"/>
+                                      </a:rPr>
+                                      <m:t>𝑓</m:t>
+                                    </m:r>
+                                    <m:r>
+                                      <a:rPr lang="en-US" altLang="zh-CN" b="0" i="1" smtClean="0">
+                                        <a:latin typeface="Cambria Math"/>
+                                      </a:rPr>
+                                      <m:t>′</m:t>
+                                    </m:r>
+                                  </m:e>
+                                  <m:sub>
+                                    <m:r>
+                                      <a:rPr lang="en-US" altLang="zh-CN" b="0" i="1" smtClean="0">
+                                        <a:latin typeface="Cambria Math"/>
+                                      </a:rPr>
+                                      <m:t>3</m:t>
+                                    </m:r>
+                                  </m:sub>
+                                </m:sSub>
+                                <m:sSub>
+                                  <m:sSubPr>
+                                    <m:ctrlPr>
+                                      <a:rPr lang="en-US" altLang="zh-CN" b="0" i="1" smtClean="0">
+                                        <a:latin typeface="Cambria Math"/>
+                                      </a:rPr>
+                                    </m:ctrlPr>
+                                  </m:sSubPr>
+                                  <m:e>
+                                    <m:r>
+                                      <a:rPr lang="zh-CN" altLang="en-US" b="0" i="1" smtClean="0">
+                                        <a:latin typeface="Cambria Math"/>
+                                      </a:rPr>
+                                      <m:t>𝛽</m:t>
+                                    </m:r>
+                                  </m:e>
+                                  <m:sub>
+                                    <m:r>
+                                      <a:rPr lang="en-US" altLang="zh-CN" b="0" i="1" smtClean="0">
+                                        <a:latin typeface="Cambria Math"/>
+                                      </a:rPr>
+                                      <m:t>𝑛</m:t>
+                                    </m:r>
+                                    <m:r>
+                                      <a:rPr lang="en-US" altLang="zh-CN" b="0" i="1" smtClean="0">
+                                        <a:latin typeface="Cambria Math"/>
+                                      </a:rPr>
+                                      <m:t>3</m:t>
+                                    </m:r>
+                                  </m:sub>
+                                </m:sSub>
+                              </m:oMath>
+                            </m:oMathPara>
+                          </a14:m>
+                          <a:endParaRPr lang="zh-CN" altLang="en-US" dirty="0"/>
+                        </a:p>
+                      </a:txBody>
+                      <a:tcPr>
+                        <a:lnL w="12700" cap="flat" cmpd="sng" algn="ctr">
+                          <a:solidFill>
+                            <a:schemeClr val="tx1"/>
+                          </a:solidFill>
+                          <a:prstDash val="solid"/>
+                          <a:round/>
+                          <a:headEnd type="none" w="med" len="med"/>
+                          <a:tailEnd type="none" w="med" len="med"/>
+                        </a:lnL>
+                        <a:lnR w="12700" cap="flat" cmpd="sng" algn="ctr">
+                          <a:solidFill>
+                            <a:schemeClr val="tx1"/>
+                          </a:solidFill>
+                          <a:prstDash val="solid"/>
+                          <a:round/>
+                          <a:headEnd type="none" w="med" len="med"/>
+                          <a:tailEnd type="none" w="med" len="med"/>
+                        </a:lnR>
+                        <a:lnT w="12700" cap="flat" cmpd="sng" algn="ctr">
+                          <a:solidFill>
+                            <a:schemeClr val="tx1"/>
+                          </a:solidFill>
+                          <a:prstDash val="solid"/>
+                          <a:round/>
+                          <a:headEnd type="none" w="med" len="med"/>
+                          <a:tailEnd type="none" w="med" len="med"/>
+                        </a:lnT>
+                        <a:lnB w="12700" cap="flat" cmpd="sng" algn="ctr">
+                          <a:solidFill>
+                            <a:schemeClr val="tx1"/>
+                          </a:solidFill>
+                          <a:prstDash val="solid"/>
+                          <a:round/>
+                          <a:headEnd type="none" w="med" len="med"/>
+                          <a:tailEnd type="none" w="med" len="med"/>
+                        </a:lnB>
+                      </a:tcPr>
+                    </a:tc>
+                    <a:tc>
+                      <a:txBody>
+                        <a:bodyPr/>
+                        <a:lstStyle/>
+                        <a:p>
+                          <a:pPr algn="ctr"/>
+                          <a:r>
+                            <a:rPr lang="en-US" altLang="zh-CN" dirty="0" smtClean="0"/>
+                            <a:t>…</a:t>
+                          </a:r>
+                          <a:endParaRPr lang="zh-CN" altLang="en-US" dirty="0"/>
+                        </a:p>
+                      </a:txBody>
+                      <a:tcPr>
+                        <a:lnL w="12700" cap="flat" cmpd="sng" algn="ctr">
+                          <a:solidFill>
+                            <a:schemeClr val="tx1"/>
+                          </a:solidFill>
+                          <a:prstDash val="solid"/>
+                          <a:round/>
+                          <a:headEnd type="none" w="med" len="med"/>
+                          <a:tailEnd type="none" w="med" len="med"/>
+                        </a:lnL>
+                        <a:lnR w="12700" cap="flat" cmpd="sng" algn="ctr">
+                          <a:solidFill>
+                            <a:schemeClr val="tx1"/>
+                          </a:solidFill>
+                          <a:prstDash val="solid"/>
+                          <a:round/>
+                          <a:headEnd type="none" w="med" len="med"/>
+                          <a:tailEnd type="none" w="med" len="med"/>
+                        </a:lnR>
+                        <a:lnT w="12700" cap="flat" cmpd="sng" algn="ctr">
+                          <a:solidFill>
+                            <a:schemeClr val="tx1"/>
+                          </a:solidFill>
+                          <a:prstDash val="solid"/>
+                          <a:round/>
+                          <a:headEnd type="none" w="med" len="med"/>
+                          <a:tailEnd type="none" w="med" len="med"/>
+                        </a:lnT>
+                        <a:lnB w="12700" cap="flat" cmpd="sng" algn="ctr">
+                          <a:solidFill>
+                            <a:schemeClr val="tx1"/>
+                          </a:solidFill>
+                          <a:prstDash val="solid"/>
+                          <a:round/>
+                          <a:headEnd type="none" w="med" len="med"/>
+                          <a:tailEnd type="none" w="med" len="med"/>
+                        </a:lnB>
+                      </a:tcPr>
+                    </a:tc>
+                    <a:tc>
+                      <a:txBody>
+                        <a:bodyPr/>
+                        <a:lstStyle/>
+                        <a:p>
+                          <a:pPr marL="0" marR="0" indent="0" algn="ctr" defTabSz="914400" rtl="0" eaLnBrk="1" fontAlgn="auto" latinLnBrk="0" hangingPunct="1">
+                            <a:lnSpc>
+                              <a:spcPct val="100000"/>
+                            </a:lnSpc>
+                            <a:spcBef>
+                              <a:spcPts val="0"/>
+                            </a:spcBef>
+                            <a:spcAft>
+                              <a:spcPts val="0"/>
+                            </a:spcAft>
+                            <a:buClrTx/>
+                            <a:buSzTx/>
+                            <a:buFontTx/>
+                            <a:buNone/>
+                            <a:tabLst/>
+                            <a:defRPr/>
+                          </a:pPr>
+                          <a14:m>
+                            <m:oMathPara xmlns:m="http://schemas.openxmlformats.org/officeDocument/2006/math">
+                              <m:oMathParaPr>
+                                <m:jc m:val="centerGroup"/>
+                              </m:oMathParaPr>
+                              <m:oMath xmlns:m="http://schemas.openxmlformats.org/officeDocument/2006/math">
+                                <m:sSub>
+                                  <m:sSubPr>
+                                    <m:ctrlPr>
+                                      <a:rPr lang="en-US" altLang="zh-CN" b="0" i="1" smtClean="0">
+                                        <a:latin typeface="Cambria Math"/>
+                                      </a:rPr>
+                                    </m:ctrlPr>
+                                  </m:sSubPr>
+                                  <m:e>
+                                    <m:r>
+                                      <a:rPr lang="en-US" altLang="zh-CN" b="0" i="1" smtClean="0">
+                                        <a:latin typeface="Cambria Math"/>
+                                      </a:rPr>
+                                      <m:t>𝑓</m:t>
+                                    </m:r>
+                                    <m:r>
+                                      <a:rPr lang="en-US" altLang="zh-CN" b="0" i="1" smtClean="0">
+                                        <a:latin typeface="Cambria Math"/>
+                                      </a:rPr>
+                                      <m:t>′</m:t>
+                                    </m:r>
+                                  </m:e>
+                                  <m:sub>
+                                    <m:r>
+                                      <a:rPr lang="en-US" altLang="zh-CN" b="0" i="1" smtClean="0">
+                                        <a:latin typeface="Cambria Math"/>
+                                      </a:rPr>
+                                      <m:t>𝑛</m:t>
+                                    </m:r>
+                                  </m:sub>
+                                </m:sSub>
+                                <m:sSub>
+                                  <m:sSubPr>
+                                    <m:ctrlPr>
+                                      <a:rPr lang="en-US" altLang="zh-CN" b="0" i="1" smtClean="0">
+                                        <a:latin typeface="Cambria Math"/>
+                                      </a:rPr>
+                                    </m:ctrlPr>
+                                  </m:sSubPr>
+                                  <m:e>
+                                    <m:r>
+                                      <a:rPr lang="zh-CN" altLang="en-US" b="0" i="1" smtClean="0">
+                                        <a:latin typeface="Cambria Math"/>
+                                      </a:rPr>
+                                      <m:t>𝛽</m:t>
+                                    </m:r>
+                                  </m:e>
+                                  <m:sub>
+                                    <m:r>
+                                      <a:rPr lang="en-US" altLang="zh-CN" b="0" i="1" smtClean="0">
+                                        <a:latin typeface="Cambria Math"/>
+                                      </a:rPr>
+                                      <m:t>𝑛𝑛</m:t>
+                                    </m:r>
+                                  </m:sub>
+                                </m:sSub>
+                              </m:oMath>
+                            </m:oMathPara>
+                          </a14:m>
+                          <a:endParaRPr lang="zh-CN" altLang="en-US" dirty="0"/>
+                        </a:p>
+                      </a:txBody>
+                      <a:tcPr>
+                        <a:lnL w="12700" cap="flat" cmpd="sng" algn="ctr">
+                          <a:solidFill>
+                            <a:schemeClr val="tx1"/>
+                          </a:solidFill>
+                          <a:prstDash val="solid"/>
+                          <a:round/>
+                          <a:headEnd type="none" w="med" len="med"/>
+                          <a:tailEnd type="none" w="med" len="med"/>
+                        </a:lnL>
+                        <a:lnR w="12700" cap="flat" cmpd="sng" algn="ctr">
+                          <a:solidFill>
+                            <a:schemeClr val="tx1"/>
+                          </a:solidFill>
+                          <a:prstDash val="solid"/>
+                          <a:round/>
+                          <a:headEnd type="none" w="med" len="med"/>
+                          <a:tailEnd type="none" w="med" len="med"/>
+                        </a:lnR>
+                        <a:lnT w="12700" cap="flat" cmpd="sng" algn="ctr">
+                          <a:solidFill>
+                            <a:schemeClr val="tx1"/>
+                          </a:solidFill>
+                          <a:prstDash val="solid"/>
+                          <a:round/>
+                          <a:headEnd type="none" w="med" len="med"/>
+                          <a:tailEnd type="none" w="med" len="med"/>
+                        </a:lnT>
+                        <a:lnB w="12700" cap="flat" cmpd="sng" algn="ctr">
+                          <a:solidFill>
+                            <a:schemeClr val="tx1"/>
+                          </a:solidFill>
+                          <a:prstDash val="solid"/>
+                          <a:round/>
+                          <a:headEnd type="none" w="med" len="med"/>
+                          <a:tailEnd type="none" w="med" len="med"/>
+                        </a:lnB>
+                      </a:tcPr>
+                    </a:tc>
+                  </a:tr>
+                </a:tbl>
+              </a:graphicData>
+            </a:graphic>
+          </p:graphicFrame>
+        </mc:Choice>
+        <mc:Fallback>
+          <p:graphicFrame>
+            <p:nvGraphicFramePr>
+              <p:cNvPr id="7" name="表格 6"/>
+              <p:cNvGraphicFramePr>
+                <a:graphicFrameLocks noGrp="1"/>
+              </p:cNvGraphicFramePr>
+              <p:nvPr>
+                <p:extLst>
+                  <p:ext uri="{D42A27DB-BD31-4B8C-83A1-F6EECF244321}">
+                    <p14:modId xmlns:p14="http://schemas.microsoft.com/office/powerpoint/2010/main" val="2876771685"/>
+                  </p:ext>
+                </p:extLst>
+              </p:nvPr>
+            </p:nvGraphicFramePr>
+            <p:xfrm>
+              <a:off x="533400" y="2301240"/>
+              <a:ext cx="4495800" cy="365760"/>
+            </p:xfrm>
+            <a:graphic>
+              <a:graphicData uri="http://schemas.openxmlformats.org/drawingml/2006/table">
+                <a:tbl>
+                  <a:tblPr firstRow="1" bandRow="1">
+                    <a:tableStyleId>{2D5ABB26-0587-4C30-8999-92F81FD0307C}</a:tableStyleId>
+                  </a:tblPr>
+                  <a:tblGrid>
+                    <a:gridCol w="749300"/>
+                    <a:gridCol w="749300"/>
+                    <a:gridCol w="749300"/>
+                    <a:gridCol w="749300"/>
+                    <a:gridCol w="749300"/>
+                    <a:gridCol w="749300"/>
+                  </a:tblGrid>
+                  <a:tr h="365760">
+                    <a:tc>
+                      <a:txBody>
+                        <a:bodyPr/>
+                        <a:lstStyle/>
+                        <a:p>
+                          <a:endParaRPr lang="zh-CN"/>
+                        </a:p>
+                      </a:txBody>
+                      <a:tcPr>
+                        <a:lnL w="12700" cap="flat" cmpd="sng" algn="ctr">
+                          <a:solidFill>
+                            <a:schemeClr val="tx1"/>
+                          </a:solidFill>
+                          <a:prstDash val="solid"/>
+                          <a:round/>
+                          <a:headEnd type="none" w="med" len="med"/>
+                          <a:tailEnd type="none" w="med" len="med"/>
+                        </a:lnL>
+                        <a:lnR w="12700" cap="flat" cmpd="sng" algn="ctr">
+                          <a:solidFill>
+                            <a:schemeClr val="tx1"/>
+                          </a:solidFill>
+                          <a:prstDash val="solid"/>
+                          <a:round/>
+                          <a:headEnd type="none" w="med" len="med"/>
+                          <a:tailEnd type="none" w="med" len="med"/>
+                        </a:lnR>
+                        <a:lnT w="12700" cap="flat" cmpd="sng" algn="ctr">
+                          <a:solidFill>
+                            <a:schemeClr val="tx1"/>
+                          </a:solidFill>
+                          <a:prstDash val="solid"/>
+                          <a:round/>
+                          <a:headEnd type="none" w="med" len="med"/>
+                          <a:tailEnd type="none" w="med" len="med"/>
+                        </a:lnT>
+                        <a:lnB w="12700" cap="flat" cmpd="sng" algn="ctr">
+                          <a:solidFill>
+                            <a:schemeClr val="tx1"/>
+                          </a:solidFill>
+                          <a:prstDash val="solid"/>
+                          <a:round/>
+                          <a:headEnd type="none" w="med" len="med"/>
+                          <a:tailEnd type="none" w="med" len="med"/>
+                        </a:lnB>
+                        <a:blipFill rotWithShape="1">
+                          <a:blip r:embed="rId4"/>
+                          <a:stretch>
+                            <a:fillRect l="-813" t="-8333" r="-499187" b="-25000"/>
+                          </a:stretch>
+                        </a:blipFill>
+                      </a:tcPr>
+                    </a:tc>
+                    <a:tc>
+                      <a:txBody>
+                        <a:bodyPr/>
+                        <a:lstStyle/>
+                        <a:p>
+                          <a:endParaRPr lang="zh-CN"/>
+                        </a:p>
+                      </a:txBody>
+                      <a:tcPr>
+                        <a:lnL w="12700" cap="flat" cmpd="sng" algn="ctr">
+                          <a:solidFill>
+                            <a:schemeClr val="tx1"/>
+                          </a:solidFill>
+                          <a:prstDash val="solid"/>
+                          <a:round/>
+                          <a:headEnd type="none" w="med" len="med"/>
+                          <a:tailEnd type="none" w="med" len="med"/>
+                        </a:lnL>
+                        <a:lnR w="12700" cap="flat" cmpd="sng" algn="ctr">
+                          <a:solidFill>
+                            <a:schemeClr val="tx1"/>
+                          </a:solidFill>
+                          <a:prstDash val="solid"/>
+                          <a:round/>
+                          <a:headEnd type="none" w="med" len="med"/>
+                          <a:tailEnd type="none" w="med" len="med"/>
+                        </a:lnR>
+                        <a:lnT w="12700" cap="flat" cmpd="sng" algn="ctr">
+                          <a:solidFill>
+                            <a:schemeClr val="tx1"/>
+                          </a:solidFill>
+                          <a:prstDash val="solid"/>
+                          <a:round/>
+                          <a:headEnd type="none" w="med" len="med"/>
+                          <a:tailEnd type="none" w="med" len="med"/>
+                        </a:lnT>
+                        <a:lnB w="12700" cap="flat" cmpd="sng" algn="ctr">
+                          <a:solidFill>
+                            <a:schemeClr val="tx1"/>
+                          </a:solidFill>
+                          <a:prstDash val="solid"/>
+                          <a:round/>
+                          <a:headEnd type="none" w="med" len="med"/>
+                          <a:tailEnd type="none" w="med" len="med"/>
+                        </a:lnB>
+                        <a:blipFill rotWithShape="1">
+                          <a:blip r:embed="rId4"/>
+                          <a:stretch>
+                            <a:fillRect l="-100813" t="-8333" r="-399187" b="-25000"/>
+                          </a:stretch>
+                        </a:blipFill>
+                      </a:tcPr>
+                    </a:tc>
+                    <a:tc>
+                      <a:txBody>
+                        <a:bodyPr/>
+                        <a:lstStyle/>
+                        <a:p>
+                          <a:endParaRPr lang="zh-CN"/>
+                        </a:p>
+                      </a:txBody>
+                      <a:tcPr>
+                        <a:lnL w="12700" cap="flat" cmpd="sng" algn="ctr">
+                          <a:solidFill>
+                            <a:schemeClr val="tx1"/>
+                          </a:solidFill>
+                          <a:prstDash val="solid"/>
+                          <a:round/>
+                          <a:headEnd type="none" w="med" len="med"/>
+                          <a:tailEnd type="none" w="med" len="med"/>
+                        </a:lnL>
+                        <a:lnR w="12700" cap="flat" cmpd="sng" algn="ctr">
+                          <a:solidFill>
+                            <a:schemeClr val="tx1"/>
+                          </a:solidFill>
+                          <a:prstDash val="solid"/>
+                          <a:round/>
+                          <a:headEnd type="none" w="med" len="med"/>
+                          <a:tailEnd type="none" w="med" len="med"/>
+                        </a:lnR>
+                        <a:lnT w="12700" cap="flat" cmpd="sng" algn="ctr">
+                          <a:solidFill>
+                            <a:schemeClr val="tx1"/>
+                          </a:solidFill>
+                          <a:prstDash val="solid"/>
+                          <a:round/>
+                          <a:headEnd type="none" w="med" len="med"/>
+                          <a:tailEnd type="none" w="med" len="med"/>
+                        </a:lnT>
+                        <a:lnB w="12700" cap="flat" cmpd="sng" algn="ctr">
+                          <a:solidFill>
+                            <a:schemeClr val="tx1"/>
+                          </a:solidFill>
+                          <a:prstDash val="solid"/>
+                          <a:round/>
+                          <a:headEnd type="none" w="med" len="med"/>
+                          <a:tailEnd type="none" w="med" len="med"/>
+                        </a:lnB>
+                        <a:blipFill rotWithShape="1">
+                          <a:blip r:embed="rId4"/>
+                          <a:stretch>
+                            <a:fillRect l="-200813" t="-8333" r="-299187" b="-25000"/>
+                          </a:stretch>
+                        </a:blipFill>
+                      </a:tcPr>
+                    </a:tc>
+                    <a:tc>
+                      <a:txBody>
+                        <a:bodyPr/>
+                        <a:lstStyle/>
+                        <a:p>
+                          <a:endParaRPr lang="zh-CN"/>
+                        </a:p>
+                      </a:txBody>
+                      <a:tcPr>
+                        <a:lnL w="12700" cap="flat" cmpd="sng" algn="ctr">
+                          <a:solidFill>
+                            <a:schemeClr val="tx1"/>
+                          </a:solidFill>
+                          <a:prstDash val="solid"/>
+                          <a:round/>
+                          <a:headEnd type="none" w="med" len="med"/>
+                          <a:tailEnd type="none" w="med" len="med"/>
+                        </a:lnL>
+                        <a:lnR w="12700" cap="flat" cmpd="sng" algn="ctr">
+                          <a:solidFill>
+                            <a:schemeClr val="tx1"/>
+                          </a:solidFill>
+                          <a:prstDash val="solid"/>
+                          <a:round/>
+                          <a:headEnd type="none" w="med" len="med"/>
+                          <a:tailEnd type="none" w="med" len="med"/>
+                        </a:lnR>
+                        <a:lnT w="12700" cap="flat" cmpd="sng" algn="ctr">
+                          <a:solidFill>
+                            <a:schemeClr val="tx1"/>
+                          </a:solidFill>
+                          <a:prstDash val="solid"/>
+                          <a:round/>
+                          <a:headEnd type="none" w="med" len="med"/>
+                          <a:tailEnd type="none" w="med" len="med"/>
+                        </a:lnT>
+                        <a:lnB w="12700" cap="flat" cmpd="sng" algn="ctr">
+                          <a:solidFill>
+                            <a:schemeClr val="tx1"/>
+                          </a:solidFill>
+                          <a:prstDash val="solid"/>
+                          <a:round/>
+                          <a:headEnd type="none" w="med" len="med"/>
+                          <a:tailEnd type="none" w="med" len="med"/>
+                        </a:lnB>
+                        <a:blipFill rotWithShape="1">
+                          <a:blip r:embed="rId4"/>
+                          <a:stretch>
+                            <a:fillRect l="-303279" t="-8333" r="-201639" b="-25000"/>
+                          </a:stretch>
+                        </a:blipFill>
+                      </a:tcPr>
+                    </a:tc>
+                    <a:tc>
+                      <a:txBody>
+                        <a:bodyPr/>
+                        <a:lstStyle/>
+                        <a:p>
+                          <a:pPr algn="ctr"/>
+                          <a:r>
+                            <a:rPr lang="en-US" altLang="zh-CN" dirty="0" smtClean="0"/>
+                            <a:t>…</a:t>
+                          </a:r>
+                          <a:endParaRPr lang="zh-CN" altLang="en-US" dirty="0"/>
+                        </a:p>
+                      </a:txBody>
+                      <a:tcPr>
+                        <a:lnL w="12700" cap="flat" cmpd="sng" algn="ctr">
+                          <a:solidFill>
+                            <a:schemeClr val="tx1"/>
+                          </a:solidFill>
+                          <a:prstDash val="solid"/>
+                          <a:round/>
+                          <a:headEnd type="none" w="med" len="med"/>
+                          <a:tailEnd type="none" w="med" len="med"/>
+                        </a:lnL>
+                        <a:lnR w="12700" cap="flat" cmpd="sng" algn="ctr">
+                          <a:solidFill>
+                            <a:schemeClr val="tx1"/>
+                          </a:solidFill>
+                          <a:prstDash val="solid"/>
+                          <a:round/>
+                          <a:headEnd type="none" w="med" len="med"/>
+                          <a:tailEnd type="none" w="med" len="med"/>
+                        </a:lnR>
+                        <a:lnT w="12700" cap="flat" cmpd="sng" algn="ctr">
+                          <a:solidFill>
+                            <a:schemeClr val="tx1"/>
+                          </a:solidFill>
+                          <a:prstDash val="solid"/>
+                          <a:round/>
+                          <a:headEnd type="none" w="med" len="med"/>
+                          <a:tailEnd type="none" w="med" len="med"/>
+                        </a:lnT>
+                        <a:lnB w="12700" cap="flat" cmpd="sng" algn="ctr">
+                          <a:solidFill>
+                            <a:schemeClr val="tx1"/>
+                          </a:solidFill>
+                          <a:prstDash val="solid"/>
+                          <a:round/>
+                          <a:headEnd type="none" w="med" len="med"/>
+                          <a:tailEnd type="none" w="med" len="med"/>
+                        </a:lnB>
+                      </a:tcPr>
+                    </a:tc>
+                    <a:tc>
+                      <a:txBody>
+                        <a:bodyPr/>
+                        <a:lstStyle/>
+                        <a:p>
+                          <a:endParaRPr lang="zh-CN"/>
+                        </a:p>
+                      </a:txBody>
+                      <a:tcPr>
+                        <a:lnL w="12700" cap="flat" cmpd="sng" algn="ctr">
+                          <a:solidFill>
+                            <a:schemeClr val="tx1"/>
+                          </a:solidFill>
+                          <a:prstDash val="solid"/>
+                          <a:round/>
+                          <a:headEnd type="none" w="med" len="med"/>
+                          <a:tailEnd type="none" w="med" len="med"/>
+                        </a:lnL>
+                        <a:lnR w="12700" cap="flat" cmpd="sng" algn="ctr">
+                          <a:solidFill>
+                            <a:schemeClr val="tx1"/>
+                          </a:solidFill>
+                          <a:prstDash val="solid"/>
+                          <a:round/>
+                          <a:headEnd type="none" w="med" len="med"/>
+                          <a:tailEnd type="none" w="med" len="med"/>
+                        </a:lnR>
+                        <a:lnT w="12700" cap="flat" cmpd="sng" algn="ctr">
+                          <a:solidFill>
+                            <a:schemeClr val="tx1"/>
+                          </a:solidFill>
+                          <a:prstDash val="solid"/>
+                          <a:round/>
+                          <a:headEnd type="none" w="med" len="med"/>
+                          <a:tailEnd type="none" w="med" len="med"/>
+                        </a:lnT>
+                        <a:lnB w="12700" cap="flat" cmpd="sng" algn="ctr">
+                          <a:solidFill>
+                            <a:schemeClr val="tx1"/>
+                          </a:solidFill>
+                          <a:prstDash val="solid"/>
+                          <a:round/>
+                          <a:headEnd type="none" w="med" len="med"/>
+                          <a:tailEnd type="none" w="med" len="med"/>
+                        </a:lnB>
+                        <a:blipFill rotWithShape="1">
+                          <a:blip r:embed="rId4"/>
+                          <a:stretch>
+                            <a:fillRect l="-500000" t="-8333" b="-25000"/>
+                          </a:stretch>
+                        </a:blipFill>
+                      </a:tcPr>
+                    </a:tc>
+                  </a:tr>
+                </a:tbl>
+              </a:graphicData>
+            </a:graphic>
+          </p:graphicFrame>
+        </mc:Fallback>
+      </mc:AlternateContent>
+      <mc:AlternateContent xmlns:mc="http://schemas.openxmlformats.org/markup-compatibility/2006">
+        <mc:Choice xmlns:a14="http://schemas.microsoft.com/office/drawing/2010/main" Requires="a14">
+          <p:graphicFrame>
+            <p:nvGraphicFramePr>
+              <p:cNvPr id="8" name="表格 7"/>
+              <p:cNvGraphicFramePr>
+                <a:graphicFrameLocks noGrp="1"/>
+              </p:cNvGraphicFramePr>
+              <p:nvPr>
+                <p:extLst>
+                  <p:ext uri="{D42A27DB-BD31-4B8C-83A1-F6EECF244321}">
+                    <p14:modId xmlns:p14="http://schemas.microsoft.com/office/powerpoint/2010/main" val="1593508066"/>
+                  </p:ext>
+                </p:extLst>
+              </p:nvPr>
+            </p:nvGraphicFramePr>
+            <p:xfrm>
+              <a:off x="5734050" y="2291080"/>
+              <a:ext cx="819150" cy="365760"/>
+            </p:xfrm>
+            <a:graphic>
+              <a:graphicData uri="http://schemas.openxmlformats.org/drawingml/2006/table">
+                <a:tbl>
+                  <a:tblPr firstRow="1" bandRow="1">
+                    <a:tableStyleId>{2D5ABB26-0587-4C30-8999-92F81FD0307C}</a:tableStyleId>
+                  </a:tblPr>
+                  <a:tblGrid>
+                    <a:gridCol w="819150"/>
+                  </a:tblGrid>
+                  <a:tr h="355600">
+                    <a:tc>
+                      <a:txBody>
+                        <a:bodyPr/>
+                        <a:lstStyle/>
+                        <a:p>
+                          <a:pPr marL="0" marR="0" indent="0" algn="ctr" defTabSz="914400" rtl="0" eaLnBrk="1" fontAlgn="auto" latinLnBrk="0" hangingPunct="1">
+                            <a:lnSpc>
+                              <a:spcPct val="100000"/>
+                            </a:lnSpc>
+                            <a:spcBef>
+                              <a:spcPts val="0"/>
+                            </a:spcBef>
+                            <a:spcAft>
+                              <a:spcPts val="0"/>
+                            </a:spcAft>
+                            <a:buClrTx/>
+                            <a:buSzTx/>
+                            <a:buFontTx/>
+                            <a:buNone/>
+                            <a:tabLst/>
+                            <a:defRPr/>
+                          </a:pPr>
+                          <a14:m>
+                            <m:oMathPara xmlns:m="http://schemas.openxmlformats.org/officeDocument/2006/math">
+                              <m:oMathParaPr>
+                                <m:jc m:val="centerGroup"/>
+                              </m:oMathParaPr>
+                              <m:oMath xmlns:m="http://schemas.openxmlformats.org/officeDocument/2006/math">
+                                <m:sSub>
+                                  <m:sSubPr>
+                                    <m:ctrlPr>
+                                      <a:rPr lang="en-US" altLang="zh-CN" i="1" smtClean="0">
+                                        <a:latin typeface="Cambria Math"/>
+                                      </a:rPr>
+                                    </m:ctrlPr>
+                                  </m:sSubPr>
+                                  <m:e>
+                                    <m:r>
+                                      <a:rPr lang="zh-CN" altLang="en-US" i="1" smtClean="0">
+                                        <a:latin typeface="Cambria Math"/>
+                                      </a:rPr>
+                                      <m:t>𝜙</m:t>
+                                    </m:r>
+                                  </m:e>
+                                  <m:sub>
+                                    <m:r>
+                                      <a:rPr lang="en-US" altLang="zh-CN" b="0" i="1" smtClean="0">
+                                        <a:latin typeface="Cambria Math"/>
+                                      </a:rPr>
+                                      <m:t>𝑛</m:t>
+                                    </m:r>
+                                  </m:sub>
+                                </m:sSub>
+                                <m:r>
+                                  <a:rPr lang="en-US" altLang="zh-CN" b="0" i="1" smtClean="0">
+                                    <a:latin typeface="Cambria Math"/>
+                                  </a:rPr>
+                                  <m:t>(</m:t>
+                                </m:r>
+                                <m:r>
+                                  <a:rPr lang="en-US" altLang="zh-CN" b="0" i="1" smtClean="0">
+                                    <a:latin typeface="Cambria Math"/>
+                                  </a:rPr>
+                                  <m:t>𝑥</m:t>
+                                </m:r>
+                                <m:r>
+                                  <a:rPr lang="en-US" altLang="zh-CN" b="0" i="1" smtClean="0">
+                                    <a:latin typeface="Cambria Math"/>
+                                  </a:rPr>
+                                  <m:t>)</m:t>
+                                </m:r>
+                              </m:oMath>
+                            </m:oMathPara>
+                          </a14:m>
+                          <a:endParaRPr lang="zh-CN" altLang="en-US" dirty="0"/>
+                        </a:p>
+                      </a:txBody>
+                      <a:tcPr>
+                        <a:lnL w="12700" cap="flat" cmpd="sng" algn="ctr">
+                          <a:solidFill>
+                            <a:schemeClr val="tx1"/>
+                          </a:solidFill>
+                          <a:prstDash val="solid"/>
+                          <a:round/>
+                          <a:headEnd type="none" w="med" len="med"/>
+                          <a:tailEnd type="none" w="med" len="med"/>
+                        </a:lnL>
+                        <a:lnR w="12700" cap="flat" cmpd="sng" algn="ctr">
+                          <a:solidFill>
+                            <a:schemeClr val="tx1"/>
+                          </a:solidFill>
+                          <a:prstDash val="solid"/>
+                          <a:round/>
+                          <a:headEnd type="none" w="med" len="med"/>
+                          <a:tailEnd type="none" w="med" len="med"/>
+                        </a:lnR>
+                        <a:lnT w="12700" cap="flat" cmpd="sng" algn="ctr">
+                          <a:solidFill>
+                            <a:schemeClr val="tx1"/>
+                          </a:solidFill>
+                          <a:prstDash val="solid"/>
+                          <a:round/>
+                          <a:headEnd type="none" w="med" len="med"/>
+                          <a:tailEnd type="none" w="med" len="med"/>
+                        </a:lnT>
+                        <a:lnB w="12700" cap="flat" cmpd="sng" algn="ctr">
+                          <a:solidFill>
+                            <a:schemeClr val="tx1"/>
+                          </a:solidFill>
+                          <a:prstDash val="solid"/>
+                          <a:round/>
+                          <a:headEnd type="none" w="med" len="med"/>
+                          <a:tailEnd type="none" w="med" len="med"/>
+                        </a:lnB>
+                      </a:tcPr>
+                    </a:tc>
+                  </a:tr>
+                </a:tbl>
+              </a:graphicData>
+            </a:graphic>
+          </p:graphicFrame>
+        </mc:Choice>
+        <mc:Fallback>
+          <p:graphicFrame>
+            <p:nvGraphicFramePr>
+              <p:cNvPr id="8" name="表格 7"/>
+              <p:cNvGraphicFramePr>
+                <a:graphicFrameLocks noGrp="1"/>
+              </p:cNvGraphicFramePr>
+              <p:nvPr>
+                <p:extLst>
+                  <p:ext uri="{D42A27DB-BD31-4B8C-83A1-F6EECF244321}">
+                    <p14:modId xmlns:p14="http://schemas.microsoft.com/office/powerpoint/2010/main" val="1593508066"/>
+                  </p:ext>
+                </p:extLst>
+              </p:nvPr>
+            </p:nvGraphicFramePr>
+            <p:xfrm>
+              <a:off x="5734050" y="2291080"/>
+              <a:ext cx="819150" cy="365760"/>
+            </p:xfrm>
+            <a:graphic>
+              <a:graphicData uri="http://schemas.openxmlformats.org/drawingml/2006/table">
+                <a:tbl>
+                  <a:tblPr firstRow="1" bandRow="1">
+                    <a:tableStyleId>{2D5ABB26-0587-4C30-8999-92F81FD0307C}</a:tableStyleId>
+                  </a:tblPr>
+                  <a:tblGrid>
+                    <a:gridCol w="819150"/>
+                  </a:tblGrid>
+                  <a:tr h="365760">
+                    <a:tc>
+                      <a:txBody>
+                        <a:bodyPr/>
+                        <a:lstStyle/>
+                        <a:p>
+                          <a:endParaRPr lang="zh-CN"/>
+                        </a:p>
+                      </a:txBody>
+                      <a:tcPr>
+                        <a:lnL w="12700" cap="flat" cmpd="sng" algn="ctr">
+                          <a:solidFill>
+                            <a:schemeClr val="tx1"/>
+                          </a:solidFill>
+                          <a:prstDash val="solid"/>
+                          <a:round/>
+                          <a:headEnd type="none" w="med" len="med"/>
+                          <a:tailEnd type="none" w="med" len="med"/>
+                        </a:lnL>
+                        <a:lnR w="12700" cap="flat" cmpd="sng" algn="ctr">
+                          <a:solidFill>
+                            <a:schemeClr val="tx1"/>
+                          </a:solidFill>
+                          <a:prstDash val="solid"/>
+                          <a:round/>
+                          <a:headEnd type="none" w="med" len="med"/>
+                          <a:tailEnd type="none" w="med" len="med"/>
+                        </a:lnR>
+                        <a:lnT w="12700" cap="flat" cmpd="sng" algn="ctr">
+                          <a:solidFill>
+                            <a:schemeClr val="tx1"/>
+                          </a:solidFill>
+                          <a:prstDash val="solid"/>
+                          <a:round/>
+                          <a:headEnd type="none" w="med" len="med"/>
+                          <a:tailEnd type="none" w="med" len="med"/>
+                        </a:lnT>
+                        <a:lnB w="12700" cap="flat" cmpd="sng" algn="ctr">
+                          <a:solidFill>
+                            <a:schemeClr val="tx1"/>
+                          </a:solidFill>
+                          <a:prstDash val="solid"/>
+                          <a:round/>
+                          <a:headEnd type="none" w="med" len="med"/>
+                          <a:tailEnd type="none" w="med" len="med"/>
+                        </a:lnB>
+                        <a:blipFill rotWithShape="1">
+                          <a:blip r:embed="rId5"/>
+                          <a:stretch>
+                            <a:fillRect l="-746" t="-1667" b="-13333"/>
+                          </a:stretch>
+                        </a:blipFill>
+                      </a:tcPr>
+                    </a:tc>
+                  </a:tr>
+                </a:tbl>
+              </a:graphicData>
+            </a:graphic>
+          </p:graphicFrame>
+        </mc:Fallback>
+      </mc:AlternateContent>
+      <p:sp>
+        <p:nvSpPr>
+          <p:cNvPr id="9" name="右箭头 8"/>
+          <p:cNvSpPr/>
+          <p:nvPr/>
+        </p:nvSpPr>
+        <p:spPr>
+          <a:xfrm>
+            <a:off x="5200650" y="2352040"/>
+            <a:ext cx="381000" cy="228600"/>
+          </a:xfrm>
+          <a:prstGeom prst="rightArrow">
+            <a:avLst/>
+          </a:prstGeom>
+        </p:spPr>
+        <p:style>
+          <a:lnRef idx="2">
+            <a:schemeClr val="dk1">
+              <a:shade val="50000"/>
+            </a:schemeClr>
+          </a:lnRef>
+          <a:fillRef idx="1">
+            <a:schemeClr val="dk1"/>
+          </a:fillRef>
+          <a:effectRef idx="0">
+            <a:schemeClr val="dk1"/>
+          </a:effectRef>
+          <a:fontRef idx="minor">
+            <a:schemeClr val="lt1"/>
+          </a:fontRef>
+        </p:style>
+        <p:txBody>
+          <a:bodyPr rtlCol="0" anchor="ctr"/>
+          <a:lstStyle/>
+          <a:p>
+            <a:pPr algn="ctr"/>
+            <a:endParaRPr lang="zh-CN" altLang="en-US"/>
+          </a:p>
+        </p:txBody>
+      </p:sp>
+      <p:sp>
+        <p:nvSpPr>
+          <p:cNvPr id="10" name="TextBox 9"/>
+          <p:cNvSpPr txBox="1"/>
+          <p:nvPr/>
+        </p:nvSpPr>
+        <p:spPr>
+          <a:xfrm>
+            <a:off x="2590800" y="1828800"/>
+            <a:ext cx="461665" cy="366447"/>
+          </a:xfrm>
+          <a:prstGeom prst="rect">
+            <a:avLst/>
+          </a:prstGeom>
+          <a:noFill/>
+        </p:spPr>
+        <p:txBody>
+          <a:bodyPr vert="eaVert" wrap="none" rtlCol="0">
+            <a:spAutoFit/>
+          </a:bodyPr>
+          <a:lstStyle/>
+          <a:p>
+            <a:r>
+              <a:rPr lang="en-US" altLang="zh-CN" dirty="0" smtClean="0"/>
+              <a:t>…..</a:t>
+            </a:r>
+            <a:endParaRPr lang="zh-CN" altLang="en-US" dirty="0"/>
+          </a:p>
+        </p:txBody>
+      </p:sp>
+      <p:sp>
+        <p:nvSpPr>
+          <p:cNvPr id="11" name="TextBox 10"/>
+          <p:cNvSpPr txBox="1"/>
+          <p:nvPr/>
+        </p:nvSpPr>
+        <p:spPr>
+          <a:xfrm>
+            <a:off x="5867400" y="1828800"/>
+            <a:ext cx="461665" cy="366447"/>
+          </a:xfrm>
+          <a:prstGeom prst="rect">
+            <a:avLst/>
+          </a:prstGeom>
+          <a:noFill/>
+        </p:spPr>
+        <p:txBody>
+          <a:bodyPr vert="eaVert" wrap="none" rtlCol="0">
+            <a:spAutoFit/>
+          </a:bodyPr>
+          <a:lstStyle/>
+          <a:p>
+            <a:r>
+              <a:rPr lang="en-US" altLang="zh-CN" dirty="0" smtClean="0"/>
+              <a:t>…..</a:t>
+            </a:r>
+            <a:endParaRPr lang="zh-CN" altLang="en-US" dirty="0"/>
+          </a:p>
+        </p:txBody>
+      </p:sp>
+    </p:spTree>
+    <p:extLst>
+      <p:ext uri="{BB962C8B-B14F-4D97-AF65-F5344CB8AC3E}">
+        <p14:creationId xmlns:p14="http://schemas.microsoft.com/office/powerpoint/2010/main" val="3494275626"/>
       </p:ext>
     </p:extLst>
   </p:cSld>
